--- a/projet4/projet4.pptx
+++ b/projet4/projet4.pptx
@@ -6,23 +6,19 @@
     <p:sldMasterId id="2147483696" r:id="rId2"/>
   </p:sldMasterIdLst>
   <p:notesMasterIdLst>
-    <p:notesMasterId r:id="rId17"/>
+    <p:notesMasterId r:id="rId13"/>
   </p:notesMasterIdLst>
   <p:sldIdLst>
     <p:sldId id="272" r:id="rId3"/>
-    <p:sldId id="273" r:id="rId4"/>
-    <p:sldId id="257" r:id="rId5"/>
-    <p:sldId id="271" r:id="rId6"/>
-    <p:sldId id="276" r:id="rId7"/>
-    <p:sldId id="275" r:id="rId8"/>
-    <p:sldId id="277" r:id="rId9"/>
+    <p:sldId id="281" r:id="rId4"/>
+    <p:sldId id="271" r:id="rId5"/>
+    <p:sldId id="273" r:id="rId6"/>
+    <p:sldId id="257" r:id="rId7"/>
+    <p:sldId id="276" r:id="rId8"/>
+    <p:sldId id="283" r:id="rId9"/>
     <p:sldId id="267" r:id="rId10"/>
-    <p:sldId id="268" r:id="rId11"/>
-    <p:sldId id="269" r:id="rId12"/>
-    <p:sldId id="279" r:id="rId13"/>
-    <p:sldId id="281" r:id="rId14"/>
-    <p:sldId id="262" r:id="rId15"/>
-    <p:sldId id="278" r:id="rId16"/>
+    <p:sldId id="262" r:id="rId11"/>
+    <p:sldId id="278" r:id="rId12"/>
   </p:sldIdLst>
   <p:sldSz cx="12192000" cy="6858000"/>
   <p:notesSz cx="6858000" cy="9144000"/>
@@ -179,6 +175,424 @@
     </pc:docChg>
   </pc:docChgLst>
   <pc:docChgLst>
+    <pc:chgData name="Christophe Lebrun" userId="303fc86cbab77272" providerId="LiveId" clId="{32139042-5609-4CF8-BDBC-12436EACA603}"/>
+    <pc:docChg chg="undo custSel addSld delSld modSld sldOrd">
+      <pc:chgData name="Christophe Lebrun" userId="303fc86cbab77272" providerId="LiveId" clId="{32139042-5609-4CF8-BDBC-12436EACA603}" dt="2019-08-06T11:45:12.080" v="2577" actId="1076"/>
+      <pc:docMkLst>
+        <pc:docMk/>
+      </pc:docMkLst>
+      <pc:sldChg chg="addSp delSp modSp">
+        <pc:chgData name="Christophe Lebrun" userId="303fc86cbab77272" providerId="LiveId" clId="{32139042-5609-4CF8-BDBC-12436EACA603}" dt="2019-08-06T10:20:15.127" v="1149" actId="478"/>
+        <pc:sldMkLst>
+          <pc:docMk/>
+          <pc:sldMk cId="1510174254" sldId="257"/>
+        </pc:sldMkLst>
+        <pc:spChg chg="mod">
+          <ac:chgData name="Christophe Lebrun" userId="303fc86cbab77272" providerId="LiveId" clId="{32139042-5609-4CF8-BDBC-12436EACA603}" dt="2019-08-06T10:07:27.973" v="781" actId="313"/>
+          <ac:spMkLst>
+            <pc:docMk/>
+            <pc:sldMk cId="1510174254" sldId="257"/>
+            <ac:spMk id="2" creationId="{96885828-B058-4F14-80D3-515FB1B2EA26}"/>
+          </ac:spMkLst>
+        </pc:spChg>
+        <pc:picChg chg="del">
+          <ac:chgData name="Christophe Lebrun" userId="303fc86cbab77272" providerId="LiveId" clId="{32139042-5609-4CF8-BDBC-12436EACA603}" dt="2019-08-06T10:03:32.992" v="747" actId="478"/>
+          <ac:picMkLst>
+            <pc:docMk/>
+            <pc:sldMk cId="1510174254" sldId="257"/>
+            <ac:picMk id="4" creationId="{7A7D343E-ABA7-4BAA-A824-BAEDDE707490}"/>
+          </ac:picMkLst>
+        </pc:picChg>
+        <pc:picChg chg="add">
+          <ac:chgData name="Christophe Lebrun" userId="303fc86cbab77272" providerId="LiveId" clId="{32139042-5609-4CF8-BDBC-12436EACA603}" dt="2019-08-06T10:03:34.727" v="748"/>
+          <ac:picMkLst>
+            <pc:docMk/>
+            <pc:sldMk cId="1510174254" sldId="257"/>
+            <ac:picMk id="7" creationId="{88833645-172C-45B3-92ED-AA6913C51AD9}"/>
+          </ac:picMkLst>
+        </pc:picChg>
+        <pc:picChg chg="add del">
+          <ac:chgData name="Christophe Lebrun" userId="303fc86cbab77272" providerId="LiveId" clId="{32139042-5609-4CF8-BDBC-12436EACA603}" dt="2019-08-06T10:20:15.127" v="1149" actId="478"/>
+          <ac:picMkLst>
+            <pc:docMk/>
+            <pc:sldMk cId="1510174254" sldId="257"/>
+            <ac:picMk id="8" creationId="{9AEB08B5-F575-4FD1-8A0E-DA69C9070793}"/>
+          </ac:picMkLst>
+        </pc:picChg>
+      </pc:sldChg>
+      <pc:sldChg chg="addSp delSp">
+        <pc:chgData name="Christophe Lebrun" userId="303fc86cbab77272" providerId="LiveId" clId="{32139042-5609-4CF8-BDBC-12436EACA603}" dt="2019-08-06T10:05:17.528" v="758"/>
+        <pc:sldMkLst>
+          <pc:docMk/>
+          <pc:sldMk cId="3375476623" sldId="262"/>
+        </pc:sldMkLst>
+        <pc:picChg chg="del">
+          <ac:chgData name="Christophe Lebrun" userId="303fc86cbab77272" providerId="LiveId" clId="{32139042-5609-4CF8-BDBC-12436EACA603}" dt="2019-08-06T10:05:16.516" v="757" actId="478"/>
+          <ac:picMkLst>
+            <pc:docMk/>
+            <pc:sldMk cId="3375476623" sldId="262"/>
+            <ac:picMk id="4" creationId="{9CBF5E3F-BCB8-4359-8676-70D1B51D1662}"/>
+          </ac:picMkLst>
+        </pc:picChg>
+        <pc:picChg chg="add">
+          <ac:chgData name="Christophe Lebrun" userId="303fc86cbab77272" providerId="LiveId" clId="{32139042-5609-4CF8-BDBC-12436EACA603}" dt="2019-08-06T10:05:17.528" v="758"/>
+          <ac:picMkLst>
+            <pc:docMk/>
+            <pc:sldMk cId="3375476623" sldId="262"/>
+            <ac:picMk id="6" creationId="{5BB76AC3-C0C4-471F-A850-5358456796F0}"/>
+          </ac:picMkLst>
+        </pc:picChg>
+      </pc:sldChg>
+      <pc:sldChg chg="addSp delSp modSp">
+        <pc:chgData name="Christophe Lebrun" userId="303fc86cbab77272" providerId="LiveId" clId="{32139042-5609-4CF8-BDBC-12436EACA603}" dt="2019-08-06T10:05:01.426" v="756"/>
+        <pc:sldMkLst>
+          <pc:docMk/>
+          <pc:sldMk cId="3031979299" sldId="267"/>
+        </pc:sldMkLst>
+        <pc:spChg chg="mod">
+          <ac:chgData name="Christophe Lebrun" userId="303fc86cbab77272" providerId="LiveId" clId="{32139042-5609-4CF8-BDBC-12436EACA603}" dt="2019-08-06T10:05:01.426" v="756"/>
+          <ac:spMkLst>
+            <pc:docMk/>
+            <pc:sldMk cId="3031979299" sldId="267"/>
+            <ac:spMk id="2" creationId="{96885828-B058-4F14-80D3-515FB1B2EA26}"/>
+          </ac:spMkLst>
+        </pc:spChg>
+        <pc:picChg chg="del">
+          <ac:chgData name="Christophe Lebrun" userId="303fc86cbab77272" providerId="LiveId" clId="{32139042-5609-4CF8-BDBC-12436EACA603}" dt="2019-08-06T10:04:10.029" v="752" actId="478"/>
+          <ac:picMkLst>
+            <pc:docMk/>
+            <pc:sldMk cId="3031979299" sldId="267"/>
+            <ac:picMk id="4" creationId="{28EC06FB-BF48-4CD2-A6E6-66BE8363898D}"/>
+          </ac:picMkLst>
+        </pc:picChg>
+        <pc:picChg chg="add">
+          <ac:chgData name="Christophe Lebrun" userId="303fc86cbab77272" providerId="LiveId" clId="{32139042-5609-4CF8-BDBC-12436EACA603}" dt="2019-08-06T10:04:12.324" v="753"/>
+          <ac:picMkLst>
+            <pc:docMk/>
+            <pc:sldMk cId="3031979299" sldId="267"/>
+            <ac:picMk id="8" creationId="{8DF89ACA-1E99-4CBA-86BB-C51FE92C94B0}"/>
+          </ac:picMkLst>
+        </pc:picChg>
+      </pc:sldChg>
+      <pc:sldChg chg="addSp delSp modSp">
+        <pc:chgData name="Christophe Lebrun" userId="303fc86cbab77272" providerId="LiveId" clId="{32139042-5609-4CF8-BDBC-12436EACA603}" dt="2019-08-06T10:06:28.283" v="777" actId="113"/>
+        <pc:sldMkLst>
+          <pc:docMk/>
+          <pc:sldMk cId="3576308320" sldId="271"/>
+        </pc:sldMkLst>
+        <pc:spChg chg="mod">
+          <ac:chgData name="Christophe Lebrun" userId="303fc86cbab77272" providerId="LiveId" clId="{32139042-5609-4CF8-BDBC-12436EACA603}" dt="2019-08-06T10:06:28.283" v="777" actId="113"/>
+          <ac:spMkLst>
+            <pc:docMk/>
+            <pc:sldMk cId="3576308320" sldId="271"/>
+            <ac:spMk id="2" creationId="{5C9A419A-49B0-418E-80CB-42594B300BD2}"/>
+          </ac:spMkLst>
+        </pc:spChg>
+        <pc:spChg chg="mod">
+          <ac:chgData name="Christophe Lebrun" userId="303fc86cbab77272" providerId="LiveId" clId="{32139042-5609-4CF8-BDBC-12436EACA603}" dt="2019-08-06T09:49:00.514" v="566" actId="1076"/>
+          <ac:spMkLst>
+            <pc:docMk/>
+            <pc:sldMk cId="3576308320" sldId="271"/>
+            <ac:spMk id="3" creationId="{9392442C-B3A0-4638-B622-291C64F6FED7}"/>
+          </ac:spMkLst>
+        </pc:spChg>
+        <pc:picChg chg="del">
+          <ac:chgData name="Christophe Lebrun" userId="303fc86cbab77272" providerId="LiveId" clId="{32139042-5609-4CF8-BDBC-12436EACA603}" dt="2019-08-06T09:34:16.356" v="15" actId="478"/>
+          <ac:picMkLst>
+            <pc:docMk/>
+            <pc:sldMk cId="3576308320" sldId="271"/>
+            <ac:picMk id="4" creationId="{336CFBE4-1E27-434B-B0F9-E5E92EB73C3A}"/>
+          </ac:picMkLst>
+        </pc:picChg>
+        <pc:picChg chg="add mod">
+          <ac:chgData name="Christophe Lebrun" userId="303fc86cbab77272" providerId="LiveId" clId="{32139042-5609-4CF8-BDBC-12436EACA603}" dt="2019-08-06T09:34:47.127" v="17" actId="1076"/>
+          <ac:picMkLst>
+            <pc:docMk/>
+            <pc:sldMk cId="3576308320" sldId="271"/>
+            <ac:picMk id="1026" creationId="{47BD1711-2520-4CCC-85F1-48F4FB4CE765}"/>
+          </ac:picMkLst>
+        </pc:picChg>
+      </pc:sldChg>
+      <pc:sldChg chg="modSp">
+        <pc:chgData name="Christophe Lebrun" userId="303fc86cbab77272" providerId="LiveId" clId="{32139042-5609-4CF8-BDBC-12436EACA603}" dt="2019-08-06T09:34:12.654" v="14" actId="207"/>
+        <pc:sldMkLst>
+          <pc:docMk/>
+          <pc:sldMk cId="4251976526" sldId="272"/>
+        </pc:sldMkLst>
+        <pc:spChg chg="mod">
+          <ac:chgData name="Christophe Lebrun" userId="303fc86cbab77272" providerId="LiveId" clId="{32139042-5609-4CF8-BDBC-12436EACA603}" dt="2019-08-06T09:33:42.729" v="12" actId="20577"/>
+          <ac:spMkLst>
+            <pc:docMk/>
+            <pc:sldMk cId="4251976526" sldId="272"/>
+            <ac:spMk id="2" creationId="{6E84EF98-294B-45BE-A755-5FE2EA5C9B5F}"/>
+          </ac:spMkLst>
+        </pc:spChg>
+        <pc:spChg chg="mod">
+          <ac:chgData name="Christophe Lebrun" userId="303fc86cbab77272" providerId="LiveId" clId="{32139042-5609-4CF8-BDBC-12436EACA603}" dt="2019-08-06T09:32:37.593" v="3" actId="113"/>
+          <ac:spMkLst>
+            <pc:docMk/>
+            <pc:sldMk cId="4251976526" sldId="272"/>
+            <ac:spMk id="3" creationId="{34D75187-D88F-4F53-B18A-EE11258D12A0}"/>
+          </ac:spMkLst>
+        </pc:spChg>
+        <pc:spChg chg="mod">
+          <ac:chgData name="Christophe Lebrun" userId="303fc86cbab77272" providerId="LiveId" clId="{32139042-5609-4CF8-BDBC-12436EACA603}" dt="2019-08-06T09:33:55.273" v="13" actId="1076"/>
+          <ac:spMkLst>
+            <pc:docMk/>
+            <pc:sldMk cId="4251976526" sldId="272"/>
+            <ac:spMk id="4" creationId="{9C646D9E-13BE-45F2-B603-936E1E00092D}"/>
+          </ac:spMkLst>
+        </pc:spChg>
+        <pc:spChg chg="mod">
+          <ac:chgData name="Christophe Lebrun" userId="303fc86cbab77272" providerId="LiveId" clId="{32139042-5609-4CF8-BDBC-12436EACA603}" dt="2019-08-06T09:34:12.654" v="14" actId="207"/>
+          <ac:spMkLst>
+            <pc:docMk/>
+            <pc:sldMk cId="4251976526" sldId="272"/>
+            <ac:spMk id="6" creationId="{968DD6B4-A058-473F-99B6-FECCF66B654A}"/>
+          </ac:spMkLst>
+        </pc:spChg>
+      </pc:sldChg>
+      <pc:sldChg chg="addSp delSp modSp">
+        <pc:chgData name="Christophe Lebrun" userId="303fc86cbab77272" providerId="LiveId" clId="{32139042-5609-4CF8-BDBC-12436EACA603}" dt="2019-08-06T10:19:32.792" v="1147" actId="1076"/>
+        <pc:sldMkLst>
+          <pc:docMk/>
+          <pc:sldMk cId="3271512906" sldId="273"/>
+        </pc:sldMkLst>
+        <pc:spChg chg="mod">
+          <ac:chgData name="Christophe Lebrun" userId="303fc86cbab77272" providerId="LiveId" clId="{32139042-5609-4CF8-BDBC-12436EACA603}" dt="2019-08-06T10:03:04.895" v="745" actId="20577"/>
+          <ac:spMkLst>
+            <pc:docMk/>
+            <pc:sldMk cId="3271512906" sldId="273"/>
+            <ac:spMk id="3" creationId="{65C25AD1-BD09-42CD-AAA1-A13586FB9A0B}"/>
+          </ac:spMkLst>
+        </pc:spChg>
+        <pc:spChg chg="mod">
+          <ac:chgData name="Christophe Lebrun" userId="303fc86cbab77272" providerId="LiveId" clId="{32139042-5609-4CF8-BDBC-12436EACA603}" dt="2019-08-06T10:19:32.792" v="1147" actId="1076"/>
+          <ac:spMkLst>
+            <pc:docMk/>
+            <pc:sldMk cId="3271512906" sldId="273"/>
+            <ac:spMk id="6" creationId="{1DB8435F-3D5B-46B0-8734-A0D3FB2E8B19}"/>
+          </ac:spMkLst>
+        </pc:spChg>
+        <pc:picChg chg="add mod">
+          <ac:chgData name="Christophe Lebrun" userId="303fc86cbab77272" providerId="LiveId" clId="{32139042-5609-4CF8-BDBC-12436EACA603}" dt="2019-08-06T09:48:18.144" v="538" actId="1076"/>
+          <ac:picMkLst>
+            <pc:docMk/>
+            <pc:sldMk cId="3271512906" sldId="273"/>
+            <ac:picMk id="7" creationId="{DC2215AB-7FE3-4E7F-BB64-2E8576B9D696}"/>
+          </ac:picMkLst>
+        </pc:picChg>
+        <pc:picChg chg="del">
+          <ac:chgData name="Christophe Lebrun" userId="303fc86cbab77272" providerId="LiveId" clId="{32139042-5609-4CF8-BDBC-12436EACA603}" dt="2019-08-06T09:48:04.457" v="536" actId="478"/>
+          <ac:picMkLst>
+            <pc:docMk/>
+            <pc:sldMk cId="3271512906" sldId="273"/>
+            <ac:picMk id="1026" creationId="{3F11651A-2CE6-4C13-BDED-49765DEC8D67}"/>
+          </ac:picMkLst>
+        </pc:picChg>
+      </pc:sldChg>
+      <pc:sldChg chg="del">
+        <pc:chgData name="Christophe Lebrun" userId="303fc86cbab77272" providerId="LiveId" clId="{32139042-5609-4CF8-BDBC-12436EACA603}" dt="2019-08-06T10:03:58.917" v="750" actId="2696"/>
+        <pc:sldMkLst>
+          <pc:docMk/>
+          <pc:sldMk cId="3504856278" sldId="275"/>
+        </pc:sldMkLst>
+      </pc:sldChg>
+      <pc:sldChg chg="addSp delSp modSp">
+        <pc:chgData name="Christophe Lebrun" userId="303fc86cbab77272" providerId="LiveId" clId="{32139042-5609-4CF8-BDBC-12436EACA603}" dt="2019-08-06T10:16:44.492" v="1143" actId="113"/>
+        <pc:sldMkLst>
+          <pc:docMk/>
+          <pc:sldMk cId="1478984346" sldId="276"/>
+        </pc:sldMkLst>
+        <pc:spChg chg="mod">
+          <ac:chgData name="Christophe Lebrun" userId="303fc86cbab77272" providerId="LiveId" clId="{32139042-5609-4CF8-BDBC-12436EACA603}" dt="2019-08-06T10:06:39.826" v="778" actId="113"/>
+          <ac:spMkLst>
+            <pc:docMk/>
+            <pc:sldMk cId="1478984346" sldId="276"/>
+            <ac:spMk id="2" creationId="{5C9A419A-49B0-418E-80CB-42594B300BD2}"/>
+          </ac:spMkLst>
+        </pc:spChg>
+        <pc:spChg chg="mod">
+          <ac:chgData name="Christophe Lebrun" userId="303fc86cbab77272" providerId="LiveId" clId="{32139042-5609-4CF8-BDBC-12436EACA603}" dt="2019-08-06T10:16:44.492" v="1143" actId="113"/>
+          <ac:spMkLst>
+            <pc:docMk/>
+            <pc:sldMk cId="1478984346" sldId="276"/>
+            <ac:spMk id="3" creationId="{9392442C-B3A0-4638-B622-291C64F6FED7}"/>
+          </ac:spMkLst>
+        </pc:spChg>
+        <pc:picChg chg="del">
+          <ac:chgData name="Christophe Lebrun" userId="303fc86cbab77272" providerId="LiveId" clId="{32139042-5609-4CF8-BDBC-12436EACA603}" dt="2019-08-06T10:08:47.043" v="782" actId="478"/>
+          <ac:picMkLst>
+            <pc:docMk/>
+            <pc:sldMk cId="1478984346" sldId="276"/>
+            <ac:picMk id="5" creationId="{F6E9DA27-E88A-41B7-B8BD-86CE053BDCEF}"/>
+          </ac:picMkLst>
+        </pc:picChg>
+        <pc:picChg chg="add">
+          <ac:chgData name="Christophe Lebrun" userId="303fc86cbab77272" providerId="LiveId" clId="{32139042-5609-4CF8-BDBC-12436EACA603}" dt="2019-08-06T10:08:49.168" v="783"/>
+          <ac:picMkLst>
+            <pc:docMk/>
+            <pc:sldMk cId="1478984346" sldId="276"/>
+            <ac:picMk id="7" creationId="{3C113C34-27E5-444F-8695-D5F390C7C770}"/>
+          </ac:picMkLst>
+        </pc:picChg>
+        <pc:picChg chg="add mod">
+          <ac:chgData name="Christophe Lebrun" userId="303fc86cbab77272" providerId="LiveId" clId="{32139042-5609-4CF8-BDBC-12436EACA603}" dt="2019-08-06T10:10:22" v="786" actId="1076"/>
+          <ac:picMkLst>
+            <pc:docMk/>
+            <pc:sldMk cId="1478984346" sldId="276"/>
+            <ac:picMk id="8" creationId="{9668152F-709E-480D-A804-1469650945F3}"/>
+          </ac:picMkLst>
+        </pc:picChg>
+      </pc:sldChg>
+      <pc:sldChg chg="del">
+        <pc:chgData name="Christophe Lebrun" userId="303fc86cbab77272" providerId="LiveId" clId="{32139042-5609-4CF8-BDBC-12436EACA603}" dt="2019-08-06T10:03:58.917" v="749" actId="2696"/>
+        <pc:sldMkLst>
+          <pc:docMk/>
+          <pc:sldMk cId="211462842" sldId="277"/>
+        </pc:sldMkLst>
+      </pc:sldChg>
+      <pc:sldChg chg="addSp delSp">
+        <pc:chgData name="Christophe Lebrun" userId="303fc86cbab77272" providerId="LiveId" clId="{32139042-5609-4CF8-BDBC-12436EACA603}" dt="2019-08-06T10:05:29.263" v="760"/>
+        <pc:sldMkLst>
+          <pc:docMk/>
+          <pc:sldMk cId="3559895393" sldId="278"/>
+        </pc:sldMkLst>
+        <pc:picChg chg="del">
+          <ac:chgData name="Christophe Lebrun" userId="303fc86cbab77272" providerId="LiveId" clId="{32139042-5609-4CF8-BDBC-12436EACA603}" dt="2019-08-06T10:05:27.716" v="759" actId="478"/>
+          <ac:picMkLst>
+            <pc:docMk/>
+            <pc:sldMk cId="3559895393" sldId="278"/>
+            <ac:picMk id="6" creationId="{EA23741F-3518-440E-BEB3-C850837ACBA3}"/>
+          </ac:picMkLst>
+        </pc:picChg>
+        <pc:picChg chg="add">
+          <ac:chgData name="Christophe Lebrun" userId="303fc86cbab77272" providerId="LiveId" clId="{32139042-5609-4CF8-BDBC-12436EACA603}" dt="2019-08-06T10:05:29.263" v="760"/>
+          <ac:picMkLst>
+            <pc:docMk/>
+            <pc:sldMk cId="3559895393" sldId="278"/>
+            <ac:picMk id="7" creationId="{66AA73F2-622F-4C68-9B49-D36B2110457B}"/>
+          </ac:picMkLst>
+        </pc:picChg>
+      </pc:sldChg>
+      <pc:sldChg chg="del">
+        <pc:chgData name="Christophe Lebrun" userId="303fc86cbab77272" providerId="LiveId" clId="{32139042-5609-4CF8-BDBC-12436EACA603}" dt="2019-08-06T10:03:58.917" v="751" actId="2696"/>
+        <pc:sldMkLst>
+          <pc:docMk/>
+          <pc:sldMk cId="1631397488" sldId="280"/>
+        </pc:sldMkLst>
+      </pc:sldChg>
+      <pc:sldChg chg="addSp delSp modSp ord">
+        <pc:chgData name="Christophe Lebrun" userId="303fc86cbab77272" providerId="LiveId" clId="{32139042-5609-4CF8-BDBC-12436EACA603}" dt="2019-08-06T09:44:54.864" v="350" actId="403"/>
+        <pc:sldMkLst>
+          <pc:docMk/>
+          <pc:sldMk cId="2833374160" sldId="281"/>
+        </pc:sldMkLst>
+        <pc:spChg chg="mod">
+          <ac:chgData name="Christophe Lebrun" userId="303fc86cbab77272" providerId="LiveId" clId="{32139042-5609-4CF8-BDBC-12436EACA603}" dt="2019-08-06T09:44:54.864" v="350" actId="403"/>
+          <ac:spMkLst>
+            <pc:docMk/>
+            <pc:sldMk cId="2833374160" sldId="281"/>
+            <ac:spMk id="2" creationId="{859271E4-0F1C-49A2-A674-5837229DC44E}"/>
+          </ac:spMkLst>
+        </pc:spChg>
+        <pc:picChg chg="add mod">
+          <ac:chgData name="Christophe Lebrun" userId="303fc86cbab77272" providerId="LiveId" clId="{32139042-5609-4CF8-BDBC-12436EACA603}" dt="2019-08-06T09:40:33.118" v="54" actId="1076"/>
+          <ac:picMkLst>
+            <pc:docMk/>
+            <pc:sldMk cId="2833374160" sldId="281"/>
+            <ac:picMk id="4" creationId="{73A529E2-FC5F-4400-B990-C03EDF8DD8DC}"/>
+          </ac:picMkLst>
+        </pc:picChg>
+        <pc:picChg chg="del">
+          <ac:chgData name="Christophe Lebrun" userId="303fc86cbab77272" providerId="LiveId" clId="{32139042-5609-4CF8-BDBC-12436EACA603}" dt="2019-08-06T09:40:22.417" v="52" actId="478"/>
+          <ac:picMkLst>
+            <pc:docMk/>
+            <pc:sldMk cId="2833374160" sldId="281"/>
+            <ac:picMk id="5" creationId="{32FE1C47-E0E1-49FA-ADA2-D52922BAE838}"/>
+          </ac:picMkLst>
+        </pc:picChg>
+      </pc:sldChg>
+      <pc:sldChg chg="addSp delSp modSp">
+        <pc:chgData name="Christophe Lebrun" userId="303fc86cbab77272" providerId="LiveId" clId="{32139042-5609-4CF8-BDBC-12436EACA603}" dt="2019-08-06T11:45:12.080" v="2577" actId="1076"/>
+        <pc:sldMkLst>
+          <pc:docMk/>
+          <pc:sldMk cId="4229974391" sldId="283"/>
+        </pc:sldMkLst>
+        <pc:spChg chg="mod">
+          <ac:chgData name="Christophe Lebrun" userId="303fc86cbab77272" providerId="LiveId" clId="{32139042-5609-4CF8-BDBC-12436EACA603}" dt="2019-08-06T10:21:01.286" v="1154" actId="1076"/>
+          <ac:spMkLst>
+            <pc:docMk/>
+            <pc:sldMk cId="4229974391" sldId="283"/>
+            <ac:spMk id="2" creationId="{7850C025-007E-4FA0-BD5D-262373463563}"/>
+          </ac:spMkLst>
+        </pc:spChg>
+        <pc:spChg chg="mod">
+          <ac:chgData name="Christophe Lebrun" userId="303fc86cbab77272" providerId="LiveId" clId="{32139042-5609-4CF8-BDBC-12436EACA603}" dt="2019-08-06T11:45:12.080" v="2577" actId="1076"/>
+          <ac:spMkLst>
+            <pc:docMk/>
+            <pc:sldMk cId="4229974391" sldId="283"/>
+            <ac:spMk id="3" creationId="{46474F09-B1B9-454A-9F56-5CA66AE284CF}"/>
+          </ac:spMkLst>
+        </pc:spChg>
+        <pc:spChg chg="del">
+          <ac:chgData name="Christophe Lebrun" userId="303fc86cbab77272" providerId="LiveId" clId="{32139042-5609-4CF8-BDBC-12436EACA603}" dt="2019-08-06T10:19:16.687" v="1145" actId="478"/>
+          <ac:spMkLst>
+            <pc:docMk/>
+            <pc:sldMk cId="4229974391" sldId="283"/>
+            <ac:spMk id="4" creationId="{9060DAD9-B23C-424D-BF03-523D3C81A70D}"/>
+          </ac:spMkLst>
+        </pc:spChg>
+        <pc:spChg chg="add mod">
+          <ac:chgData name="Christophe Lebrun" userId="303fc86cbab77272" providerId="LiveId" clId="{32139042-5609-4CF8-BDBC-12436EACA603}" dt="2019-08-06T10:19:19.711" v="1146" actId="1076"/>
+          <ac:spMkLst>
+            <pc:docMk/>
+            <pc:sldMk cId="4229974391" sldId="283"/>
+            <ac:spMk id="5" creationId="{5FD0754F-2D60-4FA5-A704-EFCE0FF46133}"/>
+          </ac:spMkLst>
+        </pc:spChg>
+        <pc:picChg chg="add mod">
+          <ac:chgData name="Christophe Lebrun" userId="303fc86cbab77272" providerId="LiveId" clId="{32139042-5609-4CF8-BDBC-12436EACA603}" dt="2019-08-06T10:20:43.664" v="1152" actId="14100"/>
+          <ac:picMkLst>
+            <pc:docMk/>
+            <pc:sldMk cId="4229974391" sldId="283"/>
+            <ac:picMk id="6" creationId="{689E9768-C673-4714-A022-EABB64687512}"/>
+          </ac:picMkLst>
+        </pc:picChg>
+      </pc:sldChg>
+      <pc:sldChg chg="addSp modSp add del">
+        <pc:chgData name="Christophe Lebrun" userId="303fc86cbab77272" providerId="LiveId" clId="{32139042-5609-4CF8-BDBC-12436EACA603}" dt="2019-08-06T10:03:22.444" v="746" actId="2696"/>
+        <pc:sldMkLst>
+          <pc:docMk/>
+          <pc:sldMk cId="3829544719" sldId="284"/>
+        </pc:sldMkLst>
+        <pc:spChg chg="add mod">
+          <ac:chgData name="Christophe Lebrun" userId="303fc86cbab77272" providerId="LiveId" clId="{32139042-5609-4CF8-BDBC-12436EACA603}" dt="2019-08-06T10:01:52.359" v="654" actId="20577"/>
+          <ac:spMkLst>
+            <pc:docMk/>
+            <pc:sldMk cId="3829544719" sldId="284"/>
+            <ac:spMk id="3" creationId="{05F24CD7-5A45-48C9-89D6-C8898A3F6501}"/>
+          </ac:spMkLst>
+        </pc:spChg>
+      </pc:sldChg>
+      <pc:sldChg chg="addSp add del">
+        <pc:chgData name="Christophe Lebrun" userId="303fc86cbab77272" providerId="LiveId" clId="{32139042-5609-4CF8-BDBC-12436EACA603}" dt="2019-08-06T09:48:41.713" v="564" actId="2696"/>
+        <pc:sldMkLst>
+          <pc:docMk/>
+          <pc:sldMk cId="4017673962" sldId="284"/>
+        </pc:sldMkLst>
+        <pc:spChg chg="add">
+          <ac:chgData name="Christophe Lebrun" userId="303fc86cbab77272" providerId="LiveId" clId="{32139042-5609-4CF8-BDBC-12436EACA603}" dt="2019-08-06T09:45:35.238" v="352"/>
+          <ac:spMkLst>
+            <pc:docMk/>
+            <pc:sldMk cId="4017673962" sldId="284"/>
+            <ac:spMk id="3" creationId="{BA27E61A-3AC8-43B3-B6B0-4885B57E3565}"/>
+          </ac:spMkLst>
+        </pc:spChg>
+      </pc:sldChg>
+    </pc:docChg>
+  </pc:docChgLst>
+  <pc:docChgLst>
     <pc:chgData name="Christophe Lebrun" userId="303fc86cbab77272" providerId="LiveId" clId="{C038AB08-8586-42FB-AD35-067813437C7B}"/>
     <pc:docChg chg="custSel addSld delSld modSld sldOrd">
       <pc:chgData name="Christophe Lebrun" userId="303fc86cbab77272" providerId="LiveId" clId="{C038AB08-8586-42FB-AD35-067813437C7B}" dt="2019-06-11T13:27:09.959" v="273"/>
@@ -238,36 +652,6 @@
           </ac:spMkLst>
         </pc:spChg>
       </pc:sldChg>
-      <pc:sldChg chg="modSp add">
-        <pc:chgData name="Christophe Lebrun" userId="303fc86cbab77272" providerId="LiveId" clId="{C038AB08-8586-42FB-AD35-067813437C7B}" dt="2019-06-11T13:10:27.239" v="251" actId="20577"/>
-        <pc:sldMkLst>
-          <pc:docMk/>
-          <pc:sldMk cId="693144656" sldId="268"/>
-        </pc:sldMkLst>
-        <pc:spChg chg="mod">
-          <ac:chgData name="Christophe Lebrun" userId="303fc86cbab77272" providerId="LiveId" clId="{C038AB08-8586-42FB-AD35-067813437C7B}" dt="2019-06-11T13:10:27.239" v="251" actId="20577"/>
-          <ac:spMkLst>
-            <pc:docMk/>
-            <pc:sldMk cId="693144656" sldId="268"/>
-            <ac:spMk id="2" creationId="{96885828-B058-4F14-80D3-515FB1B2EA26}"/>
-          </ac:spMkLst>
-        </pc:spChg>
-      </pc:sldChg>
-      <pc:sldChg chg="modSp add">
-        <pc:chgData name="Christophe Lebrun" userId="303fc86cbab77272" providerId="LiveId" clId="{C038AB08-8586-42FB-AD35-067813437C7B}" dt="2019-06-11T13:10:23.293" v="250" actId="20577"/>
-        <pc:sldMkLst>
-          <pc:docMk/>
-          <pc:sldMk cId="639279893" sldId="269"/>
-        </pc:sldMkLst>
-        <pc:spChg chg="mod">
-          <ac:chgData name="Christophe Lebrun" userId="303fc86cbab77272" providerId="LiveId" clId="{C038AB08-8586-42FB-AD35-067813437C7B}" dt="2019-06-11T13:10:23.293" v="250" actId="20577"/>
-          <ac:spMkLst>
-            <pc:docMk/>
-            <pc:sldMk cId="639279893" sldId="269"/>
-            <ac:spMk id="2" creationId="{96885828-B058-4F14-80D3-515FB1B2EA26}"/>
-          </ac:spMkLst>
-        </pc:spChg>
-      </pc:sldChg>
       <pc:sldChg chg="add">
         <pc:chgData name="Christophe Lebrun" userId="303fc86cbab77272" providerId="LiveId" clId="{C038AB08-8586-42FB-AD35-067813437C7B}" dt="2019-06-11T13:27:09.959" v="273"/>
         <pc:sldMkLst>
@@ -280,16 +664,32 @@
   <pc:docChgLst>
     <pc:chgData name="Christophe Lebrun" userId="303fc86cbab77272" providerId="LiveId" clId="{A4B10A2C-AC96-4C3D-BA25-8EF5DF9CDB4E}"/>
     <pc:docChg chg="undo custSel addSld delSld modSld sldOrd">
-      <pc:chgData name="Christophe Lebrun" userId="303fc86cbab77272" providerId="LiveId" clId="{A4B10A2C-AC96-4C3D-BA25-8EF5DF9CDB4E}" dt="2019-07-31T15:14:44.748" v="2307" actId="14100"/>
+      <pc:chgData name="Christophe Lebrun" userId="303fc86cbab77272" providerId="LiveId" clId="{A4B10A2C-AC96-4C3D-BA25-8EF5DF9CDB4E}" dt="2019-08-02T14:26:29.436" v="3687" actId="113"/>
       <pc:docMkLst>
         <pc:docMk/>
       </pc:docMkLst>
-      <pc:sldChg chg="addSp modSp">
-        <pc:chgData name="Christophe Lebrun" userId="303fc86cbab77272" providerId="LiveId" clId="{A4B10A2C-AC96-4C3D-BA25-8EF5DF9CDB4E}" dt="2019-07-23T09:49:07.886" v="220" actId="1076"/>
+      <pc:sldChg chg="addSp delSp modSp">
+        <pc:chgData name="Christophe Lebrun" userId="303fc86cbab77272" providerId="LiveId" clId="{A4B10A2C-AC96-4C3D-BA25-8EF5DF9CDB4E}" dt="2019-08-01T08:47:25.057" v="2373"/>
         <pc:sldMkLst>
           <pc:docMk/>
           <pc:sldMk cId="1510174254" sldId="257"/>
         </pc:sldMkLst>
+        <pc:spChg chg="del">
+          <ac:chgData name="Christophe Lebrun" userId="303fc86cbab77272" providerId="LiveId" clId="{A4B10A2C-AC96-4C3D-BA25-8EF5DF9CDB4E}" dt="2019-08-01T08:47:23.448" v="2372" actId="478"/>
+          <ac:spMkLst>
+            <pc:docMk/>
+            <pc:sldMk cId="1510174254" sldId="257"/>
+            <ac:spMk id="5" creationId="{FF6AA46B-03BB-4CE9-8429-8B8E39E26B60}"/>
+          </ac:spMkLst>
+        </pc:spChg>
+        <pc:spChg chg="add">
+          <ac:chgData name="Christophe Lebrun" userId="303fc86cbab77272" providerId="LiveId" clId="{A4B10A2C-AC96-4C3D-BA25-8EF5DF9CDB4E}" dt="2019-08-01T08:47:25.057" v="2373"/>
+          <ac:spMkLst>
+            <pc:docMk/>
+            <pc:sldMk cId="1510174254" sldId="257"/>
+            <ac:spMk id="6" creationId="{2F10977A-4C16-4D01-AC77-DA41EC3976E0}"/>
+          </ac:spMkLst>
+        </pc:spChg>
         <pc:picChg chg="add mod">
           <ac:chgData name="Christophe Lebrun" userId="303fc86cbab77272" providerId="LiveId" clId="{A4B10A2C-AC96-4C3D-BA25-8EF5DF9CDB4E}" dt="2019-07-23T09:49:07.886" v="220" actId="1076"/>
           <ac:picMkLst>
@@ -300,7 +700,7 @@
         </pc:picChg>
       </pc:sldChg>
       <pc:sldChg chg="addSp delSp modSp">
-        <pc:chgData name="Christophe Lebrun" userId="303fc86cbab77272" providerId="LiveId" clId="{A4B10A2C-AC96-4C3D-BA25-8EF5DF9CDB4E}" dt="2019-07-23T13:08:38.987" v="1536"/>
+        <pc:chgData name="Christophe Lebrun" userId="303fc86cbab77272" providerId="LiveId" clId="{A4B10A2C-AC96-4C3D-BA25-8EF5DF9CDB4E}" dt="2019-08-01T08:48:18.871" v="2382" actId="478"/>
         <pc:sldMkLst>
           <pc:docMk/>
           <pc:sldMk cId="3375476623" sldId="262"/>
@@ -313,12 +713,28 @@
             <ac:spMk id="2" creationId="{964011A4-8F80-4EB8-891E-8BB51852960E}"/>
           </ac:spMkLst>
         </pc:spChg>
+        <pc:spChg chg="del mod">
+          <ac:chgData name="Christophe Lebrun" userId="303fc86cbab77272" providerId="LiveId" clId="{A4B10A2C-AC96-4C3D-BA25-8EF5DF9CDB4E}" dt="2019-08-01T08:48:18.871" v="2382" actId="478"/>
+          <ac:spMkLst>
+            <pc:docMk/>
+            <pc:sldMk cId="3375476623" sldId="262"/>
+            <ac:spMk id="3" creationId="{57FC146F-313B-4AF6-A78D-00020B714D99}"/>
+          </ac:spMkLst>
+        </pc:spChg>
         <pc:spChg chg="del">
           <ac:chgData name="Christophe Lebrun" userId="303fc86cbab77272" providerId="LiveId" clId="{A4B10A2C-AC96-4C3D-BA25-8EF5DF9CDB4E}" dt="2019-07-23T09:49:23.726" v="225" actId="478"/>
           <ac:spMkLst>
             <pc:docMk/>
             <pc:sldMk cId="3375476623" sldId="262"/>
             <ac:spMk id="3" creationId="{8FFAA1DA-ABB7-4B94-BF58-51C2D6C3564F}"/>
+          </ac:spMkLst>
+        </pc:spChg>
+        <pc:spChg chg="add">
+          <ac:chgData name="Christophe Lebrun" userId="303fc86cbab77272" providerId="LiveId" clId="{A4B10A2C-AC96-4C3D-BA25-8EF5DF9CDB4E}" dt="2019-08-01T08:48:15.934" v="2381"/>
+          <ac:spMkLst>
+            <pc:docMk/>
+            <pc:sldMk cId="3375476623" sldId="262"/>
+            <ac:spMk id="5" creationId="{75B687DA-E829-4436-98F8-FF693735BCC6}"/>
           </ac:spMkLst>
         </pc:spChg>
         <pc:picChg chg="add">
@@ -339,11 +755,35 @@
         </pc:picChg>
       </pc:sldChg>
       <pc:sldChg chg="addSp delSp modSp">
-        <pc:chgData name="Christophe Lebrun" userId="303fc86cbab77272" providerId="LiveId" clId="{A4B10A2C-AC96-4C3D-BA25-8EF5DF9CDB4E}" dt="2019-07-23T09:52:46.727" v="246" actId="478"/>
+        <pc:chgData name="Christophe Lebrun" userId="303fc86cbab77272" providerId="LiveId" clId="{A4B10A2C-AC96-4C3D-BA25-8EF5DF9CDB4E}" dt="2019-08-01T09:30:04.897" v="2409" actId="1076"/>
         <pc:sldMkLst>
           <pc:docMk/>
           <pc:sldMk cId="3031979299" sldId="267"/>
         </pc:sldMkLst>
+        <pc:spChg chg="mod">
+          <ac:chgData name="Christophe Lebrun" userId="303fc86cbab77272" providerId="LiveId" clId="{A4B10A2C-AC96-4C3D-BA25-8EF5DF9CDB4E}" dt="2019-08-01T09:30:04.897" v="2409" actId="1076"/>
+          <ac:spMkLst>
+            <pc:docMk/>
+            <pc:sldMk cId="3031979299" sldId="267"/>
+            <ac:spMk id="2" creationId="{96885828-B058-4F14-80D3-515FB1B2EA26}"/>
+          </ac:spMkLst>
+        </pc:spChg>
+        <pc:spChg chg="del">
+          <ac:chgData name="Christophe Lebrun" userId="303fc86cbab77272" providerId="LiveId" clId="{A4B10A2C-AC96-4C3D-BA25-8EF5DF9CDB4E}" dt="2019-08-01T08:46:45.240" v="2364" actId="478"/>
+          <ac:spMkLst>
+            <pc:docMk/>
+            <pc:sldMk cId="3031979299" sldId="267"/>
+            <ac:spMk id="5" creationId="{34FD805E-EF0A-49BE-9763-1613616FA117}"/>
+          </ac:spMkLst>
+        </pc:spChg>
+        <pc:spChg chg="add">
+          <ac:chgData name="Christophe Lebrun" userId="303fc86cbab77272" providerId="LiveId" clId="{A4B10A2C-AC96-4C3D-BA25-8EF5DF9CDB4E}" dt="2019-08-01T08:46:47.115" v="2365"/>
+          <ac:spMkLst>
+            <pc:docMk/>
+            <pc:sldMk cId="3031979299" sldId="267"/>
+            <ac:spMk id="7" creationId="{8606EA2F-E9B4-4C87-83C3-46F31FE9182D}"/>
+          </ac:spMkLst>
+        </pc:spChg>
         <pc:picChg chg="add">
           <ac:chgData name="Christophe Lebrun" userId="303fc86cbab77272" providerId="LiveId" clId="{A4B10A2C-AC96-4C3D-BA25-8EF5DF9CDB4E}" dt="2019-07-23T09:49:13.369" v="221"/>
           <ac:picMkLst>
@@ -369,62 +809,8 @@
           </ac:picMkLst>
         </pc:picChg>
       </pc:sldChg>
-      <pc:sldChg chg="addSp delSp">
-        <pc:chgData name="Christophe Lebrun" userId="303fc86cbab77272" providerId="LiveId" clId="{A4B10A2C-AC96-4C3D-BA25-8EF5DF9CDB4E}" dt="2019-07-23T09:52:48.211" v="247" actId="478"/>
-        <pc:sldMkLst>
-          <pc:docMk/>
-          <pc:sldMk cId="693144656" sldId="268"/>
-        </pc:sldMkLst>
-        <pc:picChg chg="add">
-          <ac:chgData name="Christophe Lebrun" userId="303fc86cbab77272" providerId="LiveId" clId="{A4B10A2C-AC96-4C3D-BA25-8EF5DF9CDB4E}" dt="2019-07-23T09:49:15.853" v="222"/>
-          <ac:picMkLst>
-            <pc:docMk/>
-            <pc:sldMk cId="693144656" sldId="268"/>
-            <ac:picMk id="4" creationId="{9D505E56-4A6D-491C-BF10-252DE5BD588B}"/>
-          </ac:picMkLst>
-        </pc:picChg>
-        <pc:picChg chg="add del">
-          <ac:chgData name="Christophe Lebrun" userId="303fc86cbab77272" providerId="LiveId" clId="{A4B10A2C-AC96-4C3D-BA25-8EF5DF9CDB4E}" dt="2019-07-23T09:52:48.211" v="247" actId="478"/>
-          <ac:picMkLst>
-            <pc:docMk/>
-            <pc:sldMk cId="693144656" sldId="268"/>
-            <ac:picMk id="5" creationId="{42D7DD45-3080-4268-81CF-7BCFC9727A1F}"/>
-          </ac:picMkLst>
-        </pc:picChg>
-        <pc:picChg chg="add">
-          <ac:chgData name="Christophe Lebrun" userId="303fc86cbab77272" providerId="LiveId" clId="{A4B10A2C-AC96-4C3D-BA25-8EF5DF9CDB4E}" dt="2019-07-23T09:52:42.696" v="244"/>
-          <ac:picMkLst>
-            <pc:docMk/>
-            <pc:sldMk cId="693144656" sldId="268"/>
-            <ac:picMk id="6" creationId="{81AD17D2-048E-48CB-BD6C-CBC098E81736}"/>
-          </ac:picMkLst>
-        </pc:picChg>
-      </pc:sldChg>
-      <pc:sldChg chg="addSp modSp">
-        <pc:chgData name="Christophe Lebrun" userId="303fc86cbab77272" providerId="LiveId" clId="{A4B10A2C-AC96-4C3D-BA25-8EF5DF9CDB4E}" dt="2019-07-23T09:52:36.026" v="243" actId="1076"/>
-        <pc:sldMkLst>
-          <pc:docMk/>
-          <pc:sldMk cId="639279893" sldId="269"/>
-        </pc:sldMkLst>
-        <pc:picChg chg="add">
-          <ac:chgData name="Christophe Lebrun" userId="303fc86cbab77272" providerId="LiveId" clId="{A4B10A2C-AC96-4C3D-BA25-8EF5DF9CDB4E}" dt="2019-07-23T09:49:17.961" v="223"/>
-          <ac:picMkLst>
-            <pc:docMk/>
-            <pc:sldMk cId="639279893" sldId="269"/>
-            <ac:picMk id="4" creationId="{81C279DD-6D21-4CEE-837F-E550D932A41E}"/>
-          </ac:picMkLst>
-        </pc:picChg>
-        <pc:picChg chg="add mod">
-          <ac:chgData name="Christophe Lebrun" userId="303fc86cbab77272" providerId="LiveId" clId="{A4B10A2C-AC96-4C3D-BA25-8EF5DF9CDB4E}" dt="2019-07-23T09:52:36.026" v="243" actId="1076"/>
-          <ac:picMkLst>
-            <pc:docMk/>
-            <pc:sldMk cId="639279893" sldId="269"/>
-            <ac:picMk id="5" creationId="{6882FADE-58D9-4D93-8177-07668C3CBC89}"/>
-          </ac:picMkLst>
-        </pc:picChg>
-      </pc:sldChg>
-      <pc:sldChg chg="addSp modSp ord">
-        <pc:chgData name="Christophe Lebrun" userId="303fc86cbab77272" providerId="LiveId" clId="{A4B10A2C-AC96-4C3D-BA25-8EF5DF9CDB4E}" dt="2019-07-23T10:00:28.218" v="367" actId="207"/>
+      <pc:sldChg chg="addSp delSp modSp ord">
+        <pc:chgData name="Christophe Lebrun" userId="303fc86cbab77272" providerId="LiveId" clId="{A4B10A2C-AC96-4C3D-BA25-8EF5DF9CDB4E}" dt="2019-08-01T08:47:43.041" v="2377"/>
         <pc:sldMkLst>
           <pc:docMk/>
           <pc:sldMk cId="3576308320" sldId="271"/>
@@ -445,6 +831,22 @@
             <ac:spMk id="3" creationId="{9392442C-B3A0-4638-B622-291C64F6FED7}"/>
           </ac:spMkLst>
         </pc:spChg>
+        <pc:spChg chg="del">
+          <ac:chgData name="Christophe Lebrun" userId="303fc86cbab77272" providerId="LiveId" clId="{A4B10A2C-AC96-4C3D-BA25-8EF5DF9CDB4E}" dt="2019-08-01T08:47:41.166" v="2376" actId="478"/>
+          <ac:spMkLst>
+            <pc:docMk/>
+            <pc:sldMk cId="3576308320" sldId="271"/>
+            <ac:spMk id="5" creationId="{F5A364DD-1A1C-44EF-B7D3-B3FA83AEF59F}"/>
+          </ac:spMkLst>
+        </pc:spChg>
+        <pc:spChg chg="add">
+          <ac:chgData name="Christophe Lebrun" userId="303fc86cbab77272" providerId="LiveId" clId="{A4B10A2C-AC96-4C3D-BA25-8EF5DF9CDB4E}" dt="2019-08-01T08:47:43.041" v="2377"/>
+          <ac:spMkLst>
+            <pc:docMk/>
+            <pc:sldMk cId="3576308320" sldId="271"/>
+            <ac:spMk id="6" creationId="{76442820-B957-4E3F-837C-4D0E995BC418}"/>
+          </ac:spMkLst>
+        </pc:spChg>
         <pc:picChg chg="add mod">
           <ac:chgData name="Christophe Lebrun" userId="303fc86cbab77272" providerId="LiveId" clId="{A4B10A2C-AC96-4C3D-BA25-8EF5DF9CDB4E}" dt="2019-07-23T09:56:46.319" v="286" actId="1076"/>
           <ac:picMkLst>
@@ -454,8 +856,8 @@
           </ac:picMkLst>
         </pc:picChg>
       </pc:sldChg>
-      <pc:sldChg chg="modSp add">
-        <pc:chgData name="Christophe Lebrun" userId="303fc86cbab77272" providerId="LiveId" clId="{A4B10A2C-AC96-4C3D-BA25-8EF5DF9CDB4E}" dt="2019-07-23T09:48:05.726" v="216" actId="114"/>
+      <pc:sldChg chg="delSp modSp add">
+        <pc:chgData name="Christophe Lebrun" userId="303fc86cbab77272" providerId="LiveId" clId="{A4B10A2C-AC96-4C3D-BA25-8EF5DF9CDB4E}" dt="2019-08-01T08:47:48.477" v="2378" actId="478"/>
         <pc:sldMkLst>
           <pc:docMk/>
           <pc:sldMk cId="4251976526" sldId="272"/>
@@ -469,6 +871,14 @@
           </ac:spMkLst>
         </pc:spChg>
         <pc:spChg chg="mod">
+          <ac:chgData name="Christophe Lebrun" userId="303fc86cbab77272" providerId="LiveId" clId="{A4B10A2C-AC96-4C3D-BA25-8EF5DF9CDB4E}" dt="2019-07-31T17:07:20.817" v="2326" actId="108"/>
+          <ac:spMkLst>
+            <pc:docMk/>
+            <pc:sldMk cId="4251976526" sldId="272"/>
+            <ac:spMk id="3" creationId="{34D75187-D88F-4F53-B18A-EE11258D12A0}"/>
+          </ac:spMkLst>
+        </pc:spChg>
+        <pc:spChg chg="mod">
           <ac:chgData name="Christophe Lebrun" userId="303fc86cbab77272" providerId="LiveId" clId="{A4B10A2C-AC96-4C3D-BA25-8EF5DF9CDB4E}" dt="2019-07-23T09:48:05.726" v="216" actId="114"/>
           <ac:spMkLst>
             <pc:docMk/>
@@ -476,9 +886,25 @@
             <ac:spMk id="4" creationId="{9C646D9E-13BE-45F2-B603-936E1E00092D}"/>
           </ac:spMkLst>
         </pc:spChg>
+        <pc:spChg chg="mod">
+          <ac:chgData name="Christophe Lebrun" userId="303fc86cbab77272" providerId="LiveId" clId="{A4B10A2C-AC96-4C3D-BA25-8EF5DF9CDB4E}" dt="2019-07-31T17:07:44.968" v="2334" actId="20577"/>
+          <ac:spMkLst>
+            <pc:docMk/>
+            <pc:sldMk cId="4251976526" sldId="272"/>
+            <ac:spMk id="6" creationId="{968DD6B4-A058-473F-99B6-FECCF66B654A}"/>
+          </ac:spMkLst>
+        </pc:spChg>
+        <pc:spChg chg="del">
+          <ac:chgData name="Christophe Lebrun" userId="303fc86cbab77272" providerId="LiveId" clId="{A4B10A2C-AC96-4C3D-BA25-8EF5DF9CDB4E}" dt="2019-08-01T08:47:48.477" v="2378" actId="478"/>
+          <ac:spMkLst>
+            <pc:docMk/>
+            <pc:sldMk cId="4251976526" sldId="272"/>
+            <ac:spMk id="7" creationId="{CE8A075B-468F-454E-AB43-A9C8CAD22EF7}"/>
+          </ac:spMkLst>
+        </pc:spChg>
       </pc:sldChg>
       <pc:sldChg chg="addSp delSp modSp add">
-        <pc:chgData name="Christophe Lebrun" userId="303fc86cbab77272" providerId="LiveId" clId="{A4B10A2C-AC96-4C3D-BA25-8EF5DF9CDB4E}" dt="2019-07-23T13:07:26.165" v="1533" actId="1076"/>
+        <pc:chgData name="Christophe Lebrun" userId="303fc86cbab77272" providerId="LiveId" clId="{A4B10A2C-AC96-4C3D-BA25-8EF5DF9CDB4E}" dt="2019-08-01T08:47:31.637" v="2375"/>
         <pc:sldMkLst>
           <pc:docMk/>
           <pc:sldMk cId="3271512906" sldId="273"/>
@@ -499,6 +925,22 @@
             <ac:spMk id="3" creationId="{65C25AD1-BD09-42CD-AAA1-A13586FB9A0B}"/>
           </ac:spMkLst>
         </pc:spChg>
+        <pc:spChg chg="del">
+          <ac:chgData name="Christophe Lebrun" userId="303fc86cbab77272" providerId="LiveId" clId="{A4B10A2C-AC96-4C3D-BA25-8EF5DF9CDB4E}" dt="2019-08-01T08:47:30.091" v="2374" actId="478"/>
+          <ac:spMkLst>
+            <pc:docMk/>
+            <pc:sldMk cId="3271512906" sldId="273"/>
+            <ac:spMk id="4" creationId="{EB8A9CDC-2AC7-43D2-A50B-49BB65551129}"/>
+          </ac:spMkLst>
+        </pc:spChg>
+        <pc:spChg chg="add">
+          <ac:chgData name="Christophe Lebrun" userId="303fc86cbab77272" providerId="LiveId" clId="{A4B10A2C-AC96-4C3D-BA25-8EF5DF9CDB4E}" dt="2019-08-01T08:47:31.637" v="2375"/>
+          <ac:spMkLst>
+            <pc:docMk/>
+            <pc:sldMk cId="3271512906" sldId="273"/>
+            <ac:spMk id="6" creationId="{1DB8435F-3D5B-46B0-8734-A0D3FB2E8B19}"/>
+          </ac:spMkLst>
+        </pc:spChg>
         <pc:picChg chg="del">
           <ac:chgData name="Christophe Lebrun" userId="303fc86cbab77272" providerId="LiveId" clId="{A4B10A2C-AC96-4C3D-BA25-8EF5DF9CDB4E}" dt="2019-07-23T09:42:23.117" v="13" actId="478"/>
           <ac:picMkLst>
@@ -517,70 +959,7 @@
         </pc:picChg>
       </pc:sldChg>
       <pc:sldChg chg="addSp delSp modSp add">
-        <pc:chgData name="Christophe Lebrun" userId="303fc86cbab77272" providerId="LiveId" clId="{A4B10A2C-AC96-4C3D-BA25-8EF5DF9CDB4E}" dt="2019-07-29T15:03:31.474" v="1656" actId="113"/>
-        <pc:sldMkLst>
-          <pc:docMk/>
-          <pc:sldMk cId="3504856278" sldId="275"/>
-        </pc:sldMkLst>
-        <pc:spChg chg="mod">
-          <ac:chgData name="Christophe Lebrun" userId="303fc86cbab77272" providerId="LiveId" clId="{A4B10A2C-AC96-4C3D-BA25-8EF5DF9CDB4E}" dt="2019-07-25T08:32:55.679" v="1596" actId="20577"/>
-          <ac:spMkLst>
-            <pc:docMk/>
-            <pc:sldMk cId="3504856278" sldId="275"/>
-            <ac:spMk id="2" creationId="{5C9A419A-49B0-418E-80CB-42594B300BD2}"/>
-          </ac:spMkLst>
-        </pc:spChg>
-        <pc:spChg chg="mod">
-          <ac:chgData name="Christophe Lebrun" userId="303fc86cbab77272" providerId="LiveId" clId="{A4B10A2C-AC96-4C3D-BA25-8EF5DF9CDB4E}" dt="2019-07-29T11:36:09.737" v="1599" actId="20577"/>
-          <ac:spMkLst>
-            <pc:docMk/>
-            <pc:sldMk cId="3504856278" sldId="275"/>
-            <ac:spMk id="3" creationId="{9392442C-B3A0-4638-B622-291C64F6FED7}"/>
-          </ac:spMkLst>
-        </pc:spChg>
-        <pc:spChg chg="add mod">
-          <ac:chgData name="Christophe Lebrun" userId="303fc86cbab77272" providerId="LiveId" clId="{A4B10A2C-AC96-4C3D-BA25-8EF5DF9CDB4E}" dt="2019-07-29T15:03:31.474" v="1656" actId="113"/>
-          <ac:spMkLst>
-            <pc:docMk/>
-            <pc:sldMk cId="3504856278" sldId="275"/>
-            <ac:spMk id="8" creationId="{F1EF1C3B-62E6-4A25-B35A-A81E49651BE7}"/>
-          </ac:spMkLst>
-        </pc:spChg>
-        <pc:picChg chg="add">
-          <ac:chgData name="Christophe Lebrun" userId="303fc86cbab77272" providerId="LiveId" clId="{A4B10A2C-AC96-4C3D-BA25-8EF5DF9CDB4E}" dt="2019-07-23T10:16:30.945" v="736"/>
-          <ac:picMkLst>
-            <pc:docMk/>
-            <pc:sldMk cId="3504856278" sldId="275"/>
-            <ac:picMk id="4" creationId="{8DC6CFBB-310A-4308-AB0D-90B13E2B9DD2}"/>
-          </ac:picMkLst>
-        </pc:picChg>
-        <pc:picChg chg="add del mod">
-          <ac:chgData name="Christophe Lebrun" userId="303fc86cbab77272" providerId="LiveId" clId="{A4B10A2C-AC96-4C3D-BA25-8EF5DF9CDB4E}" dt="2019-07-23T11:58:23.607" v="767" actId="478"/>
-          <ac:picMkLst>
-            <pc:docMk/>
-            <pc:sldMk cId="3504856278" sldId="275"/>
-            <ac:picMk id="5" creationId="{8E35D118-FD76-4C8F-B1F6-FEE00EF5E6AF}"/>
-          </ac:picMkLst>
-        </pc:picChg>
-        <pc:picChg chg="add mod">
-          <ac:chgData name="Christophe Lebrun" userId="303fc86cbab77272" providerId="LiveId" clId="{A4B10A2C-AC96-4C3D-BA25-8EF5DF9CDB4E}" dt="2019-07-23T13:06:35.481" v="1530"/>
-          <ac:picMkLst>
-            <pc:docMk/>
-            <pc:sldMk cId="3504856278" sldId="275"/>
-            <ac:picMk id="7" creationId="{2230EAD1-7326-4804-95DA-F2533C1670F8}"/>
-          </ac:picMkLst>
-        </pc:picChg>
-        <pc:picChg chg="add mod">
-          <ac:chgData name="Christophe Lebrun" userId="303fc86cbab77272" providerId="LiveId" clId="{A4B10A2C-AC96-4C3D-BA25-8EF5DF9CDB4E}" dt="2019-07-29T15:01:19.611" v="1655" actId="1076"/>
-          <ac:picMkLst>
-            <pc:docMk/>
-            <pc:sldMk cId="3504856278" sldId="275"/>
-            <ac:picMk id="10" creationId="{52CEABC8-2283-48FC-BBF3-AF2E591C28DA}"/>
-          </ac:picMkLst>
-        </pc:picChg>
-      </pc:sldChg>
-      <pc:sldChg chg="addSp modSp add">
-        <pc:chgData name="Christophe Lebrun" userId="303fc86cbab77272" providerId="LiveId" clId="{A4B10A2C-AC96-4C3D-BA25-8EF5DF9CDB4E}" dt="2019-07-23T13:07:45.098" v="1534" actId="1076"/>
+        <pc:chgData name="Christophe Lebrun" userId="303fc86cbab77272" providerId="LiveId" clId="{A4B10A2C-AC96-4C3D-BA25-8EF5DF9CDB4E}" dt="2019-08-02T14:14:13.839" v="2707" actId="1076"/>
         <pc:sldMkLst>
           <pc:docMk/>
           <pc:sldMk cId="1478984346" sldId="276"/>
@@ -594,11 +973,27 @@
           </ac:spMkLst>
         </pc:spChg>
         <pc:spChg chg="mod">
-          <ac:chgData name="Christophe Lebrun" userId="303fc86cbab77272" providerId="LiveId" clId="{A4B10A2C-AC96-4C3D-BA25-8EF5DF9CDB4E}" dt="2019-07-23T10:12:16.395" v="706" actId="1076"/>
+          <ac:chgData name="Christophe Lebrun" userId="303fc86cbab77272" providerId="LiveId" clId="{A4B10A2C-AC96-4C3D-BA25-8EF5DF9CDB4E}" dt="2019-08-02T14:14:13.839" v="2707" actId="1076"/>
           <ac:spMkLst>
             <pc:docMk/>
             <pc:sldMk cId="1478984346" sldId="276"/>
             <ac:spMk id="3" creationId="{9392442C-B3A0-4638-B622-291C64F6FED7}"/>
+          </ac:spMkLst>
+        </pc:spChg>
+        <pc:spChg chg="del">
+          <ac:chgData name="Christophe Lebrun" userId="303fc86cbab77272" providerId="LiveId" clId="{A4B10A2C-AC96-4C3D-BA25-8EF5DF9CDB4E}" dt="2019-08-01T08:47:13.404" v="2370" actId="478"/>
+          <ac:spMkLst>
+            <pc:docMk/>
+            <pc:sldMk cId="1478984346" sldId="276"/>
+            <ac:spMk id="4" creationId="{2FE16DDD-503D-4A5D-AC51-DE2BF2928870}"/>
+          </ac:spMkLst>
+        </pc:spChg>
+        <pc:spChg chg="add">
+          <ac:chgData name="Christophe Lebrun" userId="303fc86cbab77272" providerId="LiveId" clId="{A4B10A2C-AC96-4C3D-BA25-8EF5DF9CDB4E}" dt="2019-08-01T08:47:15.231" v="2371"/>
+          <ac:spMkLst>
+            <pc:docMk/>
+            <pc:sldMk cId="1478984346" sldId="276"/>
+            <ac:spMk id="6" creationId="{5E00C3BC-F857-4F8A-B344-42D30B295FAB}"/>
           </ac:spMkLst>
         </pc:spChg>
         <pc:picChg chg="add mod">
@@ -611,90 +1006,35 @@
         </pc:picChg>
       </pc:sldChg>
       <pc:sldChg chg="addSp delSp modSp add">
-        <pc:chgData name="Christophe Lebrun" userId="303fc86cbab77272" providerId="LiveId" clId="{A4B10A2C-AC96-4C3D-BA25-8EF5DF9CDB4E}" dt="2019-07-25T08:32:05.449" v="1583" actId="20577"/>
-        <pc:sldMkLst>
-          <pc:docMk/>
-          <pc:sldMk cId="211462842" sldId="277"/>
-        </pc:sldMkLst>
-        <pc:spChg chg="mod">
-          <ac:chgData name="Christophe Lebrun" userId="303fc86cbab77272" providerId="LiveId" clId="{A4B10A2C-AC96-4C3D-BA25-8EF5DF9CDB4E}" dt="2019-07-25T08:32:05.449" v="1583" actId="20577"/>
-          <ac:spMkLst>
-            <pc:docMk/>
-            <pc:sldMk cId="211462842" sldId="277"/>
-            <ac:spMk id="2" creationId="{5C9A419A-49B0-418E-80CB-42594B300BD2}"/>
-          </ac:spMkLst>
-        </pc:spChg>
-        <pc:spChg chg="del">
-          <ac:chgData name="Christophe Lebrun" userId="303fc86cbab77272" providerId="LiveId" clId="{A4B10A2C-AC96-4C3D-BA25-8EF5DF9CDB4E}" dt="2019-07-23T13:00:56.544" v="1472" actId="478"/>
-          <ac:spMkLst>
-            <pc:docMk/>
-            <pc:sldMk cId="211462842" sldId="277"/>
-            <ac:spMk id="3" creationId="{9392442C-B3A0-4638-B622-291C64F6FED7}"/>
-          </ac:spMkLst>
-        </pc:spChg>
-        <pc:spChg chg="add mod">
-          <ac:chgData name="Christophe Lebrun" userId="303fc86cbab77272" providerId="LiveId" clId="{A4B10A2C-AC96-4C3D-BA25-8EF5DF9CDB4E}" dt="2019-07-23T13:31:25.930" v="1556" actId="14100"/>
-          <ac:spMkLst>
-            <pc:docMk/>
-            <pc:sldMk cId="211462842" sldId="277"/>
-            <ac:spMk id="8" creationId="{57C4E686-3597-442C-BBB1-830520299636}"/>
-          </ac:spMkLst>
-        </pc:spChg>
-        <pc:spChg chg="add mod">
-          <ac:chgData name="Christophe Lebrun" userId="303fc86cbab77272" providerId="LiveId" clId="{A4B10A2C-AC96-4C3D-BA25-8EF5DF9CDB4E}" dt="2019-07-23T13:31:43.504" v="1561" actId="1076"/>
-          <ac:spMkLst>
-            <pc:docMk/>
-            <pc:sldMk cId="211462842" sldId="277"/>
-            <ac:spMk id="14" creationId="{0A8AF74F-B830-4402-AADB-EFA4639683A9}"/>
-          </ac:spMkLst>
-        </pc:spChg>
-        <pc:picChg chg="del mod">
-          <ac:chgData name="Christophe Lebrun" userId="303fc86cbab77272" providerId="LiveId" clId="{A4B10A2C-AC96-4C3D-BA25-8EF5DF9CDB4E}" dt="2019-07-23T12:59:15.482" v="1460"/>
-          <ac:picMkLst>
-            <pc:docMk/>
-            <pc:sldMk cId="211462842" sldId="277"/>
-            <ac:picMk id="5" creationId="{8E35D118-FD76-4C8F-B1F6-FEE00EF5E6AF}"/>
-          </ac:picMkLst>
-        </pc:picChg>
-        <pc:picChg chg="add mod">
-          <ac:chgData name="Christophe Lebrun" userId="303fc86cbab77272" providerId="LiveId" clId="{A4B10A2C-AC96-4C3D-BA25-8EF5DF9CDB4E}" dt="2019-07-23T13:32:05.424" v="1564" actId="1076"/>
-          <ac:picMkLst>
-            <pc:docMk/>
-            <pc:sldMk cId="211462842" sldId="277"/>
-            <ac:picMk id="7" creationId="{D347BAAE-C7F7-4FB5-A972-F402E5E4D14F}"/>
-          </ac:picMkLst>
-        </pc:picChg>
-        <pc:picChg chg="add del mod">
-          <ac:chgData name="Christophe Lebrun" userId="303fc86cbab77272" providerId="LiveId" clId="{A4B10A2C-AC96-4C3D-BA25-8EF5DF9CDB4E}" dt="2019-07-23T13:00:21.485" v="1464" actId="478"/>
-          <ac:picMkLst>
-            <pc:docMk/>
-            <pc:sldMk cId="211462842" sldId="277"/>
-            <ac:picMk id="10" creationId="{73C8E6DC-3A86-4493-9853-3BDE683BE3BD}"/>
-          </ac:picMkLst>
-        </pc:picChg>
-        <pc:picChg chg="add mod">
-          <ac:chgData name="Christophe Lebrun" userId="303fc86cbab77272" providerId="LiveId" clId="{A4B10A2C-AC96-4C3D-BA25-8EF5DF9CDB4E}" dt="2019-07-23T13:31:30.752" v="1557" actId="1076"/>
-          <ac:picMkLst>
-            <pc:docMk/>
-            <pc:sldMk cId="211462842" sldId="277"/>
-            <ac:picMk id="12" creationId="{E0A54B51-8DAD-46A8-978B-DB6B2FE8F88C}"/>
-          </ac:picMkLst>
-        </pc:picChg>
-        <pc:picChg chg="add mod">
-          <ac:chgData name="Christophe Lebrun" userId="303fc86cbab77272" providerId="LiveId" clId="{A4B10A2C-AC96-4C3D-BA25-8EF5DF9CDB4E}" dt="2019-07-23T13:31:51.298" v="1562" actId="1076"/>
-          <ac:picMkLst>
-            <pc:docMk/>
-            <pc:sldMk cId="211462842" sldId="277"/>
-            <ac:picMk id="13" creationId="{E58CF93F-438F-4F3B-8032-0078B590B66C}"/>
-          </ac:picMkLst>
-        </pc:picChg>
-      </pc:sldChg>
-      <pc:sldChg chg="addSp delSp add">
-        <pc:chgData name="Christophe Lebrun" userId="303fc86cbab77272" providerId="LiveId" clId="{A4B10A2C-AC96-4C3D-BA25-8EF5DF9CDB4E}" dt="2019-07-23T13:08:54.346" v="1539"/>
+        <pc:chgData name="Christophe Lebrun" userId="303fc86cbab77272" providerId="LiveId" clId="{A4B10A2C-AC96-4C3D-BA25-8EF5DF9CDB4E}" dt="2019-08-01T09:46:10.825" v="2413" actId="113"/>
         <pc:sldMkLst>
           <pc:docMk/>
           <pc:sldMk cId="3559895393" sldId="278"/>
         </pc:sldMkLst>
+        <pc:spChg chg="mod">
+          <ac:chgData name="Christophe Lebrun" userId="303fc86cbab77272" providerId="LiveId" clId="{A4B10A2C-AC96-4C3D-BA25-8EF5DF9CDB4E}" dt="2019-08-01T09:46:10.825" v="2413" actId="113"/>
+          <ac:spMkLst>
+            <pc:docMk/>
+            <pc:sldMk cId="3559895393" sldId="278"/>
+            <ac:spMk id="2" creationId="{FA44BE58-2168-473C-B291-2AD6719F7F65}"/>
+          </ac:spMkLst>
+        </pc:spChg>
+        <pc:spChg chg="del mod">
+          <ac:chgData name="Christophe Lebrun" userId="303fc86cbab77272" providerId="LiveId" clId="{A4B10A2C-AC96-4C3D-BA25-8EF5DF9CDB4E}" dt="2019-08-01T08:48:25.857" v="2384" actId="478"/>
+          <ac:spMkLst>
+            <pc:docMk/>
+            <pc:sldMk cId="3559895393" sldId="278"/>
+            <ac:spMk id="4" creationId="{F18D4CBE-9ECE-4A81-AA55-0ACFCF7B8E8F}"/>
+          </ac:spMkLst>
+        </pc:spChg>
+        <pc:spChg chg="add">
+          <ac:chgData name="Christophe Lebrun" userId="303fc86cbab77272" providerId="LiveId" clId="{A4B10A2C-AC96-4C3D-BA25-8EF5DF9CDB4E}" dt="2019-08-01T08:48:23.170" v="2383"/>
+          <ac:spMkLst>
+            <pc:docMk/>
+            <pc:sldMk cId="3559895393" sldId="278"/>
+            <ac:spMk id="5" creationId="{3D1D1AB8-7851-4721-BE32-CE6F1CBEFB5E}"/>
+          </ac:spMkLst>
+        </pc:spChg>
         <pc:picChg chg="del">
           <ac:chgData name="Christophe Lebrun" userId="303fc86cbab77272" providerId="LiveId" clId="{A4B10A2C-AC96-4C3D-BA25-8EF5DF9CDB4E}" dt="2019-07-23T13:08:48.331" v="1538" actId="478"/>
           <ac:picMkLst>
@@ -712,63 +1052,57 @@
           </ac:picMkLst>
         </pc:picChg>
       </pc:sldChg>
-      <pc:sldChg chg="modSp add">
-        <pc:chgData name="Christophe Lebrun" userId="303fc86cbab77272" providerId="LiveId" clId="{A4B10A2C-AC96-4C3D-BA25-8EF5DF9CDB4E}" dt="2019-07-31T15:14:44.748" v="2307" actId="14100"/>
+      <pc:sldChg chg="addSp delSp modSp add ord">
+        <pc:chgData name="Christophe Lebrun" userId="303fc86cbab77272" providerId="LiveId" clId="{A4B10A2C-AC96-4C3D-BA25-8EF5DF9CDB4E}" dt="2019-08-02T14:02:22.012" v="2618" actId="20577"/>
         <pc:sldMkLst>
           <pc:docMk/>
-          <pc:sldMk cId="3885582004" sldId="279"/>
+          <pc:sldMk cId="2833374160" sldId="281"/>
         </pc:sldMkLst>
         <pc:spChg chg="mod">
-          <ac:chgData name="Christophe Lebrun" userId="303fc86cbab77272" providerId="LiveId" clId="{A4B10A2C-AC96-4C3D-BA25-8EF5DF9CDB4E}" dt="2019-07-31T15:14:40.052" v="2306" actId="1076"/>
+          <ac:chgData name="Christophe Lebrun" userId="303fc86cbab77272" providerId="LiveId" clId="{A4B10A2C-AC96-4C3D-BA25-8EF5DF9CDB4E}" dt="2019-08-02T14:02:22.012" v="2618" actId="20577"/>
           <ac:spMkLst>
             <pc:docMk/>
-            <pc:sldMk cId="3885582004" sldId="279"/>
-            <ac:spMk id="2" creationId="{8484DD3D-163C-48C0-B971-F4330D5AF85C}"/>
+            <pc:sldMk cId="2833374160" sldId="281"/>
+            <ac:spMk id="2" creationId="{859271E4-0F1C-49A2-A674-5837229DC44E}"/>
           </ac:spMkLst>
         </pc:spChg>
-        <pc:spChg chg="mod">
-          <ac:chgData name="Christophe Lebrun" userId="303fc86cbab77272" providerId="LiveId" clId="{A4B10A2C-AC96-4C3D-BA25-8EF5DF9CDB4E}" dt="2019-07-31T15:14:44.748" v="2307" actId="14100"/>
+        <pc:spChg chg="del">
+          <ac:chgData name="Christophe Lebrun" userId="303fc86cbab77272" providerId="LiveId" clId="{A4B10A2C-AC96-4C3D-BA25-8EF5DF9CDB4E}" dt="2019-08-02T13:59:47.588" v="2600" actId="478"/>
           <ac:spMkLst>
             <pc:docMk/>
-            <pc:sldMk cId="3885582004" sldId="279"/>
-            <ac:spMk id="3" creationId="{9D04824F-670C-478E-B97F-289EF20F17A0}"/>
+            <pc:sldMk cId="2833374160" sldId="281"/>
+            <ac:spMk id="3" creationId="{AC191F27-E3EE-4599-B47D-9E2ED5AD9FA1}"/>
           </ac:spMkLst>
         </pc:spChg>
-      </pc:sldChg>
-      <pc:sldChg chg="add del">
-        <pc:chgData name="Christophe Lebrun" userId="303fc86cbab77272" providerId="LiveId" clId="{A4B10A2C-AC96-4C3D-BA25-8EF5DF9CDB4E}" dt="2019-07-31T15:04:04.915" v="1776" actId="2696"/>
-        <pc:sldMkLst>
-          <pc:docMk/>
-          <pc:sldMk cId="1813291209" sldId="280"/>
-        </pc:sldMkLst>
-      </pc:sldChg>
-      <pc:sldChg chg="modSp add del">
-        <pc:chgData name="Christophe Lebrun" userId="303fc86cbab77272" providerId="LiveId" clId="{A4B10A2C-AC96-4C3D-BA25-8EF5DF9CDB4E}" dt="2019-07-31T14:02:49.126" v="1729" actId="2696"/>
-        <pc:sldMkLst>
-          <pc:docMk/>
-          <pc:sldMk cId="2187191915" sldId="280"/>
-        </pc:sldMkLst>
-        <pc:spChg chg="mod">
-          <ac:chgData name="Christophe Lebrun" userId="303fc86cbab77272" providerId="LiveId" clId="{A4B10A2C-AC96-4C3D-BA25-8EF5DF9CDB4E}" dt="2019-07-31T14:02:32.777" v="1728" actId="20577"/>
+        <pc:spChg chg="add del mod">
+          <ac:chgData name="Christophe Lebrun" userId="303fc86cbab77272" providerId="LiveId" clId="{A4B10A2C-AC96-4C3D-BA25-8EF5DF9CDB4E}" dt="2019-08-02T13:59:51.616" v="2601" actId="478"/>
           <ac:spMkLst>
             <pc:docMk/>
-            <pc:sldMk cId="2187191915" sldId="280"/>
-            <ac:spMk id="3" creationId="{9D04824F-670C-478E-B97F-289EF20F17A0}"/>
+            <pc:sldMk cId="2833374160" sldId="281"/>
+            <ac:spMk id="6" creationId="{74E88FAE-EA97-4A58-B5C9-59165F7B78DE}"/>
           </ac:spMkLst>
         </pc:spChg>
       </pc:sldChg>
       <pc:sldChg chg="modSp add">
-        <pc:chgData name="Christophe Lebrun" userId="303fc86cbab77272" providerId="LiveId" clId="{A4B10A2C-AC96-4C3D-BA25-8EF5DF9CDB4E}" dt="2019-07-31T15:08:10.756" v="2077"/>
+        <pc:chgData name="Christophe Lebrun" userId="303fc86cbab77272" providerId="LiveId" clId="{A4B10A2C-AC96-4C3D-BA25-8EF5DF9CDB4E}" dt="2019-08-02T14:26:29.436" v="3687" actId="113"/>
         <pc:sldMkLst>
           <pc:docMk/>
-          <pc:sldMk cId="3597435836" sldId="281"/>
+          <pc:sldMk cId="4229974391" sldId="283"/>
         </pc:sldMkLst>
         <pc:spChg chg="mod">
-          <ac:chgData name="Christophe Lebrun" userId="303fc86cbab77272" providerId="LiveId" clId="{A4B10A2C-AC96-4C3D-BA25-8EF5DF9CDB4E}" dt="2019-07-31T15:08:10.756" v="2077"/>
+          <ac:chgData name="Christophe Lebrun" userId="303fc86cbab77272" providerId="LiveId" clId="{A4B10A2C-AC96-4C3D-BA25-8EF5DF9CDB4E}" dt="2019-08-02T14:25:39.780" v="3651" actId="313"/>
           <ac:spMkLst>
             <pc:docMk/>
-            <pc:sldMk cId="3597435836" sldId="281"/>
-            <ac:spMk id="3" creationId="{9D04824F-670C-478E-B97F-289EF20F17A0}"/>
+            <pc:sldMk cId="4229974391" sldId="283"/>
+            <ac:spMk id="2" creationId="{7850C025-007E-4FA0-BD5D-262373463563}"/>
+          </ac:spMkLst>
+        </pc:spChg>
+        <pc:spChg chg="mod">
+          <ac:chgData name="Christophe Lebrun" userId="303fc86cbab77272" providerId="LiveId" clId="{A4B10A2C-AC96-4C3D-BA25-8EF5DF9CDB4E}" dt="2019-08-02T14:26:29.436" v="3687" actId="113"/>
+          <ac:spMkLst>
+            <pc:docMk/>
+            <pc:sldMk cId="4229974391" sldId="283"/>
+            <ac:spMk id="3" creationId="{46474F09-B1B9-454A-9F56-5CA66AE284CF}"/>
           </ac:spMkLst>
         </pc:spChg>
       </pc:sldChg>
@@ -859,7 +1193,7 @@
           <a:p>
             <a:fld id="{A6994B78-A156-4E76-BB28-39D7E36AE272}" type="datetimeFigureOut">
               <a:rPr lang="fr-FR" smtClean="0"/>
-              <a:t>31/07/2019</a:t>
+              <a:t>06/08/2019</a:t>
             </a:fld>
             <a:endParaRPr lang="fr-FR"/>
           </a:p>
@@ -1191,7 +1525,7 @@
           <a:p>
             <a:fld id="{5AA8A231-FDF8-4574-A969-AC3B90D90B32}" type="slidenum">
               <a:rPr lang="fr-FR" smtClean="0"/>
-              <a:t>6</a:t>
+              <a:t>3</a:t>
             </a:fld>
             <a:endParaRPr lang="fr-FR"/>
           </a:p>
@@ -1200,7 +1534,7 @@
     </p:spTree>
     <p:extLst>
       <p:ext uri="{BB962C8B-B14F-4D97-AF65-F5344CB8AC3E}">
-        <p14:creationId xmlns:p14="http://schemas.microsoft.com/office/powerpoint/2010/main" val="1258453117"/>
+        <p14:creationId xmlns:p14="http://schemas.microsoft.com/office/powerpoint/2010/main" val="1392391331"/>
       </p:ext>
     </p:extLst>
   </p:cSld>
@@ -1378,9 +1712,9 @@
           <a:bodyPr/>
           <a:lstStyle/>
           <a:p>
-            <a:fld id="{84B9F630-F5BB-4C68-A90B-7601F27B3C8E}" type="datetimeFigureOut">
+            <a:fld id="{21493104-0DD6-4188-A408-37748D818DBE}" type="datetime1">
               <a:rPr lang="fr-FR" smtClean="0"/>
-              <a:t>31/07/2019</a:t>
+              <a:t>06/08/2019</a:t>
             </a:fld>
             <a:endParaRPr lang="fr-FR"/>
           </a:p>
@@ -1645,9 +1979,9 @@
           <a:bodyPr/>
           <a:lstStyle/>
           <a:p>
-            <a:fld id="{84B9F630-F5BB-4C68-A90B-7601F27B3C8E}" type="datetimeFigureOut">
+            <a:fld id="{33EC2012-1BFF-4C92-91DA-ED5E44E2DAE6}" type="datetime1">
               <a:rPr lang="fr-FR" smtClean="0"/>
-              <a:t>31/07/2019</a:t>
+              <a:t>06/08/2019</a:t>
             </a:fld>
             <a:endParaRPr lang="fr-FR"/>
           </a:p>
@@ -1876,9 +2210,9 @@
             </a:lvl1pPr>
           </a:lstStyle>
           <a:p>
-            <a:fld id="{84B9F630-F5BB-4C68-A90B-7601F27B3C8E}" type="datetimeFigureOut">
+            <a:fld id="{36D54C82-D4A8-4BCC-BBE6-5333B0B84731}" type="datetime1">
               <a:rPr lang="fr-FR" smtClean="0"/>
-              <a:t>31/07/2019</a:t>
+              <a:t>06/08/2019</a:t>
             </a:fld>
             <a:endParaRPr lang="fr-FR"/>
           </a:p>
@@ -2186,9 +2520,9 @@
             </a:lvl1pPr>
           </a:lstStyle>
           <a:p>
-            <a:fld id="{84B9F630-F5BB-4C68-A90B-7601F27B3C8E}" type="datetimeFigureOut">
+            <a:fld id="{DDD00B7C-7A69-493A-8A97-AE08389BB3D5}" type="datetime1">
               <a:rPr lang="fr-FR" smtClean="0"/>
-              <a:t>31/07/2019</a:t>
+              <a:t>06/08/2019</a:t>
             </a:fld>
             <a:endParaRPr lang="fr-FR"/>
           </a:p>
@@ -2659,9 +2993,9 @@
             </a:lvl1pPr>
           </a:lstStyle>
           <a:p>
-            <a:fld id="{84B9F630-F5BB-4C68-A90B-7601F27B3C8E}" type="datetimeFigureOut">
+            <a:fld id="{551B583F-2DDE-447D-8CBF-9525FA0FB806}" type="datetime1">
               <a:rPr lang="fr-FR" smtClean="0"/>
-              <a:t>31/07/2019</a:t>
+              <a:t>06/08/2019</a:t>
             </a:fld>
             <a:endParaRPr lang="fr-FR"/>
           </a:p>
@@ -3206,9 +3540,9 @@
           <a:bodyPr/>
           <a:lstStyle/>
           <a:p>
-            <a:fld id="{84B9F630-F5BB-4C68-A90B-7601F27B3C8E}" type="datetimeFigureOut">
+            <a:fld id="{F196D0C2-EC15-4914-BD1C-8DC6D93A7E06}" type="datetime1">
               <a:rPr lang="fr-FR" smtClean="0"/>
-              <a:t>31/07/2019</a:t>
+              <a:t>06/08/2019</a:t>
             </a:fld>
             <a:endParaRPr lang="fr-FR"/>
           </a:p>
@@ -3980,9 +4314,9 @@
           <a:bodyPr/>
           <a:lstStyle/>
           <a:p>
-            <a:fld id="{84B9F630-F5BB-4C68-A90B-7601F27B3C8E}" type="datetimeFigureOut">
+            <a:fld id="{B0F0F71C-CB2D-46DF-BBF5-45A6CF07943D}" type="datetime1">
               <a:rPr lang="fr-FR" smtClean="0"/>
-              <a:t>31/07/2019</a:t>
+              <a:t>06/08/2019</a:t>
             </a:fld>
             <a:endParaRPr lang="fr-FR"/>
           </a:p>
@@ -4155,9 +4489,9 @@
           <a:bodyPr/>
           <a:lstStyle/>
           <a:p>
-            <a:fld id="{84B9F630-F5BB-4C68-A90B-7601F27B3C8E}" type="datetimeFigureOut">
+            <a:fld id="{D8EE97A0-E3EB-454D-B57B-09208F6C2349}" type="datetime1">
               <a:rPr lang="fr-FR" smtClean="0"/>
-              <a:t>31/07/2019</a:t>
+              <a:t>06/08/2019</a:t>
             </a:fld>
             <a:endParaRPr lang="fr-FR"/>
           </a:p>
@@ -4378,9 +4712,9 @@
             </a:lvl1pPr>
           </a:lstStyle>
           <a:p>
-            <a:fld id="{84B9F630-F5BB-4C68-A90B-7601F27B3C8E}" type="datetimeFigureOut">
+            <a:fld id="{0C6102B9-41E8-4E57-8EA6-AB67D80E10AB}" type="datetime1">
               <a:rPr lang="fr-FR" smtClean="0"/>
-              <a:t>31/07/2019</a:t>
+              <a:t>06/08/2019</a:t>
             </a:fld>
             <a:endParaRPr lang="fr-FR"/>
           </a:p>
@@ -4619,9 +4953,9 @@
           <a:bodyPr/>
           <a:lstStyle/>
           <a:p>
-            <a:fld id="{54B6F6AC-B635-49E8-AD39-25D6B80DE0E6}" type="datetime1">
+            <a:fld id="{4A2428F8-4951-4546-B4FA-7B0FACC74B80}" type="datetime1">
               <a:rPr lang="fr-FR" smtClean="0"/>
-              <a:t>31/07/2019</a:t>
+              <a:t>06/08/2019</a:t>
             </a:fld>
             <a:endParaRPr lang="fr-FR"/>
           </a:p>
@@ -4799,9 +5133,9 @@
           <a:bodyPr/>
           <a:lstStyle/>
           <a:p>
-            <a:fld id="{AA0C9F5C-BC05-4EF4-8BD6-33359458BD21}" type="datetime1">
+            <a:fld id="{2468CB63-00AE-4756-B792-32C885852036}" type="datetime1">
               <a:rPr lang="fr-FR" smtClean="0"/>
-              <a:t>31/07/2019</a:t>
+              <a:t>06/08/2019</a:t>
             </a:fld>
             <a:endParaRPr lang="fr-FR"/>
           </a:p>
@@ -4974,9 +5308,9 @@
           <a:bodyPr/>
           <a:lstStyle/>
           <a:p>
-            <a:fld id="{84B9F630-F5BB-4C68-A90B-7601F27B3C8E}" type="datetimeFigureOut">
+            <a:fld id="{824ACC8D-CADA-4745-885B-C009075ACE07}" type="datetime1">
               <a:rPr lang="fr-FR" smtClean="0"/>
-              <a:t>31/07/2019</a:t>
+              <a:t>06/08/2019</a:t>
             </a:fld>
             <a:endParaRPr lang="fr-FR"/>
           </a:p>
@@ -5263,9 +5597,9 @@
             </a:lvl1pPr>
           </a:lstStyle>
           <a:p>
-            <a:fld id="{DA0E5D4C-5B16-450A-9F53-23742EA3455D}" type="datetime1">
+            <a:fld id="{10EA4304-F7B0-45DA-9970-108CC9362744}" type="datetime1">
               <a:rPr lang="fr-FR" smtClean="0"/>
-              <a:t>31/07/2019</a:t>
+              <a:t>06/08/2019</a:t>
             </a:fld>
             <a:endParaRPr lang="fr-FR"/>
           </a:p>
@@ -5505,9 +5839,9 @@
           <a:bodyPr/>
           <a:lstStyle/>
           <a:p>
-            <a:fld id="{5CA58B6B-D91F-4B7B-A85A-33ADBBB521D8}" type="datetime1">
+            <a:fld id="{5EF8BD1A-0AB3-42BB-87D7-511BD450E973}" type="datetime1">
               <a:rPr lang="fr-FR" smtClean="0"/>
-              <a:t>31/07/2019</a:t>
+              <a:t>06/08/2019</a:t>
             </a:fld>
             <a:endParaRPr lang="fr-FR"/>
           </a:p>
@@ -5884,9 +6218,9 @@
           <a:bodyPr/>
           <a:lstStyle/>
           <a:p>
-            <a:fld id="{D7885429-2710-4D09-8E61-49C2A3793391}" type="datetime1">
+            <a:fld id="{F0ED20F9-E137-45C5-9CDB-EB23F7F61742}" type="datetime1">
               <a:rPr lang="fr-FR" smtClean="0"/>
-              <a:t>31/07/2019</a:t>
+              <a:t>06/08/2019</a:t>
             </a:fld>
             <a:endParaRPr lang="fr-FR"/>
           </a:p>
@@ -6002,9 +6336,9 @@
           <a:bodyPr/>
           <a:lstStyle/>
           <a:p>
-            <a:fld id="{8D0B89BF-E170-4140-AA34-96D58AFCDD5F}" type="datetime1">
+            <a:fld id="{7F549FA9-5419-4577-ACA1-5FA8B1F430E1}" type="datetime1">
               <a:rPr lang="fr-FR" smtClean="0"/>
-              <a:t>31/07/2019</a:t>
+              <a:t>06/08/2019</a:t>
             </a:fld>
             <a:endParaRPr lang="fr-FR"/>
           </a:p>
@@ -6097,9 +6431,9 @@
           <a:bodyPr/>
           <a:lstStyle/>
           <a:p>
-            <a:fld id="{B6C60C2F-A1A5-45E1-96C3-1CA37BE21112}" type="datetime1">
+            <a:fld id="{B732A3B4-D77F-4011-84A4-1CE2C85060AA}" type="datetime1">
               <a:rPr lang="fr-FR" smtClean="0"/>
-              <a:t>31/07/2019</a:t>
+              <a:t>06/08/2019</a:t>
             </a:fld>
             <a:endParaRPr lang="fr-FR"/>
           </a:p>
@@ -6346,9 +6680,9 @@
           <a:bodyPr/>
           <a:lstStyle/>
           <a:p>
-            <a:fld id="{370CF9CE-3B6E-4BA0-B508-EE7AC7B2C66D}" type="datetime1">
+            <a:fld id="{AFD5C01D-38A9-4545-9F6C-D14ECEB1FB25}" type="datetime1">
               <a:rPr lang="fr-FR" smtClean="0"/>
-              <a:t>31/07/2019</a:t>
+              <a:t>06/08/2019</a:t>
             </a:fld>
             <a:endParaRPr lang="fr-FR"/>
           </a:p>
@@ -6603,9 +6937,9 @@
           <a:bodyPr/>
           <a:lstStyle/>
           <a:p>
-            <a:fld id="{317A97A1-CDF0-4B32-AA22-69C244146889}" type="datetime1">
+            <a:fld id="{AD9F5F43-A7C8-4BE7-8EDD-3B94DD5ED3AC}" type="datetime1">
               <a:rPr lang="fr-FR" smtClean="0"/>
-              <a:t>31/07/2019</a:t>
+              <a:t>06/08/2019</a:t>
             </a:fld>
             <a:endParaRPr lang="fr-FR"/>
           </a:p>
@@ -6860,9 +7194,9 @@
           <a:bodyPr/>
           <a:lstStyle/>
           <a:p>
-            <a:fld id="{80C9FF0B-9CBD-4F04-BC8E-850219E405E8}" type="datetime1">
+            <a:fld id="{ACB6019D-FF65-4B6D-88E7-E32520CD55FC}" type="datetime1">
               <a:rPr lang="fr-FR" smtClean="0"/>
-              <a:t>31/07/2019</a:t>
+              <a:t>06/08/2019</a:t>
             </a:fld>
             <a:endParaRPr lang="fr-FR"/>
           </a:p>
@@ -7091,9 +7425,9 @@
             </a:lvl1pPr>
           </a:lstStyle>
           <a:p>
-            <a:fld id="{26C86C24-B959-4CE5-8A34-CB5B8A829C67}" type="datetime1">
+            <a:fld id="{F801886C-9464-46E7-BC75-B4C59B337121}" type="datetime1">
               <a:rPr lang="fr-FR" smtClean="0"/>
-              <a:t>31/07/2019</a:t>
+              <a:t>06/08/2019</a:t>
             </a:fld>
             <a:endParaRPr lang="fr-FR"/>
           </a:p>
@@ -7401,9 +7735,9 @@
             </a:lvl1pPr>
           </a:lstStyle>
           <a:p>
-            <a:fld id="{4FB2240D-0D7E-4CC8-ABBB-AF968FD1A806}" type="datetime1">
+            <a:fld id="{AB2972D2-6F14-4C24-9E0C-4FF7F34B2768}" type="datetime1">
               <a:rPr lang="fr-FR" smtClean="0"/>
-              <a:t>31/07/2019</a:t>
+              <a:t>06/08/2019</a:t>
             </a:fld>
             <a:endParaRPr lang="fr-FR"/>
           </a:p>
@@ -7932,9 +8266,9 @@
             </a:lvl1pPr>
           </a:lstStyle>
           <a:p>
-            <a:fld id="{84B9F630-F5BB-4C68-A90B-7601F27B3C8E}" type="datetimeFigureOut">
+            <a:fld id="{F898AE11-0657-4D23-A8AC-E411F594EC7D}" type="datetime1">
               <a:rPr lang="fr-FR" smtClean="0"/>
-              <a:t>31/07/2019</a:t>
+              <a:t>06/08/2019</a:t>
             </a:fld>
             <a:endParaRPr lang="fr-FR"/>
           </a:p>
@@ -8173,9 +8507,9 @@
             </a:lvl1pPr>
           </a:lstStyle>
           <a:p>
-            <a:fld id="{67BEAE87-86E4-4F5F-AE38-73D4AEFFF604}" type="datetime1">
+            <a:fld id="{150DD647-851C-4A6E-99E4-412E2060441D}" type="datetime1">
               <a:rPr lang="fr-FR" smtClean="0"/>
-              <a:t>31/07/2019</a:t>
+              <a:t>06/08/2019</a:t>
             </a:fld>
             <a:endParaRPr lang="fr-FR"/>
           </a:p>
@@ -8720,9 +9054,9 @@
           <a:bodyPr/>
           <a:lstStyle/>
           <a:p>
-            <a:fld id="{6D3F5489-5049-4C66-B19B-6591BA1F8BF4}" type="datetime1">
+            <a:fld id="{33781566-4F69-403C-9080-3BFEE2B37491}" type="datetime1">
               <a:rPr lang="fr-FR" smtClean="0"/>
-              <a:t>31/07/2019</a:t>
+              <a:t>06/08/2019</a:t>
             </a:fld>
             <a:endParaRPr lang="fr-FR"/>
           </a:p>
@@ -9494,9 +9828,9 @@
           <a:bodyPr/>
           <a:lstStyle/>
           <a:p>
-            <a:fld id="{2389485D-47E1-49DC-BE41-530856315040}" type="datetime1">
+            <a:fld id="{14D47B0C-B5AB-42EB-BB2D-F19425E95921}" type="datetime1">
               <a:rPr lang="fr-FR" smtClean="0"/>
-              <a:t>31/07/2019</a:t>
+              <a:t>06/08/2019</a:t>
             </a:fld>
             <a:endParaRPr lang="fr-FR"/>
           </a:p>
@@ -9669,9 +10003,9 @@
           <a:bodyPr/>
           <a:lstStyle/>
           <a:p>
-            <a:fld id="{0E721E11-F50D-42AE-9AB8-1A6105A269A6}" type="datetime1">
+            <a:fld id="{C573A1F9-098E-4818-B4BA-05597FCE7433}" type="datetime1">
               <a:rPr lang="fr-FR" smtClean="0"/>
-              <a:t>31/07/2019</a:t>
+              <a:t>06/08/2019</a:t>
             </a:fld>
             <a:endParaRPr lang="fr-FR"/>
           </a:p>
@@ -9892,9 +10226,9 @@
             </a:lvl1pPr>
           </a:lstStyle>
           <a:p>
-            <a:fld id="{1CE6973C-B64A-4F7A-8C93-0FC4E9D2712E}" type="datetime1">
+            <a:fld id="{9B85617F-11C8-46B4-82FC-6C143D8E927D}" type="datetime1">
               <a:rPr lang="fr-FR" smtClean="0"/>
-              <a:t>31/07/2019</a:t>
+              <a:t>06/08/2019</a:t>
             </a:fld>
             <a:endParaRPr lang="fr-FR"/>
           </a:p>
@@ -10134,9 +10468,9 @@
           <a:bodyPr/>
           <a:lstStyle/>
           <a:p>
-            <a:fld id="{84B9F630-F5BB-4C68-A90B-7601F27B3C8E}" type="datetimeFigureOut">
+            <a:fld id="{5F7B142A-F148-4ADB-A468-FE587DAD07D9}" type="datetime1">
               <a:rPr lang="fr-FR" smtClean="0"/>
-              <a:t>31/07/2019</a:t>
+              <a:t>06/08/2019</a:t>
             </a:fld>
             <a:endParaRPr lang="fr-FR"/>
           </a:p>
@@ -10513,9 +10847,9 @@
           <a:bodyPr/>
           <a:lstStyle/>
           <a:p>
-            <a:fld id="{84B9F630-F5BB-4C68-A90B-7601F27B3C8E}" type="datetimeFigureOut">
+            <a:fld id="{DF19706F-1691-421A-B634-B96F386F7B76}" type="datetime1">
               <a:rPr lang="fr-FR" smtClean="0"/>
-              <a:t>31/07/2019</a:t>
+              <a:t>06/08/2019</a:t>
             </a:fld>
             <a:endParaRPr lang="fr-FR"/>
           </a:p>
@@ -10631,9 +10965,9 @@
           <a:bodyPr/>
           <a:lstStyle/>
           <a:p>
-            <a:fld id="{84B9F630-F5BB-4C68-A90B-7601F27B3C8E}" type="datetimeFigureOut">
+            <a:fld id="{82E02EEA-4114-443B-89FA-6E832FF354CE}" type="datetime1">
               <a:rPr lang="fr-FR" smtClean="0"/>
-              <a:t>31/07/2019</a:t>
+              <a:t>06/08/2019</a:t>
             </a:fld>
             <a:endParaRPr lang="fr-FR"/>
           </a:p>
@@ -10726,9 +11060,9 @@
           <a:bodyPr/>
           <a:lstStyle/>
           <a:p>
-            <a:fld id="{84B9F630-F5BB-4C68-A90B-7601F27B3C8E}" type="datetimeFigureOut">
+            <a:fld id="{5BF41AA7-3BDA-4782-B3C5-401728461EBA}" type="datetime1">
               <a:rPr lang="fr-FR" smtClean="0"/>
-              <a:t>31/07/2019</a:t>
+              <a:t>06/08/2019</a:t>
             </a:fld>
             <a:endParaRPr lang="fr-FR"/>
           </a:p>
@@ -10975,9 +11309,9 @@
           <a:bodyPr/>
           <a:lstStyle/>
           <a:p>
-            <a:fld id="{84B9F630-F5BB-4C68-A90B-7601F27B3C8E}" type="datetimeFigureOut">
+            <a:fld id="{790D4B45-0ED5-401D-87BF-F27E5AD4E8F6}" type="datetime1">
               <a:rPr lang="fr-FR" smtClean="0"/>
-              <a:t>31/07/2019</a:t>
+              <a:t>06/08/2019</a:t>
             </a:fld>
             <a:endParaRPr lang="fr-FR"/>
           </a:p>
@@ -11232,9 +11566,9 @@
           <a:bodyPr/>
           <a:lstStyle/>
           <a:p>
-            <a:fld id="{84B9F630-F5BB-4C68-A90B-7601F27B3C8E}" type="datetimeFigureOut">
+            <a:fld id="{C4BA227D-3211-4923-B058-2465568DA97C}" type="datetime1">
               <a:rPr lang="fr-FR" smtClean="0"/>
-              <a:t>31/07/2019</a:t>
+              <a:t>06/08/2019</a:t>
             </a:fld>
             <a:endParaRPr lang="fr-FR"/>
           </a:p>
@@ -11475,9 +11809,9 @@
             </a:lvl1pPr>
           </a:lstStyle>
           <a:p>
-            <a:fld id="{84B9F630-F5BB-4C68-A90B-7601F27B3C8E}" type="datetimeFigureOut">
+            <a:fld id="{C0D22650-866C-43F7-8C91-C810959EF2B7}" type="datetime1">
               <a:rPr lang="fr-FR" smtClean="0"/>
-              <a:t>31/07/2019</a:t>
+              <a:t>06/08/2019</a:t>
             </a:fld>
             <a:endParaRPr lang="fr-FR"/>
           </a:p>
@@ -11588,6 +11922,7 @@
     <p:sldLayoutId id="2147483694" r:id="rId16"/>
     <p:sldLayoutId id="2147483695" r:id="rId17"/>
   </p:sldLayoutIdLst>
+  <p:hf hdr="0" ftr="0" dt="0"/>
   <p:txStyles>
     <p:titleStyle>
       <a:lvl1pPr algn="r" defTabSz="914400" rtl="0" eaLnBrk="1" latinLnBrk="0" hangingPunct="1">
@@ -12051,9 +12386,9 @@
             </a:lvl1pPr>
           </a:lstStyle>
           <a:p>
-            <a:fld id="{60472F8C-DED8-4355-B6B4-3C9DFAD24F86}" type="datetime1">
+            <a:fld id="{5B5C616A-C141-4933-A34B-F1CCCBC47195}" type="datetime1">
               <a:rPr lang="fr-FR" smtClean="0"/>
-              <a:t>31/07/2019</a:t>
+              <a:t>06/08/2019</a:t>
             </a:fld>
             <a:endParaRPr lang="fr-FR"/>
           </a:p>
@@ -12499,15 +12834,21 @@
             </a:br>
             <a:r>
               <a:rPr lang="fr-FR" b="1" cap="small" dirty="0"/>
-              <a:t>Projet 3 : </a:t>
+              <a:t>Projet 4 : </a:t>
             </a:r>
             <a:br>
               <a:rPr lang="fr-FR" b="1" cap="small" dirty="0"/>
             </a:br>
             <a:r>
               <a:rPr lang="fr-FR" sz="2800" cap="small" dirty="0"/>
-              <a:t>Concevez une application au service de la santé publique</a:t>
-            </a:r>
+              <a:t>Anticipez les besoins en consommation électrique de bâtiments</a:t>
+            </a:r>
+            <a:br>
+              <a:rPr lang="fr-FR" sz="2800" b="1" dirty="0"/>
+            </a:br>
+            <a:br>
+              <a:rPr lang="fr-FR" sz="2800" cap="small" dirty="0"/>
+            </a:br>
             <a:endParaRPr lang="fr-FR" sz="4000" cap="small" dirty="0"/>
           </a:p>
         </p:txBody>
@@ -12573,12 +12914,20 @@
               <a:t>Evaluateur : </a:t>
             </a:r>
             <a:r>
-              <a:rPr lang="fr-FR" dirty="0"/>
-              <a:t>Corentin </a:t>
-            </a:r>
-            <a:r>
-              <a:rPr lang="fr-FR" cap="small" dirty="0"/>
-              <a:t>Martel</a:t>
+              <a:rPr lang="fr-FR" b="1" dirty="0">
+                <a:solidFill>
+                  <a:srgbClr val="FF0000"/>
+                </a:solidFill>
+              </a:rPr>
+              <a:t>Walid </a:t>
+            </a:r>
+            <a:r>
+              <a:rPr lang="fr-FR" b="1" cap="small" dirty="0">
+                <a:solidFill>
+                  <a:srgbClr val="FF0000"/>
+                </a:solidFill>
+              </a:rPr>
+              <a:t>Ayadi</a:t>
             </a:r>
           </a:p>
         </p:txBody>
@@ -12633,7 +12982,7 @@
         </p:nvSpPr>
         <p:spPr>
           <a:xfrm>
-            <a:off x="1802297" y="2715999"/>
+            <a:off x="1698266" y="2441715"/>
             <a:ext cx="6662530" cy="523220"/>
           </a:xfrm>
           <a:prstGeom prst="rect">
@@ -12798,6 +13147,66 @@
               <a:defRPr/>
             </a:pPr>
             <a:r>
+              <a:rPr lang="en-GB" sz="2400" b="1" dirty="0">
+                <a:solidFill>
+                  <a:srgbClr val="FF0000"/>
+                </a:solidFill>
+                <a:latin typeface="Century Gothic" panose="020B0502020202020204"/>
+              </a:rPr>
+              <a:t>2</a:t>
+            </a:r>
+            <a:r>
+              <a:rPr kumimoji="0" lang="en-GB" sz="2400" b="1" i="0" u="none" strike="noStrike" kern="1200" cap="none" spc="0" normalizeH="0" baseline="0" noProof="0" dirty="0">
+                <a:ln>
+                  <a:noFill/>
+                </a:ln>
+                <a:solidFill>
+                  <a:srgbClr val="FF0000"/>
+                </a:solidFill>
+                <a:effectLst/>
+                <a:uLnTx/>
+                <a:uFillTx/>
+                <a:latin typeface="Century Gothic" panose="020B0502020202020204"/>
+                <a:ea typeface="+mn-ea"/>
+                <a:cs typeface="+mn-cs"/>
+              </a:rPr>
+              <a:t> </a:t>
+            </a:r>
+            <a:r>
+              <a:rPr kumimoji="0" lang="en-GB" sz="2400" b="1" i="0" u="none" strike="noStrike" kern="1200" cap="none" spc="0" normalizeH="0" baseline="0" noProof="0" dirty="0" err="1">
+                <a:ln>
+                  <a:noFill/>
+                </a:ln>
+                <a:solidFill>
+                  <a:srgbClr val="FF0000"/>
+                </a:solidFill>
+                <a:effectLst/>
+                <a:uLnTx/>
+                <a:uFillTx/>
+                <a:latin typeface="Century Gothic" panose="020B0502020202020204"/>
+                <a:ea typeface="+mn-ea"/>
+                <a:cs typeface="+mn-cs"/>
+              </a:rPr>
+              <a:t>août</a:t>
+            </a:r>
+            <a:r>
+              <a:rPr kumimoji="0" lang="en-GB" sz="2400" b="1" i="0" u="none" strike="noStrike" kern="1200" cap="none" spc="0" normalizeH="0" baseline="0" noProof="0" dirty="0">
+                <a:ln>
+                  <a:noFill/>
+                </a:ln>
+                <a:solidFill>
+                  <a:srgbClr val="FF0000"/>
+                </a:solidFill>
+                <a:effectLst/>
+                <a:uLnTx/>
+                <a:uFillTx/>
+                <a:latin typeface="Century Gothic" panose="020B0502020202020204"/>
+                <a:ea typeface="+mn-ea"/>
+                <a:cs typeface="+mn-cs"/>
+              </a:rPr>
+              <a:t> </a:t>
+            </a:r>
+            <a:r>
               <a:rPr kumimoji="0" lang="en-GB" sz="2400" b="1" i="0" u="none" strike="noStrike" kern="1200" cap="none" spc="0" normalizeH="0" baseline="0" noProof="0" dirty="0">
                 <a:ln>
                   <a:noFill/>
@@ -12812,41 +13221,7 @@
                 <a:ea typeface="+mn-ea"/>
                 <a:cs typeface="+mn-cs"/>
               </a:rPr>
-              <a:t>01 </a:t>
-            </a:r>
-            <a:r>
-              <a:rPr kumimoji="0" lang="en-GB" sz="2400" b="1" i="0" u="none" strike="noStrike" kern="1200" cap="none" spc="0" normalizeH="0" baseline="0" noProof="0" dirty="0" err="1">
-                <a:ln>
-                  <a:noFill/>
-                </a:ln>
-                <a:solidFill>
-                  <a:prstClr val="black"/>
-                </a:solidFill>
-                <a:effectLst/>
-                <a:uLnTx/>
-                <a:uFillTx/>
-                <a:latin typeface="Century Gothic" panose="020B0502020202020204"/>
-                <a:ea typeface="+mn-ea"/>
-                <a:cs typeface="+mn-cs"/>
-              </a:rPr>
-              <a:t>juillet</a:t>
-            </a:r>
-            <a:r>
-              <a:rPr kumimoji="0" lang="en-GB" sz="2400" b="1" i="0" u="none" strike="noStrike" kern="1200" cap="none" spc="0" normalizeH="0" baseline="0" noProof="0" dirty="0">
-                <a:ln>
-                  <a:noFill/>
-                </a:ln>
-                <a:solidFill>
-                  <a:prstClr val="black"/>
-                </a:solidFill>
-                <a:effectLst/>
-                <a:uLnTx/>
-                <a:uFillTx/>
-                <a:latin typeface="Century Gothic" panose="020B0502020202020204"/>
-                <a:ea typeface="+mn-ea"/>
-                <a:cs typeface="+mn-cs"/>
-              </a:rPr>
-              <a:t> 2019</a:t>
+              <a:t>2019</a:t>
             </a:r>
             <a:endParaRPr kumimoji="0" lang="en-GB" sz="1800" b="1" i="0" u="none" strike="noStrike" kern="1200" cap="none" spc="0" normalizeH="0" baseline="0" noProof="0" dirty="0">
               <a:ln>
@@ -12897,10 +13272,10 @@
       </p:grpSpPr>
       <p:sp>
         <p:nvSpPr>
-          <p:cNvPr id="2" name="Titre 1">
+          <p:cNvPr id="2" name="Title 1">
             <a:extLst>
               <a:ext uri="{FF2B5EF4-FFF2-40B4-BE49-F238E27FC236}">
-                <a16:creationId xmlns:a16="http://schemas.microsoft.com/office/drawing/2014/main" id="{96885828-B058-4F14-80D3-515FB1B2EA26}"/>
+                <a16:creationId xmlns:a16="http://schemas.microsoft.com/office/drawing/2014/main" id="{FA44BE58-2168-473C-B291-2AD6719F7F65}"/>
               </a:ext>
             </a:extLst>
           </p:cNvPr>
@@ -12917,61 +13292,155 @@
           <a:lstStyle/>
           <a:p>
             <a:r>
-              <a:rPr lang="fr-FR" b="1" dirty="0"/>
-              <a:t>Partie 4 :</a:t>
-            </a:r>
-            <a:br>
-              <a:rPr lang="fr-FR" b="1" dirty="0"/>
-            </a:br>
-            <a:r>
-              <a:rPr lang="fr-FR" dirty="0"/>
-              <a:t>Présentation des </a:t>
-            </a:r>
-            <a:br>
-              <a:rPr lang="fr-FR" dirty="0"/>
-            </a:br>
-            <a:r>
-              <a:rPr lang="fr-FR" dirty="0"/>
-              <a:t>faits pertinents pour l’application</a:t>
-            </a:r>
-          </a:p>
-        </p:txBody>
-      </p:sp>
-      <p:sp>
-        <p:nvSpPr>
-          <p:cNvPr id="3" name="Espace réservé du texte 2">
+              <a:rPr lang="en-GB" b="1" dirty="0"/>
+              <a:t>MERCI</a:t>
+            </a:r>
+            <a:r>
+              <a:rPr lang="en-GB" dirty="0"/>
+              <a:t> DE VOTRE ATTENTION</a:t>
+            </a:r>
+          </a:p>
+        </p:txBody>
+      </p:sp>
+      <p:sp>
+        <p:nvSpPr>
+          <p:cNvPr id="5" name="Espace réservé du numéro de diapositive 2">
             <a:extLst>
               <a:ext uri="{FF2B5EF4-FFF2-40B4-BE49-F238E27FC236}">
-                <a16:creationId xmlns:a16="http://schemas.microsoft.com/office/drawing/2014/main" id="{C1CD7A5C-6044-4F77-841E-E28AF461363D}"/>
+                <a16:creationId xmlns:a16="http://schemas.microsoft.com/office/drawing/2014/main" id="{3D1D1AB8-7851-4721-BE32-CE6F1CBEFB5E}"/>
               </a:ext>
             </a:extLst>
           </p:cNvPr>
-          <p:cNvSpPr>
-            <a:spLocks noGrp="1"/>
-          </p:cNvSpPr>
-          <p:nvPr>
-            <p:ph type="body" idx="1"/>
-          </p:nvPr>
-        </p:nvSpPr>
-        <p:spPr/>
-        <p:txBody>
-          <a:bodyPr/>
-          <a:lstStyle/>
-          <a:p>
-            <a:br>
-              <a:rPr lang="fr-FR" dirty="0"/>
-            </a:br>
-            <a:endParaRPr lang="fr-FR" dirty="0"/>
+          <p:cNvSpPr txBox="1">
+            <a:spLocks/>
+          </p:cNvSpPr>
+          <p:nvPr/>
+        </p:nvSpPr>
+        <p:spPr>
+          <a:xfrm>
+            <a:off x="11412867" y="165878"/>
+            <a:ext cx="643748" cy="365125"/>
+          </a:xfrm>
+          <a:prstGeom prst="rect">
+            <a:avLst/>
+          </a:prstGeom>
+        </p:spPr>
+        <p:txBody>
+          <a:bodyPr vert="horz" lIns="91440" tIns="45720" rIns="91440" bIns="45720" rtlCol="0" anchor="ctr"/>
+          <a:lstStyle>
+            <a:defPPr>
+              <a:defRPr lang="en-US"/>
+            </a:defPPr>
+            <a:lvl1pPr marL="0" algn="r" defTabSz="457200" rtl="0" eaLnBrk="1" latinLnBrk="0" hangingPunct="1">
+              <a:defRPr sz="1050" kern="1200">
+                <a:solidFill>
+                  <a:schemeClr val="tx1">
+                    <a:tint val="75000"/>
+                  </a:schemeClr>
+                </a:solidFill>
+                <a:latin typeface="+mn-lt"/>
+                <a:ea typeface="+mn-ea"/>
+                <a:cs typeface="+mn-cs"/>
+              </a:defRPr>
+            </a:lvl1pPr>
+            <a:lvl2pPr marL="457200" algn="l" defTabSz="457200" rtl="0" eaLnBrk="1" latinLnBrk="0" hangingPunct="1">
+              <a:defRPr sz="1800" kern="1200">
+                <a:solidFill>
+                  <a:schemeClr val="tx1"/>
+                </a:solidFill>
+                <a:latin typeface="+mn-lt"/>
+                <a:ea typeface="+mn-ea"/>
+                <a:cs typeface="+mn-cs"/>
+              </a:defRPr>
+            </a:lvl2pPr>
+            <a:lvl3pPr marL="914400" algn="l" defTabSz="457200" rtl="0" eaLnBrk="1" latinLnBrk="0" hangingPunct="1">
+              <a:defRPr sz="1800" kern="1200">
+                <a:solidFill>
+                  <a:schemeClr val="tx1"/>
+                </a:solidFill>
+                <a:latin typeface="+mn-lt"/>
+                <a:ea typeface="+mn-ea"/>
+                <a:cs typeface="+mn-cs"/>
+              </a:defRPr>
+            </a:lvl3pPr>
+            <a:lvl4pPr marL="1371600" algn="l" defTabSz="457200" rtl="0" eaLnBrk="1" latinLnBrk="0" hangingPunct="1">
+              <a:defRPr sz="1800" kern="1200">
+                <a:solidFill>
+                  <a:schemeClr val="tx1"/>
+                </a:solidFill>
+                <a:latin typeface="+mn-lt"/>
+                <a:ea typeface="+mn-ea"/>
+                <a:cs typeface="+mn-cs"/>
+              </a:defRPr>
+            </a:lvl4pPr>
+            <a:lvl5pPr marL="1828800" algn="l" defTabSz="457200" rtl="0" eaLnBrk="1" latinLnBrk="0" hangingPunct="1">
+              <a:defRPr sz="1800" kern="1200">
+                <a:solidFill>
+                  <a:schemeClr val="tx1"/>
+                </a:solidFill>
+                <a:latin typeface="+mn-lt"/>
+                <a:ea typeface="+mn-ea"/>
+                <a:cs typeface="+mn-cs"/>
+              </a:defRPr>
+            </a:lvl5pPr>
+            <a:lvl6pPr marL="2286000" algn="l" defTabSz="457200" rtl="0" eaLnBrk="1" latinLnBrk="0" hangingPunct="1">
+              <a:defRPr sz="1800" kern="1200">
+                <a:solidFill>
+                  <a:schemeClr val="tx1"/>
+                </a:solidFill>
+                <a:latin typeface="+mn-lt"/>
+                <a:ea typeface="+mn-ea"/>
+                <a:cs typeface="+mn-cs"/>
+              </a:defRPr>
+            </a:lvl6pPr>
+            <a:lvl7pPr marL="2743200" algn="l" defTabSz="457200" rtl="0" eaLnBrk="1" latinLnBrk="0" hangingPunct="1">
+              <a:defRPr sz="1800" kern="1200">
+                <a:solidFill>
+                  <a:schemeClr val="tx1"/>
+                </a:solidFill>
+                <a:latin typeface="+mn-lt"/>
+                <a:ea typeface="+mn-ea"/>
+                <a:cs typeface="+mn-cs"/>
+              </a:defRPr>
+            </a:lvl7pPr>
+            <a:lvl8pPr marL="3200400" algn="l" defTabSz="457200" rtl="0" eaLnBrk="1" latinLnBrk="0" hangingPunct="1">
+              <a:defRPr sz="1800" kern="1200">
+                <a:solidFill>
+                  <a:schemeClr val="tx1"/>
+                </a:solidFill>
+                <a:latin typeface="+mn-lt"/>
+                <a:ea typeface="+mn-ea"/>
+                <a:cs typeface="+mn-cs"/>
+              </a:defRPr>
+            </a:lvl8pPr>
+            <a:lvl9pPr marL="3657600" algn="l" defTabSz="457200" rtl="0" eaLnBrk="1" latinLnBrk="0" hangingPunct="1">
+              <a:defRPr sz="1800" kern="1200">
+                <a:solidFill>
+                  <a:schemeClr val="tx1"/>
+                </a:solidFill>
+                <a:latin typeface="+mn-lt"/>
+                <a:ea typeface="+mn-ea"/>
+                <a:cs typeface="+mn-cs"/>
+              </a:defRPr>
+            </a:lvl9pPr>
+          </a:lstStyle>
+          <a:p>
+            <a:fld id="{22EBEF4F-4056-4A7E-9612-F3E8B502E28B}" type="slidenum">
+              <a:rPr lang="fr-FR" sz="1600" b="1" smtClean="0"/>
+              <a:pPr/>
+              <a:t>10</a:t>
+            </a:fld>
+            <a:endParaRPr lang="fr-FR" sz="1600" b="1" dirty="0"/>
           </a:p>
         </p:txBody>
       </p:sp>
       <p:pic>
         <p:nvPicPr>
-          <p:cNvPr id="4" name="Picture 2" descr="L'agence Santé publique France">
+          <p:cNvPr id="7" name="Picture 2" descr="Logo seattle">
             <a:hlinkClick r:id="rId2"/>
             <a:extLst>
               <a:ext uri="{FF2B5EF4-FFF2-40B4-BE49-F238E27FC236}">
-                <a16:creationId xmlns:a16="http://schemas.microsoft.com/office/drawing/2014/main" id="{81C279DD-6D21-4CEE-837F-E550D932A41E}"/>
+                <a16:creationId xmlns:a16="http://schemas.microsoft.com/office/drawing/2014/main" id="{66AA73F2-622F-4C68-9B49-D36B2110457B}"/>
               </a:ext>
             </a:extLst>
           </p:cNvPr>
@@ -12995,580 +13464,8 @@
         </p:blipFill>
         <p:spPr bwMode="auto">
           <a:xfrm>
-            <a:off x="208547" y="288758"/>
-            <a:ext cx="2766762" cy="1562407"/>
-          </a:xfrm>
-          <a:prstGeom prst="rect">
-            <a:avLst/>
-          </a:prstGeom>
-          <a:noFill/>
-          <a:extLst>
-            <a:ext uri="{909E8E84-426E-40DD-AFC4-6F175D3DCCD1}">
-              <a14:hiddenFill xmlns:a14="http://schemas.microsoft.com/office/drawing/2010/main">
-                <a:solidFill>
-                  <a:srgbClr val="FFFFFF"/>
-                </a:solidFill>
-              </a14:hiddenFill>
-            </a:ext>
-          </a:extLst>
-        </p:spPr>
-      </p:pic>
-      <p:pic>
-        <p:nvPicPr>
-          <p:cNvPr id="5" name="Picture 5">
-            <a:extLst>
-              <a:ext uri="{FF2B5EF4-FFF2-40B4-BE49-F238E27FC236}">
-                <a16:creationId xmlns:a16="http://schemas.microsoft.com/office/drawing/2014/main" id="{6882FADE-58D9-4D93-8177-07668C3CBC89}"/>
-              </a:ext>
-            </a:extLst>
-          </p:cNvPr>
-          <p:cNvPicPr>
-            <a:picLocks noChangeAspect="1"/>
-          </p:cNvPicPr>
-          <p:nvPr/>
-        </p:nvPicPr>
-        <p:blipFill>
-          <a:blip r:embed="rId4"/>
-          <a:stretch>
-            <a:fillRect/>
-          </a:stretch>
-        </p:blipFill>
-        <p:spPr>
-          <a:xfrm>
-            <a:off x="7829032" y="58289"/>
-            <a:ext cx="4362968" cy="1639229"/>
-          </a:xfrm>
-          <a:prstGeom prst="rect">
-            <a:avLst/>
-          </a:prstGeom>
-        </p:spPr>
-      </p:pic>
-    </p:spTree>
-    <p:extLst>
-      <p:ext uri="{BB962C8B-B14F-4D97-AF65-F5344CB8AC3E}">
-        <p14:creationId xmlns:p14="http://schemas.microsoft.com/office/powerpoint/2010/main" val="639279893"/>
-      </p:ext>
-    </p:extLst>
-  </p:cSld>
-  <p:clrMapOvr>
-    <a:masterClrMapping/>
-  </p:clrMapOvr>
-</p:sld>
-</file>
-
-<file path=ppt/slides/slide11.xml><?xml version="1.0" encoding="utf-8"?>
-<p:sld xmlns:a="http://schemas.openxmlformats.org/drawingml/2006/main" xmlns:r="http://schemas.openxmlformats.org/officeDocument/2006/relationships" xmlns:p="http://schemas.openxmlformats.org/presentationml/2006/main">
-  <p:cSld>
-    <p:spTree>
-      <p:nvGrpSpPr>
-        <p:cNvPr id="1" name=""/>
-        <p:cNvGrpSpPr/>
-        <p:nvPr/>
-      </p:nvGrpSpPr>
-      <p:grpSpPr>
-        <a:xfrm>
-          <a:off x="0" y="0"/>
-          <a:ext cx="0" cy="0"/>
-          <a:chOff x="0" y="0"/>
-          <a:chExt cx="0" cy="0"/>
-        </a:xfrm>
-      </p:grpSpPr>
-      <p:sp>
-        <p:nvSpPr>
-          <p:cNvPr id="2" name="Titre 1">
-            <a:extLst>
-              <a:ext uri="{FF2B5EF4-FFF2-40B4-BE49-F238E27FC236}">
-                <a16:creationId xmlns:a16="http://schemas.microsoft.com/office/drawing/2014/main" id="{8484DD3D-163C-48C0-B971-F4330D5AF85C}"/>
-              </a:ext>
-            </a:extLst>
-          </p:cNvPr>
-          <p:cNvSpPr>
-            <a:spLocks noGrp="1"/>
-          </p:cNvSpPr>
-          <p:nvPr>
-            <p:ph type="title"/>
-          </p:nvPr>
-        </p:nvSpPr>
-        <p:spPr>
-          <a:xfrm>
-            <a:off x="2895600" y="537411"/>
-            <a:ext cx="8610600" cy="1293028"/>
-          </a:xfrm>
-        </p:spPr>
-        <p:txBody>
-          <a:bodyPr/>
-          <a:lstStyle/>
-          <a:p>
-            <a:r>
-              <a:rPr lang="fr-FR" b="1" dirty="0"/>
-              <a:t>Conclusions</a:t>
-            </a:r>
-            <a:endParaRPr lang="fr-FR" dirty="0"/>
-          </a:p>
-        </p:txBody>
-      </p:sp>
-      <p:sp>
-        <p:nvSpPr>
-          <p:cNvPr id="3" name="Espace réservé du contenu 2">
-            <a:extLst>
-              <a:ext uri="{FF2B5EF4-FFF2-40B4-BE49-F238E27FC236}">
-                <a16:creationId xmlns:a16="http://schemas.microsoft.com/office/drawing/2014/main" id="{9D04824F-670C-478E-B97F-289EF20F17A0}"/>
-              </a:ext>
-            </a:extLst>
-          </p:cNvPr>
-          <p:cNvSpPr>
-            <a:spLocks noGrp="1"/>
-          </p:cNvSpPr>
-          <p:nvPr>
-            <p:ph idx="1"/>
-          </p:nvPr>
-        </p:nvSpPr>
-        <p:spPr>
-          <a:xfrm>
-            <a:off x="1347536" y="1507958"/>
-            <a:ext cx="10158663" cy="4957010"/>
-          </a:xfrm>
-        </p:spPr>
-        <p:txBody>
-          <a:bodyPr>
-            <a:normAutofit/>
-          </a:bodyPr>
-          <a:lstStyle/>
-          <a:p>
-            <a:r>
-              <a:rPr lang="fr-FR" dirty="0"/>
-              <a:t>Facteurs principaux du Nutri-Score retrouvés</a:t>
-            </a:r>
-          </a:p>
-          <a:p>
-            <a:endParaRPr lang="fr-FR" dirty="0"/>
-          </a:p>
-          <a:p>
-            <a:r>
-              <a:rPr lang="fr-FR" dirty="0"/>
-              <a:t>Poids de la base de données finale : </a:t>
-            </a:r>
-            <a:r>
-              <a:rPr lang="fr-FR" b="1" dirty="0"/>
-              <a:t>moins de 20 Mo</a:t>
-            </a:r>
-          </a:p>
-          <a:p>
-            <a:r>
-              <a:rPr lang="fr-FR" dirty="0"/>
-              <a:t>Allégements possibles :</a:t>
-            </a:r>
-          </a:p>
-          <a:p>
-            <a:pPr lvl="1"/>
-            <a:r>
-              <a:rPr lang="fr-FR" dirty="0"/>
-              <a:t>avec un fichier binaire ou un fichier compressé</a:t>
-            </a:r>
-          </a:p>
-          <a:p>
-            <a:pPr lvl="1"/>
-            <a:r>
-              <a:rPr lang="fr-FR" dirty="0"/>
-              <a:t>en stockant uniquement la note Nutri-Score (a-e) au lieu du score</a:t>
-            </a:r>
-          </a:p>
-          <a:p>
-            <a:pPr marL="0" indent="0">
-              <a:buNone/>
-            </a:pPr>
-            <a:endParaRPr lang="fr-FR" dirty="0"/>
-          </a:p>
-          <a:p>
-            <a:r>
-              <a:rPr lang="fr-FR" dirty="0"/>
-              <a:t>Nombre de produits : </a:t>
-            </a:r>
-            <a:r>
-              <a:rPr lang="fr-FR" b="1" dirty="0"/>
-              <a:t>plus de 300'000 produits</a:t>
-            </a:r>
-          </a:p>
-          <a:p>
-            <a:r>
-              <a:rPr lang="fr-FR" dirty="0"/>
-              <a:t>Augmentations possibles :</a:t>
-            </a:r>
-          </a:p>
-          <a:p>
-            <a:pPr lvl="1"/>
-            <a:r>
-              <a:rPr lang="fr-FR" dirty="0"/>
-              <a:t>Prise en charge des code-barres EAN à 8 chiffres</a:t>
-            </a:r>
-          </a:p>
-          <a:p>
-            <a:pPr lvl="1"/>
-            <a:r>
-              <a:rPr lang="fr-FR" dirty="0"/>
-              <a:t>Imputation Nutri-Score sur la base de la formule (composition)</a:t>
-            </a:r>
-          </a:p>
-          <a:p>
-            <a:pPr lvl="1"/>
-            <a:r>
-              <a:rPr lang="fr-FR" dirty="0"/>
-              <a:t>Imputation de Nutri-Score grâce à un modèle de ML</a:t>
-            </a:r>
-          </a:p>
-        </p:txBody>
-      </p:sp>
-    </p:spTree>
-    <p:extLst>
-      <p:ext uri="{BB962C8B-B14F-4D97-AF65-F5344CB8AC3E}">
-        <p14:creationId xmlns:p14="http://schemas.microsoft.com/office/powerpoint/2010/main" val="3885582004"/>
-      </p:ext>
-    </p:extLst>
-  </p:cSld>
-  <p:clrMapOvr>
-    <a:masterClrMapping/>
-  </p:clrMapOvr>
-</p:sld>
-</file>
-
-<file path=ppt/slides/slide12.xml><?xml version="1.0" encoding="utf-8"?>
-<p:sld xmlns:a="http://schemas.openxmlformats.org/drawingml/2006/main" xmlns:r="http://schemas.openxmlformats.org/officeDocument/2006/relationships" xmlns:p="http://schemas.openxmlformats.org/presentationml/2006/main">
-  <p:cSld>
-    <p:spTree>
-      <p:nvGrpSpPr>
-        <p:cNvPr id="1" name=""/>
-        <p:cNvGrpSpPr/>
-        <p:nvPr/>
-      </p:nvGrpSpPr>
-      <p:grpSpPr>
-        <a:xfrm>
-          <a:off x="0" y="0"/>
-          <a:ext cx="0" cy="0"/>
-          <a:chOff x="0" y="0"/>
-          <a:chExt cx="0" cy="0"/>
-        </a:xfrm>
-      </p:grpSpPr>
-      <p:sp>
-        <p:nvSpPr>
-          <p:cNvPr id="2" name="Titre 1">
-            <a:extLst>
-              <a:ext uri="{FF2B5EF4-FFF2-40B4-BE49-F238E27FC236}">
-                <a16:creationId xmlns:a16="http://schemas.microsoft.com/office/drawing/2014/main" id="{8484DD3D-163C-48C0-B971-F4330D5AF85C}"/>
-              </a:ext>
-            </a:extLst>
-          </p:cNvPr>
-          <p:cNvSpPr>
-            <a:spLocks noGrp="1"/>
-          </p:cNvSpPr>
-          <p:nvPr>
-            <p:ph type="title"/>
-          </p:nvPr>
-        </p:nvSpPr>
-        <p:spPr/>
-        <p:txBody>
-          <a:bodyPr/>
-          <a:lstStyle/>
-          <a:p>
-            <a:r>
-              <a:rPr lang="fr-FR" b="1" dirty="0"/>
-              <a:t>POUR ALLER PLUS LOIN…</a:t>
-            </a:r>
-            <a:endParaRPr lang="fr-FR" dirty="0"/>
-          </a:p>
-        </p:txBody>
-      </p:sp>
-      <p:sp>
-        <p:nvSpPr>
-          <p:cNvPr id="3" name="Espace réservé du contenu 2">
-            <a:extLst>
-              <a:ext uri="{FF2B5EF4-FFF2-40B4-BE49-F238E27FC236}">
-                <a16:creationId xmlns:a16="http://schemas.microsoft.com/office/drawing/2014/main" id="{9D04824F-670C-478E-B97F-289EF20F17A0}"/>
-              </a:ext>
-            </a:extLst>
-          </p:cNvPr>
-          <p:cNvSpPr>
-            <a:spLocks noGrp="1"/>
-          </p:cNvSpPr>
-          <p:nvPr>
-            <p:ph idx="1"/>
-          </p:nvPr>
-        </p:nvSpPr>
-        <p:spPr/>
-        <p:txBody>
-          <a:bodyPr/>
-          <a:lstStyle/>
-          <a:p>
-            <a:endParaRPr lang="fr-FR" dirty="0"/>
-          </a:p>
-          <a:p>
-            <a:r>
-              <a:rPr lang="fr-FR" dirty="0"/>
-              <a:t>Correction des valeurs hors-normes sur la base des photos</a:t>
-            </a:r>
-          </a:p>
-          <a:p>
-            <a:r>
-              <a:rPr lang="fr-FR" dirty="0"/>
-              <a:t>)</a:t>
-            </a:r>
-          </a:p>
-          <a:p>
-            <a:r>
-              <a:rPr lang="fr-FR" dirty="0"/>
-              <a:t>Modèle de </a:t>
-            </a:r>
-            <a:r>
-              <a:rPr lang="fr-FR" i="1" dirty="0"/>
-              <a:t>machine </a:t>
-            </a:r>
-            <a:r>
-              <a:rPr lang="fr-FR" i="1" dirty="0" err="1"/>
-              <a:t>learning</a:t>
-            </a:r>
-            <a:r>
-              <a:rPr lang="fr-FR" dirty="0"/>
-              <a:t> (ML) pour l'imputation des Nutri-Scores</a:t>
-            </a:r>
-          </a:p>
-        </p:txBody>
-      </p:sp>
-    </p:spTree>
-    <p:extLst>
-      <p:ext uri="{BB962C8B-B14F-4D97-AF65-F5344CB8AC3E}">
-        <p14:creationId xmlns:p14="http://schemas.microsoft.com/office/powerpoint/2010/main" val="3597435836"/>
-      </p:ext>
-    </p:extLst>
-  </p:cSld>
-  <p:clrMapOvr>
-    <a:masterClrMapping/>
-  </p:clrMapOvr>
-</p:sld>
-</file>
-
-<file path=ppt/slides/slide13.xml><?xml version="1.0" encoding="utf-8"?>
-<p:sld xmlns:a="http://schemas.openxmlformats.org/drawingml/2006/main" xmlns:r="http://schemas.openxmlformats.org/officeDocument/2006/relationships" xmlns:p="http://schemas.openxmlformats.org/presentationml/2006/main">
-  <p:cSld>
-    <p:spTree>
-      <p:nvGrpSpPr>
-        <p:cNvPr id="1" name=""/>
-        <p:cNvGrpSpPr/>
-        <p:nvPr/>
-      </p:nvGrpSpPr>
-      <p:grpSpPr>
-        <a:xfrm>
-          <a:off x="0" y="0"/>
-          <a:ext cx="0" cy="0"/>
-          <a:chOff x="0" y="0"/>
-          <a:chExt cx="0" cy="0"/>
-        </a:xfrm>
-      </p:grpSpPr>
-      <p:sp>
-        <p:nvSpPr>
-          <p:cNvPr id="2" name="Titre 1">
-            <a:extLst>
-              <a:ext uri="{FF2B5EF4-FFF2-40B4-BE49-F238E27FC236}">
-                <a16:creationId xmlns:a16="http://schemas.microsoft.com/office/drawing/2014/main" id="{964011A4-8F80-4EB8-891E-8BB51852960E}"/>
-              </a:ext>
-            </a:extLst>
-          </p:cNvPr>
-          <p:cNvSpPr>
-            <a:spLocks noGrp="1"/>
-          </p:cNvSpPr>
-          <p:nvPr>
-            <p:ph type="title"/>
-          </p:nvPr>
-        </p:nvSpPr>
-        <p:spPr>
-          <a:xfrm>
-            <a:off x="685800" y="1636295"/>
-            <a:ext cx="10820399" cy="1325615"/>
-          </a:xfrm>
-        </p:spPr>
-        <p:txBody>
-          <a:bodyPr/>
-          <a:lstStyle/>
-          <a:p>
-            <a:r>
-              <a:rPr lang="fr-FR" b="1" dirty="0"/>
-              <a:t>Partie 5 :</a:t>
-            </a:r>
-            <a:br>
-              <a:rPr lang="fr-FR" dirty="0"/>
-            </a:br>
-            <a:r>
-              <a:rPr lang="fr-FR" dirty="0"/>
-              <a:t>QUESTIONS-RÉPONSES</a:t>
-            </a:r>
-          </a:p>
-        </p:txBody>
-      </p:sp>
-      <p:pic>
-        <p:nvPicPr>
-          <p:cNvPr id="4" name="Picture 2" descr="L'agence Santé publique France">
-            <a:hlinkClick r:id="rId2"/>
-            <a:extLst>
-              <a:ext uri="{FF2B5EF4-FFF2-40B4-BE49-F238E27FC236}">
-                <a16:creationId xmlns:a16="http://schemas.microsoft.com/office/drawing/2014/main" id="{9CBF5E3F-BCB8-4359-8676-70D1B51D1662}"/>
-              </a:ext>
-            </a:extLst>
-          </p:cNvPr>
-          <p:cNvPicPr>
-            <a:picLocks noChangeAspect="1" noChangeArrowheads="1"/>
-          </p:cNvPicPr>
-          <p:nvPr/>
-        </p:nvPicPr>
-        <p:blipFill>
-          <a:blip r:embed="rId3">
-            <a:extLst>
-              <a:ext uri="{28A0092B-C50C-407E-A947-70E740481C1C}">
-                <a14:useLocalDpi xmlns:a14="http://schemas.microsoft.com/office/drawing/2010/main" val="0"/>
-              </a:ext>
-            </a:extLst>
-          </a:blip>
-          <a:srcRect/>
-          <a:stretch>
-            <a:fillRect/>
-          </a:stretch>
-        </p:blipFill>
-        <p:spPr bwMode="auto">
-          <a:xfrm>
-            <a:off x="208547" y="288758"/>
-            <a:ext cx="2766762" cy="1562407"/>
-          </a:xfrm>
-          <a:prstGeom prst="rect">
-            <a:avLst/>
-          </a:prstGeom>
-          <a:noFill/>
-          <a:extLst>
-            <a:ext uri="{909E8E84-426E-40DD-AFC4-6F175D3DCCD1}">
-              <a14:hiddenFill xmlns:a14="http://schemas.microsoft.com/office/drawing/2010/main">
-                <a:solidFill>
-                  <a:srgbClr val="FFFFFF"/>
-                </a:solidFill>
-              </a14:hiddenFill>
-            </a:ext>
-          </a:extLst>
-        </p:spPr>
-      </p:pic>
-    </p:spTree>
-    <p:extLst>
-      <p:ext uri="{BB962C8B-B14F-4D97-AF65-F5344CB8AC3E}">
-        <p14:creationId xmlns:p14="http://schemas.microsoft.com/office/powerpoint/2010/main" val="3375476623"/>
-      </p:ext>
-    </p:extLst>
-  </p:cSld>
-  <p:clrMapOvr>
-    <a:masterClrMapping/>
-  </p:clrMapOvr>
-</p:sld>
-</file>
-
-<file path=ppt/slides/slide14.xml><?xml version="1.0" encoding="utf-8"?>
-<p:sld xmlns:a="http://schemas.openxmlformats.org/drawingml/2006/main" xmlns:r="http://schemas.openxmlformats.org/officeDocument/2006/relationships" xmlns:p="http://schemas.openxmlformats.org/presentationml/2006/main">
-  <p:cSld>
-    <p:spTree>
-      <p:nvGrpSpPr>
-        <p:cNvPr id="1" name=""/>
-        <p:cNvGrpSpPr/>
-        <p:nvPr/>
-      </p:nvGrpSpPr>
-      <p:grpSpPr>
-        <a:xfrm>
-          <a:off x="0" y="0"/>
-          <a:ext cx="0" cy="0"/>
-          <a:chOff x="0" y="0"/>
-          <a:chExt cx="0" cy="0"/>
-        </a:xfrm>
-      </p:grpSpPr>
-      <p:sp>
-        <p:nvSpPr>
-          <p:cNvPr id="2" name="Title 1">
-            <a:extLst>
-              <a:ext uri="{FF2B5EF4-FFF2-40B4-BE49-F238E27FC236}">
-                <a16:creationId xmlns:a16="http://schemas.microsoft.com/office/drawing/2014/main" id="{FA44BE58-2168-473C-B291-2AD6719F7F65}"/>
-              </a:ext>
-            </a:extLst>
-          </p:cNvPr>
-          <p:cNvSpPr>
-            <a:spLocks noGrp="1"/>
-          </p:cNvSpPr>
-          <p:nvPr>
-            <p:ph type="title"/>
-          </p:nvPr>
-        </p:nvSpPr>
-        <p:spPr/>
-        <p:txBody>
-          <a:bodyPr/>
-          <a:lstStyle/>
-          <a:p>
-            <a:r>
-              <a:rPr lang="en-GB" dirty="0"/>
-              <a:t>MERCI DE VOTRE ATTENTION</a:t>
-            </a:r>
-          </a:p>
-        </p:txBody>
-      </p:sp>
-      <p:sp>
-        <p:nvSpPr>
-          <p:cNvPr id="4" name="Slide Number Placeholder 3">
-            <a:extLst>
-              <a:ext uri="{FF2B5EF4-FFF2-40B4-BE49-F238E27FC236}">
-                <a16:creationId xmlns:a16="http://schemas.microsoft.com/office/drawing/2014/main" id="{F18D4CBE-9ECE-4A81-AA55-0ACFCF7B8E8F}"/>
-              </a:ext>
-            </a:extLst>
-          </p:cNvPr>
-          <p:cNvSpPr>
-            <a:spLocks noGrp="1"/>
-          </p:cNvSpPr>
-          <p:nvPr>
-            <p:ph type="sldNum" sz="quarter" idx="12"/>
-          </p:nvPr>
-        </p:nvSpPr>
-        <p:spPr/>
-        <p:txBody>
-          <a:bodyPr/>
-          <a:lstStyle/>
-          <a:p>
-            <a:fld id="{22EBEF4F-4056-4A7E-9612-F3E8B502E28B}" type="slidenum">
-              <a:rPr lang="fr-FR" smtClean="0"/>
-              <a:t>14</a:t>
-            </a:fld>
-            <a:endParaRPr lang="fr-FR"/>
-          </a:p>
-        </p:txBody>
-      </p:sp>
-      <p:pic>
-        <p:nvPicPr>
-          <p:cNvPr id="6" name="Picture 2" descr="L'agence Santé publique France">
-            <a:hlinkClick r:id="rId2"/>
-            <a:extLst>
-              <a:ext uri="{FF2B5EF4-FFF2-40B4-BE49-F238E27FC236}">
-                <a16:creationId xmlns:a16="http://schemas.microsoft.com/office/drawing/2014/main" id="{EA23741F-3518-440E-BEB3-C850837ACBA3}"/>
-              </a:ext>
-            </a:extLst>
-          </p:cNvPr>
-          <p:cNvPicPr>
-            <a:picLocks noChangeAspect="1" noChangeArrowheads="1"/>
-          </p:cNvPicPr>
-          <p:nvPr/>
-        </p:nvPicPr>
-        <p:blipFill>
-          <a:blip r:embed="rId3">
-            <a:extLst>
-              <a:ext uri="{28A0092B-C50C-407E-A947-70E740481C1C}">
-                <a14:useLocalDpi xmlns:a14="http://schemas.microsoft.com/office/drawing/2010/main" val="0"/>
-              </a:ext>
-            </a:extLst>
-          </a:blip>
-          <a:srcRect/>
-          <a:stretch>
-            <a:fillRect/>
-          </a:stretch>
-        </p:blipFill>
-        <p:spPr bwMode="auto">
-          <a:xfrm>
-            <a:off x="208547" y="288758"/>
-            <a:ext cx="2766762" cy="1562407"/>
+            <a:off x="0" y="0"/>
+            <a:ext cx="4762500" cy="2181225"/>
           </a:xfrm>
           <a:prstGeom prst="rect">
             <a:avLst/>
@@ -13620,7 +13517,7 @@
           <p:cNvPr id="2" name="Titre 1">
             <a:extLst>
               <a:ext uri="{FF2B5EF4-FFF2-40B4-BE49-F238E27FC236}">
-                <a16:creationId xmlns:a16="http://schemas.microsoft.com/office/drawing/2014/main" id="{5C9D7F57-BB6B-47B6-9F61-CC67E6CC5B5B}"/>
+                <a16:creationId xmlns:a16="http://schemas.microsoft.com/office/drawing/2014/main" id="{859271E4-0F1C-49A2-A674-5837229DC44E}"/>
               </a:ext>
             </a:extLst>
           </p:cNvPr>
@@ -13628,46 +13525,13 @@
             <a:spLocks noGrp="1"/>
           </p:cNvSpPr>
           <p:nvPr>
-            <p:ph type="title"/>
-          </p:nvPr>
-        </p:nvSpPr>
-        <p:spPr>
-          <a:xfrm>
-            <a:off x="2895600" y="271529"/>
-            <a:ext cx="8610600" cy="1430187"/>
-          </a:xfrm>
-        </p:spPr>
-        <p:txBody>
-          <a:bodyPr/>
-          <a:lstStyle/>
-          <a:p>
-            <a:r>
-              <a:rPr lang="fr-FR" b="1" dirty="0"/>
-              <a:t>Plan de la présentation</a:t>
-            </a:r>
-          </a:p>
-        </p:txBody>
-      </p:sp>
-      <p:sp>
-        <p:nvSpPr>
-          <p:cNvPr id="3" name="Espace réservé du contenu 2">
-            <a:extLst>
-              <a:ext uri="{FF2B5EF4-FFF2-40B4-BE49-F238E27FC236}">
-                <a16:creationId xmlns:a16="http://schemas.microsoft.com/office/drawing/2014/main" id="{65C25AD1-BD09-42CD-AAA1-A13586FB9A0B}"/>
-              </a:ext>
-            </a:extLst>
-          </p:cNvPr>
-          <p:cNvSpPr>
-            <a:spLocks noGrp="1"/>
-          </p:cNvSpPr>
-          <p:nvPr>
-            <p:ph idx="1"/>
-          </p:nvPr>
-        </p:nvSpPr>
-        <p:spPr>
-          <a:xfrm>
-            <a:off x="304800" y="1936673"/>
-            <a:ext cx="11887200" cy="4896051"/>
+            <p:ph type="ctrTitle"/>
+          </p:nvPr>
+        </p:nvSpPr>
+        <p:spPr>
+          <a:xfrm>
+            <a:off x="1371600" y="1917576"/>
+            <a:ext cx="9448800" cy="2388093"/>
           </a:xfrm>
         </p:spPr>
         <p:txBody>
@@ -13676,152 +13540,44 @@
           </a:bodyPr>
           <a:lstStyle/>
           <a:p>
-            <a:pPr marL="0" indent="0">
-              <a:buNone/>
-            </a:pPr>
-            <a:r>
-              <a:rPr lang="fr-FR" sz="2400" b="1" cap="small" dirty="0"/>
-              <a:t>Partie 1 </a:t>
-            </a:r>
-            <a:r>
-              <a:rPr lang="fr-FR" sz="2400" cap="small" dirty="0"/>
-              <a:t>(5 min) - </a:t>
-            </a:r>
-            <a:r>
-              <a:rPr lang="fr-FR" sz="2400" dirty="0"/>
-              <a:t>Présentation de l’idée d’application</a:t>
-            </a:r>
-          </a:p>
-          <a:p>
-            <a:pPr marL="0" indent="0">
-              <a:buNone/>
-            </a:pPr>
-            <a:endParaRPr lang="fr-FR" sz="2400" dirty="0"/>
-          </a:p>
-          <a:p>
-            <a:pPr marL="0" indent="0">
-              <a:buNone/>
-            </a:pPr>
-            <a:r>
-              <a:rPr lang="fr-FR" sz="2400" b="1" cap="small" dirty="0"/>
-              <a:t>Partie 2 </a:t>
-            </a:r>
-            <a:r>
-              <a:rPr lang="fr-FR" sz="2400" cap="small" dirty="0"/>
-              <a:t>(5 min) - </a:t>
-            </a:r>
-            <a:r>
-              <a:rPr lang="fr-FR" sz="2400" dirty="0"/>
-              <a:t>Présentation du nettoyage du jeu de données (notebook)</a:t>
-            </a:r>
-          </a:p>
-          <a:p>
-            <a:pPr marL="0" indent="0">
-              <a:buNone/>
-            </a:pPr>
-            <a:endParaRPr lang="fr-FR" sz="2400" dirty="0"/>
-          </a:p>
-          <a:p>
-            <a:pPr marL="0" indent="0">
-              <a:buNone/>
-            </a:pPr>
-            <a:r>
-              <a:rPr lang="fr-FR" sz="2400" b="1" cap="small" dirty="0"/>
-              <a:t>Partie 3 </a:t>
-            </a:r>
-            <a:r>
-              <a:rPr lang="fr-FR" sz="2400" cap="small" dirty="0"/>
-              <a:t>(10 min) - </a:t>
-            </a:r>
-            <a:r>
-              <a:rPr lang="fr-FR" sz="2400" dirty="0"/>
-              <a:t>Présentation de l’analyse exploratoire (notebook)</a:t>
-            </a:r>
-          </a:p>
-          <a:p>
-            <a:pPr marL="0" indent="0">
-              <a:buNone/>
-            </a:pPr>
-            <a:endParaRPr lang="fr-FR" sz="2400" dirty="0"/>
-          </a:p>
-          <a:p>
-            <a:pPr marL="0" indent="0">
-              <a:buNone/>
-            </a:pPr>
-            <a:r>
-              <a:rPr lang="fr-FR" sz="2400" b="1" cap="small" dirty="0"/>
-              <a:t>Partie 4 </a:t>
-            </a:r>
-            <a:r>
-              <a:rPr lang="fr-FR" sz="2400" cap="small" dirty="0"/>
-              <a:t>(5 min) - </a:t>
-            </a:r>
-            <a:r>
-              <a:rPr lang="fr-FR" sz="2400" dirty="0"/>
-              <a:t>Présentation des faits pertinents pour l’application (notebook)</a:t>
-            </a:r>
-          </a:p>
-          <a:p>
-            <a:pPr marL="0" indent="0">
-              <a:buNone/>
-            </a:pPr>
-            <a:endParaRPr lang="fr-FR" sz="2400" b="1" cap="small" dirty="0"/>
-          </a:p>
-          <a:p>
-            <a:pPr marL="0" indent="0">
-              <a:buNone/>
-            </a:pPr>
-            <a:r>
-              <a:rPr lang="fr-FR" sz="2400" b="1" cap="small" dirty="0"/>
-              <a:t>Partie 5 </a:t>
-            </a:r>
-            <a:r>
-              <a:rPr lang="fr-FR" sz="2400" cap="small" dirty="0"/>
-              <a:t>(5 à 10 min) - </a:t>
-            </a:r>
-            <a:r>
-              <a:rPr lang="fr-FR" sz="2400" dirty="0"/>
-              <a:t>Questions-réponses</a:t>
-            </a:r>
-          </a:p>
-        </p:txBody>
-      </p:sp>
-      <p:sp>
-        <p:nvSpPr>
-          <p:cNvPr id="4" name="Slide Number Placeholder 3">
-            <a:extLst>
-              <a:ext uri="{FF2B5EF4-FFF2-40B4-BE49-F238E27FC236}">
-                <a16:creationId xmlns:a16="http://schemas.microsoft.com/office/drawing/2014/main" id="{EB8A9CDC-2AC7-43D2-A50B-49BB65551129}"/>
-              </a:ext>
-            </a:extLst>
-          </p:cNvPr>
-          <p:cNvSpPr>
-            <a:spLocks noGrp="1"/>
-          </p:cNvSpPr>
-          <p:nvPr>
-            <p:ph type="sldNum" sz="quarter" idx="12"/>
-          </p:nvPr>
-        </p:nvSpPr>
-        <p:spPr/>
-        <p:txBody>
-          <a:bodyPr/>
-          <a:lstStyle/>
-          <a:p>
-            <a:fld id="{22EBEF4F-4056-4A7E-9612-F3E8B502E28B}" type="slidenum">
-              <a:rPr lang="fr-FR" smtClean="0"/>
-              <a:t>2</a:t>
-            </a:fld>
-            <a:endParaRPr lang="fr-FR"/>
+            <a:r>
+              <a:rPr lang="fr-FR" sz="4400" b="1" cap="small" dirty="0"/>
+              <a:t>Apprentissage statistique</a:t>
+            </a:r>
+            <a:br>
+              <a:rPr lang="fr-FR" dirty="0"/>
+            </a:br>
+            <a:br>
+              <a:rPr lang="fr-FR" sz="2800" cap="small" dirty="0"/>
+            </a:br>
+            <a:r>
+              <a:rPr lang="fr-FR" sz="2800" cap="small" dirty="0"/>
+              <a:t>Prédire les émissions de CO2 </a:t>
+            </a:r>
+            <a:br>
+              <a:rPr lang="fr-FR" sz="2800" cap="small" dirty="0"/>
+            </a:br>
+            <a:r>
+              <a:rPr lang="fr-FR" sz="2800" cap="small" dirty="0"/>
+              <a:t>et la consommation totale d’énergie</a:t>
+            </a:r>
+            <a:br>
+              <a:rPr lang="fr-FR" sz="2800" cap="small" dirty="0"/>
+            </a:br>
+            <a:r>
+              <a:rPr lang="fr-FR" sz="2800" cap="small" dirty="0"/>
+              <a:t>des bâtiments non destinés à l’habitation</a:t>
+            </a:r>
           </a:p>
         </p:txBody>
       </p:sp>
       <p:pic>
         <p:nvPicPr>
-          <p:cNvPr id="1026" name="Picture 2" descr="L'agence Santé publique France">
+          <p:cNvPr id="4" name="Picture 2" descr="Logo seattle">
             <a:hlinkClick r:id="rId2"/>
             <a:extLst>
               <a:ext uri="{FF2B5EF4-FFF2-40B4-BE49-F238E27FC236}">
-                <a16:creationId xmlns:a16="http://schemas.microsoft.com/office/drawing/2014/main" id="{3F11651A-2CE6-4C13-BDED-49765DEC8D67}"/>
+                <a16:creationId xmlns:a16="http://schemas.microsoft.com/office/drawing/2014/main" id="{73A529E2-FC5F-4400-B990-C03EDF8DD8DC}"/>
               </a:ext>
             </a:extLst>
           </p:cNvPr>
@@ -13845,8 +13601,8 @@
         </p:blipFill>
         <p:spPr bwMode="auto">
           <a:xfrm>
-            <a:off x="9499107" y="5237901"/>
-            <a:ext cx="2388093" cy="1348570"/>
+            <a:off x="7429500" y="0"/>
+            <a:ext cx="4762500" cy="2181225"/>
           </a:xfrm>
           <a:prstGeom prst="rect">
             <a:avLst/>
@@ -13866,7 +13622,7 @@
     </p:spTree>
     <p:extLst>
       <p:ext uri="{BB962C8B-B14F-4D97-AF65-F5344CB8AC3E}">
-        <p14:creationId xmlns:p14="http://schemas.microsoft.com/office/powerpoint/2010/main" val="3271512906"/>
+        <p14:creationId xmlns:p14="http://schemas.microsoft.com/office/powerpoint/2010/main" val="2833374160"/>
       </p:ext>
     </p:extLst>
   </p:cSld>
@@ -13895,10 +13651,10 @@
       </p:grpSpPr>
       <p:sp>
         <p:nvSpPr>
-          <p:cNvPr id="2" name="Titre 1">
+          <p:cNvPr id="2" name="Title 1">
             <a:extLst>
               <a:ext uri="{FF2B5EF4-FFF2-40B4-BE49-F238E27FC236}">
-                <a16:creationId xmlns:a16="http://schemas.microsoft.com/office/drawing/2014/main" id="{96885828-B058-4F14-80D3-515FB1B2EA26}"/>
+                <a16:creationId xmlns:a16="http://schemas.microsoft.com/office/drawing/2014/main" id="{5C9A419A-49B0-418E-80CB-42594B300BD2}"/>
               </a:ext>
             </a:extLst>
           </p:cNvPr>
@@ -13909,38 +13665,30 @@
             <p:ph type="title"/>
           </p:nvPr>
         </p:nvSpPr>
-        <p:spPr/>
+        <p:spPr>
+          <a:xfrm>
+            <a:off x="685800" y="753533"/>
+            <a:ext cx="10820399" cy="722341"/>
+          </a:xfrm>
+        </p:spPr>
         <p:txBody>
           <a:bodyPr/>
           <a:lstStyle/>
           <a:p>
             <a:r>
               <a:rPr lang="fr-FR" b="1" dirty="0"/>
-              <a:t>Partie 1 :</a:t>
-            </a:r>
-            <a:br>
-              <a:rPr lang="fr-FR" b="1" dirty="0"/>
-            </a:br>
-            <a:r>
-              <a:rPr lang="fr-FR" dirty="0"/>
-              <a:t>Présentation de </a:t>
-            </a:r>
-            <a:br>
-              <a:rPr lang="fr-FR" dirty="0"/>
-            </a:br>
-            <a:r>
-              <a:rPr lang="fr-FR" dirty="0"/>
-              <a:t>L’idée d’application</a:t>
-            </a:r>
-          </a:p>
-        </p:txBody>
-      </p:sp>
-      <p:sp>
-        <p:nvSpPr>
-          <p:cNvPr id="3" name="Espace réservé du texte 2">
+              <a:t>Le contexte</a:t>
+            </a:r>
+            <a:endParaRPr lang="en-GB" b="1" dirty="0"/>
+          </a:p>
+        </p:txBody>
+      </p:sp>
+      <p:sp>
+        <p:nvSpPr>
+          <p:cNvPr id="3" name="Text Placeholder 2">
             <a:extLst>
               <a:ext uri="{FF2B5EF4-FFF2-40B4-BE49-F238E27FC236}">
-                <a16:creationId xmlns:a16="http://schemas.microsoft.com/office/drawing/2014/main" id="{C1CD7A5C-6044-4F77-841E-E28AF461363D}"/>
+                <a16:creationId xmlns:a16="http://schemas.microsoft.com/office/drawing/2014/main" id="{9392442C-B3A0-4638-B622-291C64F6FED7}"/>
               </a:ext>
             </a:extLst>
           </p:cNvPr>
@@ -13951,25 +13699,132 @@
             <p:ph type="body" idx="1"/>
           </p:nvPr>
         </p:nvSpPr>
-        <p:spPr/>
+        <p:spPr>
+          <a:xfrm>
+            <a:off x="407502" y="1721139"/>
+            <a:ext cx="11327239" cy="3415722"/>
+          </a:xfrm>
+        </p:spPr>
+        <p:txBody>
+          <a:bodyPr>
+            <a:normAutofit lnSpcReduction="10000"/>
+          </a:bodyPr>
+          <a:lstStyle/>
+          <a:p>
+            <a:r>
+              <a:rPr lang="fr-FR" sz="2800" dirty="0">
+                <a:solidFill>
+                  <a:schemeClr val="tx1"/>
+                </a:solidFill>
+              </a:rPr>
+              <a:t>Pour atteindre son objectif de ville neutre en émissions de carbone en 2050, la </a:t>
+            </a:r>
+            <a:r>
+              <a:rPr lang="fr-FR" sz="2800" b="1" dirty="0">
+                <a:solidFill>
+                  <a:schemeClr val="tx1"/>
+                </a:solidFill>
+              </a:rPr>
+              <a:t>ville de Seattle </a:t>
+            </a:r>
+            <a:r>
+              <a:rPr lang="fr-FR" sz="2800" dirty="0">
+                <a:solidFill>
+                  <a:schemeClr val="tx1"/>
+                </a:solidFill>
+              </a:rPr>
+              <a:t>s’intéresse de près aux émissions des bâtiments non destinés à l’habitation.</a:t>
+            </a:r>
+          </a:p>
+          <a:p>
+            <a:r>
+              <a:rPr lang="fr-FR" sz="2800" dirty="0">
+                <a:solidFill>
+                  <a:schemeClr val="tx1"/>
+                </a:solidFill>
+              </a:rPr>
+              <a:t> </a:t>
+            </a:r>
+            <a:endParaRPr lang="en-GB" sz="2800" dirty="0">
+              <a:solidFill>
+                <a:schemeClr val="tx1"/>
+              </a:solidFill>
+            </a:endParaRPr>
+          </a:p>
+          <a:p>
+            <a:r>
+              <a:rPr lang="fr-FR" sz="2800" dirty="0">
+                <a:solidFill>
+                  <a:schemeClr val="tx1"/>
+                </a:solidFill>
+              </a:rPr>
+              <a:t>Les relevés sont coûteux à obtenir, et à partir de ceux déjà réalisés, vous voulez tenter de </a:t>
+            </a:r>
+            <a:r>
+              <a:rPr lang="fr-FR" sz="2800" b="1" dirty="0">
+                <a:solidFill>
+                  <a:schemeClr val="tx1"/>
+                </a:solidFill>
+              </a:rPr>
+              <a:t>prédire les émissions de CO2 et la consommation totale d’énergie</a:t>
+            </a:r>
+            <a:r>
+              <a:rPr lang="fr-FR" sz="2800" dirty="0">
+                <a:solidFill>
+                  <a:schemeClr val="tx1"/>
+                </a:solidFill>
+              </a:rPr>
+              <a:t> de bâtiments pour lesquels elles n’ont pas encore été mesurées.</a:t>
+            </a:r>
+            <a:endParaRPr lang="en-GB" sz="2800" dirty="0">
+              <a:solidFill>
+                <a:schemeClr val="tx1"/>
+              </a:solidFill>
+            </a:endParaRPr>
+          </a:p>
+        </p:txBody>
+      </p:sp>
+      <p:sp>
+        <p:nvSpPr>
+          <p:cNvPr id="6" name="Espace réservé du numéro de diapositive 2">
+            <a:extLst>
+              <a:ext uri="{FF2B5EF4-FFF2-40B4-BE49-F238E27FC236}">
+                <a16:creationId xmlns:a16="http://schemas.microsoft.com/office/drawing/2014/main" id="{76442820-B957-4E3F-837C-4D0E995BC418}"/>
+              </a:ext>
+            </a:extLst>
+          </p:cNvPr>
+          <p:cNvSpPr>
+            <a:spLocks noGrp="1"/>
+          </p:cNvSpPr>
+          <p:nvPr>
+            <p:ph type="sldNum" sz="quarter" idx="12"/>
+          </p:nvPr>
+        </p:nvSpPr>
+        <p:spPr>
+          <a:xfrm>
+            <a:off x="11412867" y="165878"/>
+            <a:ext cx="643748" cy="365125"/>
+          </a:xfrm>
+        </p:spPr>
         <p:txBody>
           <a:bodyPr/>
           <a:lstStyle/>
           <a:p>
-            <a:br>
-              <a:rPr lang="fr-FR" dirty="0"/>
-            </a:br>
-            <a:endParaRPr lang="fr-FR" dirty="0"/>
+            <a:fld id="{22EBEF4F-4056-4A7E-9612-F3E8B502E28B}" type="slidenum">
+              <a:rPr lang="fr-FR" sz="1600" b="1" smtClean="0"/>
+              <a:t>3</a:t>
+            </a:fld>
+            <a:endParaRPr lang="fr-FR" sz="1600" b="1" dirty="0"/>
           </a:p>
         </p:txBody>
       </p:sp>
       <p:pic>
         <p:nvPicPr>
-          <p:cNvPr id="4" name="Picture 2" descr="L'agence Santé publique France">
-            <a:hlinkClick r:id="rId2"/>
+          <p:cNvPr id="1026" name="Picture 2" descr="Logo seattle">
+            <a:hlinkClick r:id="rId3"/>
             <a:extLst>
               <a:ext uri="{FF2B5EF4-FFF2-40B4-BE49-F238E27FC236}">
-                <a16:creationId xmlns:a16="http://schemas.microsoft.com/office/drawing/2014/main" id="{7A7D343E-ABA7-4BAA-A824-BAEDDE707490}"/>
+                <a16:creationId xmlns:a16="http://schemas.microsoft.com/office/drawing/2014/main" id="{47BD1711-2520-4CCC-85F1-48F4FB4CE765}"/>
               </a:ext>
             </a:extLst>
           </p:cNvPr>
@@ -13979,7 +13834,7 @@
           <p:nvPr/>
         </p:nvPicPr>
         <p:blipFill>
-          <a:blip r:embed="rId3">
+          <a:blip r:embed="rId4">
             <a:extLst>
               <a:ext uri="{28A0092B-C50C-407E-A947-70E740481C1C}">
                 <a14:useLocalDpi xmlns:a14="http://schemas.microsoft.com/office/drawing/2010/main" val="0"/>
@@ -13993,8 +13848,8 @@
         </p:blipFill>
         <p:spPr bwMode="auto">
           <a:xfrm>
-            <a:off x="208547" y="288758"/>
-            <a:ext cx="2766762" cy="1562407"/>
+            <a:off x="0" y="0"/>
+            <a:ext cx="4762500" cy="2181225"/>
           </a:xfrm>
           <a:prstGeom prst="rect">
             <a:avLst/>
@@ -14014,7 +13869,7 @@
     </p:spTree>
     <p:extLst>
       <p:ext uri="{BB962C8B-B14F-4D97-AF65-F5344CB8AC3E}">
-        <p14:creationId xmlns:p14="http://schemas.microsoft.com/office/powerpoint/2010/main" val="1510174254"/>
+        <p14:creationId xmlns:p14="http://schemas.microsoft.com/office/powerpoint/2010/main" val="3576308320"/>
       </p:ext>
     </p:extLst>
   </p:cSld>
@@ -14043,10 +13898,10 @@
       </p:grpSpPr>
       <p:sp>
         <p:nvSpPr>
-          <p:cNvPr id="2" name="Title 1">
+          <p:cNvPr id="2" name="Titre 1">
             <a:extLst>
               <a:ext uri="{FF2B5EF4-FFF2-40B4-BE49-F238E27FC236}">
-                <a16:creationId xmlns:a16="http://schemas.microsoft.com/office/drawing/2014/main" id="{5C9A419A-49B0-418E-80CB-42594B300BD2}"/>
+                <a16:creationId xmlns:a16="http://schemas.microsoft.com/office/drawing/2014/main" id="{5C9D7F57-BB6B-47B6-9F61-CC67E6CC5B5B}"/>
               </a:ext>
             </a:extLst>
           </p:cNvPr>
@@ -14059,8 +13914,8 @@
         </p:nvSpPr>
         <p:spPr>
           <a:xfrm>
-            <a:off x="685800" y="753533"/>
-            <a:ext cx="10820399" cy="722341"/>
+            <a:off x="2895600" y="271529"/>
+            <a:ext cx="8610600" cy="1430187"/>
           </a:xfrm>
         </p:spPr>
         <p:txBody>
@@ -14068,19 +13923,18 @@
           <a:lstStyle/>
           <a:p>
             <a:r>
-              <a:rPr lang="fr-FR" dirty="0"/>
-              <a:t>Le contexte</a:t>
-            </a:r>
-            <a:endParaRPr lang="en-GB" dirty="0"/>
-          </a:p>
-        </p:txBody>
-      </p:sp>
-      <p:sp>
-        <p:nvSpPr>
-          <p:cNvPr id="3" name="Text Placeholder 2">
+              <a:rPr lang="fr-FR" b="1" dirty="0"/>
+              <a:t>Plan de la présentation</a:t>
+            </a:r>
+          </a:p>
+        </p:txBody>
+      </p:sp>
+      <p:sp>
+        <p:nvSpPr>
+          <p:cNvPr id="3" name="Espace réservé du contenu 2">
             <a:extLst>
               <a:ext uri="{FF2B5EF4-FFF2-40B4-BE49-F238E27FC236}">
-                <a16:creationId xmlns:a16="http://schemas.microsoft.com/office/drawing/2014/main" id="{9392442C-B3A0-4638-B622-291C64F6FED7}"/>
+                <a16:creationId xmlns:a16="http://schemas.microsoft.com/office/drawing/2014/main" id="{65C25AD1-BD09-42CD-AAA1-A13586FB9A0B}"/>
               </a:ext>
             </a:extLst>
           </p:cNvPr>
@@ -14088,107 +13942,177 @@
             <a:spLocks noGrp="1"/>
           </p:cNvSpPr>
           <p:nvPr>
-            <p:ph type="body" idx="1"/>
-          </p:nvPr>
-        </p:nvSpPr>
-        <p:spPr>
-          <a:xfrm>
-            <a:off x="432379" y="1972581"/>
-            <a:ext cx="11327239" cy="2945063"/>
+            <p:ph idx="1"/>
+          </p:nvPr>
+        </p:nvSpPr>
+        <p:spPr>
+          <a:xfrm>
+            <a:off x="304800" y="1936673"/>
+            <a:ext cx="11887200" cy="4896051"/>
+          </a:xfrm>
+        </p:spPr>
+        <p:txBody>
+          <a:bodyPr>
+            <a:normAutofit/>
+          </a:bodyPr>
+          <a:lstStyle/>
+          <a:p>
+            <a:pPr marL="0" indent="0">
+              <a:buNone/>
+            </a:pPr>
+            <a:r>
+              <a:rPr lang="fr-FR" sz="2400" b="1" cap="small" dirty="0"/>
+              <a:t>Partie 1 </a:t>
+            </a:r>
+            <a:r>
+              <a:rPr lang="fr-FR" sz="2400" cap="small" dirty="0"/>
+              <a:t>(5 min) – </a:t>
+            </a:r>
+            <a:r>
+              <a:rPr lang="fr-FR" sz="2400" dirty="0"/>
+              <a:t>Problématique, interprétation et pistes de recherche</a:t>
+            </a:r>
+          </a:p>
+          <a:p>
+            <a:pPr marL="0" indent="0">
+              <a:buNone/>
+            </a:pPr>
+            <a:endParaRPr lang="fr-FR" sz="2400" dirty="0"/>
+          </a:p>
+          <a:p>
+            <a:pPr marL="0" indent="0">
+              <a:buNone/>
+            </a:pPr>
+            <a:r>
+              <a:rPr lang="fr-FR" sz="2400" b="1" cap="small" dirty="0"/>
+              <a:t>Partie 2 </a:t>
+            </a:r>
+            <a:r>
+              <a:rPr lang="fr-FR" sz="2400" cap="small" dirty="0"/>
+              <a:t>(5 min) – N</a:t>
+            </a:r>
+            <a:r>
+              <a:rPr lang="fr-FR" sz="2400" dirty="0"/>
+              <a:t>ettoyage et exploration (notebook)</a:t>
+            </a:r>
+          </a:p>
+          <a:p>
+            <a:pPr marL="0" indent="0">
+              <a:buNone/>
+            </a:pPr>
+            <a:endParaRPr lang="fr-FR" sz="2400" dirty="0"/>
+          </a:p>
+          <a:p>
+            <a:pPr marL="0" indent="0">
+              <a:buNone/>
+            </a:pPr>
+            <a:r>
+              <a:rPr lang="fr-FR" sz="2400" b="1" cap="small" dirty="0"/>
+              <a:t>Partie 3 </a:t>
+            </a:r>
+            <a:r>
+              <a:rPr lang="fr-FR" sz="2400" cap="small" dirty="0"/>
+              <a:t>(10 min) – P</a:t>
+            </a:r>
+            <a:r>
+              <a:rPr lang="fr-FR" sz="2400" dirty="0"/>
+              <a:t>istes de modélisation effectuées (code)</a:t>
+            </a:r>
+          </a:p>
+          <a:p>
+            <a:pPr marL="0" indent="0">
+              <a:buNone/>
+            </a:pPr>
+            <a:endParaRPr lang="fr-FR" sz="2400" dirty="0"/>
+          </a:p>
+          <a:p>
+            <a:pPr marL="0" indent="0">
+              <a:buNone/>
+            </a:pPr>
+            <a:r>
+              <a:rPr lang="fr-FR" sz="2400" b="1" cap="small" dirty="0"/>
+              <a:t>Partie 4 </a:t>
+            </a:r>
+            <a:r>
+              <a:rPr lang="fr-FR" sz="2400" cap="small" dirty="0"/>
+              <a:t>(5 min) – M</a:t>
+            </a:r>
+            <a:r>
+              <a:rPr lang="fr-FR" sz="2400" dirty="0"/>
+              <a:t>odèle final sélectionné et améliorations (code)</a:t>
+            </a:r>
+          </a:p>
+          <a:p>
+            <a:pPr marL="0" indent="0">
+              <a:buNone/>
+            </a:pPr>
+            <a:endParaRPr lang="fr-FR" sz="2400" b="1" cap="small" dirty="0"/>
+          </a:p>
+          <a:p>
+            <a:pPr marL="0" indent="0">
+              <a:buNone/>
+            </a:pPr>
+            <a:r>
+              <a:rPr lang="fr-FR" sz="2400" b="1" cap="small" dirty="0"/>
+              <a:t>Partie 5 </a:t>
+            </a:r>
+            <a:r>
+              <a:rPr lang="fr-FR" sz="2400" cap="small" dirty="0"/>
+              <a:t>(5 à 10 min) – </a:t>
+            </a:r>
+            <a:r>
+              <a:rPr lang="fr-FR" sz="2400" dirty="0"/>
+              <a:t>Questions-réponses</a:t>
+            </a:r>
+          </a:p>
+        </p:txBody>
+      </p:sp>
+      <p:sp>
+        <p:nvSpPr>
+          <p:cNvPr id="6" name="Espace réservé du numéro de diapositive 2">
+            <a:extLst>
+              <a:ext uri="{FF2B5EF4-FFF2-40B4-BE49-F238E27FC236}">
+                <a16:creationId xmlns:a16="http://schemas.microsoft.com/office/drawing/2014/main" id="{1DB8435F-3D5B-46B0-8734-A0D3FB2E8B19}"/>
+              </a:ext>
+            </a:extLst>
+          </p:cNvPr>
+          <p:cNvSpPr>
+            <a:spLocks noGrp="1"/>
+          </p:cNvSpPr>
+          <p:nvPr>
+            <p:ph type="sldNum" sz="quarter" idx="12"/>
+          </p:nvPr>
+        </p:nvSpPr>
+        <p:spPr>
+          <a:xfrm>
+            <a:off x="11368479" y="384060"/>
+            <a:ext cx="643748" cy="365125"/>
           </a:xfrm>
         </p:spPr>
         <p:txBody>
           <a:bodyPr/>
           <a:lstStyle/>
           <a:p>
-            <a:r>
-              <a:rPr lang="fr-FR" sz="2800" dirty="0">
-                <a:solidFill>
-                  <a:schemeClr val="tx1"/>
-                </a:solidFill>
-              </a:rPr>
-              <a:t>L'agence "</a:t>
-            </a:r>
-            <a:r>
-              <a:rPr lang="fr-FR" sz="2800" dirty="0">
-                <a:solidFill>
-                  <a:schemeClr val="tx1"/>
-                </a:solidFill>
-                <a:hlinkClick r:id="rId2">
-                  <a:extLst>
-                    <a:ext uri="{A12FA001-AC4F-418D-AE19-62706E023703}">
-                      <ahyp:hlinkClr xmlns:ahyp="http://schemas.microsoft.com/office/drawing/2018/hyperlinkcolor" val="tx"/>
-                    </a:ext>
-                  </a:extLst>
-                </a:hlinkClick>
-              </a:rPr>
-              <a:t>Santé publique France</a:t>
-            </a:r>
-            <a:r>
-              <a:rPr lang="fr-FR" sz="2800" dirty="0">
-                <a:solidFill>
-                  <a:schemeClr val="tx1"/>
-                </a:solidFill>
-              </a:rPr>
-              <a:t>" a lancé</a:t>
-            </a:r>
-            <a:r>
-              <a:rPr lang="fr-FR" sz="2800" b="1" dirty="0">
-                <a:solidFill>
-                  <a:schemeClr val="tx1"/>
-                </a:solidFill>
-              </a:rPr>
-              <a:t> </a:t>
-            </a:r>
-          </a:p>
-          <a:p>
-            <a:r>
-              <a:rPr lang="fr-FR" sz="2800" b="1" dirty="0">
-                <a:solidFill>
-                  <a:schemeClr val="tx1"/>
-                </a:solidFill>
-              </a:rPr>
-              <a:t>un appel à projets pour trouver des idées innovantes d’applications en lien avec l'alimentation.</a:t>
-            </a:r>
-          </a:p>
-          <a:p>
-            <a:r>
-              <a:rPr lang="fr-FR" sz="2800" dirty="0">
-                <a:solidFill>
-                  <a:schemeClr val="tx1"/>
-                </a:solidFill>
-              </a:rPr>
-              <a:t> </a:t>
-            </a:r>
-          </a:p>
-          <a:p>
-            <a:r>
-              <a:rPr lang="fr-FR" sz="2800" dirty="0">
-                <a:solidFill>
-                  <a:schemeClr val="tx1"/>
-                </a:solidFill>
-              </a:rPr>
-              <a:t>Nous souhaitons y participer et proposer une idée d’application.</a:t>
-            </a:r>
-            <a:endParaRPr lang="en-GB" sz="2800" dirty="0">
-              <a:solidFill>
-                <a:schemeClr val="tx1"/>
-              </a:solidFill>
-            </a:endParaRPr>
+            <a:fld id="{22EBEF4F-4056-4A7E-9612-F3E8B502E28B}" type="slidenum">
+              <a:rPr lang="fr-FR" sz="1600" b="1" smtClean="0"/>
+              <a:t>4</a:t>
+            </a:fld>
+            <a:endParaRPr lang="fr-FR" sz="1600" b="1" dirty="0"/>
           </a:p>
         </p:txBody>
       </p:sp>
       <p:pic>
         <p:nvPicPr>
-          <p:cNvPr id="4" name="Picture 4">
+          <p:cNvPr id="7" name="Picture 2" descr="Logo seattle">
+            <a:hlinkClick r:id="rId2"/>
             <a:extLst>
               <a:ext uri="{FF2B5EF4-FFF2-40B4-BE49-F238E27FC236}">
-                <a16:creationId xmlns:a16="http://schemas.microsoft.com/office/drawing/2014/main" id="{336CFBE4-1E27-434B-B0F9-E5E92EB73C3A}"/>
+                <a16:creationId xmlns:a16="http://schemas.microsoft.com/office/drawing/2014/main" id="{DC2215AB-7FE3-4E7F-BB64-2E8576B9D696}"/>
               </a:ext>
             </a:extLst>
           </p:cNvPr>
           <p:cNvPicPr>
-            <a:picLocks noChangeAspect="1"/>
+            <a:picLocks noChangeAspect="1" noChangeArrowheads="1"/>
           </p:cNvPicPr>
           <p:nvPr/>
         </p:nvPicPr>
@@ -14200,24 +14124,35 @@
               </a:ext>
             </a:extLst>
           </a:blip>
+          <a:srcRect/>
           <a:stretch>
             <a:fillRect/>
           </a:stretch>
         </p:blipFill>
-        <p:spPr>
-          <a:xfrm>
-            <a:off x="187428" y="345058"/>
-            <a:ext cx="2158730" cy="1219048"/>
+        <p:spPr bwMode="auto">
+          <a:xfrm>
+            <a:off x="7429500" y="4676775"/>
+            <a:ext cx="4762500" cy="2181225"/>
           </a:xfrm>
           <a:prstGeom prst="rect">
             <a:avLst/>
           </a:prstGeom>
+          <a:noFill/>
+          <a:extLst>
+            <a:ext uri="{909E8E84-426E-40DD-AFC4-6F175D3DCCD1}">
+              <a14:hiddenFill xmlns:a14="http://schemas.microsoft.com/office/drawing/2010/main">
+                <a:solidFill>
+                  <a:srgbClr val="FFFFFF"/>
+                </a:solidFill>
+              </a14:hiddenFill>
+            </a:ext>
+          </a:extLst>
         </p:spPr>
       </p:pic>
     </p:spTree>
     <p:extLst>
       <p:ext uri="{BB962C8B-B14F-4D97-AF65-F5344CB8AC3E}">
-        <p14:creationId xmlns:p14="http://schemas.microsoft.com/office/powerpoint/2010/main" val="3576308320"/>
+        <p14:creationId xmlns:p14="http://schemas.microsoft.com/office/powerpoint/2010/main" val="3271512906"/>
       </p:ext>
     </p:extLst>
   </p:cSld>
@@ -14246,10 +14181,10 @@
       </p:grpSpPr>
       <p:sp>
         <p:nvSpPr>
-          <p:cNvPr id="2" name="Title 1">
+          <p:cNvPr id="2" name="Titre 1">
             <a:extLst>
               <a:ext uri="{FF2B5EF4-FFF2-40B4-BE49-F238E27FC236}">
-                <a16:creationId xmlns:a16="http://schemas.microsoft.com/office/drawing/2014/main" id="{5C9A419A-49B0-418E-80CB-42594B300BD2}"/>
+                <a16:creationId xmlns:a16="http://schemas.microsoft.com/office/drawing/2014/main" id="{96885828-B058-4F14-80D3-515FB1B2EA26}"/>
               </a:ext>
             </a:extLst>
           </p:cNvPr>
@@ -14260,30 +14195,38 @@
             <p:ph type="title"/>
           </p:nvPr>
         </p:nvSpPr>
-        <p:spPr>
-          <a:xfrm>
-            <a:off x="685800" y="753533"/>
-            <a:ext cx="10820399" cy="722341"/>
-          </a:xfrm>
-        </p:spPr>
+        <p:spPr/>
         <p:txBody>
           <a:bodyPr/>
           <a:lstStyle/>
           <a:p>
             <a:r>
+              <a:rPr lang="fr-FR" b="1" dirty="0"/>
+              <a:t>Partie 1 :</a:t>
+            </a:r>
+            <a:br>
+              <a:rPr lang="fr-FR" b="1" dirty="0"/>
+            </a:br>
+            <a:r>
               <a:rPr lang="fr-FR" dirty="0"/>
-              <a:t>LES DONNÉES</a:t>
-            </a:r>
-            <a:endParaRPr lang="en-GB" dirty="0"/>
-          </a:p>
-        </p:txBody>
-      </p:sp>
-      <p:sp>
-        <p:nvSpPr>
-          <p:cNvPr id="3" name="Text Placeholder 2">
+              <a:t>Présentation de </a:t>
+            </a:r>
+            <a:br>
+              <a:rPr lang="fr-FR" dirty="0"/>
+            </a:br>
+            <a:r>
+              <a:rPr lang="fr-FR" dirty="0"/>
+              <a:t>la problématique</a:t>
+            </a:r>
+          </a:p>
+        </p:txBody>
+      </p:sp>
+      <p:sp>
+        <p:nvSpPr>
+          <p:cNvPr id="3" name="Espace réservé du texte 2">
             <a:extLst>
               <a:ext uri="{FF2B5EF4-FFF2-40B4-BE49-F238E27FC236}">
-                <a16:creationId xmlns:a16="http://schemas.microsoft.com/office/drawing/2014/main" id="{9392442C-B3A0-4638-B622-291C64F6FED7}"/>
+                <a16:creationId xmlns:a16="http://schemas.microsoft.com/office/drawing/2014/main" id="{C1CD7A5C-6044-4F77-841E-E28AF461363D}"/>
               </a:ext>
             </a:extLst>
           </p:cNvPr>
@@ -14294,192 +14237,104 @@
             <p:ph type="body" idx="1"/>
           </p:nvPr>
         </p:nvSpPr>
-        <p:spPr>
-          <a:xfrm>
-            <a:off x="1701800" y="2314593"/>
-            <a:ext cx="10490200" cy="3497493"/>
-          </a:xfrm>
-        </p:spPr>
-        <p:txBody>
-          <a:bodyPr>
-            <a:normAutofit/>
-          </a:bodyPr>
+        <p:spPr/>
+        <p:txBody>
+          <a:bodyPr/>
           <a:lstStyle/>
           <a:p>
-            <a:pPr algn="l"/>
-            <a:r>
-              <a:rPr lang="fr-FR" sz="2800" b="1" dirty="0">
-                <a:solidFill>
-                  <a:schemeClr val="tx1"/>
-                </a:solidFill>
-              </a:rPr>
-              <a:t>Base de données </a:t>
-            </a:r>
-            <a:r>
-              <a:rPr lang="fr-FR" sz="2800" b="1" dirty="0">
-                <a:solidFill>
-                  <a:schemeClr val="tx1"/>
-                </a:solidFill>
-                <a:hlinkClick r:id="rId2"/>
-              </a:rPr>
-              <a:t>Open Food Fact</a:t>
-            </a:r>
-            <a:r>
-              <a:rPr lang="fr-FR" sz="2800" b="1" dirty="0">
-                <a:solidFill>
-                  <a:schemeClr val="tx1"/>
-                </a:solidFill>
-              </a:rPr>
-              <a:t> :</a:t>
-            </a:r>
-            <a:endParaRPr lang="fr-FR" dirty="0">
-              <a:solidFill>
-                <a:schemeClr val="tx1"/>
-              </a:solidFill>
-            </a:endParaRPr>
-          </a:p>
-          <a:p>
-            <a:pPr marL="342900" indent="-342900" algn="l">
-              <a:buFont typeface="Arial" panose="020B0604020202020204" pitchFamily="34" charset="0"/>
-              <a:buChar char="•"/>
-            </a:pPr>
-            <a:r>
-              <a:rPr lang="fr-FR" dirty="0">
-                <a:solidFill>
-                  <a:schemeClr val="tx1"/>
-                </a:solidFill>
-              </a:rPr>
-              <a:t>BDD ouverte (</a:t>
-            </a:r>
-            <a:r>
-              <a:rPr lang="fr-FR" i="1" dirty="0">
-                <a:solidFill>
-                  <a:schemeClr val="tx1"/>
-                </a:solidFill>
-              </a:rPr>
-              <a:t>open data</a:t>
-            </a:r>
-            <a:r>
-              <a:rPr lang="fr-FR" dirty="0">
-                <a:solidFill>
-                  <a:schemeClr val="tx1"/>
-                </a:solidFill>
-              </a:rPr>
-              <a:t>) et collaborative</a:t>
-            </a:r>
-          </a:p>
-          <a:p>
-            <a:pPr marL="342900" indent="-342900" algn="l">
-              <a:buFont typeface="Arial" panose="020B0604020202020204" pitchFamily="34" charset="0"/>
-              <a:buChar char="•"/>
-            </a:pPr>
-            <a:r>
-              <a:rPr lang="fr-FR" dirty="0">
-                <a:solidFill>
-                  <a:schemeClr val="tx1"/>
-                </a:solidFill>
-              </a:rPr>
-              <a:t>Base de produits alimentaires</a:t>
-            </a:r>
-          </a:p>
-          <a:p>
-            <a:pPr marL="342900" indent="-342900" algn="l">
-              <a:buFont typeface="Arial" panose="020B0604020202020204" pitchFamily="34" charset="0"/>
-              <a:buChar char="•"/>
-            </a:pPr>
-            <a:r>
-              <a:rPr lang="fr-FR" dirty="0">
-                <a:solidFill>
-                  <a:schemeClr val="tx1"/>
-                </a:solidFill>
-              </a:rPr>
-              <a:t>Répertorie les ingrédients, les allergènes, la composition nutritionnelle…</a:t>
-            </a:r>
-          </a:p>
-          <a:p>
-            <a:pPr marL="342900" indent="-342900" algn="l">
-              <a:buFont typeface="Arial" panose="020B0604020202020204" pitchFamily="34" charset="0"/>
-              <a:buChar char="•"/>
-            </a:pPr>
-            <a:r>
-              <a:rPr lang="fr-FR" dirty="0">
-                <a:solidFill>
-                  <a:schemeClr val="tx1"/>
-                </a:solidFill>
-              </a:rPr>
-              <a:t>… et toutes les informations présentes sur les étiquettes des aliment</a:t>
-            </a:r>
-          </a:p>
-          <a:p>
-            <a:pPr marL="342900" indent="-342900" algn="l">
-              <a:buFont typeface="Arial" panose="020B0604020202020204" pitchFamily="34" charset="0"/>
-              <a:buChar char="•"/>
-            </a:pPr>
-            <a:r>
-              <a:rPr lang="fr-FR" dirty="0">
-                <a:solidFill>
-                  <a:schemeClr val="tx1"/>
-                </a:solidFill>
-              </a:rPr>
-              <a:t>Description des variables : </a:t>
-            </a:r>
-            <a:r>
-              <a:rPr lang="fr-FR" dirty="0">
-                <a:solidFill>
-                  <a:schemeClr val="tx1"/>
-                </a:solidFill>
-                <a:hlinkClick r:id="rId3"/>
-              </a:rPr>
-              <a:t>ici</a:t>
-            </a:r>
-            <a:endParaRPr lang="fr-FR" dirty="0">
-              <a:solidFill>
-                <a:schemeClr val="tx1"/>
-              </a:solidFill>
-            </a:endParaRPr>
+            <a:br>
+              <a:rPr lang="fr-FR" dirty="0"/>
+            </a:br>
+            <a:endParaRPr lang="fr-FR" dirty="0"/>
+          </a:p>
+        </p:txBody>
+      </p:sp>
+      <p:sp>
+        <p:nvSpPr>
+          <p:cNvPr id="6" name="Espace réservé du numéro de diapositive 2">
+            <a:extLst>
+              <a:ext uri="{FF2B5EF4-FFF2-40B4-BE49-F238E27FC236}">
+                <a16:creationId xmlns:a16="http://schemas.microsoft.com/office/drawing/2014/main" id="{2F10977A-4C16-4D01-AC77-DA41EC3976E0}"/>
+              </a:ext>
+            </a:extLst>
+          </p:cNvPr>
+          <p:cNvSpPr>
+            <a:spLocks noGrp="1"/>
+          </p:cNvSpPr>
+          <p:nvPr>
+            <p:ph type="sldNum" sz="quarter" idx="12"/>
+          </p:nvPr>
+        </p:nvSpPr>
+        <p:spPr>
+          <a:xfrm>
+            <a:off x="11412867" y="165878"/>
+            <a:ext cx="643748" cy="365125"/>
+          </a:xfrm>
+        </p:spPr>
+        <p:txBody>
+          <a:bodyPr/>
+          <a:lstStyle/>
+          <a:p>
+            <a:fld id="{22EBEF4F-4056-4A7E-9612-F3E8B502E28B}" type="slidenum">
+              <a:rPr lang="fr-FR" sz="1600" b="1" smtClean="0"/>
+              <a:t>5</a:t>
+            </a:fld>
+            <a:endParaRPr lang="fr-FR" sz="1600" b="1" dirty="0"/>
           </a:p>
         </p:txBody>
       </p:sp>
       <p:pic>
         <p:nvPicPr>
-          <p:cNvPr id="5" name="Image 4">
+          <p:cNvPr id="7" name="Picture 2" descr="Logo seattle">
+            <a:hlinkClick r:id="rId2"/>
             <a:extLst>
               <a:ext uri="{FF2B5EF4-FFF2-40B4-BE49-F238E27FC236}">
-                <a16:creationId xmlns:a16="http://schemas.microsoft.com/office/drawing/2014/main" id="{F6E9DA27-E88A-41B7-B8BD-86CE053BDCEF}"/>
+                <a16:creationId xmlns:a16="http://schemas.microsoft.com/office/drawing/2014/main" id="{88833645-172C-45B3-92ED-AA6913C51AD9}"/>
               </a:ext>
             </a:extLst>
           </p:cNvPr>
           <p:cNvPicPr>
-            <a:picLocks noChangeAspect="1"/>
+            <a:picLocks noChangeAspect="1" noChangeArrowheads="1"/>
           </p:cNvPicPr>
           <p:nvPr/>
         </p:nvPicPr>
         <p:blipFill>
-          <a:blip r:embed="rId4">
+          <a:blip r:embed="rId3">
             <a:extLst>
               <a:ext uri="{28A0092B-C50C-407E-A947-70E740481C1C}">
                 <a14:useLocalDpi xmlns:a14="http://schemas.microsoft.com/office/drawing/2010/main" val="0"/>
               </a:ext>
             </a:extLst>
           </a:blip>
+          <a:srcRect/>
           <a:stretch>
             <a:fillRect/>
           </a:stretch>
         </p:blipFill>
-        <p:spPr>
-          <a:xfrm>
-            <a:off x="392756" y="165888"/>
-            <a:ext cx="2251855" cy="1897630"/>
+        <p:spPr bwMode="auto">
+          <a:xfrm>
+            <a:off x="0" y="0"/>
+            <a:ext cx="4762500" cy="2181225"/>
           </a:xfrm>
           <a:prstGeom prst="rect">
             <a:avLst/>
           </a:prstGeom>
+          <a:noFill/>
+          <a:extLst>
+            <a:ext uri="{909E8E84-426E-40DD-AFC4-6F175D3DCCD1}">
+              <a14:hiddenFill xmlns:a14="http://schemas.microsoft.com/office/drawing/2010/main">
+                <a:solidFill>
+                  <a:srgbClr val="FFFFFF"/>
+                </a:solidFill>
+              </a14:hiddenFill>
+            </a:ext>
+          </a:extLst>
         </p:spPr>
       </p:pic>
     </p:spTree>
     <p:extLst>
       <p:ext uri="{BB962C8B-B14F-4D97-AF65-F5344CB8AC3E}">
-        <p14:creationId xmlns:p14="http://schemas.microsoft.com/office/powerpoint/2010/main" val="1478984346"/>
+        <p14:creationId xmlns:p14="http://schemas.microsoft.com/office/powerpoint/2010/main" val="1510174254"/>
       </p:ext>
     </p:extLst>
   </p:cSld>
@@ -14533,9 +14388,10 @@
           <a:lstStyle/>
           <a:p>
             <a:r>
-              <a:rPr lang="fr-FR" dirty="0"/>
-              <a:t>L’idée D’application : YUSKAN</a:t>
-            </a:r>
+              <a:rPr lang="fr-FR" b="1" dirty="0"/>
+              <a:t>LES DONNÉES</a:t>
+            </a:r>
+            <a:endParaRPr lang="en-GB" b="1" dirty="0"/>
           </a:p>
         </p:txBody>
       </p:sp>
@@ -14557,8 +14413,8 @@
         </p:nvSpPr>
         <p:spPr>
           <a:xfrm>
-            <a:off x="2576338" y="1925123"/>
-            <a:ext cx="6053375" cy="4179344"/>
+            <a:off x="2030274" y="1970843"/>
+            <a:ext cx="10490200" cy="3841243"/>
           </a:xfrm>
         </p:spPr>
         <p:txBody>
@@ -14574,8 +14430,25 @@
                   <a:schemeClr val="tx1"/>
                 </a:solidFill>
               </a:rPr>
-              <a:t>Une alternative à </a:t>
-            </a:r>
+              <a:t>Données accessibles sur </a:t>
+            </a:r>
+            <a:r>
+              <a:rPr lang="fr-FR" sz="2800" b="1" dirty="0">
+                <a:solidFill>
+                  <a:schemeClr val="tx1"/>
+                </a:solidFill>
+                <a:hlinkClick r:id="rId2"/>
+              </a:rPr>
+              <a:t>kaggle.com</a:t>
+            </a:r>
+            <a:endParaRPr lang="fr-FR" sz="2800" b="1" dirty="0">
+              <a:solidFill>
+                <a:schemeClr val="tx1"/>
+              </a:solidFill>
+            </a:endParaRPr>
+          </a:p>
+          <a:p>
+            <a:pPr algn="l"/>
             <a:endParaRPr lang="fr-FR" dirty="0">
               <a:solidFill>
                 <a:schemeClr val="tx1"/>
@@ -14593,7 +14466,15 @@
                   <a:schemeClr val="tx1"/>
                 </a:solidFill>
               </a:rPr>
-              <a:t>Libre et gratuite</a:t>
+              <a:t>Données de la ville de </a:t>
+            </a:r>
+            <a:r>
+              <a:rPr lang="fr-FR" b="1" dirty="0">
+                <a:solidFill>
+                  <a:schemeClr val="tx1"/>
+                </a:solidFill>
+              </a:rPr>
+              <a:t>Seattle</a:t>
             </a:r>
           </a:p>
           <a:p>
@@ -14607,25 +14488,35 @@
                   <a:schemeClr val="tx1"/>
                 </a:solidFill>
               </a:rPr>
-              <a:t>Simple (voir basique) et légère</a:t>
-            </a:r>
-          </a:p>
-          <a:p>
-            <a:pPr marL="800100" lvl="1" indent="-342900">
-              <a:buFont typeface="Arial" panose="020B0604020202020204" pitchFamily="34" charset="0"/>
-              <a:buChar char="•"/>
-            </a:pPr>
+              <a:t>Deux tables : pour les années </a:t>
+            </a:r>
+            <a:r>
+              <a:rPr lang="fr-FR" b="1" dirty="0">
+                <a:solidFill>
+                  <a:schemeClr val="tx1"/>
+                </a:solidFill>
+              </a:rPr>
+              <a:t>2015</a:t>
+            </a:r>
             <a:r>
               <a:rPr lang="fr-FR" dirty="0">
                 <a:solidFill>
                   <a:schemeClr val="tx1"/>
                 </a:solidFill>
               </a:rPr>
-              <a:t>Pas de compte utilisateur</a:t>
-            </a:r>
-          </a:p>
-          <a:p>
-            <a:pPr marL="800100" lvl="1" indent="-342900">
+              <a:t> et </a:t>
+            </a:r>
+            <a:r>
+              <a:rPr lang="fr-FR" b="1" dirty="0">
+                <a:solidFill>
+                  <a:schemeClr val="tx1"/>
+                </a:solidFill>
+              </a:rPr>
+              <a:t>2016</a:t>
+            </a:r>
+          </a:p>
+          <a:p>
+            <a:pPr marL="342900" indent="-342900" algn="l">
               <a:buFont typeface="Arial" panose="020B0604020202020204" pitchFamily="34" charset="0"/>
               <a:buChar char="•"/>
             </a:pPr>
@@ -14635,21 +14526,31 @@
                   <a:schemeClr val="tx1"/>
                 </a:solidFill>
               </a:rPr>
-              <a:t>Pas de collecte de données</a:t>
-            </a:r>
-          </a:p>
-          <a:p>
-            <a:pPr marL="800100" lvl="1" indent="-342900">
-              <a:buFont typeface="Arial" panose="020B0604020202020204" pitchFamily="34" charset="0"/>
-              <a:buChar char="•"/>
-            </a:pPr>
+              <a:t>Environ </a:t>
+            </a:r>
+            <a:r>
+              <a:rPr lang="fr-FR" b="1" dirty="0">
+                <a:solidFill>
+                  <a:schemeClr val="tx1"/>
+                </a:solidFill>
+              </a:rPr>
+              <a:t>3’400 bâtiments </a:t>
+            </a:r>
             <a:r>
               <a:rPr lang="fr-FR" dirty="0">
                 <a:solidFill>
                   <a:schemeClr val="tx1"/>
                 </a:solidFill>
               </a:rPr>
-              <a:t>Pas d’historique…</a:t>
+              <a:t>dans chaque table, et </a:t>
+            </a:r>
+            <a:r>
+              <a:rPr lang="fr-FR" b="1" dirty="0">
+                <a:solidFill>
+                  <a:schemeClr val="tx1"/>
+                </a:solidFill>
+              </a:rPr>
+              <a:t>46 caractéristiques</a:t>
             </a:r>
           </a:p>
           <a:p>
@@ -14663,92 +14564,60 @@
                   <a:schemeClr val="tx1"/>
                 </a:solidFill>
               </a:rPr>
-              <a:t>Hors connexion</a:t>
-            </a:r>
-          </a:p>
-          <a:p>
-            <a:pPr marL="800100" lvl="1" indent="-342900">
-              <a:buFont typeface="Arial" panose="020B0604020202020204" pitchFamily="34" charset="0"/>
-              <a:buChar char="•"/>
-            </a:pPr>
-            <a:r>
-              <a:rPr lang="fr-FR" dirty="0">
+              <a:t>Les fichiers .csv pèsent </a:t>
+            </a:r>
+            <a:r>
+              <a:rPr lang="fr-FR" b="1" dirty="0">
                 <a:solidFill>
                   <a:schemeClr val="tx1"/>
                 </a:solidFill>
               </a:rPr>
-              <a:t>Accessible partout</a:t>
-            </a:r>
-          </a:p>
-          <a:p>
-            <a:pPr marL="800100" lvl="1" indent="-342900">
-              <a:buFont typeface="Arial" panose="020B0604020202020204" pitchFamily="34" charset="0"/>
-              <a:buChar char="•"/>
-            </a:pPr>
-            <a:r>
-              <a:rPr lang="fr-FR" dirty="0">
-                <a:solidFill>
-                  <a:schemeClr val="tx1"/>
-                </a:solidFill>
-              </a:rPr>
-              <a:t>Sans consommation de « </a:t>
-            </a:r>
-            <a:r>
-              <a:rPr lang="fr-FR">
-                <a:solidFill>
-                  <a:schemeClr val="tx1"/>
-                </a:solidFill>
-              </a:rPr>
-              <a:t>data »</a:t>
-            </a:r>
-            <a:endParaRPr lang="fr-FR" dirty="0">
-              <a:solidFill>
-                <a:schemeClr val="tx1"/>
-              </a:solidFill>
-            </a:endParaRPr>
-          </a:p>
-          <a:p>
-            <a:pPr marL="342900" indent="-342900" algn="l">
-              <a:buFont typeface="Arial" panose="020B0604020202020204" pitchFamily="34" charset="0"/>
-              <a:buChar char="•"/>
-            </a:pPr>
-            <a:endParaRPr lang="fr-FR" dirty="0">
-              <a:solidFill>
-                <a:schemeClr val="tx1"/>
-              </a:solidFill>
-            </a:endParaRPr>
-          </a:p>
-          <a:p>
-            <a:pPr marL="342900" indent="-342900">
-              <a:buFont typeface="Arial" panose="020B0604020202020204" pitchFamily="34" charset="0"/>
-              <a:buChar char="•"/>
-            </a:pPr>
-            <a:endParaRPr lang="en-GB" dirty="0">
-              <a:solidFill>
-                <a:schemeClr val="tx1"/>
-              </a:solidFill>
-            </a:endParaRPr>
-          </a:p>
-          <a:p>
-            <a:pPr marL="342900" indent="-342900">
-              <a:buFont typeface="Arial" panose="020B0604020202020204" pitchFamily="34" charset="0"/>
-              <a:buChar char="•"/>
-            </a:pPr>
-            <a:endParaRPr lang="en-GB" dirty="0">
-              <a:solidFill>
-                <a:schemeClr val="tx1"/>
-              </a:solidFill>
-            </a:endParaRPr>
+              <a:t>1,5 Mo + 1,2 Mo</a:t>
+            </a:r>
+          </a:p>
+        </p:txBody>
+      </p:sp>
+      <p:sp>
+        <p:nvSpPr>
+          <p:cNvPr id="6" name="Espace réservé du numéro de diapositive 2">
+            <a:extLst>
+              <a:ext uri="{FF2B5EF4-FFF2-40B4-BE49-F238E27FC236}">
+                <a16:creationId xmlns:a16="http://schemas.microsoft.com/office/drawing/2014/main" id="{5E00C3BC-F857-4F8A-B344-42D30B295FAB}"/>
+              </a:ext>
+            </a:extLst>
+          </p:cNvPr>
+          <p:cNvSpPr>
+            <a:spLocks noGrp="1"/>
+          </p:cNvSpPr>
+          <p:nvPr>
+            <p:ph type="sldNum" sz="quarter" idx="12"/>
+          </p:nvPr>
+        </p:nvSpPr>
+        <p:spPr>
+          <a:xfrm>
+            <a:off x="11412867" y="165878"/>
+            <a:ext cx="643748" cy="365125"/>
+          </a:xfrm>
+        </p:spPr>
+        <p:txBody>
+          <a:bodyPr/>
+          <a:lstStyle/>
+          <a:p>
+            <a:fld id="{22EBEF4F-4056-4A7E-9612-F3E8B502E28B}" type="slidenum">
+              <a:rPr lang="fr-FR" sz="1600" b="1" smtClean="0"/>
+              <a:t>6</a:t>
+            </a:fld>
+            <a:endParaRPr lang="fr-FR" sz="1600" b="1" dirty="0"/>
           </a:p>
         </p:txBody>
       </p:sp>
       <p:pic>
         <p:nvPicPr>
-          <p:cNvPr id="4" name="Picture 2" descr="L'agence Santé publique France">
+          <p:cNvPr id="7" name="Picture 2" descr="Logo seattle">
             <a:hlinkClick r:id="rId3"/>
             <a:extLst>
               <a:ext uri="{FF2B5EF4-FFF2-40B4-BE49-F238E27FC236}">
-                <a16:creationId xmlns:a16="http://schemas.microsoft.com/office/drawing/2014/main" id="{8DC6CFBB-310A-4308-AB0D-90B13E2B9DD2}"/>
+                <a16:creationId xmlns:a16="http://schemas.microsoft.com/office/drawing/2014/main" id="{3C113C34-27E5-444F-8695-D5F390C7C770}"/>
               </a:ext>
             </a:extLst>
           </p:cNvPr>
@@ -14772,8 +14641,8 @@
         </p:blipFill>
         <p:spPr bwMode="auto">
           <a:xfrm>
-            <a:off x="208547" y="288758"/>
-            <a:ext cx="2766762" cy="1562407"/>
+            <a:off x="0" y="0"/>
+            <a:ext cx="4762500" cy="2181225"/>
           </a:xfrm>
           <a:prstGeom prst="rect">
             <a:avLst/>
@@ -14792,11 +14661,10 @@
       </p:pic>
       <p:pic>
         <p:nvPicPr>
-          <p:cNvPr id="7" name="Image 6">
-            <a:hlinkClick r:id="rId5"/>
+          <p:cNvPr id="8" name="Image 7">
             <a:extLst>
               <a:ext uri="{FF2B5EF4-FFF2-40B4-BE49-F238E27FC236}">
-                <a16:creationId xmlns:a16="http://schemas.microsoft.com/office/drawing/2014/main" id="{2230EAD1-7326-4804-95DA-F2533C1670F8}"/>
+                <a16:creationId xmlns:a16="http://schemas.microsoft.com/office/drawing/2014/main" id="{9668152F-709E-480D-A804-1469650945F3}"/>
               </a:ext>
             </a:extLst>
           </p:cNvPr>
@@ -14806,7 +14674,7 @@
           <p:nvPr/>
         </p:nvPicPr>
         <p:blipFill>
-          <a:blip r:embed="rId6">
+          <a:blip r:embed="rId5">
             <a:extLst>
               <a:ext uri="{28A0092B-C50C-407E-A947-70E740481C1C}">
                 <a14:useLocalDpi xmlns:a14="http://schemas.microsoft.com/office/drawing/2010/main" val="0"/>
@@ -14819,116 +14687,8 @@
         </p:blipFill>
         <p:spPr>
           <a:xfrm>
-            <a:off x="5771702" y="1925123"/>
-            <a:ext cx="1634230" cy="487934"/>
-          </a:xfrm>
-          <a:prstGeom prst="rect">
-            <a:avLst/>
-          </a:prstGeom>
-        </p:spPr>
-      </p:pic>
-      <p:sp>
-        <p:nvSpPr>
-          <p:cNvPr id="8" name="ZoneTexte 7">
-            <a:extLst>
-              <a:ext uri="{FF2B5EF4-FFF2-40B4-BE49-F238E27FC236}">
-                <a16:creationId xmlns:a16="http://schemas.microsoft.com/office/drawing/2014/main" id="{F1EF1C3B-62E6-4A25-B35A-A81E49651BE7}"/>
-              </a:ext>
-            </a:extLst>
-          </p:cNvPr>
-          <p:cNvSpPr txBox="1"/>
-          <p:nvPr/>
-        </p:nvSpPr>
-        <p:spPr>
-          <a:xfrm>
-            <a:off x="7895576" y="3304626"/>
-            <a:ext cx="4296424" cy="1364476"/>
-          </a:xfrm>
-          <a:prstGeom prst="rect">
-            <a:avLst/>
-          </a:prstGeom>
-          <a:noFill/>
-        </p:spPr>
-        <p:txBody>
-          <a:bodyPr wrap="square" rtlCol="0">
-            <a:spAutoFit/>
-          </a:bodyPr>
-          <a:lstStyle/>
-          <a:p>
-            <a:pPr marL="342900" lvl="1" indent="-342900" algn="r">
-              <a:spcBef>
-                <a:spcPts val="1000"/>
-              </a:spcBef>
-              <a:buFont typeface="Symbol" panose="05050102010706020507" pitchFamily="18" charset="2"/>
-              <a:buChar char="Þ"/>
-            </a:pPr>
-            <a:r>
-              <a:rPr lang="fr-FR" sz="2200" b="1" dirty="0"/>
-              <a:t>Cible : </a:t>
-            </a:r>
-            <a:r>
-              <a:rPr lang="fr-FR" sz="2200" dirty="0"/>
-              <a:t>adolescents &amp; </a:t>
-            </a:r>
-          </a:p>
-          <a:p>
-            <a:pPr marL="0" lvl="1" algn="r">
-              <a:spcBef>
-                <a:spcPts val="1000"/>
-              </a:spcBef>
-            </a:pPr>
-            <a:r>
-              <a:rPr lang="fr-FR" sz="2200" dirty="0"/>
-              <a:t>	acheteurs « occasionnels »</a:t>
-            </a:r>
-          </a:p>
-          <a:p>
-            <a:pPr marL="0" lvl="1" algn="r">
-              <a:spcBef>
-                <a:spcPts val="1000"/>
-              </a:spcBef>
-            </a:pPr>
-            <a:r>
-              <a:rPr lang="fr-FR" sz="2200" dirty="0"/>
-              <a:t>afin de lutter </a:t>
-            </a:r>
-            <a:r>
-              <a:rPr lang="fr-FR" sz="2200" b="1" dirty="0"/>
-              <a:t>contre l’obésité</a:t>
-            </a:r>
-          </a:p>
-        </p:txBody>
-      </p:sp>
-      <p:pic>
-        <p:nvPicPr>
-          <p:cNvPr id="10" name="Image 9">
-            <a:extLst>
-              <a:ext uri="{FF2B5EF4-FFF2-40B4-BE49-F238E27FC236}">
-                <a16:creationId xmlns:a16="http://schemas.microsoft.com/office/drawing/2014/main" id="{52CEABC8-2283-48FC-BBF3-AF2E591C28DA}"/>
-              </a:ext>
-            </a:extLst>
-          </p:cNvPr>
-          <p:cNvPicPr>
-            <a:picLocks noChangeAspect="1"/>
-          </p:cNvPicPr>
-          <p:nvPr/>
-        </p:nvPicPr>
-        <p:blipFill>
-          <a:blip r:embed="rId7">
-            <a:extLst>
-              <a:ext uri="{28A0092B-C50C-407E-A947-70E740481C1C}">
-                <a14:useLocalDpi xmlns:a14="http://schemas.microsoft.com/office/drawing/2010/main" val="0"/>
-              </a:ext>
-            </a:extLst>
-          </a:blip>
-          <a:stretch>
-            <a:fillRect/>
-          </a:stretch>
-        </p:blipFill>
-        <p:spPr>
-          <a:xfrm>
-            <a:off x="7297908" y="3304626"/>
-            <a:ext cx="1195335" cy="897682"/>
+            <a:off x="9317367" y="1475874"/>
+            <a:ext cx="2095500" cy="952500"/>
           </a:xfrm>
           <a:prstGeom prst="rect">
             <a:avLst/>
@@ -14938,7 +14698,7 @@
     </p:spTree>
     <p:extLst>
       <p:ext uri="{BB962C8B-B14F-4D97-AF65-F5344CB8AC3E}">
-        <p14:creationId xmlns:p14="http://schemas.microsoft.com/office/powerpoint/2010/main" val="3504856278"/>
+        <p14:creationId xmlns:p14="http://schemas.microsoft.com/office/powerpoint/2010/main" val="1478984346"/>
       </p:ext>
     </p:extLst>
   </p:cSld>
@@ -14967,10 +14727,10 @@
       </p:grpSpPr>
       <p:sp>
         <p:nvSpPr>
-          <p:cNvPr id="2" name="Title 1">
+          <p:cNvPr id="2" name="Titre 1">
             <a:extLst>
               <a:ext uri="{FF2B5EF4-FFF2-40B4-BE49-F238E27FC236}">
-                <a16:creationId xmlns:a16="http://schemas.microsoft.com/office/drawing/2014/main" id="{5C9A419A-49B0-418E-80CB-42594B300BD2}"/>
+                <a16:creationId xmlns:a16="http://schemas.microsoft.com/office/drawing/2014/main" id="{7850C025-007E-4FA0-BD5D-262373463563}"/>
               </a:ext>
             </a:extLst>
           </p:cNvPr>
@@ -14983,8 +14743,8 @@
         </p:nvSpPr>
         <p:spPr>
           <a:xfrm>
-            <a:off x="685800" y="753533"/>
-            <a:ext cx="10820399" cy="722341"/>
+            <a:off x="2895600" y="0"/>
+            <a:ext cx="8610600" cy="1293028"/>
           </a:xfrm>
         </p:spPr>
         <p:txBody>
@@ -14992,19 +14752,382 @@
           <a:lstStyle/>
           <a:p>
             <a:r>
+              <a:rPr lang="fr-FR" b="1" dirty="0"/>
+              <a:t>Problématique</a:t>
+            </a:r>
+          </a:p>
+        </p:txBody>
+      </p:sp>
+      <p:sp>
+        <p:nvSpPr>
+          <p:cNvPr id="3" name="Espace réservé du contenu 2">
+            <a:extLst>
+              <a:ext uri="{FF2B5EF4-FFF2-40B4-BE49-F238E27FC236}">
+                <a16:creationId xmlns:a16="http://schemas.microsoft.com/office/drawing/2014/main" id="{46474F09-B1B9-454A-9F56-5CA66AE284CF}"/>
+              </a:ext>
+            </a:extLst>
+          </p:cNvPr>
+          <p:cNvSpPr>
+            <a:spLocks noGrp="1"/>
+          </p:cNvSpPr>
+          <p:nvPr>
+            <p:ph idx="1"/>
+          </p:nvPr>
+        </p:nvSpPr>
+        <p:spPr>
+          <a:xfrm>
+            <a:off x="1078520" y="1589350"/>
+            <a:ext cx="10105806" cy="4873840"/>
+          </a:xfrm>
+        </p:spPr>
+        <p:txBody>
+          <a:bodyPr>
+            <a:normAutofit/>
+          </a:bodyPr>
+          <a:lstStyle/>
+          <a:p>
+            <a:pPr marL="457200" indent="-457200">
+              <a:buFont typeface="+mj-lt"/>
+              <a:buAutoNum type="arabicParenR"/>
+            </a:pPr>
+            <a:r>
               <a:rPr lang="fr-FR" dirty="0"/>
-              <a:t>YUSKAN</a:t>
-            </a:r>
+              <a:t>L’</a:t>
+            </a:r>
+            <a:r>
+              <a:rPr lang="fr-FR" b="1" dirty="0"/>
+              <a:t>apprentissage statistique </a:t>
+            </a:r>
+            <a:r>
+              <a:rPr lang="fr-FR" dirty="0"/>
+              <a:t>peut-il aider à résoudre notre problème ?</a:t>
+            </a:r>
+          </a:p>
+          <a:p>
+            <a:pPr marL="0" indent="0">
+              <a:buNone/>
+            </a:pPr>
+            <a:endParaRPr lang="fr-FR" sz="900" dirty="0"/>
+          </a:p>
+          <a:p>
+            <a:pPr lvl="1">
+              <a:buFont typeface="Symbol" panose="05050102010706020507" pitchFamily="18" charset="2"/>
+              <a:buChar char="Þ"/>
+            </a:pPr>
+            <a:r>
+              <a:rPr lang="fr-FR" dirty="0"/>
+              <a:t> sélectionner le </a:t>
+            </a:r>
+            <a:r>
+              <a:rPr lang="fr-FR" b="1" dirty="0"/>
+              <a:t>meilleur modèle</a:t>
+            </a:r>
+            <a:r>
+              <a:rPr lang="fr-FR" dirty="0"/>
+              <a:t> d’apprentissage statistique</a:t>
+            </a:r>
+          </a:p>
+          <a:p>
+            <a:pPr lvl="1">
+              <a:buFont typeface="Symbol" panose="05050102010706020507" pitchFamily="18" charset="2"/>
+              <a:buChar char="Þ"/>
+            </a:pPr>
+            <a:r>
+              <a:rPr lang="fr-FR" dirty="0"/>
+              <a:t> sélectionner les meilleurs </a:t>
+            </a:r>
+            <a:r>
+              <a:rPr lang="fr-FR" b="1" dirty="0"/>
+              <a:t>hyperparamètres</a:t>
+            </a:r>
+            <a:r>
+              <a:rPr lang="fr-FR" dirty="0"/>
+              <a:t> par recherche sur grille</a:t>
+            </a:r>
+          </a:p>
+          <a:p>
+            <a:pPr lvl="1">
+              <a:buFont typeface="Symbol" panose="05050102010706020507" pitchFamily="18" charset="2"/>
+              <a:buChar char="Þ"/>
+            </a:pPr>
+            <a:r>
+              <a:rPr lang="fr-FR" dirty="0"/>
+              <a:t> évaluer la </a:t>
+            </a:r>
+            <a:r>
+              <a:rPr lang="fr-FR" b="1" dirty="0"/>
+              <a:t>performance</a:t>
+            </a:r>
+            <a:r>
+              <a:rPr lang="fr-FR" dirty="0"/>
+              <a:t> du modèle obtenu</a:t>
+            </a:r>
+          </a:p>
+          <a:p>
+            <a:pPr marL="457200" lvl="1" indent="0">
+              <a:buNone/>
+            </a:pPr>
+            <a:endParaRPr lang="fr-FR" dirty="0"/>
+          </a:p>
+          <a:p>
+            <a:pPr marL="457200" indent="-457200">
+              <a:buFont typeface="+mj-lt"/>
+              <a:buAutoNum type="arabicParenR" startAt="2"/>
+            </a:pPr>
+            <a:r>
+              <a:rPr lang="fr-FR" dirty="0"/>
+              <a:t>Quelles sont les </a:t>
+            </a:r>
+            <a:r>
+              <a:rPr lang="fr-FR" b="1" dirty="0"/>
+              <a:t>caractéristiques</a:t>
+            </a:r>
+            <a:r>
+              <a:rPr lang="fr-FR" dirty="0"/>
+              <a:t> les plus importantes ?</a:t>
+            </a:r>
+          </a:p>
+          <a:p>
+            <a:pPr marL="0" indent="0">
+              <a:buNone/>
+            </a:pPr>
+            <a:endParaRPr lang="fr-FR" sz="900" dirty="0"/>
+          </a:p>
+          <a:p>
+            <a:pPr lvl="1">
+              <a:buFont typeface="Symbol" panose="05050102010706020507" pitchFamily="18" charset="2"/>
+              <a:buChar char="Þ"/>
+            </a:pPr>
+            <a:r>
+              <a:rPr lang="fr-FR" dirty="0"/>
+              <a:t> étudier la pertinence de la variable « </a:t>
+            </a:r>
+            <a:r>
+              <a:rPr lang="fr-FR" b="1" dirty="0"/>
+              <a:t>ENERGY STAR Score</a:t>
+            </a:r>
+            <a:r>
+              <a:rPr lang="fr-FR" dirty="0"/>
+              <a:t> »</a:t>
+            </a:r>
+          </a:p>
+          <a:p>
+            <a:pPr lvl="1">
+              <a:buFont typeface="Symbol" panose="05050102010706020507" pitchFamily="18" charset="2"/>
+              <a:buChar char="Þ"/>
+            </a:pPr>
+            <a:endParaRPr lang="fr-FR" dirty="0"/>
+          </a:p>
+          <a:p>
+            <a:pPr marL="457200" indent="-457200">
+              <a:buFont typeface="+mj-lt"/>
+              <a:buAutoNum type="arabicParenR" startAt="3"/>
+            </a:pPr>
+            <a:r>
+              <a:rPr lang="fr-FR" dirty="0"/>
+              <a:t>Quelles sont les </a:t>
+            </a:r>
+            <a:r>
+              <a:rPr lang="fr-FR" b="1" dirty="0"/>
+              <a:t>améliorations</a:t>
+            </a:r>
+            <a:r>
+              <a:rPr lang="fr-FR" dirty="0"/>
+              <a:t> possibles ?</a:t>
+            </a:r>
+          </a:p>
+          <a:p>
+            <a:pPr marL="0" indent="0">
+              <a:buNone/>
+            </a:pPr>
+            <a:endParaRPr lang="fr-FR" sz="900" dirty="0"/>
+          </a:p>
+          <a:p>
+            <a:pPr lvl="1">
+              <a:buFont typeface="Symbol" panose="05050102010706020507" pitchFamily="18" charset="2"/>
+              <a:buChar char="Þ"/>
+            </a:pPr>
+            <a:r>
+              <a:rPr lang="fr-FR" dirty="0"/>
+              <a:t> effets de la taille du jeu de données d’entraînement</a:t>
+            </a:r>
+          </a:p>
+          <a:p>
+            <a:pPr lvl="1">
+              <a:buFont typeface="Symbol" panose="05050102010706020507" pitchFamily="18" charset="2"/>
+              <a:buChar char="Þ"/>
+            </a:pPr>
+            <a:r>
+              <a:rPr lang="fr-FR" dirty="0"/>
+              <a:t> impact des observations (bâtiments) « hors-normes »</a:t>
+            </a:r>
+          </a:p>
+          <a:p>
+            <a:pPr lvl="1">
+              <a:buFont typeface="Symbol" panose="05050102010706020507" pitchFamily="18" charset="2"/>
+              <a:buChar char="Þ"/>
+            </a:pPr>
+            <a:endParaRPr lang="fr-FR" dirty="0"/>
+          </a:p>
+          <a:p>
+            <a:pPr marL="0" indent="0">
+              <a:buNone/>
+            </a:pPr>
+            <a:endParaRPr lang="fr-FR" dirty="0"/>
+          </a:p>
+          <a:p>
+            <a:pPr marL="0" indent="0">
+              <a:buNone/>
+            </a:pPr>
+            <a:endParaRPr lang="fr-FR" dirty="0"/>
+          </a:p>
+          <a:p>
+            <a:pPr marL="0" indent="0">
+              <a:buNone/>
+            </a:pPr>
+            <a:endParaRPr lang="fr-FR" dirty="0"/>
+          </a:p>
+        </p:txBody>
+      </p:sp>
+      <p:sp>
+        <p:nvSpPr>
+          <p:cNvPr id="5" name="Espace réservé du numéro de diapositive 2">
+            <a:extLst>
+              <a:ext uri="{FF2B5EF4-FFF2-40B4-BE49-F238E27FC236}">
+                <a16:creationId xmlns:a16="http://schemas.microsoft.com/office/drawing/2014/main" id="{5FD0754F-2D60-4FA5-A704-EFCE0FF46133}"/>
+              </a:ext>
+            </a:extLst>
+          </p:cNvPr>
+          <p:cNvSpPr txBox="1">
+            <a:spLocks/>
+          </p:cNvSpPr>
+          <p:nvPr/>
+        </p:nvSpPr>
+        <p:spPr>
+          <a:xfrm>
+            <a:off x="11184326" y="394810"/>
+            <a:ext cx="643748" cy="365125"/>
+          </a:xfrm>
+          <a:prstGeom prst="rect">
+            <a:avLst/>
+          </a:prstGeom>
+        </p:spPr>
+        <p:txBody>
+          <a:bodyPr vert="horz" lIns="91440" tIns="45720" rIns="91440" bIns="45720" rtlCol="0" anchor="ctr"/>
+          <a:lstStyle>
+            <a:defPPr>
+              <a:defRPr lang="en-US"/>
+            </a:defPPr>
+            <a:lvl1pPr marL="0" algn="r" defTabSz="457200" rtl="0" eaLnBrk="1" latinLnBrk="0" hangingPunct="1">
+              <a:defRPr sz="1050" kern="1200">
+                <a:solidFill>
+                  <a:schemeClr val="tx1">
+                    <a:tint val="75000"/>
+                  </a:schemeClr>
+                </a:solidFill>
+                <a:latin typeface="+mn-lt"/>
+                <a:ea typeface="+mn-ea"/>
+                <a:cs typeface="+mn-cs"/>
+              </a:defRPr>
+            </a:lvl1pPr>
+            <a:lvl2pPr marL="457200" algn="l" defTabSz="457200" rtl="0" eaLnBrk="1" latinLnBrk="0" hangingPunct="1">
+              <a:defRPr sz="1800" kern="1200">
+                <a:solidFill>
+                  <a:schemeClr val="tx1"/>
+                </a:solidFill>
+                <a:latin typeface="+mn-lt"/>
+                <a:ea typeface="+mn-ea"/>
+                <a:cs typeface="+mn-cs"/>
+              </a:defRPr>
+            </a:lvl2pPr>
+            <a:lvl3pPr marL="914400" algn="l" defTabSz="457200" rtl="0" eaLnBrk="1" latinLnBrk="0" hangingPunct="1">
+              <a:defRPr sz="1800" kern="1200">
+                <a:solidFill>
+                  <a:schemeClr val="tx1"/>
+                </a:solidFill>
+                <a:latin typeface="+mn-lt"/>
+                <a:ea typeface="+mn-ea"/>
+                <a:cs typeface="+mn-cs"/>
+              </a:defRPr>
+            </a:lvl3pPr>
+            <a:lvl4pPr marL="1371600" algn="l" defTabSz="457200" rtl="0" eaLnBrk="1" latinLnBrk="0" hangingPunct="1">
+              <a:defRPr sz="1800" kern="1200">
+                <a:solidFill>
+                  <a:schemeClr val="tx1"/>
+                </a:solidFill>
+                <a:latin typeface="+mn-lt"/>
+                <a:ea typeface="+mn-ea"/>
+                <a:cs typeface="+mn-cs"/>
+              </a:defRPr>
+            </a:lvl4pPr>
+            <a:lvl5pPr marL="1828800" algn="l" defTabSz="457200" rtl="0" eaLnBrk="1" latinLnBrk="0" hangingPunct="1">
+              <a:defRPr sz="1800" kern="1200">
+                <a:solidFill>
+                  <a:schemeClr val="tx1"/>
+                </a:solidFill>
+                <a:latin typeface="+mn-lt"/>
+                <a:ea typeface="+mn-ea"/>
+                <a:cs typeface="+mn-cs"/>
+              </a:defRPr>
+            </a:lvl5pPr>
+            <a:lvl6pPr marL="2286000" algn="l" defTabSz="457200" rtl="0" eaLnBrk="1" latinLnBrk="0" hangingPunct="1">
+              <a:defRPr sz="1800" kern="1200">
+                <a:solidFill>
+                  <a:schemeClr val="tx1"/>
+                </a:solidFill>
+                <a:latin typeface="+mn-lt"/>
+                <a:ea typeface="+mn-ea"/>
+                <a:cs typeface="+mn-cs"/>
+              </a:defRPr>
+            </a:lvl6pPr>
+            <a:lvl7pPr marL="2743200" algn="l" defTabSz="457200" rtl="0" eaLnBrk="1" latinLnBrk="0" hangingPunct="1">
+              <a:defRPr sz="1800" kern="1200">
+                <a:solidFill>
+                  <a:schemeClr val="tx1"/>
+                </a:solidFill>
+                <a:latin typeface="+mn-lt"/>
+                <a:ea typeface="+mn-ea"/>
+                <a:cs typeface="+mn-cs"/>
+              </a:defRPr>
+            </a:lvl7pPr>
+            <a:lvl8pPr marL="3200400" algn="l" defTabSz="457200" rtl="0" eaLnBrk="1" latinLnBrk="0" hangingPunct="1">
+              <a:defRPr sz="1800" kern="1200">
+                <a:solidFill>
+                  <a:schemeClr val="tx1"/>
+                </a:solidFill>
+                <a:latin typeface="+mn-lt"/>
+                <a:ea typeface="+mn-ea"/>
+                <a:cs typeface="+mn-cs"/>
+              </a:defRPr>
+            </a:lvl8pPr>
+            <a:lvl9pPr marL="3657600" algn="l" defTabSz="457200" rtl="0" eaLnBrk="1" latinLnBrk="0" hangingPunct="1">
+              <a:defRPr sz="1800" kern="1200">
+                <a:solidFill>
+                  <a:schemeClr val="tx1"/>
+                </a:solidFill>
+                <a:latin typeface="+mn-lt"/>
+                <a:ea typeface="+mn-ea"/>
+                <a:cs typeface="+mn-cs"/>
+              </a:defRPr>
+            </a:lvl9pPr>
+          </a:lstStyle>
+          <a:p>
+            <a:fld id="{22EBEF4F-4056-4A7E-9612-F3E8B502E28B}" type="slidenum">
+              <a:rPr lang="fr-FR" sz="1600" b="1" smtClean="0"/>
+              <a:pPr/>
+              <a:t>7</a:t>
+            </a:fld>
+            <a:endParaRPr lang="fr-FR" sz="1600" b="1" dirty="0"/>
           </a:p>
         </p:txBody>
       </p:sp>
       <p:pic>
         <p:nvPicPr>
-          <p:cNvPr id="4" name="Picture 2" descr="L'agence Santé publique France">
+          <p:cNvPr id="6" name="Picture 2" descr="Logo seattle">
             <a:hlinkClick r:id="rId2"/>
             <a:extLst>
               <a:ext uri="{FF2B5EF4-FFF2-40B4-BE49-F238E27FC236}">
-                <a16:creationId xmlns:a16="http://schemas.microsoft.com/office/drawing/2014/main" id="{8DC6CFBB-310A-4308-AB0D-90B13E2B9DD2}"/>
+                <a16:creationId xmlns:a16="http://schemas.microsoft.com/office/drawing/2014/main" id="{689E9768-C673-4714-A022-EABB64687512}"/>
               </a:ext>
             </a:extLst>
           </p:cNvPr>
@@ -15028,8 +15151,8 @@
         </p:blipFill>
         <p:spPr bwMode="auto">
           <a:xfrm>
-            <a:off x="208547" y="288758"/>
-            <a:ext cx="2766762" cy="1562407"/>
+            <a:off x="0" y="0"/>
+            <a:ext cx="2895600" cy="1326185"/>
           </a:xfrm>
           <a:prstGeom prst="rect">
             <a:avLst/>
@@ -15046,204 +15169,10 @@
           </a:extLst>
         </p:spPr>
       </p:pic>
-      <p:pic>
-        <p:nvPicPr>
-          <p:cNvPr id="7" name="Image 6">
-            <a:extLst>
-              <a:ext uri="{FF2B5EF4-FFF2-40B4-BE49-F238E27FC236}">
-                <a16:creationId xmlns:a16="http://schemas.microsoft.com/office/drawing/2014/main" id="{D347BAAE-C7F7-4FB5-A972-F402E5E4D14F}"/>
-              </a:ext>
-            </a:extLst>
-          </p:cNvPr>
-          <p:cNvPicPr>
-            <a:picLocks noChangeAspect="1"/>
-          </p:cNvPicPr>
-          <p:nvPr/>
-        </p:nvPicPr>
-        <p:blipFill>
-          <a:blip r:embed="rId4">
-            <a:extLst>
-              <a:ext uri="{28A0092B-C50C-407E-A947-70E740481C1C}">
-                <a14:useLocalDpi xmlns:a14="http://schemas.microsoft.com/office/drawing/2010/main" val="0"/>
-              </a:ext>
-            </a:extLst>
-          </a:blip>
-          <a:stretch>
-            <a:fillRect/>
-          </a:stretch>
-        </p:blipFill>
-        <p:spPr>
-          <a:xfrm>
-            <a:off x="8922800" y="2479231"/>
-            <a:ext cx="3269200" cy="1899536"/>
-          </a:xfrm>
-          <a:prstGeom prst="rect">
-            <a:avLst/>
-          </a:prstGeom>
-        </p:spPr>
-      </p:pic>
-      <p:sp>
-        <p:nvSpPr>
-          <p:cNvPr id="8" name="Flèche : droite rayée 7">
-            <a:extLst>
-              <a:ext uri="{FF2B5EF4-FFF2-40B4-BE49-F238E27FC236}">
-                <a16:creationId xmlns:a16="http://schemas.microsoft.com/office/drawing/2014/main" id="{57C4E686-3597-442C-BBB1-830520299636}"/>
-              </a:ext>
-            </a:extLst>
-          </p:cNvPr>
-          <p:cNvSpPr/>
-          <p:nvPr/>
-        </p:nvSpPr>
-        <p:spPr>
-          <a:xfrm>
-            <a:off x="8265111" y="3229193"/>
-            <a:ext cx="887603" cy="399613"/>
-          </a:xfrm>
-          <a:prstGeom prst="stripedRightArrow">
-            <a:avLst/>
-          </a:prstGeom>
-        </p:spPr>
-        <p:style>
-          <a:lnRef idx="2">
-            <a:schemeClr val="accent1">
-              <a:shade val="50000"/>
-            </a:schemeClr>
-          </a:lnRef>
-          <a:fillRef idx="1">
-            <a:schemeClr val="accent1"/>
-          </a:fillRef>
-          <a:effectRef idx="0">
-            <a:schemeClr val="accent1"/>
-          </a:effectRef>
-          <a:fontRef idx="minor">
-            <a:schemeClr val="lt1"/>
-          </a:fontRef>
-        </p:style>
-        <p:txBody>
-          <a:bodyPr rtlCol="0" anchor="ctr"/>
-          <a:lstStyle/>
-          <a:p>
-            <a:pPr algn="ctr"/>
-            <a:endParaRPr lang="fr-FR"/>
-          </a:p>
-        </p:txBody>
-      </p:sp>
-      <p:pic>
-        <p:nvPicPr>
-          <p:cNvPr id="12" name="Image 11">
-            <a:extLst>
-              <a:ext uri="{FF2B5EF4-FFF2-40B4-BE49-F238E27FC236}">
-                <a16:creationId xmlns:a16="http://schemas.microsoft.com/office/drawing/2014/main" id="{E0A54B51-8DAD-46A8-978B-DB6B2FE8F88C}"/>
-              </a:ext>
-            </a:extLst>
-          </p:cNvPr>
-          <p:cNvPicPr>
-            <a:picLocks noChangeAspect="1"/>
-          </p:cNvPicPr>
-          <p:nvPr/>
-        </p:nvPicPr>
-        <p:blipFill>
-          <a:blip r:embed="rId5">
-            <a:extLst>
-              <a:ext uri="{28A0092B-C50C-407E-A947-70E740481C1C}">
-                <a14:useLocalDpi xmlns:a14="http://schemas.microsoft.com/office/drawing/2010/main" val="0"/>
-              </a:ext>
-            </a:extLst>
-          </a:blip>
-          <a:stretch>
-            <a:fillRect/>
-          </a:stretch>
-        </p:blipFill>
-        <p:spPr>
-          <a:xfrm>
-            <a:off x="4554245" y="2479231"/>
-            <a:ext cx="3627685" cy="1899536"/>
-          </a:xfrm>
-          <a:prstGeom prst="rect">
-            <a:avLst/>
-          </a:prstGeom>
-        </p:spPr>
-      </p:pic>
-      <p:pic>
-        <p:nvPicPr>
-          <p:cNvPr id="13" name="Image 12">
-            <a:extLst>
-              <a:ext uri="{FF2B5EF4-FFF2-40B4-BE49-F238E27FC236}">
-                <a16:creationId xmlns:a16="http://schemas.microsoft.com/office/drawing/2014/main" id="{E58CF93F-438F-4F3B-8032-0078B590B66C}"/>
-              </a:ext>
-            </a:extLst>
-          </p:cNvPr>
-          <p:cNvPicPr>
-            <a:picLocks noChangeAspect="1"/>
-          </p:cNvPicPr>
-          <p:nvPr/>
-        </p:nvPicPr>
-        <p:blipFill>
-          <a:blip r:embed="rId6"/>
-          <a:stretch>
-            <a:fillRect/>
-          </a:stretch>
-        </p:blipFill>
-        <p:spPr>
-          <a:xfrm>
-            <a:off x="60552" y="2479231"/>
-            <a:ext cx="3379175" cy="1899536"/>
-          </a:xfrm>
-          <a:prstGeom prst="rect">
-            <a:avLst/>
-          </a:prstGeom>
-        </p:spPr>
-      </p:pic>
-      <p:sp>
-        <p:nvSpPr>
-          <p:cNvPr id="14" name="Flèche : droite rayée 13">
-            <a:extLst>
-              <a:ext uri="{FF2B5EF4-FFF2-40B4-BE49-F238E27FC236}">
-                <a16:creationId xmlns:a16="http://schemas.microsoft.com/office/drawing/2014/main" id="{0A8AF74F-B830-4402-AADB-EFA4639683A9}"/>
-              </a:ext>
-            </a:extLst>
-          </p:cNvPr>
-          <p:cNvSpPr/>
-          <p:nvPr/>
-        </p:nvSpPr>
-        <p:spPr>
-          <a:xfrm>
-            <a:off x="3522908" y="3229192"/>
-            <a:ext cx="887603" cy="399613"/>
-          </a:xfrm>
-          <a:prstGeom prst="stripedRightArrow">
-            <a:avLst/>
-          </a:prstGeom>
-        </p:spPr>
-        <p:style>
-          <a:lnRef idx="2">
-            <a:schemeClr val="accent1">
-              <a:shade val="50000"/>
-            </a:schemeClr>
-          </a:lnRef>
-          <a:fillRef idx="1">
-            <a:schemeClr val="accent1"/>
-          </a:fillRef>
-          <a:effectRef idx="0">
-            <a:schemeClr val="accent1"/>
-          </a:effectRef>
-          <a:fontRef idx="minor">
-            <a:schemeClr val="lt1"/>
-          </a:fontRef>
-        </p:style>
-        <p:txBody>
-          <a:bodyPr rtlCol="0" anchor="ctr"/>
-          <a:lstStyle/>
-          <a:p>
-            <a:pPr algn="ctr"/>
-            <a:endParaRPr lang="fr-FR"/>
-          </a:p>
-        </p:txBody>
-      </p:sp>
     </p:spTree>
     <p:extLst>
       <p:ext uri="{BB962C8B-B14F-4D97-AF65-F5344CB8AC3E}">
-        <p14:creationId xmlns:p14="http://schemas.microsoft.com/office/powerpoint/2010/main" val="211462842"/>
+        <p14:creationId xmlns:p14="http://schemas.microsoft.com/office/powerpoint/2010/main" val="4229974391"/>
       </p:ext>
     </p:extLst>
   </p:cSld>
@@ -15286,28 +15215,65 @@
             <p:ph type="title"/>
           </p:nvPr>
         </p:nvSpPr>
-        <p:spPr/>
-        <p:txBody>
-          <a:bodyPr/>
+        <p:spPr>
+          <a:xfrm>
+            <a:off x="694268" y="1317627"/>
+            <a:ext cx="10820399" cy="2801935"/>
+          </a:xfrm>
+        </p:spPr>
+        <p:txBody>
+          <a:bodyPr>
+            <a:normAutofit/>
+          </a:bodyPr>
           <a:lstStyle/>
           <a:p>
             <a:r>
-              <a:rPr lang="fr-FR" b="1" dirty="0"/>
-              <a:t>Partie 2 :</a:t>
+              <a:rPr lang="fr-FR" sz="2400" b="1" dirty="0"/>
+              <a:t>Partie 2 : </a:t>
+            </a:r>
+            <a:r>
+              <a:rPr lang="fr-FR" sz="2400" cap="small" dirty="0"/>
+              <a:t>N</a:t>
+            </a:r>
+            <a:r>
+              <a:rPr lang="fr-FR" sz="2400" dirty="0"/>
+              <a:t>ettoyage et exploration </a:t>
             </a:r>
             <a:br>
-              <a:rPr lang="fr-FR" b="1" dirty="0"/>
+              <a:rPr lang="fr-FR" sz="2400" dirty="0"/>
             </a:br>
-            <a:r>
-              <a:rPr lang="fr-FR" dirty="0"/>
-              <a:t>Présentation du </a:t>
-            </a:r>
             <a:br>
-              <a:rPr lang="fr-FR" dirty="0"/>
+              <a:rPr lang="fr-FR" sz="2400" dirty="0"/>
             </a:br>
             <a:r>
-              <a:rPr lang="fr-FR" dirty="0"/>
-              <a:t>nettoyage effectué</a:t>
+              <a:rPr lang="fr-FR" sz="2400" b="1" dirty="0"/>
+              <a:t>Partie 3 : </a:t>
+            </a:r>
+            <a:r>
+              <a:rPr lang="fr-FR" sz="2400" cap="small" dirty="0"/>
+              <a:t>P</a:t>
+            </a:r>
+            <a:r>
+              <a:rPr lang="fr-FR" sz="2400" dirty="0"/>
+              <a:t>istes de modélisation effectuées </a:t>
+            </a:r>
+            <a:br>
+              <a:rPr lang="fr-FR" sz="2400" dirty="0"/>
+            </a:br>
+            <a:br>
+              <a:rPr lang="fr-FR" sz="2400" dirty="0"/>
+            </a:br>
+            <a:r>
+              <a:rPr lang="fr-FR" sz="2400" b="1" dirty="0"/>
+              <a:t>Partie 4 : </a:t>
+            </a:r>
+            <a:r>
+              <a:rPr lang="fr-FR" sz="2400" cap="small" dirty="0"/>
+              <a:t>M</a:t>
+            </a:r>
+            <a:r>
+              <a:rPr lang="fr-FR" sz="2400" dirty="0"/>
+              <a:t>odèle final sélectionné et améliorations</a:t>
             </a:r>
           </a:p>
         </p:txBody>
@@ -15340,54 +15306,6 @@
           </a:p>
         </p:txBody>
       </p:sp>
-      <p:pic>
-        <p:nvPicPr>
-          <p:cNvPr id="4" name="Picture 2" descr="L'agence Santé publique France">
-            <a:hlinkClick r:id="rId2"/>
-            <a:extLst>
-              <a:ext uri="{FF2B5EF4-FFF2-40B4-BE49-F238E27FC236}">
-                <a16:creationId xmlns:a16="http://schemas.microsoft.com/office/drawing/2014/main" id="{28EC06FB-BF48-4CD2-A6E6-66BE8363898D}"/>
-              </a:ext>
-            </a:extLst>
-          </p:cNvPr>
-          <p:cNvPicPr>
-            <a:picLocks noChangeAspect="1" noChangeArrowheads="1"/>
-          </p:cNvPicPr>
-          <p:nvPr/>
-        </p:nvPicPr>
-        <p:blipFill>
-          <a:blip r:embed="rId3">
-            <a:extLst>
-              <a:ext uri="{28A0092B-C50C-407E-A947-70E740481C1C}">
-                <a14:useLocalDpi xmlns:a14="http://schemas.microsoft.com/office/drawing/2010/main" val="0"/>
-              </a:ext>
-            </a:extLst>
-          </a:blip>
-          <a:srcRect/>
-          <a:stretch>
-            <a:fillRect/>
-          </a:stretch>
-        </p:blipFill>
-        <p:spPr bwMode="auto">
-          <a:xfrm>
-            <a:off x="208547" y="288758"/>
-            <a:ext cx="2766762" cy="1562407"/>
-          </a:xfrm>
-          <a:prstGeom prst="rect">
-            <a:avLst/>
-          </a:prstGeom>
-          <a:noFill/>
-          <a:extLst>
-            <a:ext uri="{909E8E84-426E-40DD-AFC4-6F175D3DCCD1}">
-              <a14:hiddenFill xmlns:a14="http://schemas.microsoft.com/office/drawing/2010/main">
-                <a:solidFill>
-                  <a:srgbClr val="FFFFFF"/>
-                </a:solidFill>
-              </a14:hiddenFill>
-            </a:ext>
-          </a:extLst>
-        </p:spPr>
-      </p:pic>
       <p:pic>
         <p:nvPicPr>
           <p:cNvPr id="6" name="Picture 5">
@@ -15403,7 +15321,7 @@
           <p:nvPr/>
         </p:nvPicPr>
         <p:blipFill>
-          <a:blip r:embed="rId4"/>
+          <a:blip r:embed="rId2"/>
           <a:stretch>
             <a:fillRect/>
           </a:stretch>
@@ -15416,6 +15334,88 @@
           <a:prstGeom prst="rect">
             <a:avLst/>
           </a:prstGeom>
+        </p:spPr>
+      </p:pic>
+      <p:sp>
+        <p:nvSpPr>
+          <p:cNvPr id="7" name="Espace réservé du numéro de diapositive 2">
+            <a:extLst>
+              <a:ext uri="{FF2B5EF4-FFF2-40B4-BE49-F238E27FC236}">
+                <a16:creationId xmlns:a16="http://schemas.microsoft.com/office/drawing/2014/main" id="{8606EA2F-E9B4-4C87-83C3-46F31FE9182D}"/>
+              </a:ext>
+            </a:extLst>
+          </p:cNvPr>
+          <p:cNvSpPr>
+            <a:spLocks noGrp="1"/>
+          </p:cNvSpPr>
+          <p:nvPr>
+            <p:ph type="sldNum" sz="quarter" idx="12"/>
+          </p:nvPr>
+        </p:nvSpPr>
+        <p:spPr>
+          <a:xfrm>
+            <a:off x="11412867" y="165878"/>
+            <a:ext cx="643748" cy="365125"/>
+          </a:xfrm>
+        </p:spPr>
+        <p:txBody>
+          <a:bodyPr/>
+          <a:lstStyle/>
+          <a:p>
+            <a:fld id="{22EBEF4F-4056-4A7E-9612-F3E8B502E28B}" type="slidenum">
+              <a:rPr lang="fr-FR" sz="1600" b="1" smtClean="0"/>
+              <a:t>8</a:t>
+            </a:fld>
+            <a:endParaRPr lang="fr-FR" sz="1600" b="1" dirty="0"/>
+          </a:p>
+        </p:txBody>
+      </p:sp>
+      <p:pic>
+        <p:nvPicPr>
+          <p:cNvPr id="8" name="Picture 2" descr="Logo seattle">
+            <a:hlinkClick r:id="rId3"/>
+            <a:extLst>
+              <a:ext uri="{FF2B5EF4-FFF2-40B4-BE49-F238E27FC236}">
+                <a16:creationId xmlns:a16="http://schemas.microsoft.com/office/drawing/2014/main" id="{8DF89ACA-1E99-4CBA-86BB-C51FE92C94B0}"/>
+              </a:ext>
+            </a:extLst>
+          </p:cNvPr>
+          <p:cNvPicPr>
+            <a:picLocks noChangeAspect="1" noChangeArrowheads="1"/>
+          </p:cNvPicPr>
+          <p:nvPr/>
+        </p:nvPicPr>
+        <p:blipFill>
+          <a:blip r:embed="rId4">
+            <a:extLst>
+              <a:ext uri="{28A0092B-C50C-407E-A947-70E740481C1C}">
+                <a14:useLocalDpi xmlns:a14="http://schemas.microsoft.com/office/drawing/2010/main" val="0"/>
+              </a:ext>
+            </a:extLst>
+          </a:blip>
+          <a:srcRect/>
+          <a:stretch>
+            <a:fillRect/>
+          </a:stretch>
+        </p:blipFill>
+        <p:spPr bwMode="auto">
+          <a:xfrm>
+            <a:off x="0" y="0"/>
+            <a:ext cx="4762500" cy="2181225"/>
+          </a:xfrm>
+          <a:prstGeom prst="rect">
+            <a:avLst/>
+          </a:prstGeom>
+          <a:noFill/>
+          <a:extLst>
+            <a:ext uri="{909E8E84-426E-40DD-AFC4-6F175D3DCCD1}">
+              <a14:hiddenFill xmlns:a14="http://schemas.microsoft.com/office/drawing/2010/main">
+                <a:solidFill>
+                  <a:srgbClr val="FFFFFF"/>
+                </a:solidFill>
+              </a14:hiddenFill>
+            </a:ext>
+          </a:extLst>
         </p:spPr>
       </p:pic>
     </p:spTree>
@@ -15453,7 +15453,7 @@
           <p:cNvPr id="2" name="Titre 1">
             <a:extLst>
               <a:ext uri="{FF2B5EF4-FFF2-40B4-BE49-F238E27FC236}">
-                <a16:creationId xmlns:a16="http://schemas.microsoft.com/office/drawing/2014/main" id="{96885828-B058-4F14-80D3-515FB1B2EA26}"/>
+                <a16:creationId xmlns:a16="http://schemas.microsoft.com/office/drawing/2014/main" id="{964011A4-8F80-4EB8-891E-8BB51852960E}"/>
               </a:ext>
             </a:extLst>
           </p:cNvPr>
@@ -15464,67 +15464,169 @@
             <p:ph type="title"/>
           </p:nvPr>
         </p:nvSpPr>
-        <p:spPr/>
+        <p:spPr>
+          <a:xfrm>
+            <a:off x="685800" y="1636295"/>
+            <a:ext cx="10820399" cy="1325615"/>
+          </a:xfrm>
+        </p:spPr>
         <p:txBody>
           <a:bodyPr/>
           <a:lstStyle/>
           <a:p>
             <a:r>
               <a:rPr lang="fr-FR" b="1" dirty="0"/>
-              <a:t>Partie 3 :</a:t>
-            </a:r>
-            <a:br>
-              <a:rPr lang="fr-FR" b="1" dirty="0"/>
-            </a:br>
-            <a:r>
-              <a:rPr lang="fr-FR" dirty="0"/>
-              <a:t>Présentation de </a:t>
+              <a:t>Partie 5 :</a:t>
             </a:r>
             <a:br>
               <a:rPr lang="fr-FR" dirty="0"/>
             </a:br>
             <a:r>
               <a:rPr lang="fr-FR" dirty="0"/>
-              <a:t>l’analyse exploratoire</a:t>
-            </a:r>
-          </a:p>
-        </p:txBody>
-      </p:sp>
-      <p:sp>
-        <p:nvSpPr>
-          <p:cNvPr id="3" name="Espace réservé du texte 2">
+              <a:t>QUESTIONS-RÉPONSES</a:t>
+            </a:r>
+          </a:p>
+        </p:txBody>
+      </p:sp>
+      <p:sp>
+        <p:nvSpPr>
+          <p:cNvPr id="5" name="Espace réservé du numéro de diapositive 2">
             <a:extLst>
               <a:ext uri="{FF2B5EF4-FFF2-40B4-BE49-F238E27FC236}">
-                <a16:creationId xmlns:a16="http://schemas.microsoft.com/office/drawing/2014/main" id="{C1CD7A5C-6044-4F77-841E-E28AF461363D}"/>
+                <a16:creationId xmlns:a16="http://schemas.microsoft.com/office/drawing/2014/main" id="{75B687DA-E829-4436-98F8-FF693735BCC6}"/>
               </a:ext>
             </a:extLst>
           </p:cNvPr>
-          <p:cNvSpPr>
-            <a:spLocks noGrp="1"/>
-          </p:cNvSpPr>
-          <p:nvPr>
-            <p:ph type="body" idx="1"/>
-          </p:nvPr>
-        </p:nvSpPr>
-        <p:spPr/>
-        <p:txBody>
-          <a:bodyPr/>
-          <a:lstStyle/>
-          <a:p>
-            <a:br>
-              <a:rPr lang="fr-FR" dirty="0"/>
-            </a:br>
-            <a:endParaRPr lang="fr-FR" dirty="0"/>
+          <p:cNvSpPr txBox="1">
+            <a:spLocks/>
+          </p:cNvSpPr>
+          <p:nvPr/>
+        </p:nvSpPr>
+        <p:spPr>
+          <a:xfrm>
+            <a:off x="11412867" y="165878"/>
+            <a:ext cx="643748" cy="365125"/>
+          </a:xfrm>
+          <a:prstGeom prst="rect">
+            <a:avLst/>
+          </a:prstGeom>
+        </p:spPr>
+        <p:txBody>
+          <a:bodyPr vert="horz" lIns="91440" tIns="45720" rIns="91440" bIns="45720" rtlCol="0" anchor="ctr"/>
+          <a:lstStyle>
+            <a:defPPr>
+              <a:defRPr lang="en-US"/>
+            </a:defPPr>
+            <a:lvl1pPr marL="0" algn="r" defTabSz="457200" rtl="0" eaLnBrk="1" latinLnBrk="0" hangingPunct="1">
+              <a:defRPr sz="1050" kern="1200">
+                <a:solidFill>
+                  <a:schemeClr val="tx1">
+                    <a:tint val="75000"/>
+                  </a:schemeClr>
+                </a:solidFill>
+                <a:latin typeface="+mn-lt"/>
+                <a:ea typeface="+mn-ea"/>
+                <a:cs typeface="+mn-cs"/>
+              </a:defRPr>
+            </a:lvl1pPr>
+            <a:lvl2pPr marL="457200" algn="l" defTabSz="457200" rtl="0" eaLnBrk="1" latinLnBrk="0" hangingPunct="1">
+              <a:defRPr sz="1800" kern="1200">
+                <a:solidFill>
+                  <a:schemeClr val="tx1"/>
+                </a:solidFill>
+                <a:latin typeface="+mn-lt"/>
+                <a:ea typeface="+mn-ea"/>
+                <a:cs typeface="+mn-cs"/>
+              </a:defRPr>
+            </a:lvl2pPr>
+            <a:lvl3pPr marL="914400" algn="l" defTabSz="457200" rtl="0" eaLnBrk="1" latinLnBrk="0" hangingPunct="1">
+              <a:defRPr sz="1800" kern="1200">
+                <a:solidFill>
+                  <a:schemeClr val="tx1"/>
+                </a:solidFill>
+                <a:latin typeface="+mn-lt"/>
+                <a:ea typeface="+mn-ea"/>
+                <a:cs typeface="+mn-cs"/>
+              </a:defRPr>
+            </a:lvl3pPr>
+            <a:lvl4pPr marL="1371600" algn="l" defTabSz="457200" rtl="0" eaLnBrk="1" latinLnBrk="0" hangingPunct="1">
+              <a:defRPr sz="1800" kern="1200">
+                <a:solidFill>
+                  <a:schemeClr val="tx1"/>
+                </a:solidFill>
+                <a:latin typeface="+mn-lt"/>
+                <a:ea typeface="+mn-ea"/>
+                <a:cs typeface="+mn-cs"/>
+              </a:defRPr>
+            </a:lvl4pPr>
+            <a:lvl5pPr marL="1828800" algn="l" defTabSz="457200" rtl="0" eaLnBrk="1" latinLnBrk="0" hangingPunct="1">
+              <a:defRPr sz="1800" kern="1200">
+                <a:solidFill>
+                  <a:schemeClr val="tx1"/>
+                </a:solidFill>
+                <a:latin typeface="+mn-lt"/>
+                <a:ea typeface="+mn-ea"/>
+                <a:cs typeface="+mn-cs"/>
+              </a:defRPr>
+            </a:lvl5pPr>
+            <a:lvl6pPr marL="2286000" algn="l" defTabSz="457200" rtl="0" eaLnBrk="1" latinLnBrk="0" hangingPunct="1">
+              <a:defRPr sz="1800" kern="1200">
+                <a:solidFill>
+                  <a:schemeClr val="tx1"/>
+                </a:solidFill>
+                <a:latin typeface="+mn-lt"/>
+                <a:ea typeface="+mn-ea"/>
+                <a:cs typeface="+mn-cs"/>
+              </a:defRPr>
+            </a:lvl6pPr>
+            <a:lvl7pPr marL="2743200" algn="l" defTabSz="457200" rtl="0" eaLnBrk="1" latinLnBrk="0" hangingPunct="1">
+              <a:defRPr sz="1800" kern="1200">
+                <a:solidFill>
+                  <a:schemeClr val="tx1"/>
+                </a:solidFill>
+                <a:latin typeface="+mn-lt"/>
+                <a:ea typeface="+mn-ea"/>
+                <a:cs typeface="+mn-cs"/>
+              </a:defRPr>
+            </a:lvl7pPr>
+            <a:lvl8pPr marL="3200400" algn="l" defTabSz="457200" rtl="0" eaLnBrk="1" latinLnBrk="0" hangingPunct="1">
+              <a:defRPr sz="1800" kern="1200">
+                <a:solidFill>
+                  <a:schemeClr val="tx1"/>
+                </a:solidFill>
+                <a:latin typeface="+mn-lt"/>
+                <a:ea typeface="+mn-ea"/>
+                <a:cs typeface="+mn-cs"/>
+              </a:defRPr>
+            </a:lvl8pPr>
+            <a:lvl9pPr marL="3657600" algn="l" defTabSz="457200" rtl="0" eaLnBrk="1" latinLnBrk="0" hangingPunct="1">
+              <a:defRPr sz="1800" kern="1200">
+                <a:solidFill>
+                  <a:schemeClr val="tx1"/>
+                </a:solidFill>
+                <a:latin typeface="+mn-lt"/>
+                <a:ea typeface="+mn-ea"/>
+                <a:cs typeface="+mn-cs"/>
+              </a:defRPr>
+            </a:lvl9pPr>
+          </a:lstStyle>
+          <a:p>
+            <a:fld id="{22EBEF4F-4056-4A7E-9612-F3E8B502E28B}" type="slidenum">
+              <a:rPr lang="fr-FR" sz="1600" b="1" smtClean="0"/>
+              <a:pPr/>
+              <a:t>9</a:t>
+            </a:fld>
+            <a:endParaRPr lang="fr-FR" sz="1600" b="1" dirty="0"/>
           </a:p>
         </p:txBody>
       </p:sp>
       <p:pic>
         <p:nvPicPr>
-          <p:cNvPr id="4" name="Picture 2" descr="L'agence Santé publique France">
+          <p:cNvPr id="6" name="Picture 2" descr="Logo seattle">
             <a:hlinkClick r:id="rId2"/>
             <a:extLst>
               <a:ext uri="{FF2B5EF4-FFF2-40B4-BE49-F238E27FC236}">
-                <a16:creationId xmlns:a16="http://schemas.microsoft.com/office/drawing/2014/main" id="{9D505E56-4A6D-491C-BF10-252DE5BD588B}"/>
+                <a16:creationId xmlns:a16="http://schemas.microsoft.com/office/drawing/2014/main" id="{5BB76AC3-C0C4-471F-A850-5358456796F0}"/>
               </a:ext>
             </a:extLst>
           </p:cNvPr>
@@ -15548,8 +15650,8 @@
         </p:blipFill>
         <p:spPr bwMode="auto">
           <a:xfrm>
-            <a:off x="208547" y="288758"/>
-            <a:ext cx="2766762" cy="1562407"/>
+            <a:off x="0" y="0"/>
+            <a:ext cx="4762500" cy="2181225"/>
           </a:xfrm>
           <a:prstGeom prst="rect">
             <a:avLst/>
@@ -15566,40 +15668,10 @@
           </a:extLst>
         </p:spPr>
       </p:pic>
-      <p:pic>
-        <p:nvPicPr>
-          <p:cNvPr id="6" name="Picture 5">
-            <a:extLst>
-              <a:ext uri="{FF2B5EF4-FFF2-40B4-BE49-F238E27FC236}">
-                <a16:creationId xmlns:a16="http://schemas.microsoft.com/office/drawing/2014/main" id="{81AD17D2-048E-48CB-BD6C-CBC098E81736}"/>
-              </a:ext>
-            </a:extLst>
-          </p:cNvPr>
-          <p:cNvPicPr>
-            <a:picLocks noChangeAspect="1"/>
-          </p:cNvPicPr>
-          <p:nvPr/>
-        </p:nvPicPr>
-        <p:blipFill>
-          <a:blip r:embed="rId4"/>
-          <a:stretch>
-            <a:fillRect/>
-          </a:stretch>
-        </p:blipFill>
-        <p:spPr>
-          <a:xfrm>
-            <a:off x="7829032" y="58289"/>
-            <a:ext cx="4362968" cy="1639229"/>
-          </a:xfrm>
-          <a:prstGeom prst="rect">
-            <a:avLst/>
-          </a:prstGeom>
-        </p:spPr>
-      </p:pic>
     </p:spTree>
     <p:extLst>
       <p:ext uri="{BB962C8B-B14F-4D97-AF65-F5344CB8AC3E}">
-        <p14:creationId xmlns:p14="http://schemas.microsoft.com/office/powerpoint/2010/main" val="693144656"/>
+        <p14:creationId xmlns:p14="http://schemas.microsoft.com/office/powerpoint/2010/main" val="3375476623"/>
       </p:ext>
     </p:extLst>
   </p:cSld>

--- a/projet4/projet4.pptx
+++ b/projet4/projet4.pptx
@@ -6,19 +6,25 @@
     <p:sldMasterId id="2147483696" r:id="rId2"/>
   </p:sldMasterIdLst>
   <p:notesMasterIdLst>
-    <p:notesMasterId r:id="rId13"/>
+    <p:notesMasterId r:id="rId19"/>
   </p:notesMasterIdLst>
   <p:sldIdLst>
     <p:sldId id="272" r:id="rId3"/>
-    <p:sldId id="281" r:id="rId4"/>
-    <p:sldId id="271" r:id="rId5"/>
-    <p:sldId id="273" r:id="rId6"/>
-    <p:sldId id="257" r:id="rId7"/>
-    <p:sldId id="276" r:id="rId8"/>
-    <p:sldId id="283" r:id="rId9"/>
-    <p:sldId id="267" r:id="rId10"/>
-    <p:sldId id="262" r:id="rId11"/>
-    <p:sldId id="278" r:id="rId12"/>
+    <p:sldId id="273" r:id="rId4"/>
+    <p:sldId id="257" r:id="rId5"/>
+    <p:sldId id="271" r:id="rId6"/>
+    <p:sldId id="276" r:id="rId7"/>
+    <p:sldId id="283" r:id="rId8"/>
+    <p:sldId id="267" r:id="rId9"/>
+    <p:sldId id="285" r:id="rId10"/>
+    <p:sldId id="291" r:id="rId11"/>
+    <p:sldId id="289" r:id="rId12"/>
+    <p:sldId id="286" r:id="rId13"/>
+    <p:sldId id="287" r:id="rId14"/>
+    <p:sldId id="290" r:id="rId15"/>
+    <p:sldId id="284" r:id="rId16"/>
+    <p:sldId id="262" r:id="rId17"/>
+    <p:sldId id="278" r:id="rId18"/>
   </p:sldIdLst>
   <p:sldSz cx="12192000" cy="6858000"/>
   <p:notesSz cx="6858000" cy="9144000"/>
@@ -127,6 +133,99 @@
 
 <file path=ppt/changesInfos/changesInfo1.xml><?xml version="1.0" encoding="utf-8"?>
 <pc:chgInfo xmlns:a="http://schemas.openxmlformats.org/drawingml/2006/main" xmlns:r="http://schemas.openxmlformats.org/officeDocument/2006/relationships" xmlns:ac="http://schemas.microsoft.com/office/drawing/2013/main/command" xmlns:pc="http://schemas.microsoft.com/office/powerpoint/2013/main/command">
+  <pc:docChgLst>
+    <pc:chgData name="Christophe Lebrun" userId="303fc86cbab77272" providerId="LiveId" clId="{97259FEB-7F4F-4512-9CCD-9417EB025341}"/>
+    <pc:docChg chg="modSld">
+      <pc:chgData name="Christophe Lebrun" userId="303fc86cbab77272" providerId="LiveId" clId="{97259FEB-7F4F-4512-9CCD-9417EB025341}" dt="2019-09-05T17:03:17.151" v="15" actId="14100"/>
+      <pc:docMkLst>
+        <pc:docMk/>
+      </pc:docMkLst>
+      <pc:sldChg chg="modSp">
+        <pc:chgData name="Christophe Lebrun" userId="303fc86cbab77272" providerId="LiveId" clId="{97259FEB-7F4F-4512-9CCD-9417EB025341}" dt="2019-09-05T17:03:17.151" v="15" actId="14100"/>
+        <pc:sldMkLst>
+          <pc:docMk/>
+          <pc:sldMk cId="4251976526" sldId="272"/>
+        </pc:sldMkLst>
+        <pc:spChg chg="mod">
+          <ac:chgData name="Christophe Lebrun" userId="303fc86cbab77272" providerId="LiveId" clId="{97259FEB-7F4F-4512-9CCD-9417EB025341}" dt="2019-09-05T17:03:17.151" v="15" actId="14100"/>
+          <ac:spMkLst>
+            <pc:docMk/>
+            <pc:sldMk cId="4251976526" sldId="272"/>
+            <ac:spMk id="6" creationId="{968DD6B4-A058-473F-99B6-FECCF66B654A}"/>
+          </ac:spMkLst>
+        </pc:spChg>
+      </pc:sldChg>
+    </pc:docChg>
+  </pc:docChgLst>
+  <pc:docChgLst>
+    <pc:chgData name="Christophe Lebrun" userId="303fc86cbab77272" providerId="LiveId" clId="{C038AB08-8586-42FB-AD35-067813437C7B}"/>
+    <pc:docChg chg="custSel addSld delSld modSld sldOrd">
+      <pc:chgData name="Christophe Lebrun" userId="303fc86cbab77272" providerId="LiveId" clId="{C038AB08-8586-42FB-AD35-067813437C7B}" dt="2019-06-11T13:27:09.959" v="273"/>
+      <pc:docMkLst>
+        <pc:docMk/>
+      </pc:docMkLst>
+      <pc:sldChg chg="modSp">
+        <pc:chgData name="Christophe Lebrun" userId="303fc86cbab77272" providerId="LiveId" clId="{C038AB08-8586-42FB-AD35-067813437C7B}" dt="2019-06-11T13:10:34.162" v="253" actId="20577"/>
+        <pc:sldMkLst>
+          <pc:docMk/>
+          <pc:sldMk cId="1510174254" sldId="257"/>
+        </pc:sldMkLst>
+        <pc:spChg chg="mod">
+          <ac:chgData name="Christophe Lebrun" userId="303fc86cbab77272" providerId="LiveId" clId="{C038AB08-8586-42FB-AD35-067813437C7B}" dt="2019-06-11T13:10:34.162" v="253" actId="20577"/>
+          <ac:spMkLst>
+            <pc:docMk/>
+            <pc:sldMk cId="1510174254" sldId="257"/>
+            <ac:spMk id="2" creationId="{96885828-B058-4F14-80D3-515FB1B2EA26}"/>
+          </ac:spMkLst>
+        </pc:spChg>
+        <pc:spChg chg="mod">
+          <ac:chgData name="Christophe Lebrun" userId="303fc86cbab77272" providerId="LiveId" clId="{C038AB08-8586-42FB-AD35-067813437C7B}" dt="2019-06-11T13:06:14.521" v="38" actId="20577"/>
+          <ac:spMkLst>
+            <pc:docMk/>
+            <pc:sldMk cId="1510174254" sldId="257"/>
+            <ac:spMk id="3" creationId="{C1CD7A5C-6044-4F77-841E-E28AF461363D}"/>
+          </ac:spMkLst>
+        </pc:spChg>
+      </pc:sldChg>
+      <pc:sldChg chg="modSp">
+        <pc:chgData name="Christophe Lebrun" userId="303fc86cbab77272" providerId="LiveId" clId="{C038AB08-8586-42FB-AD35-067813437C7B}" dt="2019-06-11T13:10:16.131" v="249" actId="20577"/>
+        <pc:sldMkLst>
+          <pc:docMk/>
+          <pc:sldMk cId="3375476623" sldId="262"/>
+        </pc:sldMkLst>
+        <pc:spChg chg="mod">
+          <ac:chgData name="Christophe Lebrun" userId="303fc86cbab77272" providerId="LiveId" clId="{C038AB08-8586-42FB-AD35-067813437C7B}" dt="2019-06-11T13:10:16.131" v="249" actId="20577"/>
+          <ac:spMkLst>
+            <pc:docMk/>
+            <pc:sldMk cId="3375476623" sldId="262"/>
+            <ac:spMk id="2" creationId="{964011A4-8F80-4EB8-891E-8BB51852960E}"/>
+          </ac:spMkLst>
+        </pc:spChg>
+      </pc:sldChg>
+      <pc:sldChg chg="modSp add">
+        <pc:chgData name="Christophe Lebrun" userId="303fc86cbab77272" providerId="LiveId" clId="{C038AB08-8586-42FB-AD35-067813437C7B}" dt="2019-06-11T13:10:30.772" v="252" actId="20577"/>
+        <pc:sldMkLst>
+          <pc:docMk/>
+          <pc:sldMk cId="3031979299" sldId="267"/>
+        </pc:sldMkLst>
+        <pc:spChg chg="mod">
+          <ac:chgData name="Christophe Lebrun" userId="303fc86cbab77272" providerId="LiveId" clId="{C038AB08-8586-42FB-AD35-067813437C7B}" dt="2019-06-11T13:10:30.772" v="252" actId="20577"/>
+          <ac:spMkLst>
+            <pc:docMk/>
+            <pc:sldMk cId="3031979299" sldId="267"/>
+            <ac:spMk id="2" creationId="{96885828-B058-4F14-80D3-515FB1B2EA26}"/>
+          </ac:spMkLst>
+        </pc:spChg>
+      </pc:sldChg>
+      <pc:sldChg chg="add">
+        <pc:chgData name="Christophe Lebrun" userId="303fc86cbab77272" providerId="LiveId" clId="{C038AB08-8586-42FB-AD35-067813437C7B}" dt="2019-06-11T13:27:09.959" v="273"/>
+        <pc:sldMkLst>
+          <pc:docMk/>
+          <pc:sldMk cId="3576308320" sldId="271"/>
+        </pc:sldMkLst>
+      </pc:sldChg>
+    </pc:docChg>
+  </pc:docChgLst>
   <pc:docChgLst>
     <pc:chgData name="Christophe Lebrun" userId="303fc86cbab77272" providerId="LiveId" clId="{D1325364-67D4-4734-844B-AF2494D30FFC}"/>
     <pc:docChg chg="undo custSel addSld modSld sldOrd">
@@ -593,71 +692,428 @@
     </pc:docChg>
   </pc:docChgLst>
   <pc:docChgLst>
-    <pc:chgData name="Christophe Lebrun" userId="303fc86cbab77272" providerId="LiveId" clId="{C038AB08-8586-42FB-AD35-067813437C7B}"/>
-    <pc:docChg chg="custSel addSld delSld modSld sldOrd">
-      <pc:chgData name="Christophe Lebrun" userId="303fc86cbab77272" providerId="LiveId" clId="{C038AB08-8586-42FB-AD35-067813437C7B}" dt="2019-06-11T13:27:09.959" v="273"/>
+    <pc:chgData name="Christophe Lebrun" userId="303fc86cbab77272" providerId="LiveId" clId="{5DA5D90C-8D18-44CC-BF1F-90EACAC3952E}"/>
+    <pc:docChg chg="undo custSel addSld delSld modSld sldOrd">
+      <pc:chgData name="Christophe Lebrun" userId="303fc86cbab77272" providerId="LiveId" clId="{5DA5D90C-8D18-44CC-BF1F-90EACAC3952E}" dt="2019-09-10T08:49:00.846" v="1272" actId="207"/>
       <pc:docMkLst>
         <pc:docMk/>
       </pc:docMkLst>
-      <pc:sldChg chg="modSp">
-        <pc:chgData name="Christophe Lebrun" userId="303fc86cbab77272" providerId="LiveId" clId="{C038AB08-8586-42FB-AD35-067813437C7B}" dt="2019-06-11T13:10:34.162" v="253" actId="20577"/>
+      <pc:sldChg chg="addSp delSp">
+        <pc:chgData name="Christophe Lebrun" userId="303fc86cbab77272" providerId="LiveId" clId="{5DA5D90C-8D18-44CC-BF1F-90EACAC3952E}" dt="2019-09-10T08:47:38.855" v="1267"/>
         <pc:sldMkLst>
           <pc:docMk/>
           <pc:sldMk cId="1510174254" sldId="257"/>
         </pc:sldMkLst>
+        <pc:picChg chg="add">
+          <ac:chgData name="Christophe Lebrun" userId="303fc86cbab77272" providerId="LiveId" clId="{5DA5D90C-8D18-44CC-BF1F-90EACAC3952E}" dt="2019-09-10T08:47:38.855" v="1267"/>
+          <ac:picMkLst>
+            <pc:docMk/>
+            <pc:sldMk cId="1510174254" sldId="257"/>
+            <ac:picMk id="5" creationId="{9E945D29-504D-457D-9555-F93A102F68AA}"/>
+          </ac:picMkLst>
+        </pc:picChg>
+        <pc:picChg chg="del">
+          <ac:chgData name="Christophe Lebrun" userId="303fc86cbab77272" providerId="LiveId" clId="{5DA5D90C-8D18-44CC-BF1F-90EACAC3952E}" dt="2019-09-06T07:43:40.483" v="114" actId="478"/>
+          <ac:picMkLst>
+            <pc:docMk/>
+            <pc:sldMk cId="1510174254" sldId="257"/>
+            <ac:picMk id="7" creationId="{88833645-172C-45B3-92ED-AA6913C51AD9}"/>
+          </ac:picMkLst>
+        </pc:picChg>
+      </pc:sldChg>
+      <pc:sldChg chg="modSp ord">
+        <pc:chgData name="Christophe Lebrun" userId="303fc86cbab77272" providerId="LiveId" clId="{5DA5D90C-8D18-44CC-BF1F-90EACAC3952E}" dt="2019-09-06T07:42:59.875" v="112"/>
+        <pc:sldMkLst>
+          <pc:docMk/>
+          <pc:sldMk cId="3576308320" sldId="271"/>
+        </pc:sldMkLst>
         <pc:spChg chg="mod">
-          <ac:chgData name="Christophe Lebrun" userId="303fc86cbab77272" providerId="LiveId" clId="{C038AB08-8586-42FB-AD35-067813437C7B}" dt="2019-06-11T13:10:34.162" v="253" actId="20577"/>
+          <ac:chgData name="Christophe Lebrun" userId="303fc86cbab77272" providerId="LiveId" clId="{5DA5D90C-8D18-44CC-BF1F-90EACAC3952E}" dt="2019-09-06T07:41:54.031" v="110" actId="403"/>
           <ac:spMkLst>
             <pc:docMk/>
-            <pc:sldMk cId="1510174254" sldId="257"/>
-            <ac:spMk id="2" creationId="{96885828-B058-4F14-80D3-515FB1B2EA26}"/>
-          </ac:spMkLst>
-        </pc:spChg>
-        <pc:spChg chg="mod">
-          <ac:chgData name="Christophe Lebrun" userId="303fc86cbab77272" providerId="LiveId" clId="{C038AB08-8586-42FB-AD35-067813437C7B}" dt="2019-06-11T13:06:14.521" v="38" actId="20577"/>
-          <ac:spMkLst>
-            <pc:docMk/>
-            <pc:sldMk cId="1510174254" sldId="257"/>
-            <ac:spMk id="3" creationId="{C1CD7A5C-6044-4F77-841E-E28AF461363D}"/>
+            <pc:sldMk cId="3576308320" sldId="271"/>
+            <ac:spMk id="3" creationId="{9392442C-B3A0-4638-B622-291C64F6FED7}"/>
           </ac:spMkLst>
         </pc:spChg>
       </pc:sldChg>
       <pc:sldChg chg="modSp">
-        <pc:chgData name="Christophe Lebrun" userId="303fc86cbab77272" providerId="LiveId" clId="{C038AB08-8586-42FB-AD35-067813437C7B}" dt="2019-06-11T13:10:16.131" v="249" actId="20577"/>
+        <pc:chgData name="Christophe Lebrun" userId="303fc86cbab77272" providerId="LiveId" clId="{5DA5D90C-8D18-44CC-BF1F-90EACAC3952E}" dt="2019-09-10T08:49:00.846" v="1272" actId="207"/>
         <pc:sldMkLst>
           <pc:docMk/>
-          <pc:sldMk cId="3375476623" sldId="262"/>
+          <pc:sldMk cId="4251976526" sldId="272"/>
         </pc:sldMkLst>
         <pc:spChg chg="mod">
-          <ac:chgData name="Christophe Lebrun" userId="303fc86cbab77272" providerId="LiveId" clId="{C038AB08-8586-42FB-AD35-067813437C7B}" dt="2019-06-11T13:10:16.131" v="249" actId="20577"/>
+          <ac:chgData name="Christophe Lebrun" userId="303fc86cbab77272" providerId="LiveId" clId="{5DA5D90C-8D18-44CC-BF1F-90EACAC3952E}" dt="2019-09-06T07:40:53.638" v="74" actId="1076"/>
           <ac:spMkLst>
             <pc:docMk/>
-            <pc:sldMk cId="3375476623" sldId="262"/>
-            <ac:spMk id="2" creationId="{964011A4-8F80-4EB8-891E-8BB51852960E}"/>
+            <pc:sldMk cId="4251976526" sldId="272"/>
+            <ac:spMk id="2" creationId="{6E84EF98-294B-45BE-A755-5FE2EA5C9B5F}"/>
+          </ac:spMkLst>
+        </pc:spChg>
+        <pc:spChg chg="mod">
+          <ac:chgData name="Christophe Lebrun" userId="303fc86cbab77272" providerId="LiveId" clId="{5DA5D90C-8D18-44CC-BF1F-90EACAC3952E}" dt="2019-09-06T07:39:32.248" v="24" actId="108"/>
+          <ac:spMkLst>
+            <pc:docMk/>
+            <pc:sldMk cId="4251976526" sldId="272"/>
+            <ac:spMk id="3" creationId="{34D75187-D88F-4F53-B18A-EE11258D12A0}"/>
+          </ac:spMkLst>
+        </pc:spChg>
+        <pc:spChg chg="mod">
+          <ac:chgData name="Christophe Lebrun" userId="303fc86cbab77272" providerId="LiveId" clId="{5DA5D90C-8D18-44CC-BF1F-90EACAC3952E}" dt="2019-09-10T08:49:00.846" v="1272" actId="207"/>
+          <ac:spMkLst>
+            <pc:docMk/>
+            <pc:sldMk cId="4251976526" sldId="272"/>
+            <ac:spMk id="6" creationId="{968DD6B4-A058-473F-99B6-FECCF66B654A}"/>
           </ac:spMkLst>
         </pc:spChg>
       </pc:sldChg>
-      <pc:sldChg chg="modSp add">
-        <pc:chgData name="Christophe Lebrun" userId="303fc86cbab77272" providerId="LiveId" clId="{C038AB08-8586-42FB-AD35-067813437C7B}" dt="2019-06-11T13:10:30.772" v="252" actId="20577"/>
+      <pc:sldChg chg="delSp ord">
+        <pc:chgData name="Christophe Lebrun" userId="303fc86cbab77272" providerId="LiveId" clId="{5DA5D90C-8D18-44CC-BF1F-90EACAC3952E}" dt="2019-09-06T07:43:32.250" v="113" actId="478"/>
         <pc:sldMkLst>
           <pc:docMk/>
-          <pc:sldMk cId="3031979299" sldId="267"/>
+          <pc:sldMk cId="3271512906" sldId="273"/>
+        </pc:sldMkLst>
+        <pc:picChg chg="del">
+          <ac:chgData name="Christophe Lebrun" userId="303fc86cbab77272" providerId="LiveId" clId="{5DA5D90C-8D18-44CC-BF1F-90EACAC3952E}" dt="2019-09-06T07:43:32.250" v="113" actId="478"/>
+          <ac:picMkLst>
+            <pc:docMk/>
+            <pc:sldMk cId="3271512906" sldId="273"/>
+            <ac:picMk id="7" creationId="{DC2215AB-7FE3-4E7F-BB64-2E8576B9D696}"/>
+          </ac:picMkLst>
+        </pc:picChg>
+      </pc:sldChg>
+      <pc:sldChg chg="modSp del">
+        <pc:chgData name="Christophe Lebrun" userId="303fc86cbab77272" providerId="LiveId" clId="{5DA5D90C-8D18-44CC-BF1F-90EACAC3952E}" dt="2019-09-06T07:40:59.137" v="75" actId="2696"/>
+        <pc:sldMkLst>
+          <pc:docMk/>
+          <pc:sldMk cId="2833374160" sldId="281"/>
         </pc:sldMkLst>
         <pc:spChg chg="mod">
-          <ac:chgData name="Christophe Lebrun" userId="303fc86cbab77272" providerId="LiveId" clId="{C038AB08-8586-42FB-AD35-067813437C7B}" dt="2019-06-11T13:10:30.772" v="252" actId="20577"/>
+          <ac:chgData name="Christophe Lebrun" userId="303fc86cbab77272" providerId="LiveId" clId="{5DA5D90C-8D18-44CC-BF1F-90EACAC3952E}" dt="2019-09-06T07:40:44.984" v="72" actId="27636"/>
           <ac:spMkLst>
             <pc:docMk/>
-            <pc:sldMk cId="3031979299" sldId="267"/>
+            <pc:sldMk cId="2833374160" sldId="281"/>
+            <ac:spMk id="2" creationId="{859271E4-0F1C-49A2-A674-5837229DC44E}"/>
+          </ac:spMkLst>
+        </pc:spChg>
+      </pc:sldChg>
+      <pc:sldChg chg="modSp">
+        <pc:chgData name="Christophe Lebrun" userId="303fc86cbab77272" providerId="LiveId" clId="{5DA5D90C-8D18-44CC-BF1F-90EACAC3952E}" dt="2019-09-10T08:00:47.207" v="225" actId="20577"/>
+        <pc:sldMkLst>
+          <pc:docMk/>
+          <pc:sldMk cId="4229974391" sldId="283"/>
+        </pc:sldMkLst>
+        <pc:spChg chg="mod">
+          <ac:chgData name="Christophe Lebrun" userId="303fc86cbab77272" providerId="LiveId" clId="{5DA5D90C-8D18-44CC-BF1F-90EACAC3952E}" dt="2019-09-10T08:00:47.207" v="225" actId="20577"/>
+          <ac:spMkLst>
+            <pc:docMk/>
+            <pc:sldMk cId="4229974391" sldId="283"/>
+            <ac:spMk id="3" creationId="{46474F09-B1B9-454A-9F56-5CA66AE284CF}"/>
+          </ac:spMkLst>
+        </pc:spChg>
+      </pc:sldChg>
+      <pc:sldChg chg="addSp delSp modSp add ord">
+        <pc:chgData name="Christophe Lebrun" userId="303fc86cbab77272" providerId="LiveId" clId="{5DA5D90C-8D18-44CC-BF1F-90EACAC3952E}" dt="2019-09-10T08:39:51.782" v="1229" actId="20577"/>
+        <pc:sldMkLst>
+          <pc:docMk/>
+          <pc:sldMk cId="3717688176" sldId="284"/>
+        </pc:sldMkLst>
+        <pc:spChg chg="mod">
+          <ac:chgData name="Christophe Lebrun" userId="303fc86cbab77272" providerId="LiveId" clId="{5DA5D90C-8D18-44CC-BF1F-90EACAC3952E}" dt="2019-09-10T08:01:18.303" v="260" actId="20577"/>
+          <ac:spMkLst>
+            <pc:docMk/>
+            <pc:sldMk cId="3717688176" sldId="284"/>
+            <ac:spMk id="2" creationId="{7850C025-007E-4FA0-BD5D-262373463563}"/>
+          </ac:spMkLst>
+        </pc:spChg>
+        <pc:spChg chg="mod">
+          <ac:chgData name="Christophe Lebrun" userId="303fc86cbab77272" providerId="LiveId" clId="{5DA5D90C-8D18-44CC-BF1F-90EACAC3952E}" dt="2019-09-10T08:39:51.782" v="1229" actId="20577"/>
+          <ac:spMkLst>
+            <pc:docMk/>
+            <pc:sldMk cId="3717688176" sldId="284"/>
+            <ac:spMk id="3" creationId="{46474F09-B1B9-454A-9F56-5CA66AE284CF}"/>
+          </ac:spMkLst>
+        </pc:spChg>
+        <pc:spChg chg="add del mod">
+          <ac:chgData name="Christophe Lebrun" userId="303fc86cbab77272" providerId="LiveId" clId="{5DA5D90C-8D18-44CC-BF1F-90EACAC3952E}" dt="2019-09-10T08:08:43.279" v="494" actId="478"/>
+          <ac:spMkLst>
+            <pc:docMk/>
+            <pc:sldMk cId="3717688176" sldId="284"/>
+            <ac:spMk id="4" creationId="{E876A57F-63EB-440B-9C63-078E96E94257}"/>
+          </ac:spMkLst>
+        </pc:spChg>
+      </pc:sldChg>
+      <pc:sldChg chg="addSp delSp modSp add ord">
+        <pc:chgData name="Christophe Lebrun" userId="303fc86cbab77272" providerId="LiveId" clId="{5DA5D90C-8D18-44CC-BF1F-90EACAC3952E}" dt="2019-09-10T08:47:27.579" v="1266"/>
+        <pc:sldMkLst>
+          <pc:docMk/>
+          <pc:sldMk cId="1706803578" sldId="285"/>
+        </pc:sldMkLst>
+        <pc:spChg chg="mod">
+          <ac:chgData name="Christophe Lebrun" userId="303fc86cbab77272" providerId="LiveId" clId="{5DA5D90C-8D18-44CC-BF1F-90EACAC3952E}" dt="2019-09-10T07:35:38.510" v="185" actId="20577"/>
+          <ac:spMkLst>
+            <pc:docMk/>
+            <pc:sldMk cId="1706803578" sldId="285"/>
             <ac:spMk id="2" creationId="{96885828-B058-4F14-80D3-515FB1B2EA26}"/>
           </ac:spMkLst>
         </pc:spChg>
+        <pc:picChg chg="add del mod">
+          <ac:chgData name="Christophe Lebrun" userId="303fc86cbab77272" providerId="LiveId" clId="{5DA5D90C-8D18-44CC-BF1F-90EACAC3952E}" dt="2019-09-10T08:02:30.927" v="271"/>
+          <ac:picMkLst>
+            <pc:docMk/>
+            <pc:sldMk cId="1706803578" sldId="285"/>
+            <ac:picMk id="5" creationId="{4A5F2D11-355A-47B4-8543-E2A46F3EA7FA}"/>
+          </ac:picMkLst>
+        </pc:picChg>
+        <pc:picChg chg="add">
+          <ac:chgData name="Christophe Lebrun" userId="303fc86cbab77272" providerId="LiveId" clId="{5DA5D90C-8D18-44CC-BF1F-90EACAC3952E}" dt="2019-09-10T08:47:27.579" v="1266"/>
+          <ac:picMkLst>
+            <pc:docMk/>
+            <pc:sldMk cId="1706803578" sldId="285"/>
+            <ac:picMk id="7" creationId="{34E1343D-322B-45B5-9FE7-CFBB5AE1FC81}"/>
+          </ac:picMkLst>
+        </pc:picChg>
       </pc:sldChg>
-      <pc:sldChg chg="add">
-        <pc:chgData name="Christophe Lebrun" userId="303fc86cbab77272" providerId="LiveId" clId="{C038AB08-8586-42FB-AD35-067813437C7B}" dt="2019-06-11T13:27:09.959" v="273"/>
+      <pc:sldChg chg="addSp delSp modSp add ord">
+        <pc:chgData name="Christophe Lebrun" userId="303fc86cbab77272" providerId="LiveId" clId="{5DA5D90C-8D18-44CC-BF1F-90EACAC3952E}" dt="2019-09-10T08:47:10.946" v="1264"/>
         <pc:sldMkLst>
           <pc:docMk/>
-          <pc:sldMk cId="3576308320" sldId="271"/>
+          <pc:sldMk cId="900079203" sldId="286"/>
         </pc:sldMkLst>
+        <pc:spChg chg="del">
+          <ac:chgData name="Christophe Lebrun" userId="303fc86cbab77272" providerId="LiveId" clId="{5DA5D90C-8D18-44CC-BF1F-90EACAC3952E}" dt="2019-09-10T07:37:51.463" v="192" actId="478"/>
+          <ac:spMkLst>
+            <pc:docMk/>
+            <pc:sldMk cId="900079203" sldId="286"/>
+            <ac:spMk id="2" creationId="{0CB73E0D-D6EC-4B12-9852-9F8B5472E583}"/>
+          </ac:spMkLst>
+        </pc:spChg>
+        <pc:spChg chg="del">
+          <ac:chgData name="Christophe Lebrun" userId="303fc86cbab77272" providerId="LiveId" clId="{5DA5D90C-8D18-44CC-BF1F-90EACAC3952E}" dt="2019-09-10T07:36:36.226" v="188" actId="931"/>
+          <ac:spMkLst>
+            <pc:docMk/>
+            <pc:sldMk cId="900079203" sldId="286"/>
+            <ac:spMk id="3" creationId="{8FA01BDB-E572-427F-AAB1-00B9024EE834}"/>
+          </ac:spMkLst>
+        </pc:spChg>
+        <pc:spChg chg="add del mod">
+          <ac:chgData name="Christophe Lebrun" userId="303fc86cbab77272" providerId="LiveId" clId="{5DA5D90C-8D18-44CC-BF1F-90EACAC3952E}" dt="2019-09-10T07:37:38.433" v="190" actId="931"/>
+          <ac:spMkLst>
+            <pc:docMk/>
+            <pc:sldMk cId="900079203" sldId="286"/>
+            <ac:spMk id="8" creationId="{37E27842-9479-4B2D-AB02-81ABFE43BDCD}"/>
+          </ac:spMkLst>
+        </pc:spChg>
+        <pc:spChg chg="add mod">
+          <ac:chgData name="Christophe Lebrun" userId="303fc86cbab77272" providerId="LiveId" clId="{5DA5D90C-8D18-44CC-BF1F-90EACAC3952E}" dt="2019-09-10T08:44:48.021" v="1261" actId="20577"/>
+          <ac:spMkLst>
+            <pc:docMk/>
+            <pc:sldMk cId="900079203" sldId="286"/>
+            <ac:spMk id="11" creationId="{9C73B52C-B939-45ED-B6AB-929F9DB0878D}"/>
+          </ac:spMkLst>
+        </pc:spChg>
+        <pc:picChg chg="add del mod">
+          <ac:chgData name="Christophe Lebrun" userId="303fc86cbab77272" providerId="LiveId" clId="{5DA5D90C-8D18-44CC-BF1F-90EACAC3952E}" dt="2019-09-10T07:36:38.726" v="189" actId="478"/>
+          <ac:picMkLst>
+            <pc:docMk/>
+            <pc:sldMk cId="900079203" sldId="286"/>
+            <ac:picMk id="6" creationId="{18E9B9ED-4C9A-469B-AFBD-967295A6273B}"/>
+          </ac:picMkLst>
+        </pc:picChg>
+        <pc:picChg chg="add mod">
+          <ac:chgData name="Christophe Lebrun" userId="303fc86cbab77272" providerId="LiveId" clId="{5DA5D90C-8D18-44CC-BF1F-90EACAC3952E}" dt="2019-09-10T08:06:09.443" v="392" actId="1076"/>
+          <ac:picMkLst>
+            <pc:docMk/>
+            <pc:sldMk cId="900079203" sldId="286"/>
+            <ac:picMk id="10" creationId="{D164E750-4FCF-48BC-BD8E-1C3507C7F80D}"/>
+          </ac:picMkLst>
+        </pc:picChg>
+        <pc:picChg chg="add">
+          <ac:chgData name="Christophe Lebrun" userId="303fc86cbab77272" providerId="LiveId" clId="{5DA5D90C-8D18-44CC-BF1F-90EACAC3952E}" dt="2019-09-10T08:47:10.946" v="1264"/>
+          <ac:picMkLst>
+            <pc:docMk/>
+            <pc:sldMk cId="900079203" sldId="286"/>
+            <ac:picMk id="12" creationId="{66EBECDD-9E08-4FBF-91D8-A6B3AF9C3CD9}"/>
+          </ac:picMkLst>
+        </pc:picChg>
+      </pc:sldChg>
+      <pc:sldChg chg="addSp modSp add">
+        <pc:chgData name="Christophe Lebrun" userId="303fc86cbab77272" providerId="LiveId" clId="{5DA5D90C-8D18-44CC-BF1F-90EACAC3952E}" dt="2019-09-10T08:47:08.185" v="1263"/>
+        <pc:sldMkLst>
+          <pc:docMk/>
+          <pc:sldMk cId="2373500914" sldId="287"/>
+        </pc:sldMkLst>
+        <pc:spChg chg="add mod">
+          <ac:chgData name="Christophe Lebrun" userId="303fc86cbab77272" providerId="LiveId" clId="{5DA5D90C-8D18-44CC-BF1F-90EACAC3952E}" dt="2019-09-10T08:05:39.827" v="388" actId="1076"/>
+          <ac:spMkLst>
+            <pc:docMk/>
+            <pc:sldMk cId="2373500914" sldId="287"/>
+            <ac:spMk id="5" creationId="{0142C57C-E222-45E2-9C8E-A467ABE9BD01}"/>
+          </ac:spMkLst>
+        </pc:spChg>
+        <pc:picChg chg="add mod">
+          <ac:chgData name="Christophe Lebrun" userId="303fc86cbab77272" providerId="LiveId" clId="{5DA5D90C-8D18-44CC-BF1F-90EACAC3952E}" dt="2019-09-10T08:03:22.931" v="279" actId="1076"/>
+          <ac:picMkLst>
+            <pc:docMk/>
+            <pc:sldMk cId="2373500914" sldId="287"/>
+            <ac:picMk id="4" creationId="{683AC8F4-1249-42D2-A0B9-C7253347CAB4}"/>
+          </ac:picMkLst>
+        </pc:picChg>
+        <pc:picChg chg="add">
+          <ac:chgData name="Christophe Lebrun" userId="303fc86cbab77272" providerId="LiveId" clId="{5DA5D90C-8D18-44CC-BF1F-90EACAC3952E}" dt="2019-09-10T08:47:08.185" v="1263"/>
+          <ac:picMkLst>
+            <pc:docMk/>
+            <pc:sldMk cId="2373500914" sldId="287"/>
+            <ac:picMk id="6" creationId="{4C443565-FA60-4825-B706-A39CEC630AC8}"/>
+          </ac:picMkLst>
+        </pc:picChg>
+      </pc:sldChg>
+      <pc:sldChg chg="delSp modSp add del ord">
+        <pc:chgData name="Christophe Lebrun" userId="303fc86cbab77272" providerId="LiveId" clId="{5DA5D90C-8D18-44CC-BF1F-90EACAC3952E}" dt="2019-09-10T08:40:21.452" v="1231" actId="2696"/>
+        <pc:sldMkLst>
+          <pc:docMk/>
+          <pc:sldMk cId="2311698132" sldId="288"/>
+        </pc:sldMkLst>
+        <pc:spChg chg="mod">
+          <ac:chgData name="Christophe Lebrun" userId="303fc86cbab77272" providerId="LiveId" clId="{5DA5D90C-8D18-44CC-BF1F-90EACAC3952E}" dt="2019-09-10T08:38:09.056" v="1177"/>
+          <ac:spMkLst>
+            <pc:docMk/>
+            <pc:sldMk cId="2311698132" sldId="288"/>
+            <ac:spMk id="2" creationId="{D2CCD962-0B10-4099-9D47-F31BE6BAD86D}"/>
+          </ac:spMkLst>
+        </pc:spChg>
+        <pc:spChg chg="del">
+          <ac:chgData name="Christophe Lebrun" userId="303fc86cbab77272" providerId="LiveId" clId="{5DA5D90C-8D18-44CC-BF1F-90EACAC3952E}" dt="2019-09-10T07:55:23.219" v="207" actId="478"/>
+          <ac:spMkLst>
+            <pc:docMk/>
+            <pc:sldMk cId="2311698132" sldId="288"/>
+            <ac:spMk id="3" creationId="{D7F2D17D-8C0F-4D6B-86CA-0585DCBD932C}"/>
+          </ac:spMkLst>
+        </pc:spChg>
+        <pc:spChg chg="mod">
+          <ac:chgData name="Christophe Lebrun" userId="303fc86cbab77272" providerId="LiveId" clId="{5DA5D90C-8D18-44CC-BF1F-90EACAC3952E}" dt="2019-09-10T08:07:03.059" v="419" actId="1076"/>
+          <ac:spMkLst>
+            <pc:docMk/>
+            <pc:sldMk cId="2311698132" sldId="288"/>
+            <ac:spMk id="4" creationId="{1AD816B9-FDFF-485D-B5F6-50D80068EA6F}"/>
+          </ac:spMkLst>
+        </pc:spChg>
+      </pc:sldChg>
+      <pc:sldChg chg="addSp modSp add">
+        <pc:chgData name="Christophe Lebrun" userId="303fc86cbab77272" providerId="LiveId" clId="{5DA5D90C-8D18-44CC-BF1F-90EACAC3952E}" dt="2019-09-10T08:47:14.330" v="1265"/>
+        <pc:sldMkLst>
+          <pc:docMk/>
+          <pc:sldMk cId="1713446242" sldId="289"/>
+        </pc:sldMkLst>
+        <pc:picChg chg="add mod">
+          <ac:chgData name="Christophe Lebrun" userId="303fc86cbab77272" providerId="LiveId" clId="{5DA5D90C-8D18-44CC-BF1F-90EACAC3952E}" dt="2019-09-10T08:06:43.857" v="416" actId="1076"/>
+          <ac:picMkLst>
+            <pc:docMk/>
+            <pc:sldMk cId="1713446242" sldId="289"/>
+            <ac:picMk id="3" creationId="{66A40E63-FD57-480C-9246-026C3DDB37B4}"/>
+          </ac:picMkLst>
+        </pc:picChg>
+        <pc:picChg chg="add">
+          <ac:chgData name="Christophe Lebrun" userId="303fc86cbab77272" providerId="LiveId" clId="{5DA5D90C-8D18-44CC-BF1F-90EACAC3952E}" dt="2019-09-10T08:47:14.330" v="1265"/>
+          <ac:picMkLst>
+            <pc:docMk/>
+            <pc:sldMk cId="1713446242" sldId="289"/>
+            <ac:picMk id="4" creationId="{BBE47828-55FA-410A-A72A-DB5CC9215E33}"/>
+          </ac:picMkLst>
+        </pc:picChg>
+      </pc:sldChg>
+      <pc:sldChg chg="addSp modSp add">
+        <pc:chgData name="Christophe Lebrun" userId="303fc86cbab77272" providerId="LiveId" clId="{5DA5D90C-8D18-44CC-BF1F-90EACAC3952E}" dt="2019-09-10T08:46:56.387" v="1262"/>
+        <pc:sldMkLst>
+          <pc:docMk/>
+          <pc:sldMk cId="830689105" sldId="290"/>
+        </pc:sldMkLst>
+        <pc:spChg chg="add mod">
+          <ac:chgData name="Christophe Lebrun" userId="303fc86cbab77272" providerId="LiveId" clId="{5DA5D90C-8D18-44CC-BF1F-90EACAC3952E}" dt="2019-09-10T08:05:53.016" v="390" actId="20577"/>
+          <ac:spMkLst>
+            <pc:docMk/>
+            <pc:sldMk cId="830689105" sldId="290"/>
+            <ac:spMk id="5" creationId="{2EC3C225-7C84-41E3-B1EA-C7F183A5550C}"/>
+          </ac:spMkLst>
+        </pc:spChg>
+        <pc:picChg chg="add mod">
+          <ac:chgData name="Christophe Lebrun" userId="303fc86cbab77272" providerId="LiveId" clId="{5DA5D90C-8D18-44CC-BF1F-90EACAC3952E}" dt="2019-09-10T08:04:21.779" v="289" actId="14100"/>
+          <ac:picMkLst>
+            <pc:docMk/>
+            <pc:sldMk cId="830689105" sldId="290"/>
+            <ac:picMk id="4" creationId="{25172B14-2BDA-4E4A-8E06-8AD5F83757CE}"/>
+          </ac:picMkLst>
+        </pc:picChg>
+        <pc:picChg chg="add">
+          <ac:chgData name="Christophe Lebrun" userId="303fc86cbab77272" providerId="LiveId" clId="{5DA5D90C-8D18-44CC-BF1F-90EACAC3952E}" dt="2019-09-10T08:46:56.387" v="1262"/>
+          <ac:picMkLst>
+            <pc:docMk/>
+            <pc:sldMk cId="830689105" sldId="290"/>
+            <ac:picMk id="6" creationId="{51750679-1963-4B32-B597-04AAB713B02B}"/>
+          </ac:picMkLst>
+        </pc:picChg>
+      </pc:sldChg>
+      <pc:sldChg chg="addSp delSp modSp add">
+        <pc:chgData name="Christophe Lebrun" userId="303fc86cbab77272" providerId="LiveId" clId="{5DA5D90C-8D18-44CC-BF1F-90EACAC3952E}" dt="2019-09-10T08:44:08.833" v="1259" actId="14100"/>
+        <pc:sldMkLst>
+          <pc:docMk/>
+          <pc:sldMk cId="681622795" sldId="291"/>
+        </pc:sldMkLst>
+        <pc:spChg chg="del">
+          <ac:chgData name="Christophe Lebrun" userId="303fc86cbab77272" providerId="LiveId" clId="{5DA5D90C-8D18-44CC-BF1F-90EACAC3952E}" dt="2019-09-10T08:42:48.949" v="1237" actId="478"/>
+          <ac:spMkLst>
+            <pc:docMk/>
+            <pc:sldMk cId="681622795" sldId="291"/>
+            <ac:spMk id="2" creationId="{CBB9F5CB-309B-4AE6-81E8-140FACEB4BE0}"/>
+          </ac:spMkLst>
+        </pc:spChg>
+        <pc:spChg chg="del">
+          <ac:chgData name="Christophe Lebrun" userId="303fc86cbab77272" providerId="LiveId" clId="{5DA5D90C-8D18-44CC-BF1F-90EACAC3952E}" dt="2019-09-10T08:42:46.820" v="1236" actId="478"/>
+          <ac:spMkLst>
+            <pc:docMk/>
+            <pc:sldMk cId="681622795" sldId="291"/>
+            <ac:spMk id="3" creationId="{4807C7D2-0A3A-42C1-8842-5CB51A5907CE}"/>
+          </ac:spMkLst>
+        </pc:spChg>
+        <pc:picChg chg="add mod">
+          <ac:chgData name="Christophe Lebrun" userId="303fc86cbab77272" providerId="LiveId" clId="{5DA5D90C-8D18-44CC-BF1F-90EACAC3952E}" dt="2019-09-10T08:44:04.985" v="1258" actId="14100"/>
+          <ac:picMkLst>
+            <pc:docMk/>
+            <pc:sldMk cId="681622795" sldId="291"/>
+            <ac:picMk id="6" creationId="{9B9C1000-E47B-4458-A210-7502C97CCEEF}"/>
+          </ac:picMkLst>
+        </pc:picChg>
+        <pc:picChg chg="add mod">
+          <ac:chgData name="Christophe Lebrun" userId="303fc86cbab77272" providerId="LiveId" clId="{5DA5D90C-8D18-44CC-BF1F-90EACAC3952E}" dt="2019-09-10T08:44:08.833" v="1259" actId="14100"/>
+          <ac:picMkLst>
+            <pc:docMk/>
+            <pc:sldMk cId="681622795" sldId="291"/>
+            <ac:picMk id="8" creationId="{81401696-A686-4EBB-99A0-E7FE1082675D}"/>
+          </ac:picMkLst>
+        </pc:picChg>
+      </pc:sldChg>
+      <pc:sldChg chg="addSp delSp modSp add del">
+        <pc:chgData name="Christophe Lebrun" userId="303fc86cbab77272" providerId="LiveId" clId="{5DA5D90C-8D18-44CC-BF1F-90EACAC3952E}" dt="2019-09-10T08:40:21.452" v="1230" actId="2696"/>
+        <pc:sldMkLst>
+          <pc:docMk/>
+          <pc:sldMk cId="2219459110" sldId="291"/>
+        </pc:sldMkLst>
+        <pc:spChg chg="add del mod">
+          <ac:chgData name="Christophe Lebrun" userId="303fc86cbab77272" providerId="LiveId" clId="{5DA5D90C-8D18-44CC-BF1F-90EACAC3952E}" dt="2019-09-10T08:32:46.787" v="952" actId="478"/>
+          <ac:spMkLst>
+            <pc:docMk/>
+            <pc:sldMk cId="2219459110" sldId="291"/>
+            <ac:spMk id="3" creationId="{A5EC4109-7AC7-4B42-96B7-7BC552595438}"/>
+          </ac:spMkLst>
+        </pc:spChg>
+        <pc:spChg chg="add mod">
+          <ac:chgData name="Christophe Lebrun" userId="303fc86cbab77272" providerId="LiveId" clId="{5DA5D90C-8D18-44CC-BF1F-90EACAC3952E}" dt="2019-09-10T08:38:51.750" v="1197"/>
+          <ac:spMkLst>
+            <pc:docMk/>
+            <pc:sldMk cId="2219459110" sldId="291"/>
+            <ac:spMk id="4" creationId="{3282341D-8DA2-44D2-A38F-E812DF5BB085}"/>
+          </ac:spMkLst>
+        </pc:spChg>
       </pc:sldChg>
     </pc:docChg>
   </pc:docChgLst>
@@ -1193,7 +1649,7 @@
           <a:p>
             <a:fld id="{A6994B78-A156-4E76-BB28-39D7E36AE272}" type="datetimeFigureOut">
               <a:rPr lang="fr-FR" smtClean="0"/>
-              <a:t>06/08/2019</a:t>
+              <a:t>10/09/2019</a:t>
             </a:fld>
             <a:endParaRPr lang="fr-FR"/>
           </a:p>
@@ -1525,7 +1981,7 @@
           <a:p>
             <a:fld id="{5AA8A231-FDF8-4574-A969-AC3B90D90B32}" type="slidenum">
               <a:rPr lang="fr-FR" smtClean="0"/>
-              <a:t>3</a:t>
+              <a:t>4</a:t>
             </a:fld>
             <a:endParaRPr lang="fr-FR"/>
           </a:p>
@@ -1714,7 +2170,7 @@
           <a:p>
             <a:fld id="{21493104-0DD6-4188-A408-37748D818DBE}" type="datetime1">
               <a:rPr lang="fr-FR" smtClean="0"/>
-              <a:t>06/08/2019</a:t>
+              <a:t>10/09/2019</a:t>
             </a:fld>
             <a:endParaRPr lang="fr-FR"/>
           </a:p>
@@ -1981,7 +2437,7 @@
           <a:p>
             <a:fld id="{33EC2012-1BFF-4C92-91DA-ED5E44E2DAE6}" type="datetime1">
               <a:rPr lang="fr-FR" smtClean="0"/>
-              <a:t>06/08/2019</a:t>
+              <a:t>10/09/2019</a:t>
             </a:fld>
             <a:endParaRPr lang="fr-FR"/>
           </a:p>
@@ -2212,7 +2668,7 @@
           <a:p>
             <a:fld id="{36D54C82-D4A8-4BCC-BBE6-5333B0B84731}" type="datetime1">
               <a:rPr lang="fr-FR" smtClean="0"/>
-              <a:t>06/08/2019</a:t>
+              <a:t>10/09/2019</a:t>
             </a:fld>
             <a:endParaRPr lang="fr-FR"/>
           </a:p>
@@ -2522,7 +2978,7 @@
           <a:p>
             <a:fld id="{DDD00B7C-7A69-493A-8A97-AE08389BB3D5}" type="datetime1">
               <a:rPr lang="fr-FR" smtClean="0"/>
-              <a:t>06/08/2019</a:t>
+              <a:t>10/09/2019</a:t>
             </a:fld>
             <a:endParaRPr lang="fr-FR"/>
           </a:p>
@@ -2995,7 +3451,7 @@
           <a:p>
             <a:fld id="{551B583F-2DDE-447D-8CBF-9525FA0FB806}" type="datetime1">
               <a:rPr lang="fr-FR" smtClean="0"/>
-              <a:t>06/08/2019</a:t>
+              <a:t>10/09/2019</a:t>
             </a:fld>
             <a:endParaRPr lang="fr-FR"/>
           </a:p>
@@ -3542,7 +3998,7 @@
           <a:p>
             <a:fld id="{F196D0C2-EC15-4914-BD1C-8DC6D93A7E06}" type="datetime1">
               <a:rPr lang="fr-FR" smtClean="0"/>
-              <a:t>06/08/2019</a:t>
+              <a:t>10/09/2019</a:t>
             </a:fld>
             <a:endParaRPr lang="fr-FR"/>
           </a:p>
@@ -4316,7 +4772,7 @@
           <a:p>
             <a:fld id="{B0F0F71C-CB2D-46DF-BBF5-45A6CF07943D}" type="datetime1">
               <a:rPr lang="fr-FR" smtClean="0"/>
-              <a:t>06/08/2019</a:t>
+              <a:t>10/09/2019</a:t>
             </a:fld>
             <a:endParaRPr lang="fr-FR"/>
           </a:p>
@@ -4491,7 +4947,7 @@
           <a:p>
             <a:fld id="{D8EE97A0-E3EB-454D-B57B-09208F6C2349}" type="datetime1">
               <a:rPr lang="fr-FR" smtClean="0"/>
-              <a:t>06/08/2019</a:t>
+              <a:t>10/09/2019</a:t>
             </a:fld>
             <a:endParaRPr lang="fr-FR"/>
           </a:p>
@@ -4714,7 +5170,7 @@
           <a:p>
             <a:fld id="{0C6102B9-41E8-4E57-8EA6-AB67D80E10AB}" type="datetime1">
               <a:rPr lang="fr-FR" smtClean="0"/>
-              <a:t>06/08/2019</a:t>
+              <a:t>10/09/2019</a:t>
             </a:fld>
             <a:endParaRPr lang="fr-FR"/>
           </a:p>
@@ -4955,7 +5411,7 @@
           <a:p>
             <a:fld id="{4A2428F8-4951-4546-B4FA-7B0FACC74B80}" type="datetime1">
               <a:rPr lang="fr-FR" smtClean="0"/>
-              <a:t>06/08/2019</a:t>
+              <a:t>10/09/2019</a:t>
             </a:fld>
             <a:endParaRPr lang="fr-FR"/>
           </a:p>
@@ -5135,7 +5591,7 @@
           <a:p>
             <a:fld id="{2468CB63-00AE-4756-B792-32C885852036}" type="datetime1">
               <a:rPr lang="fr-FR" smtClean="0"/>
-              <a:t>06/08/2019</a:t>
+              <a:t>10/09/2019</a:t>
             </a:fld>
             <a:endParaRPr lang="fr-FR"/>
           </a:p>
@@ -5310,7 +5766,7 @@
           <a:p>
             <a:fld id="{824ACC8D-CADA-4745-885B-C009075ACE07}" type="datetime1">
               <a:rPr lang="fr-FR" smtClean="0"/>
-              <a:t>06/08/2019</a:t>
+              <a:t>10/09/2019</a:t>
             </a:fld>
             <a:endParaRPr lang="fr-FR"/>
           </a:p>
@@ -5599,7 +6055,7 @@
           <a:p>
             <a:fld id="{10EA4304-F7B0-45DA-9970-108CC9362744}" type="datetime1">
               <a:rPr lang="fr-FR" smtClean="0"/>
-              <a:t>06/08/2019</a:t>
+              <a:t>10/09/2019</a:t>
             </a:fld>
             <a:endParaRPr lang="fr-FR"/>
           </a:p>
@@ -5841,7 +6297,7 @@
           <a:p>
             <a:fld id="{5EF8BD1A-0AB3-42BB-87D7-511BD450E973}" type="datetime1">
               <a:rPr lang="fr-FR" smtClean="0"/>
-              <a:t>06/08/2019</a:t>
+              <a:t>10/09/2019</a:t>
             </a:fld>
             <a:endParaRPr lang="fr-FR"/>
           </a:p>
@@ -6220,7 +6676,7 @@
           <a:p>
             <a:fld id="{F0ED20F9-E137-45C5-9CDB-EB23F7F61742}" type="datetime1">
               <a:rPr lang="fr-FR" smtClean="0"/>
-              <a:t>06/08/2019</a:t>
+              <a:t>10/09/2019</a:t>
             </a:fld>
             <a:endParaRPr lang="fr-FR"/>
           </a:p>
@@ -6338,7 +6794,7 @@
           <a:p>
             <a:fld id="{7F549FA9-5419-4577-ACA1-5FA8B1F430E1}" type="datetime1">
               <a:rPr lang="fr-FR" smtClean="0"/>
-              <a:t>06/08/2019</a:t>
+              <a:t>10/09/2019</a:t>
             </a:fld>
             <a:endParaRPr lang="fr-FR"/>
           </a:p>
@@ -6433,7 +6889,7 @@
           <a:p>
             <a:fld id="{B732A3B4-D77F-4011-84A4-1CE2C85060AA}" type="datetime1">
               <a:rPr lang="fr-FR" smtClean="0"/>
-              <a:t>06/08/2019</a:t>
+              <a:t>10/09/2019</a:t>
             </a:fld>
             <a:endParaRPr lang="fr-FR"/>
           </a:p>
@@ -6682,7 +7138,7 @@
           <a:p>
             <a:fld id="{AFD5C01D-38A9-4545-9F6C-D14ECEB1FB25}" type="datetime1">
               <a:rPr lang="fr-FR" smtClean="0"/>
-              <a:t>06/08/2019</a:t>
+              <a:t>10/09/2019</a:t>
             </a:fld>
             <a:endParaRPr lang="fr-FR"/>
           </a:p>
@@ -6939,7 +7395,7 @@
           <a:p>
             <a:fld id="{AD9F5F43-A7C8-4BE7-8EDD-3B94DD5ED3AC}" type="datetime1">
               <a:rPr lang="fr-FR" smtClean="0"/>
-              <a:t>06/08/2019</a:t>
+              <a:t>10/09/2019</a:t>
             </a:fld>
             <a:endParaRPr lang="fr-FR"/>
           </a:p>
@@ -7196,7 +7652,7 @@
           <a:p>
             <a:fld id="{ACB6019D-FF65-4B6D-88E7-E32520CD55FC}" type="datetime1">
               <a:rPr lang="fr-FR" smtClean="0"/>
-              <a:t>06/08/2019</a:t>
+              <a:t>10/09/2019</a:t>
             </a:fld>
             <a:endParaRPr lang="fr-FR"/>
           </a:p>
@@ -7427,7 +7883,7 @@
           <a:p>
             <a:fld id="{F801886C-9464-46E7-BC75-B4C59B337121}" type="datetime1">
               <a:rPr lang="fr-FR" smtClean="0"/>
-              <a:t>06/08/2019</a:t>
+              <a:t>10/09/2019</a:t>
             </a:fld>
             <a:endParaRPr lang="fr-FR"/>
           </a:p>
@@ -7737,7 +8193,7 @@
           <a:p>
             <a:fld id="{AB2972D2-6F14-4C24-9E0C-4FF7F34B2768}" type="datetime1">
               <a:rPr lang="fr-FR" smtClean="0"/>
-              <a:t>06/08/2019</a:t>
+              <a:t>10/09/2019</a:t>
             </a:fld>
             <a:endParaRPr lang="fr-FR"/>
           </a:p>
@@ -8268,7 +8724,7 @@
           <a:p>
             <a:fld id="{F898AE11-0657-4D23-A8AC-E411F594EC7D}" type="datetime1">
               <a:rPr lang="fr-FR" smtClean="0"/>
-              <a:t>06/08/2019</a:t>
+              <a:t>10/09/2019</a:t>
             </a:fld>
             <a:endParaRPr lang="fr-FR"/>
           </a:p>
@@ -8509,7 +8965,7 @@
           <a:p>
             <a:fld id="{150DD647-851C-4A6E-99E4-412E2060441D}" type="datetime1">
               <a:rPr lang="fr-FR" smtClean="0"/>
-              <a:t>06/08/2019</a:t>
+              <a:t>10/09/2019</a:t>
             </a:fld>
             <a:endParaRPr lang="fr-FR"/>
           </a:p>
@@ -9056,7 +9512,7 @@
           <a:p>
             <a:fld id="{33781566-4F69-403C-9080-3BFEE2B37491}" type="datetime1">
               <a:rPr lang="fr-FR" smtClean="0"/>
-              <a:t>06/08/2019</a:t>
+              <a:t>10/09/2019</a:t>
             </a:fld>
             <a:endParaRPr lang="fr-FR"/>
           </a:p>
@@ -9830,7 +10286,7 @@
           <a:p>
             <a:fld id="{14D47B0C-B5AB-42EB-BB2D-F19425E95921}" type="datetime1">
               <a:rPr lang="fr-FR" smtClean="0"/>
-              <a:t>06/08/2019</a:t>
+              <a:t>10/09/2019</a:t>
             </a:fld>
             <a:endParaRPr lang="fr-FR"/>
           </a:p>
@@ -10005,7 +10461,7 @@
           <a:p>
             <a:fld id="{C573A1F9-098E-4818-B4BA-05597FCE7433}" type="datetime1">
               <a:rPr lang="fr-FR" smtClean="0"/>
-              <a:t>06/08/2019</a:t>
+              <a:t>10/09/2019</a:t>
             </a:fld>
             <a:endParaRPr lang="fr-FR"/>
           </a:p>
@@ -10228,7 +10684,7 @@
           <a:p>
             <a:fld id="{9B85617F-11C8-46B4-82FC-6C143D8E927D}" type="datetime1">
               <a:rPr lang="fr-FR" smtClean="0"/>
-              <a:t>06/08/2019</a:t>
+              <a:t>10/09/2019</a:t>
             </a:fld>
             <a:endParaRPr lang="fr-FR"/>
           </a:p>
@@ -10470,7 +10926,7 @@
           <a:p>
             <a:fld id="{5F7B142A-F148-4ADB-A468-FE587DAD07D9}" type="datetime1">
               <a:rPr lang="fr-FR" smtClean="0"/>
-              <a:t>06/08/2019</a:t>
+              <a:t>10/09/2019</a:t>
             </a:fld>
             <a:endParaRPr lang="fr-FR"/>
           </a:p>
@@ -10849,7 +11305,7 @@
           <a:p>
             <a:fld id="{DF19706F-1691-421A-B634-B96F386F7B76}" type="datetime1">
               <a:rPr lang="fr-FR" smtClean="0"/>
-              <a:t>06/08/2019</a:t>
+              <a:t>10/09/2019</a:t>
             </a:fld>
             <a:endParaRPr lang="fr-FR"/>
           </a:p>
@@ -10967,7 +11423,7 @@
           <a:p>
             <a:fld id="{82E02EEA-4114-443B-89FA-6E832FF354CE}" type="datetime1">
               <a:rPr lang="fr-FR" smtClean="0"/>
-              <a:t>06/08/2019</a:t>
+              <a:t>10/09/2019</a:t>
             </a:fld>
             <a:endParaRPr lang="fr-FR"/>
           </a:p>
@@ -11062,7 +11518,7 @@
           <a:p>
             <a:fld id="{5BF41AA7-3BDA-4782-B3C5-401728461EBA}" type="datetime1">
               <a:rPr lang="fr-FR" smtClean="0"/>
-              <a:t>06/08/2019</a:t>
+              <a:t>10/09/2019</a:t>
             </a:fld>
             <a:endParaRPr lang="fr-FR"/>
           </a:p>
@@ -11311,7 +11767,7 @@
           <a:p>
             <a:fld id="{790D4B45-0ED5-401D-87BF-F27E5AD4E8F6}" type="datetime1">
               <a:rPr lang="fr-FR" smtClean="0"/>
-              <a:t>06/08/2019</a:t>
+              <a:t>10/09/2019</a:t>
             </a:fld>
             <a:endParaRPr lang="fr-FR"/>
           </a:p>
@@ -11568,7 +12024,7 @@
           <a:p>
             <a:fld id="{C4BA227D-3211-4923-B058-2465568DA97C}" type="datetime1">
               <a:rPr lang="fr-FR" smtClean="0"/>
-              <a:t>06/08/2019</a:t>
+              <a:t>10/09/2019</a:t>
             </a:fld>
             <a:endParaRPr lang="fr-FR"/>
           </a:p>
@@ -11811,7 +12267,7 @@
           <a:p>
             <a:fld id="{C0D22650-866C-43F7-8C91-C810959EF2B7}" type="datetime1">
               <a:rPr lang="fr-FR" smtClean="0"/>
-              <a:t>06/08/2019</a:t>
+              <a:t>10/09/2019</a:t>
             </a:fld>
             <a:endParaRPr lang="fr-FR"/>
           </a:p>
@@ -12388,7 +12844,7 @@
           <a:p>
             <a:fld id="{5B5C616A-C141-4933-A34B-F1CCCBC47195}" type="datetime1">
               <a:rPr lang="fr-FR" smtClean="0"/>
-              <a:t>06/08/2019</a:t>
+              <a:t>10/09/2019</a:t>
             </a:fld>
             <a:endParaRPr lang="fr-FR"/>
           </a:p>
@@ -12818,7 +13274,7 @@
         </p:nvSpPr>
         <p:spPr>
           <a:xfrm>
-            <a:off x="1698266" y="3121038"/>
+            <a:off x="1698266" y="3346746"/>
             <a:ext cx="10436225" cy="1311275"/>
           </a:xfrm>
         </p:spPr>
@@ -12834,14 +13290,21 @@
             </a:br>
             <a:r>
               <a:rPr lang="fr-FR" b="1" cap="small" dirty="0"/>
-              <a:t>Projet 4 : </a:t>
+              <a:t>Projet 4 : Apprentissage statistique</a:t>
             </a:r>
             <a:br>
               <a:rPr lang="fr-FR" b="1" cap="small" dirty="0"/>
             </a:br>
             <a:r>
               <a:rPr lang="fr-FR" sz="2800" cap="small" dirty="0"/>
-              <a:t>Anticipez les besoins en consommation électrique de bâtiments</a:t>
+              <a:t>Anticipez les besoins de bâtiments</a:t>
+            </a:r>
+            <a:br>
+              <a:rPr lang="fr-FR" sz="2800" cap="small" dirty="0"/>
+            </a:br>
+            <a:r>
+              <a:rPr lang="fr-FR" sz="2800" cap="small" dirty="0"/>
+              <a:t>en consommation énergétique et émissions de G.E.S.</a:t>
             </a:r>
             <a:br>
               <a:rPr lang="fr-FR" sz="2800" b="1" dirty="0"/>
@@ -12877,7 +13340,7 @@
         </p:spPr>
         <p:txBody>
           <a:bodyPr>
-            <a:normAutofit/>
+            <a:normAutofit fontScale="92500"/>
           </a:bodyPr>
           <a:lstStyle/>
           <a:p>
@@ -12914,21 +13377,14 @@
               <a:t>Evaluateur : </a:t>
             </a:r>
             <a:r>
-              <a:rPr lang="fr-FR" b="1" dirty="0">
-                <a:solidFill>
-                  <a:srgbClr val="FF0000"/>
-                </a:solidFill>
-              </a:rPr>
-              <a:t>Walid </a:t>
-            </a:r>
-            <a:r>
-              <a:rPr lang="fr-FR" b="1" cap="small" dirty="0">
-                <a:solidFill>
-                  <a:srgbClr val="FF0000"/>
-                </a:solidFill>
-              </a:rPr>
-              <a:t>Ayadi</a:t>
-            </a:r>
+              <a:rPr lang="fr-FR" dirty="0"/>
+              <a:t>Mohammed </a:t>
+            </a:r>
+            <a:r>
+              <a:rPr lang="fr-FR" cap="small" dirty="0" err="1"/>
+              <a:t>Sedki</a:t>
+            </a:r>
+            <a:endParaRPr lang="fr-FR" cap="small" dirty="0"/>
           </a:p>
         </p:txBody>
       </p:sp>
@@ -13115,8 +13571,8 @@
         </p:nvSpPr>
         <p:spPr>
           <a:xfrm>
-            <a:off x="9574171" y="6396335"/>
-            <a:ext cx="2560320" cy="461665"/>
+            <a:off x="8939814" y="6396335"/>
+            <a:ext cx="3194677" cy="461665"/>
           </a:xfrm>
           <a:prstGeom prst="rect">
             <a:avLst/>
@@ -13148,21 +13604,21 @@
             </a:pPr>
             <a:r>
               <a:rPr lang="en-GB" sz="2400" b="1" dirty="0">
-                <a:solidFill>
-                  <a:srgbClr val="FF0000"/>
-                </a:solidFill>
                 <a:latin typeface="Century Gothic" panose="020B0502020202020204"/>
               </a:rPr>
-              <a:t>2</a:t>
+              <a:t>12 </a:t>
+            </a:r>
+            <a:r>
+              <a:rPr lang="en-GB" sz="2400" b="1" dirty="0" err="1">
+                <a:latin typeface="Century Gothic" panose="020B0502020202020204"/>
+              </a:rPr>
+              <a:t>septembre</a:t>
             </a:r>
             <a:r>
               <a:rPr kumimoji="0" lang="en-GB" sz="2400" b="1" i="0" u="none" strike="noStrike" kern="1200" cap="none" spc="0" normalizeH="0" baseline="0" noProof="0" dirty="0">
                 <a:ln>
                   <a:noFill/>
                 </a:ln>
-                <a:solidFill>
-                  <a:srgbClr val="FF0000"/>
-                </a:solidFill>
                 <a:effectLst/>
                 <a:uLnTx/>
                 <a:uFillTx/>
@@ -13170,66 +13626,12 @@
                 <a:ea typeface="+mn-ea"/>
                 <a:cs typeface="+mn-cs"/>
               </a:rPr>
-              <a:t> </a:t>
-            </a:r>
-            <a:r>
-              <a:rPr kumimoji="0" lang="en-GB" sz="2400" b="1" i="0" u="none" strike="noStrike" kern="1200" cap="none" spc="0" normalizeH="0" baseline="0" noProof="0" dirty="0" err="1">
-                <a:ln>
-                  <a:noFill/>
-                </a:ln>
-                <a:solidFill>
-                  <a:srgbClr val="FF0000"/>
-                </a:solidFill>
-                <a:effectLst/>
-                <a:uLnTx/>
-                <a:uFillTx/>
-                <a:latin typeface="Century Gothic" panose="020B0502020202020204"/>
-                <a:ea typeface="+mn-ea"/>
-                <a:cs typeface="+mn-cs"/>
-              </a:rPr>
-              <a:t>août</a:t>
-            </a:r>
-            <a:r>
-              <a:rPr kumimoji="0" lang="en-GB" sz="2400" b="1" i="0" u="none" strike="noStrike" kern="1200" cap="none" spc="0" normalizeH="0" baseline="0" noProof="0" dirty="0">
-                <a:ln>
-                  <a:noFill/>
-                </a:ln>
-                <a:solidFill>
-                  <a:srgbClr val="FF0000"/>
-                </a:solidFill>
-                <a:effectLst/>
-                <a:uLnTx/>
-                <a:uFillTx/>
-                <a:latin typeface="Century Gothic" panose="020B0502020202020204"/>
-                <a:ea typeface="+mn-ea"/>
-                <a:cs typeface="+mn-cs"/>
-              </a:rPr>
-              <a:t> </a:t>
-            </a:r>
-            <a:r>
-              <a:rPr kumimoji="0" lang="en-GB" sz="2400" b="1" i="0" u="none" strike="noStrike" kern="1200" cap="none" spc="0" normalizeH="0" baseline="0" noProof="0" dirty="0">
-                <a:ln>
-                  <a:noFill/>
-                </a:ln>
-                <a:solidFill>
-                  <a:prstClr val="black"/>
-                </a:solidFill>
-                <a:effectLst/>
-                <a:uLnTx/>
-                <a:uFillTx/>
-                <a:latin typeface="Century Gothic" panose="020B0502020202020204"/>
-                <a:ea typeface="+mn-ea"/>
-                <a:cs typeface="+mn-cs"/>
-              </a:rPr>
-              <a:t>2019</a:t>
+              <a:t> 2019</a:t>
             </a:r>
             <a:endParaRPr kumimoji="0" lang="en-GB" sz="1800" b="1" i="0" u="none" strike="noStrike" kern="1200" cap="none" spc="0" normalizeH="0" baseline="0" noProof="0" dirty="0">
               <a:ln>
                 <a:noFill/>
               </a:ln>
-              <a:solidFill>
-                <a:prstClr val="black"/>
-              </a:solidFill>
               <a:effectLst/>
               <a:uLnTx/>
               <a:uFillTx/>
@@ -13272,10 +13674,10 @@
       </p:grpSpPr>
       <p:sp>
         <p:nvSpPr>
-          <p:cNvPr id="2" name="Title 1">
+          <p:cNvPr id="2" name="Espace réservé du numéro de diapositive 1">
             <a:extLst>
               <a:ext uri="{FF2B5EF4-FFF2-40B4-BE49-F238E27FC236}">
-                <a16:creationId xmlns:a16="http://schemas.microsoft.com/office/drawing/2014/main" id="{FA44BE58-2168-473C-B291-2AD6719F7F65}"/>
+                <a16:creationId xmlns:a16="http://schemas.microsoft.com/office/drawing/2014/main" id="{BA76D43D-E9E6-4973-86FB-A0C0E8CA5840}"/>
               </a:ext>
             </a:extLst>
           </p:cNvPr>
@@ -13283,7 +13685,7 @@
             <a:spLocks noGrp="1"/>
           </p:cNvSpPr>
           <p:nvPr>
-            <p:ph type="title"/>
+            <p:ph type="sldNum" sz="quarter" idx="12"/>
           </p:nvPr>
         </p:nvSpPr>
         <p:spPr/>
@@ -13291,23 +13693,368 @@
           <a:bodyPr/>
           <a:lstStyle/>
           <a:p>
-            <a:r>
-              <a:rPr lang="en-GB" b="1" dirty="0"/>
-              <a:t>MERCI</a:t>
-            </a:r>
-            <a:r>
-              <a:rPr lang="en-GB" dirty="0"/>
-              <a:t> DE VOTRE ATTENTION</a:t>
-            </a:r>
-          </a:p>
-        </p:txBody>
-      </p:sp>
-      <p:sp>
-        <p:nvSpPr>
-          <p:cNvPr id="5" name="Espace réservé du numéro de diapositive 2">
+            <a:fld id="{22EBEF4F-4056-4A7E-9612-F3E8B502E28B}" type="slidenum">
+              <a:rPr lang="fr-FR" smtClean="0"/>
+              <a:t>10</a:t>
+            </a:fld>
+            <a:endParaRPr lang="fr-FR"/>
+          </a:p>
+        </p:txBody>
+      </p:sp>
+      <p:pic>
+        <p:nvPicPr>
+          <p:cNvPr id="3" name="Image 2">
             <a:extLst>
               <a:ext uri="{FF2B5EF4-FFF2-40B4-BE49-F238E27FC236}">
-                <a16:creationId xmlns:a16="http://schemas.microsoft.com/office/drawing/2014/main" id="{3D1D1AB8-7851-4721-BE32-CE6F1CBEFB5E}"/>
+                <a16:creationId xmlns:a16="http://schemas.microsoft.com/office/drawing/2014/main" id="{66A40E63-FD57-480C-9246-026C3DDB37B4}"/>
+              </a:ext>
+            </a:extLst>
+          </p:cNvPr>
+          <p:cNvPicPr>
+            <a:picLocks noChangeAspect="1"/>
+          </p:cNvPicPr>
+          <p:nvPr/>
+        </p:nvPicPr>
+        <p:blipFill>
+          <a:blip r:embed="rId2"/>
+          <a:stretch>
+            <a:fillRect/>
+          </a:stretch>
+        </p:blipFill>
+        <p:spPr>
+          <a:xfrm>
+            <a:off x="-685800" y="1408176"/>
+            <a:ext cx="13429660" cy="5376672"/>
+          </a:xfrm>
+          <a:prstGeom prst="rect">
+            <a:avLst/>
+          </a:prstGeom>
+        </p:spPr>
+      </p:pic>
+      <p:pic>
+        <p:nvPicPr>
+          <p:cNvPr id="4" name="Picture 2" descr="Logo seattle">
+            <a:hlinkClick r:id="rId3"/>
+            <a:extLst>
+              <a:ext uri="{FF2B5EF4-FFF2-40B4-BE49-F238E27FC236}">
+                <a16:creationId xmlns:a16="http://schemas.microsoft.com/office/drawing/2014/main" id="{BBE47828-55FA-410A-A72A-DB5CC9215E33}"/>
+              </a:ext>
+            </a:extLst>
+          </p:cNvPr>
+          <p:cNvPicPr>
+            <a:picLocks noChangeAspect="1" noChangeArrowheads="1"/>
+          </p:cNvPicPr>
+          <p:nvPr/>
+        </p:nvPicPr>
+        <p:blipFill>
+          <a:blip r:embed="rId4">
+            <a:extLst>
+              <a:ext uri="{28A0092B-C50C-407E-A947-70E740481C1C}">
+                <a14:useLocalDpi xmlns:a14="http://schemas.microsoft.com/office/drawing/2010/main" val="0"/>
+              </a:ext>
+            </a:extLst>
+          </a:blip>
+          <a:srcRect/>
+          <a:stretch>
+            <a:fillRect/>
+          </a:stretch>
+        </p:blipFill>
+        <p:spPr bwMode="auto">
+          <a:xfrm>
+            <a:off x="0" y="0"/>
+            <a:ext cx="2895600" cy="1326185"/>
+          </a:xfrm>
+          <a:prstGeom prst="rect">
+            <a:avLst/>
+          </a:prstGeom>
+          <a:noFill/>
+          <a:extLst>
+            <a:ext uri="{909E8E84-426E-40DD-AFC4-6F175D3DCCD1}">
+              <a14:hiddenFill xmlns:a14="http://schemas.microsoft.com/office/drawing/2010/main">
+                <a:solidFill>
+                  <a:srgbClr val="FFFFFF"/>
+                </a:solidFill>
+              </a14:hiddenFill>
+            </a:ext>
+          </a:extLst>
+        </p:spPr>
+      </p:pic>
+    </p:spTree>
+    <p:extLst>
+      <p:ext uri="{BB962C8B-B14F-4D97-AF65-F5344CB8AC3E}">
+        <p14:creationId xmlns:p14="http://schemas.microsoft.com/office/powerpoint/2010/main" val="1713446242"/>
+      </p:ext>
+    </p:extLst>
+  </p:cSld>
+  <p:clrMapOvr>
+    <a:masterClrMapping/>
+  </p:clrMapOvr>
+</p:sld>
+</file>
+
+<file path=ppt/slides/slide11.xml><?xml version="1.0" encoding="utf-8"?>
+<p:sld xmlns:a="http://schemas.openxmlformats.org/drawingml/2006/main" xmlns:r="http://schemas.openxmlformats.org/officeDocument/2006/relationships" xmlns:p="http://schemas.openxmlformats.org/presentationml/2006/main">
+  <p:cSld>
+    <p:spTree>
+      <p:nvGrpSpPr>
+        <p:cNvPr id="1" name=""/>
+        <p:cNvGrpSpPr/>
+        <p:nvPr/>
+      </p:nvGrpSpPr>
+      <p:grpSpPr>
+        <a:xfrm>
+          <a:off x="0" y="0"/>
+          <a:ext cx="0" cy="0"/>
+          <a:chOff x="0" y="0"/>
+          <a:chExt cx="0" cy="0"/>
+        </a:xfrm>
+      </p:grpSpPr>
+      <p:sp>
+        <p:nvSpPr>
+          <p:cNvPr id="4" name="Espace réservé du numéro de diapositive 3">
+            <a:extLst>
+              <a:ext uri="{FF2B5EF4-FFF2-40B4-BE49-F238E27FC236}">
+                <a16:creationId xmlns:a16="http://schemas.microsoft.com/office/drawing/2014/main" id="{6887C044-DB33-442A-960E-EF4552994B96}"/>
+              </a:ext>
+            </a:extLst>
+          </p:cNvPr>
+          <p:cNvSpPr>
+            <a:spLocks noGrp="1"/>
+          </p:cNvSpPr>
+          <p:nvPr>
+            <p:ph type="sldNum" sz="quarter" idx="12"/>
+          </p:nvPr>
+        </p:nvSpPr>
+        <p:spPr/>
+        <p:txBody>
+          <a:bodyPr/>
+          <a:lstStyle/>
+          <a:p>
+            <a:fld id="{22EBEF4F-4056-4A7E-9612-F3E8B502E28B}" type="slidenum">
+              <a:rPr lang="fr-FR" smtClean="0"/>
+              <a:t>11</a:t>
+            </a:fld>
+            <a:endParaRPr lang="fr-FR"/>
+          </a:p>
+        </p:txBody>
+      </p:sp>
+      <p:pic>
+        <p:nvPicPr>
+          <p:cNvPr id="10" name="Espace réservé du contenu 9">
+            <a:extLst>
+              <a:ext uri="{FF2B5EF4-FFF2-40B4-BE49-F238E27FC236}">
+                <a16:creationId xmlns:a16="http://schemas.microsoft.com/office/drawing/2014/main" id="{D164E750-4FCF-48BC-BD8E-1C3507C7F80D}"/>
+              </a:ext>
+            </a:extLst>
+          </p:cNvPr>
+          <p:cNvPicPr>
+            <a:picLocks noGrp="1" noChangeAspect="1"/>
+          </p:cNvPicPr>
+          <p:nvPr>
+            <p:ph idx="1"/>
+          </p:nvPr>
+        </p:nvPicPr>
+        <p:blipFill>
+          <a:blip r:embed="rId2">
+            <a:extLst>
+              <a:ext uri="{28A0092B-C50C-407E-A947-70E740481C1C}">
+                <a14:useLocalDpi xmlns:a14="http://schemas.microsoft.com/office/drawing/2010/main" val="0"/>
+              </a:ext>
+            </a:extLst>
+          </a:blip>
+          <a:stretch>
+            <a:fillRect/>
+          </a:stretch>
+        </p:blipFill>
+        <p:spPr>
+          <a:xfrm>
+            <a:off x="2874264" y="1504918"/>
+            <a:ext cx="5888736" cy="5888736"/>
+          </a:xfrm>
+        </p:spPr>
+      </p:pic>
+      <p:sp>
+        <p:nvSpPr>
+          <p:cNvPr id="11" name="Titre 1">
+            <a:extLst>
+              <a:ext uri="{FF2B5EF4-FFF2-40B4-BE49-F238E27FC236}">
+                <a16:creationId xmlns:a16="http://schemas.microsoft.com/office/drawing/2014/main" id="{9C73B52C-B939-45ED-B6AB-929F9DB0878D}"/>
+              </a:ext>
+            </a:extLst>
+          </p:cNvPr>
+          <p:cNvSpPr>
+            <a:spLocks noGrp="1"/>
+          </p:cNvSpPr>
+          <p:nvPr>
+            <p:ph type="title"/>
+          </p:nvPr>
+        </p:nvSpPr>
+        <p:spPr>
+          <a:xfrm>
+            <a:off x="2612136" y="0"/>
+            <a:ext cx="8610600" cy="1293028"/>
+          </a:xfrm>
+        </p:spPr>
+        <p:txBody>
+          <a:bodyPr/>
+          <a:lstStyle/>
+          <a:p>
+            <a:r>
+              <a:rPr lang="fr-FR" b="1" dirty="0"/>
+              <a:t>Variable dispensable ?</a:t>
+            </a:r>
+          </a:p>
+        </p:txBody>
+      </p:sp>
+      <p:pic>
+        <p:nvPicPr>
+          <p:cNvPr id="12" name="Picture 2" descr="Logo seattle">
+            <a:hlinkClick r:id="rId3"/>
+            <a:extLst>
+              <a:ext uri="{FF2B5EF4-FFF2-40B4-BE49-F238E27FC236}">
+                <a16:creationId xmlns:a16="http://schemas.microsoft.com/office/drawing/2014/main" id="{66EBECDD-9E08-4FBF-91D8-A6B3AF9C3CD9}"/>
+              </a:ext>
+            </a:extLst>
+          </p:cNvPr>
+          <p:cNvPicPr>
+            <a:picLocks noChangeAspect="1" noChangeArrowheads="1"/>
+          </p:cNvPicPr>
+          <p:nvPr/>
+        </p:nvPicPr>
+        <p:blipFill>
+          <a:blip r:embed="rId4">
+            <a:extLst>
+              <a:ext uri="{28A0092B-C50C-407E-A947-70E740481C1C}">
+                <a14:useLocalDpi xmlns:a14="http://schemas.microsoft.com/office/drawing/2010/main" val="0"/>
+              </a:ext>
+            </a:extLst>
+          </a:blip>
+          <a:srcRect/>
+          <a:stretch>
+            <a:fillRect/>
+          </a:stretch>
+        </p:blipFill>
+        <p:spPr bwMode="auto">
+          <a:xfrm>
+            <a:off x="0" y="0"/>
+            <a:ext cx="2895600" cy="1326185"/>
+          </a:xfrm>
+          <a:prstGeom prst="rect">
+            <a:avLst/>
+          </a:prstGeom>
+          <a:noFill/>
+          <a:extLst>
+            <a:ext uri="{909E8E84-426E-40DD-AFC4-6F175D3DCCD1}">
+              <a14:hiddenFill xmlns:a14="http://schemas.microsoft.com/office/drawing/2010/main">
+                <a:solidFill>
+                  <a:srgbClr val="FFFFFF"/>
+                </a:solidFill>
+              </a14:hiddenFill>
+            </a:ext>
+          </a:extLst>
+        </p:spPr>
+      </p:pic>
+    </p:spTree>
+    <p:extLst>
+      <p:ext uri="{BB962C8B-B14F-4D97-AF65-F5344CB8AC3E}">
+        <p14:creationId xmlns:p14="http://schemas.microsoft.com/office/powerpoint/2010/main" val="900079203"/>
+      </p:ext>
+    </p:extLst>
+  </p:cSld>
+  <p:clrMapOvr>
+    <a:masterClrMapping/>
+  </p:clrMapOvr>
+</p:sld>
+</file>
+
+<file path=ppt/slides/slide12.xml><?xml version="1.0" encoding="utf-8"?>
+<p:sld xmlns:a="http://schemas.openxmlformats.org/drawingml/2006/main" xmlns:r="http://schemas.openxmlformats.org/officeDocument/2006/relationships" xmlns:p="http://schemas.openxmlformats.org/presentationml/2006/main">
+  <p:cSld>
+    <p:spTree>
+      <p:nvGrpSpPr>
+        <p:cNvPr id="1" name=""/>
+        <p:cNvGrpSpPr/>
+        <p:nvPr/>
+      </p:nvGrpSpPr>
+      <p:grpSpPr>
+        <a:xfrm>
+          <a:off x="0" y="0"/>
+          <a:ext cx="0" cy="0"/>
+          <a:chOff x="0" y="0"/>
+          <a:chExt cx="0" cy="0"/>
+        </a:xfrm>
+      </p:grpSpPr>
+      <p:sp>
+        <p:nvSpPr>
+          <p:cNvPr id="2" name="Espace réservé du numéro de diapositive 1">
+            <a:extLst>
+              <a:ext uri="{FF2B5EF4-FFF2-40B4-BE49-F238E27FC236}">
+                <a16:creationId xmlns:a16="http://schemas.microsoft.com/office/drawing/2014/main" id="{2F448823-6778-4B94-A0FD-B9CD54F6431F}"/>
+              </a:ext>
+            </a:extLst>
+          </p:cNvPr>
+          <p:cNvSpPr>
+            <a:spLocks noGrp="1"/>
+          </p:cNvSpPr>
+          <p:nvPr>
+            <p:ph type="sldNum" sz="quarter" idx="12"/>
+          </p:nvPr>
+        </p:nvSpPr>
+        <p:spPr/>
+        <p:txBody>
+          <a:bodyPr/>
+          <a:lstStyle/>
+          <a:p>
+            <a:fld id="{22EBEF4F-4056-4A7E-9612-F3E8B502E28B}" type="slidenum">
+              <a:rPr lang="fr-FR" smtClean="0"/>
+              <a:t>12</a:t>
+            </a:fld>
+            <a:endParaRPr lang="fr-FR"/>
+          </a:p>
+        </p:txBody>
+      </p:sp>
+      <p:pic>
+        <p:nvPicPr>
+          <p:cNvPr id="4" name="Image 3">
+            <a:extLst>
+              <a:ext uri="{FF2B5EF4-FFF2-40B4-BE49-F238E27FC236}">
+                <a16:creationId xmlns:a16="http://schemas.microsoft.com/office/drawing/2014/main" id="{683AC8F4-1249-42D2-A0B9-C7253347CAB4}"/>
+              </a:ext>
+            </a:extLst>
+          </p:cNvPr>
+          <p:cNvPicPr>
+            <a:picLocks noChangeAspect="1"/>
+          </p:cNvPicPr>
+          <p:nvPr/>
+        </p:nvPicPr>
+        <p:blipFill>
+          <a:blip r:embed="rId2">
+            <a:extLst>
+              <a:ext uri="{28A0092B-C50C-407E-A947-70E740481C1C}">
+                <a14:useLocalDpi xmlns:a14="http://schemas.microsoft.com/office/drawing/2010/main" val="0"/>
+              </a:ext>
+            </a:extLst>
+          </a:blip>
+          <a:stretch>
+            <a:fillRect/>
+          </a:stretch>
+        </p:blipFill>
+        <p:spPr>
+          <a:xfrm>
+            <a:off x="891814" y="1370350"/>
+            <a:ext cx="10975300" cy="5487650"/>
+          </a:xfrm>
+          <a:prstGeom prst="rect">
+            <a:avLst/>
+          </a:prstGeom>
+        </p:spPr>
+      </p:pic>
+      <p:sp>
+        <p:nvSpPr>
+          <p:cNvPr id="5" name="Titre 1">
+            <a:extLst>
+              <a:ext uri="{FF2B5EF4-FFF2-40B4-BE49-F238E27FC236}">
+                <a16:creationId xmlns:a16="http://schemas.microsoft.com/office/drawing/2014/main" id="{0142C57C-E222-45E2-9C8E-A467ABE9BD01}"/>
               </a:ext>
             </a:extLst>
           </p:cNvPr>
@@ -13318,7 +14065,615 @@
         </p:nvSpPr>
         <p:spPr>
           <a:xfrm>
-            <a:off x="11412867" y="165878"/>
+            <a:off x="2621280" y="0"/>
+            <a:ext cx="8610600" cy="1293028"/>
+          </a:xfrm>
+          <a:prstGeom prst="rect">
+            <a:avLst/>
+          </a:prstGeom>
+        </p:spPr>
+        <p:txBody>
+          <a:bodyPr/>
+          <a:lstStyle>
+            <a:lvl1pPr algn="r" defTabSz="914400" rtl="0" eaLnBrk="1" latinLnBrk="0" hangingPunct="1">
+              <a:lnSpc>
+                <a:spcPct val="90000"/>
+              </a:lnSpc>
+              <a:spcBef>
+                <a:spcPct val="0"/>
+              </a:spcBef>
+              <a:buNone/>
+              <a:defRPr sz="4000" kern="1200" cap="all" baseline="0">
+                <a:solidFill>
+                  <a:schemeClr val="tx1"/>
+                </a:solidFill>
+                <a:latin typeface="+mj-lt"/>
+                <a:ea typeface="+mj-ea"/>
+                <a:cs typeface="+mj-cs"/>
+              </a:defRPr>
+            </a:lvl1pPr>
+          </a:lstStyle>
+          <a:p>
+            <a:r>
+              <a:rPr lang="fr-FR" b="1" dirty="0"/>
+              <a:t>Compromis</a:t>
+            </a:r>
+          </a:p>
+          <a:p>
+            <a:r>
+              <a:rPr lang="fr-FR" b="1" dirty="0"/>
+              <a:t>performances / ressources</a:t>
+            </a:r>
+          </a:p>
+        </p:txBody>
+      </p:sp>
+      <p:pic>
+        <p:nvPicPr>
+          <p:cNvPr id="6" name="Picture 2" descr="Logo seattle">
+            <a:hlinkClick r:id="rId3"/>
+            <a:extLst>
+              <a:ext uri="{FF2B5EF4-FFF2-40B4-BE49-F238E27FC236}">
+                <a16:creationId xmlns:a16="http://schemas.microsoft.com/office/drawing/2014/main" id="{4C443565-FA60-4825-B706-A39CEC630AC8}"/>
+              </a:ext>
+            </a:extLst>
+          </p:cNvPr>
+          <p:cNvPicPr>
+            <a:picLocks noChangeAspect="1" noChangeArrowheads="1"/>
+          </p:cNvPicPr>
+          <p:nvPr/>
+        </p:nvPicPr>
+        <p:blipFill>
+          <a:blip r:embed="rId4">
+            <a:extLst>
+              <a:ext uri="{28A0092B-C50C-407E-A947-70E740481C1C}">
+                <a14:useLocalDpi xmlns:a14="http://schemas.microsoft.com/office/drawing/2010/main" val="0"/>
+              </a:ext>
+            </a:extLst>
+          </a:blip>
+          <a:srcRect/>
+          <a:stretch>
+            <a:fillRect/>
+          </a:stretch>
+        </p:blipFill>
+        <p:spPr bwMode="auto">
+          <a:xfrm>
+            <a:off x="0" y="0"/>
+            <a:ext cx="2895600" cy="1326185"/>
+          </a:xfrm>
+          <a:prstGeom prst="rect">
+            <a:avLst/>
+          </a:prstGeom>
+          <a:noFill/>
+          <a:extLst>
+            <a:ext uri="{909E8E84-426E-40DD-AFC4-6F175D3DCCD1}">
+              <a14:hiddenFill xmlns:a14="http://schemas.microsoft.com/office/drawing/2010/main">
+                <a:solidFill>
+                  <a:srgbClr val="FFFFFF"/>
+                </a:solidFill>
+              </a14:hiddenFill>
+            </a:ext>
+          </a:extLst>
+        </p:spPr>
+      </p:pic>
+    </p:spTree>
+    <p:extLst>
+      <p:ext uri="{BB962C8B-B14F-4D97-AF65-F5344CB8AC3E}">
+        <p14:creationId xmlns:p14="http://schemas.microsoft.com/office/powerpoint/2010/main" val="2373500914"/>
+      </p:ext>
+    </p:extLst>
+  </p:cSld>
+  <p:clrMapOvr>
+    <a:masterClrMapping/>
+  </p:clrMapOvr>
+</p:sld>
+</file>
+
+<file path=ppt/slides/slide13.xml><?xml version="1.0" encoding="utf-8"?>
+<p:sld xmlns:a="http://schemas.openxmlformats.org/drawingml/2006/main" xmlns:r="http://schemas.openxmlformats.org/officeDocument/2006/relationships" xmlns:p="http://schemas.openxmlformats.org/presentationml/2006/main">
+  <p:cSld>
+    <p:spTree>
+      <p:nvGrpSpPr>
+        <p:cNvPr id="1" name=""/>
+        <p:cNvGrpSpPr/>
+        <p:nvPr/>
+      </p:nvGrpSpPr>
+      <p:grpSpPr>
+        <a:xfrm>
+          <a:off x="0" y="0"/>
+          <a:ext cx="0" cy="0"/>
+          <a:chOff x="0" y="0"/>
+          <a:chExt cx="0" cy="0"/>
+        </a:xfrm>
+      </p:grpSpPr>
+      <p:sp>
+        <p:nvSpPr>
+          <p:cNvPr id="2" name="Espace réservé du numéro de diapositive 1">
+            <a:extLst>
+              <a:ext uri="{FF2B5EF4-FFF2-40B4-BE49-F238E27FC236}">
+                <a16:creationId xmlns:a16="http://schemas.microsoft.com/office/drawing/2014/main" id="{A496A25A-81AF-49B9-9215-9A4205336B3D}"/>
+              </a:ext>
+            </a:extLst>
+          </p:cNvPr>
+          <p:cNvSpPr>
+            <a:spLocks noGrp="1"/>
+          </p:cNvSpPr>
+          <p:nvPr>
+            <p:ph type="sldNum" sz="quarter" idx="12"/>
+          </p:nvPr>
+        </p:nvSpPr>
+        <p:spPr/>
+        <p:txBody>
+          <a:bodyPr/>
+          <a:lstStyle/>
+          <a:p>
+            <a:fld id="{22EBEF4F-4056-4A7E-9612-F3E8B502E28B}" type="slidenum">
+              <a:rPr lang="fr-FR" smtClean="0"/>
+              <a:t>13</a:t>
+            </a:fld>
+            <a:endParaRPr lang="fr-FR" dirty="0"/>
+          </a:p>
+        </p:txBody>
+      </p:sp>
+      <p:pic>
+        <p:nvPicPr>
+          <p:cNvPr id="4" name="Image 3">
+            <a:extLst>
+              <a:ext uri="{FF2B5EF4-FFF2-40B4-BE49-F238E27FC236}">
+                <a16:creationId xmlns:a16="http://schemas.microsoft.com/office/drawing/2014/main" id="{25172B14-2BDA-4E4A-8E06-8AD5F83757CE}"/>
+              </a:ext>
+            </a:extLst>
+          </p:cNvPr>
+          <p:cNvPicPr>
+            <a:picLocks noChangeAspect="1"/>
+          </p:cNvPicPr>
+          <p:nvPr/>
+        </p:nvPicPr>
+        <p:blipFill>
+          <a:blip r:embed="rId2">
+            <a:extLst>
+              <a:ext uri="{28A0092B-C50C-407E-A947-70E740481C1C}">
+                <a14:useLocalDpi xmlns:a14="http://schemas.microsoft.com/office/drawing/2010/main" val="0"/>
+              </a:ext>
+            </a:extLst>
+          </a:blip>
+          <a:stretch>
+            <a:fillRect/>
+          </a:stretch>
+        </p:blipFill>
+        <p:spPr>
+          <a:xfrm>
+            <a:off x="18956" y="1417320"/>
+            <a:ext cx="12241531" cy="5440680"/>
+          </a:xfrm>
+          <a:prstGeom prst="rect">
+            <a:avLst/>
+          </a:prstGeom>
+        </p:spPr>
+      </p:pic>
+      <p:sp>
+        <p:nvSpPr>
+          <p:cNvPr id="5" name="Titre 1">
+            <a:extLst>
+              <a:ext uri="{FF2B5EF4-FFF2-40B4-BE49-F238E27FC236}">
+                <a16:creationId xmlns:a16="http://schemas.microsoft.com/office/drawing/2014/main" id="{2EC3C225-7C84-41E3-B1EA-C7F183A5550C}"/>
+              </a:ext>
+            </a:extLst>
+          </p:cNvPr>
+          <p:cNvSpPr txBox="1">
+            <a:spLocks/>
+          </p:cNvSpPr>
+          <p:nvPr/>
+        </p:nvSpPr>
+        <p:spPr>
+          <a:xfrm>
+            <a:off x="2538984" y="310896"/>
+            <a:ext cx="8610600" cy="1293028"/>
+          </a:xfrm>
+          <a:prstGeom prst="rect">
+            <a:avLst/>
+          </a:prstGeom>
+        </p:spPr>
+        <p:txBody>
+          <a:bodyPr/>
+          <a:lstStyle>
+            <a:lvl1pPr algn="r" defTabSz="914400" rtl="0" eaLnBrk="1" latinLnBrk="0" hangingPunct="1">
+              <a:lnSpc>
+                <a:spcPct val="90000"/>
+              </a:lnSpc>
+              <a:spcBef>
+                <a:spcPct val="0"/>
+              </a:spcBef>
+              <a:buNone/>
+              <a:defRPr sz="4000" kern="1200" cap="all" baseline="0">
+                <a:solidFill>
+                  <a:schemeClr val="tx1"/>
+                </a:solidFill>
+                <a:latin typeface="+mj-lt"/>
+                <a:ea typeface="+mj-ea"/>
+                <a:cs typeface="+mj-cs"/>
+              </a:defRPr>
+            </a:lvl1pPr>
+          </a:lstStyle>
+          <a:p>
+            <a:r>
+              <a:rPr lang="fr-FR" b="1" dirty="0"/>
+              <a:t>Plus de données ?</a:t>
+            </a:r>
+          </a:p>
+        </p:txBody>
+      </p:sp>
+      <p:pic>
+        <p:nvPicPr>
+          <p:cNvPr id="6" name="Picture 2" descr="Logo seattle">
+            <a:hlinkClick r:id="rId3"/>
+            <a:extLst>
+              <a:ext uri="{FF2B5EF4-FFF2-40B4-BE49-F238E27FC236}">
+                <a16:creationId xmlns:a16="http://schemas.microsoft.com/office/drawing/2014/main" id="{51750679-1963-4B32-B597-04AAB713B02B}"/>
+              </a:ext>
+            </a:extLst>
+          </p:cNvPr>
+          <p:cNvPicPr>
+            <a:picLocks noChangeAspect="1" noChangeArrowheads="1"/>
+          </p:cNvPicPr>
+          <p:nvPr/>
+        </p:nvPicPr>
+        <p:blipFill>
+          <a:blip r:embed="rId4">
+            <a:extLst>
+              <a:ext uri="{28A0092B-C50C-407E-A947-70E740481C1C}">
+                <a14:useLocalDpi xmlns:a14="http://schemas.microsoft.com/office/drawing/2010/main" val="0"/>
+              </a:ext>
+            </a:extLst>
+          </a:blip>
+          <a:srcRect/>
+          <a:stretch>
+            <a:fillRect/>
+          </a:stretch>
+        </p:blipFill>
+        <p:spPr bwMode="auto">
+          <a:xfrm>
+            <a:off x="0" y="0"/>
+            <a:ext cx="2895600" cy="1326185"/>
+          </a:xfrm>
+          <a:prstGeom prst="rect">
+            <a:avLst/>
+          </a:prstGeom>
+          <a:noFill/>
+          <a:extLst>
+            <a:ext uri="{909E8E84-426E-40DD-AFC4-6F175D3DCCD1}">
+              <a14:hiddenFill xmlns:a14="http://schemas.microsoft.com/office/drawing/2010/main">
+                <a:solidFill>
+                  <a:srgbClr val="FFFFFF"/>
+                </a:solidFill>
+              </a14:hiddenFill>
+            </a:ext>
+          </a:extLst>
+        </p:spPr>
+      </p:pic>
+    </p:spTree>
+    <p:extLst>
+      <p:ext uri="{BB962C8B-B14F-4D97-AF65-F5344CB8AC3E}">
+        <p14:creationId xmlns:p14="http://schemas.microsoft.com/office/powerpoint/2010/main" val="830689105"/>
+      </p:ext>
+    </p:extLst>
+  </p:cSld>
+  <p:clrMapOvr>
+    <a:masterClrMapping/>
+  </p:clrMapOvr>
+</p:sld>
+</file>
+
+<file path=ppt/slides/slide14.xml><?xml version="1.0" encoding="utf-8"?>
+<p:sld xmlns:a="http://schemas.openxmlformats.org/drawingml/2006/main" xmlns:r="http://schemas.openxmlformats.org/officeDocument/2006/relationships" xmlns:p="http://schemas.openxmlformats.org/presentationml/2006/main">
+  <p:cSld>
+    <p:spTree>
+      <p:nvGrpSpPr>
+        <p:cNvPr id="1" name=""/>
+        <p:cNvGrpSpPr/>
+        <p:nvPr/>
+      </p:nvGrpSpPr>
+      <p:grpSpPr>
+        <a:xfrm>
+          <a:off x="0" y="0"/>
+          <a:ext cx="0" cy="0"/>
+          <a:chOff x="0" y="0"/>
+          <a:chExt cx="0" cy="0"/>
+        </a:xfrm>
+      </p:grpSpPr>
+      <p:sp>
+        <p:nvSpPr>
+          <p:cNvPr id="2" name="Titre 1">
+            <a:extLst>
+              <a:ext uri="{FF2B5EF4-FFF2-40B4-BE49-F238E27FC236}">
+                <a16:creationId xmlns:a16="http://schemas.microsoft.com/office/drawing/2014/main" id="{7850C025-007E-4FA0-BD5D-262373463563}"/>
+              </a:ext>
+            </a:extLst>
+          </p:cNvPr>
+          <p:cNvSpPr>
+            <a:spLocks noGrp="1"/>
+          </p:cNvSpPr>
+          <p:nvPr>
+            <p:ph type="title"/>
+          </p:nvPr>
+        </p:nvSpPr>
+        <p:spPr>
+          <a:xfrm>
+            <a:off x="2895600" y="0"/>
+            <a:ext cx="8610600" cy="1293028"/>
+          </a:xfrm>
+        </p:spPr>
+        <p:txBody>
+          <a:bodyPr/>
+          <a:lstStyle/>
+          <a:p>
+            <a:r>
+              <a:rPr lang="fr-FR" b="1" dirty="0"/>
+              <a:t>Pistes d’Améliorations</a:t>
+            </a:r>
+          </a:p>
+        </p:txBody>
+      </p:sp>
+      <p:sp>
+        <p:nvSpPr>
+          <p:cNvPr id="3" name="Espace réservé du contenu 2">
+            <a:extLst>
+              <a:ext uri="{FF2B5EF4-FFF2-40B4-BE49-F238E27FC236}">
+                <a16:creationId xmlns:a16="http://schemas.microsoft.com/office/drawing/2014/main" id="{46474F09-B1B9-454A-9F56-5CA66AE284CF}"/>
+              </a:ext>
+            </a:extLst>
+          </p:cNvPr>
+          <p:cNvSpPr>
+            <a:spLocks noGrp="1"/>
+          </p:cNvSpPr>
+          <p:nvPr>
+            <p:ph idx="1"/>
+          </p:nvPr>
+        </p:nvSpPr>
+        <p:spPr>
+          <a:xfrm>
+            <a:off x="363984" y="1589350"/>
+            <a:ext cx="11691892" cy="4873840"/>
+          </a:xfrm>
+        </p:spPr>
+        <p:txBody>
+          <a:bodyPr>
+            <a:normAutofit fontScale="92500" lnSpcReduction="20000"/>
+          </a:bodyPr>
+          <a:lstStyle/>
+          <a:p>
+            <a:pPr marL="457200" indent="-457200">
+              <a:buAutoNum type="arabicParenR"/>
+            </a:pPr>
+            <a:r>
+              <a:rPr lang="fr-FR" dirty="0"/>
+              <a:t>Algorithmes pour la </a:t>
+            </a:r>
+            <a:r>
+              <a:rPr lang="fr-FR" b="1" dirty="0"/>
+              <a:t>sélection des hyperparamètres </a:t>
+            </a:r>
+            <a:r>
+              <a:rPr lang="fr-FR" dirty="0"/>
+              <a:t>:</a:t>
+            </a:r>
+          </a:p>
+          <a:p>
+            <a:pPr lvl="1"/>
+            <a:r>
+              <a:rPr lang="fr-FR" dirty="0"/>
+              <a:t>optimisation bayésienne (</a:t>
+            </a:r>
+            <a:r>
+              <a:rPr lang="fr-FR" dirty="0" err="1"/>
+              <a:t>skopt</a:t>
+            </a:r>
+            <a:r>
+              <a:rPr lang="fr-FR" dirty="0"/>
+              <a:t>)</a:t>
+            </a:r>
+          </a:p>
+          <a:p>
+            <a:pPr lvl="1"/>
+            <a:r>
+              <a:rPr lang="fr-FR" dirty="0"/>
+              <a:t>algorithmes génétiques</a:t>
+            </a:r>
+          </a:p>
+          <a:p>
+            <a:pPr lvl="1"/>
+            <a:r>
+              <a:rPr lang="fr-FR" dirty="0"/>
+              <a:t>estimateurs de </a:t>
+            </a:r>
+            <a:r>
+              <a:rPr lang="fr-FR" dirty="0" err="1"/>
+              <a:t>Parzen</a:t>
+            </a:r>
+            <a:r>
+              <a:rPr lang="fr-FR" dirty="0"/>
+              <a:t> (TPE, </a:t>
+            </a:r>
+            <a:r>
+              <a:rPr lang="fr-FR" dirty="0" err="1"/>
+              <a:t>hyperopt</a:t>
+            </a:r>
+            <a:r>
+              <a:rPr lang="fr-FR" dirty="0"/>
+              <a:t>)</a:t>
+            </a:r>
+          </a:p>
+          <a:p>
+            <a:pPr marL="457200" lvl="1" indent="0">
+              <a:buNone/>
+            </a:pPr>
+            <a:endParaRPr lang="fr-FR" sz="2200" dirty="0"/>
+          </a:p>
+          <a:p>
+            <a:pPr marL="457200" indent="-457200">
+              <a:buFont typeface="Arial" panose="020B0604020202020204" pitchFamily="34" charset="0"/>
+              <a:buAutoNum type="arabicParenR"/>
+            </a:pPr>
+            <a:r>
+              <a:rPr lang="fr-FR" dirty="0"/>
+              <a:t>Essayer d'autres méthodes de </a:t>
+            </a:r>
+            <a:r>
+              <a:rPr lang="fr-FR" b="1" i="1" dirty="0" err="1"/>
+              <a:t>boosting</a:t>
+            </a:r>
+            <a:r>
+              <a:rPr lang="fr-FR" dirty="0"/>
+              <a:t> :</a:t>
+            </a:r>
+          </a:p>
+          <a:p>
+            <a:pPr lvl="1"/>
+            <a:r>
+              <a:rPr lang="fr-FR" dirty="0" err="1"/>
+              <a:t>XGBoost</a:t>
+            </a:r>
+            <a:endParaRPr lang="fr-FR" dirty="0"/>
+          </a:p>
+          <a:p>
+            <a:pPr lvl="1"/>
+            <a:r>
+              <a:rPr lang="fr-FR" dirty="0" err="1"/>
+              <a:t>CatBoost</a:t>
+            </a:r>
+            <a:endParaRPr lang="fr-FR" dirty="0"/>
+          </a:p>
+          <a:p>
+            <a:pPr lvl="1"/>
+            <a:r>
+              <a:rPr lang="fr-FR" dirty="0" err="1"/>
+              <a:t>LightGBM</a:t>
+            </a:r>
+            <a:br>
+              <a:rPr lang="fr-FR" dirty="0"/>
+            </a:br>
+            <a:endParaRPr lang="fr-FR" dirty="0"/>
+          </a:p>
+          <a:p>
+            <a:pPr marL="457200" lvl="1" indent="-457200">
+              <a:spcBef>
+                <a:spcPts val="1000"/>
+              </a:spcBef>
+              <a:buFont typeface="+mj-lt"/>
+              <a:buAutoNum type="arabicParenR" startAt="3"/>
+            </a:pPr>
+            <a:r>
+              <a:rPr lang="fr-FR" sz="2200" dirty="0"/>
+              <a:t>Approfondir les essais sur les </a:t>
+            </a:r>
+            <a:r>
+              <a:rPr lang="fr-FR" sz="2200" b="1" dirty="0"/>
+              <a:t>réseaux de neurones</a:t>
+            </a:r>
+            <a:r>
+              <a:rPr lang="fr-FR" sz="2200" dirty="0"/>
+              <a:t> :</a:t>
+            </a:r>
+          </a:p>
+          <a:p>
+            <a:pPr lvl="1"/>
+            <a:r>
+              <a:rPr lang="fr-FR" sz="2100" dirty="0"/>
+              <a:t>essayer une régularisation (dropout, etc.)</a:t>
+            </a:r>
+          </a:p>
+          <a:p>
+            <a:pPr lvl="1"/>
+            <a:r>
+              <a:rPr lang="fr-FR" sz="2100" dirty="0"/>
+              <a:t>optimisation des hyperparamètres : </a:t>
+            </a:r>
+            <a:r>
+              <a:rPr lang="fr-FR" sz="1900" dirty="0"/>
+              <a:t>nb de couches, d’unités, vitesse d’apprentissage, taux de dropout…</a:t>
+            </a:r>
+          </a:p>
+          <a:p>
+            <a:pPr lvl="1"/>
+            <a:endParaRPr lang="fr-FR" sz="1900" dirty="0"/>
+          </a:p>
+          <a:p>
+            <a:pPr marL="457200" lvl="1" indent="-457200">
+              <a:spcBef>
+                <a:spcPts val="1000"/>
+              </a:spcBef>
+              <a:buFont typeface="+mj-lt"/>
+              <a:buAutoNum type="arabicParenR" startAt="4"/>
+            </a:pPr>
+            <a:r>
+              <a:rPr lang="fr-FR" sz="2200" dirty="0"/>
+              <a:t>Améliorer le processus d’</a:t>
+            </a:r>
+            <a:r>
+              <a:rPr lang="fr-FR" sz="2200" b="1" dirty="0"/>
+              <a:t>hybridation</a:t>
+            </a:r>
+            <a:r>
+              <a:rPr lang="fr-FR" sz="2200" dirty="0"/>
+              <a:t> (</a:t>
+            </a:r>
+            <a:r>
+              <a:rPr lang="fr-FR" sz="2200" i="1" dirty="0"/>
+              <a:t>modèle </a:t>
+            </a:r>
+            <a:r>
+              <a:rPr lang="fr-FR" sz="2200" i="1" dirty="0" err="1"/>
+              <a:t>stacking</a:t>
+            </a:r>
+            <a:r>
+              <a:rPr lang="fr-FR" sz="2200" dirty="0"/>
+              <a:t>)</a:t>
+            </a:r>
+          </a:p>
+          <a:p>
+            <a:pPr lvl="1">
+              <a:lnSpc>
+                <a:spcPct val="80000"/>
+              </a:lnSpc>
+            </a:pPr>
+            <a:r>
+              <a:rPr lang="fr-FR" dirty="0"/>
+              <a:t>validation croisée imbriquée pour compenser le problème de taille des données</a:t>
+            </a:r>
+          </a:p>
+          <a:p>
+            <a:pPr lvl="1">
+              <a:lnSpc>
+                <a:spcPct val="80000"/>
+              </a:lnSpc>
+            </a:pPr>
+            <a:r>
+              <a:rPr lang="fr-FR" dirty="0"/>
+              <a:t>sélection du méta-modèle (moyenne pondérée, forêt, etc.)</a:t>
+            </a:r>
+          </a:p>
+          <a:p>
+            <a:pPr lvl="1"/>
+            <a:endParaRPr lang="fr-FR" sz="1900" dirty="0"/>
+          </a:p>
+        </p:txBody>
+      </p:sp>
+      <p:sp>
+        <p:nvSpPr>
+          <p:cNvPr id="5" name="Espace réservé du numéro de diapositive 2">
+            <a:extLst>
+              <a:ext uri="{FF2B5EF4-FFF2-40B4-BE49-F238E27FC236}">
+                <a16:creationId xmlns:a16="http://schemas.microsoft.com/office/drawing/2014/main" id="{5FD0754F-2D60-4FA5-A704-EFCE0FF46133}"/>
+              </a:ext>
+            </a:extLst>
+          </p:cNvPr>
+          <p:cNvSpPr txBox="1">
+            <a:spLocks/>
+          </p:cNvSpPr>
+          <p:nvPr/>
+        </p:nvSpPr>
+        <p:spPr>
+          <a:xfrm>
+            <a:off x="11184326" y="394810"/>
             <a:ext cx="643748" cy="365125"/>
           </a:xfrm>
           <a:prstGeom prst="rect">
@@ -13428,7 +14783,7 @@
             <a:fld id="{22EBEF4F-4056-4A7E-9612-F3E8B502E28B}" type="slidenum">
               <a:rPr lang="fr-FR" sz="1600" b="1" smtClean="0"/>
               <a:pPr/>
-              <a:t>10</a:t>
+              <a:t>14</a:t>
             </a:fld>
             <a:endParaRPr lang="fr-FR" sz="1600" b="1" dirty="0"/>
           </a:p>
@@ -13436,11 +14791,11 @@
       </p:sp>
       <p:pic>
         <p:nvPicPr>
-          <p:cNvPr id="7" name="Picture 2" descr="Logo seattle">
+          <p:cNvPr id="6" name="Picture 2" descr="Logo seattle">
             <a:hlinkClick r:id="rId2"/>
             <a:extLst>
               <a:ext uri="{FF2B5EF4-FFF2-40B4-BE49-F238E27FC236}">
-                <a16:creationId xmlns:a16="http://schemas.microsoft.com/office/drawing/2014/main" id="{66AA73F2-622F-4C68-9B49-D36B2110457B}"/>
+                <a16:creationId xmlns:a16="http://schemas.microsoft.com/office/drawing/2014/main" id="{689E9768-C673-4714-A022-EABB64687512}"/>
               </a:ext>
             </a:extLst>
           </p:cNvPr>
@@ -13465,7 +14820,7 @@
         <p:spPr bwMode="auto">
           <a:xfrm>
             <a:off x="0" y="0"/>
-            <a:ext cx="4762500" cy="2181225"/>
+            <a:ext cx="2895600" cy="1326185"/>
           </a:xfrm>
           <a:prstGeom prst="rect">
             <a:avLst/>
@@ -13485,7 +14840,7 @@
     </p:spTree>
     <p:extLst>
       <p:ext uri="{BB962C8B-B14F-4D97-AF65-F5344CB8AC3E}">
-        <p14:creationId xmlns:p14="http://schemas.microsoft.com/office/powerpoint/2010/main" val="3559895393"/>
+        <p14:creationId xmlns:p14="http://schemas.microsoft.com/office/powerpoint/2010/main" val="3717688176"/>
       </p:ext>
     </p:extLst>
   </p:cSld>
@@ -13495,7 +14850,7 @@
 </p:sld>
 </file>
 
-<file path=ppt/slides/slide2.xml><?xml version="1.0" encoding="utf-8"?>
+<file path=ppt/slides/slide15.xml><?xml version="1.0" encoding="utf-8"?>
 <p:sld xmlns:a="http://schemas.openxmlformats.org/drawingml/2006/main" xmlns:r="http://schemas.openxmlformats.org/officeDocument/2006/relationships" xmlns:p="http://schemas.openxmlformats.org/presentationml/2006/main">
   <p:cSld>
     <p:spTree>
@@ -13517,7 +14872,7 @@
           <p:cNvPr id="2" name="Titre 1">
             <a:extLst>
               <a:ext uri="{FF2B5EF4-FFF2-40B4-BE49-F238E27FC236}">
-                <a16:creationId xmlns:a16="http://schemas.microsoft.com/office/drawing/2014/main" id="{859271E4-0F1C-49A2-A674-5837229DC44E}"/>
+                <a16:creationId xmlns:a16="http://schemas.microsoft.com/office/drawing/2014/main" id="{964011A4-8F80-4EB8-891E-8BB51852960E}"/>
               </a:ext>
             </a:extLst>
           </p:cNvPr>
@@ -13525,1467 +14880,30 @@
             <a:spLocks noGrp="1"/>
           </p:cNvSpPr>
           <p:nvPr>
-            <p:ph type="ctrTitle"/>
-          </p:nvPr>
-        </p:nvSpPr>
-        <p:spPr>
-          <a:xfrm>
-            <a:off x="1371600" y="1917576"/>
-            <a:ext cx="9448800" cy="2388093"/>
-          </a:xfrm>
-        </p:spPr>
-        <p:txBody>
-          <a:bodyPr>
-            <a:normAutofit/>
-          </a:bodyPr>
+            <p:ph type="title"/>
+          </p:nvPr>
+        </p:nvSpPr>
+        <p:spPr>
+          <a:xfrm>
+            <a:off x="685800" y="1636295"/>
+            <a:ext cx="10820399" cy="1325615"/>
+          </a:xfrm>
+        </p:spPr>
+        <p:txBody>
+          <a:bodyPr/>
           <a:lstStyle/>
           <a:p>
             <a:r>
-              <a:rPr lang="fr-FR" sz="4400" b="1" cap="small" dirty="0"/>
-              <a:t>Apprentissage statistique</a:t>
+              <a:rPr lang="fr-FR" b="1" dirty="0"/>
+              <a:t>Partie 5 :</a:t>
             </a:r>
             <a:br>
               <a:rPr lang="fr-FR" dirty="0"/>
             </a:br>
-            <a:br>
-              <a:rPr lang="fr-FR" sz="2800" cap="small" dirty="0"/>
-            </a:br>
-            <a:r>
-              <a:rPr lang="fr-FR" sz="2800" cap="small" dirty="0"/>
-              <a:t>Prédire les émissions de CO2 </a:t>
-            </a:r>
-            <a:br>
-              <a:rPr lang="fr-FR" sz="2800" cap="small" dirty="0"/>
-            </a:br>
-            <a:r>
-              <a:rPr lang="fr-FR" sz="2800" cap="small" dirty="0"/>
-              <a:t>et la consommation totale d’énergie</a:t>
-            </a:r>
-            <a:br>
-              <a:rPr lang="fr-FR" sz="2800" cap="small" dirty="0"/>
-            </a:br>
-            <a:r>
-              <a:rPr lang="fr-FR" sz="2800" cap="small" dirty="0"/>
-              <a:t>des bâtiments non destinés à l’habitation</a:t>
-            </a:r>
-          </a:p>
-        </p:txBody>
-      </p:sp>
-      <p:pic>
-        <p:nvPicPr>
-          <p:cNvPr id="4" name="Picture 2" descr="Logo seattle">
-            <a:hlinkClick r:id="rId2"/>
-            <a:extLst>
-              <a:ext uri="{FF2B5EF4-FFF2-40B4-BE49-F238E27FC236}">
-                <a16:creationId xmlns:a16="http://schemas.microsoft.com/office/drawing/2014/main" id="{73A529E2-FC5F-4400-B990-C03EDF8DD8DC}"/>
-              </a:ext>
-            </a:extLst>
-          </p:cNvPr>
-          <p:cNvPicPr>
-            <a:picLocks noChangeAspect="1" noChangeArrowheads="1"/>
-          </p:cNvPicPr>
-          <p:nvPr/>
-        </p:nvPicPr>
-        <p:blipFill>
-          <a:blip r:embed="rId3">
-            <a:extLst>
-              <a:ext uri="{28A0092B-C50C-407E-A947-70E740481C1C}">
-                <a14:useLocalDpi xmlns:a14="http://schemas.microsoft.com/office/drawing/2010/main" val="0"/>
-              </a:ext>
-            </a:extLst>
-          </a:blip>
-          <a:srcRect/>
-          <a:stretch>
-            <a:fillRect/>
-          </a:stretch>
-        </p:blipFill>
-        <p:spPr bwMode="auto">
-          <a:xfrm>
-            <a:off x="7429500" y="0"/>
-            <a:ext cx="4762500" cy="2181225"/>
-          </a:xfrm>
-          <a:prstGeom prst="rect">
-            <a:avLst/>
-          </a:prstGeom>
-          <a:noFill/>
-          <a:extLst>
-            <a:ext uri="{909E8E84-426E-40DD-AFC4-6F175D3DCCD1}">
-              <a14:hiddenFill xmlns:a14="http://schemas.microsoft.com/office/drawing/2010/main">
-                <a:solidFill>
-                  <a:srgbClr val="FFFFFF"/>
-                </a:solidFill>
-              </a14:hiddenFill>
-            </a:ext>
-          </a:extLst>
-        </p:spPr>
-      </p:pic>
-    </p:spTree>
-    <p:extLst>
-      <p:ext uri="{BB962C8B-B14F-4D97-AF65-F5344CB8AC3E}">
-        <p14:creationId xmlns:p14="http://schemas.microsoft.com/office/powerpoint/2010/main" val="2833374160"/>
-      </p:ext>
-    </p:extLst>
-  </p:cSld>
-  <p:clrMapOvr>
-    <a:masterClrMapping/>
-  </p:clrMapOvr>
-</p:sld>
-</file>
-
-<file path=ppt/slides/slide3.xml><?xml version="1.0" encoding="utf-8"?>
-<p:sld xmlns:a="http://schemas.openxmlformats.org/drawingml/2006/main" xmlns:r="http://schemas.openxmlformats.org/officeDocument/2006/relationships" xmlns:p="http://schemas.openxmlformats.org/presentationml/2006/main">
-  <p:cSld>
-    <p:spTree>
-      <p:nvGrpSpPr>
-        <p:cNvPr id="1" name=""/>
-        <p:cNvGrpSpPr/>
-        <p:nvPr/>
-      </p:nvGrpSpPr>
-      <p:grpSpPr>
-        <a:xfrm>
-          <a:off x="0" y="0"/>
-          <a:ext cx="0" cy="0"/>
-          <a:chOff x="0" y="0"/>
-          <a:chExt cx="0" cy="0"/>
-        </a:xfrm>
-      </p:grpSpPr>
-      <p:sp>
-        <p:nvSpPr>
-          <p:cNvPr id="2" name="Title 1">
-            <a:extLst>
-              <a:ext uri="{FF2B5EF4-FFF2-40B4-BE49-F238E27FC236}">
-                <a16:creationId xmlns:a16="http://schemas.microsoft.com/office/drawing/2014/main" id="{5C9A419A-49B0-418E-80CB-42594B300BD2}"/>
-              </a:ext>
-            </a:extLst>
-          </p:cNvPr>
-          <p:cNvSpPr>
-            <a:spLocks noGrp="1"/>
-          </p:cNvSpPr>
-          <p:nvPr>
-            <p:ph type="title"/>
-          </p:nvPr>
-        </p:nvSpPr>
-        <p:spPr>
-          <a:xfrm>
-            <a:off x="685800" y="753533"/>
-            <a:ext cx="10820399" cy="722341"/>
-          </a:xfrm>
-        </p:spPr>
-        <p:txBody>
-          <a:bodyPr/>
-          <a:lstStyle/>
-          <a:p>
-            <a:r>
-              <a:rPr lang="fr-FR" b="1" dirty="0"/>
-              <a:t>Le contexte</a:t>
-            </a:r>
-            <a:endParaRPr lang="en-GB" b="1" dirty="0"/>
-          </a:p>
-        </p:txBody>
-      </p:sp>
-      <p:sp>
-        <p:nvSpPr>
-          <p:cNvPr id="3" name="Text Placeholder 2">
-            <a:extLst>
-              <a:ext uri="{FF2B5EF4-FFF2-40B4-BE49-F238E27FC236}">
-                <a16:creationId xmlns:a16="http://schemas.microsoft.com/office/drawing/2014/main" id="{9392442C-B3A0-4638-B622-291C64F6FED7}"/>
-              </a:ext>
-            </a:extLst>
-          </p:cNvPr>
-          <p:cNvSpPr>
-            <a:spLocks noGrp="1"/>
-          </p:cNvSpPr>
-          <p:nvPr>
-            <p:ph type="body" idx="1"/>
-          </p:nvPr>
-        </p:nvSpPr>
-        <p:spPr>
-          <a:xfrm>
-            <a:off x="407502" y="1721139"/>
-            <a:ext cx="11327239" cy="3415722"/>
-          </a:xfrm>
-        </p:spPr>
-        <p:txBody>
-          <a:bodyPr>
-            <a:normAutofit lnSpcReduction="10000"/>
-          </a:bodyPr>
-          <a:lstStyle/>
-          <a:p>
-            <a:r>
-              <a:rPr lang="fr-FR" sz="2800" dirty="0">
-                <a:solidFill>
-                  <a:schemeClr val="tx1"/>
-                </a:solidFill>
-              </a:rPr>
-              <a:t>Pour atteindre son objectif de ville neutre en émissions de carbone en 2050, la </a:t>
-            </a:r>
-            <a:r>
-              <a:rPr lang="fr-FR" sz="2800" b="1" dirty="0">
-                <a:solidFill>
-                  <a:schemeClr val="tx1"/>
-                </a:solidFill>
-              </a:rPr>
-              <a:t>ville de Seattle </a:t>
-            </a:r>
-            <a:r>
-              <a:rPr lang="fr-FR" sz="2800" dirty="0">
-                <a:solidFill>
-                  <a:schemeClr val="tx1"/>
-                </a:solidFill>
-              </a:rPr>
-              <a:t>s’intéresse de près aux émissions des bâtiments non destinés à l’habitation.</a:t>
-            </a:r>
-          </a:p>
-          <a:p>
-            <a:r>
-              <a:rPr lang="fr-FR" sz="2800" dirty="0">
-                <a:solidFill>
-                  <a:schemeClr val="tx1"/>
-                </a:solidFill>
-              </a:rPr>
-              <a:t> </a:t>
-            </a:r>
-            <a:endParaRPr lang="en-GB" sz="2800" dirty="0">
-              <a:solidFill>
-                <a:schemeClr val="tx1"/>
-              </a:solidFill>
-            </a:endParaRPr>
-          </a:p>
-          <a:p>
-            <a:r>
-              <a:rPr lang="fr-FR" sz="2800" dirty="0">
-                <a:solidFill>
-                  <a:schemeClr val="tx1"/>
-                </a:solidFill>
-              </a:rPr>
-              <a:t>Les relevés sont coûteux à obtenir, et à partir de ceux déjà réalisés, vous voulez tenter de </a:t>
-            </a:r>
-            <a:r>
-              <a:rPr lang="fr-FR" sz="2800" b="1" dirty="0">
-                <a:solidFill>
-                  <a:schemeClr val="tx1"/>
-                </a:solidFill>
-              </a:rPr>
-              <a:t>prédire les émissions de CO2 et la consommation totale d’énergie</a:t>
-            </a:r>
-            <a:r>
-              <a:rPr lang="fr-FR" sz="2800" dirty="0">
-                <a:solidFill>
-                  <a:schemeClr val="tx1"/>
-                </a:solidFill>
-              </a:rPr>
-              <a:t> de bâtiments pour lesquels elles n’ont pas encore été mesurées.</a:t>
-            </a:r>
-            <a:endParaRPr lang="en-GB" sz="2800" dirty="0">
-              <a:solidFill>
-                <a:schemeClr val="tx1"/>
-              </a:solidFill>
-            </a:endParaRPr>
-          </a:p>
-        </p:txBody>
-      </p:sp>
-      <p:sp>
-        <p:nvSpPr>
-          <p:cNvPr id="6" name="Espace réservé du numéro de diapositive 2">
-            <a:extLst>
-              <a:ext uri="{FF2B5EF4-FFF2-40B4-BE49-F238E27FC236}">
-                <a16:creationId xmlns:a16="http://schemas.microsoft.com/office/drawing/2014/main" id="{76442820-B957-4E3F-837C-4D0E995BC418}"/>
-              </a:ext>
-            </a:extLst>
-          </p:cNvPr>
-          <p:cNvSpPr>
-            <a:spLocks noGrp="1"/>
-          </p:cNvSpPr>
-          <p:nvPr>
-            <p:ph type="sldNum" sz="quarter" idx="12"/>
-          </p:nvPr>
-        </p:nvSpPr>
-        <p:spPr>
-          <a:xfrm>
-            <a:off x="11412867" y="165878"/>
-            <a:ext cx="643748" cy="365125"/>
-          </a:xfrm>
-        </p:spPr>
-        <p:txBody>
-          <a:bodyPr/>
-          <a:lstStyle/>
-          <a:p>
-            <a:fld id="{22EBEF4F-4056-4A7E-9612-F3E8B502E28B}" type="slidenum">
-              <a:rPr lang="fr-FR" sz="1600" b="1" smtClean="0"/>
-              <a:t>3</a:t>
-            </a:fld>
-            <a:endParaRPr lang="fr-FR" sz="1600" b="1" dirty="0"/>
-          </a:p>
-        </p:txBody>
-      </p:sp>
-      <p:pic>
-        <p:nvPicPr>
-          <p:cNvPr id="1026" name="Picture 2" descr="Logo seattle">
-            <a:hlinkClick r:id="rId3"/>
-            <a:extLst>
-              <a:ext uri="{FF2B5EF4-FFF2-40B4-BE49-F238E27FC236}">
-                <a16:creationId xmlns:a16="http://schemas.microsoft.com/office/drawing/2014/main" id="{47BD1711-2520-4CCC-85F1-48F4FB4CE765}"/>
-              </a:ext>
-            </a:extLst>
-          </p:cNvPr>
-          <p:cNvPicPr>
-            <a:picLocks noChangeAspect="1" noChangeArrowheads="1"/>
-          </p:cNvPicPr>
-          <p:nvPr/>
-        </p:nvPicPr>
-        <p:blipFill>
-          <a:blip r:embed="rId4">
-            <a:extLst>
-              <a:ext uri="{28A0092B-C50C-407E-A947-70E740481C1C}">
-                <a14:useLocalDpi xmlns:a14="http://schemas.microsoft.com/office/drawing/2010/main" val="0"/>
-              </a:ext>
-            </a:extLst>
-          </a:blip>
-          <a:srcRect/>
-          <a:stretch>
-            <a:fillRect/>
-          </a:stretch>
-        </p:blipFill>
-        <p:spPr bwMode="auto">
-          <a:xfrm>
-            <a:off x="0" y="0"/>
-            <a:ext cx="4762500" cy="2181225"/>
-          </a:xfrm>
-          <a:prstGeom prst="rect">
-            <a:avLst/>
-          </a:prstGeom>
-          <a:noFill/>
-          <a:extLst>
-            <a:ext uri="{909E8E84-426E-40DD-AFC4-6F175D3DCCD1}">
-              <a14:hiddenFill xmlns:a14="http://schemas.microsoft.com/office/drawing/2010/main">
-                <a:solidFill>
-                  <a:srgbClr val="FFFFFF"/>
-                </a:solidFill>
-              </a14:hiddenFill>
-            </a:ext>
-          </a:extLst>
-        </p:spPr>
-      </p:pic>
-    </p:spTree>
-    <p:extLst>
-      <p:ext uri="{BB962C8B-B14F-4D97-AF65-F5344CB8AC3E}">
-        <p14:creationId xmlns:p14="http://schemas.microsoft.com/office/powerpoint/2010/main" val="3576308320"/>
-      </p:ext>
-    </p:extLst>
-  </p:cSld>
-  <p:clrMapOvr>
-    <a:masterClrMapping/>
-  </p:clrMapOvr>
-</p:sld>
-</file>
-
-<file path=ppt/slides/slide4.xml><?xml version="1.0" encoding="utf-8"?>
-<p:sld xmlns:a="http://schemas.openxmlformats.org/drawingml/2006/main" xmlns:r="http://schemas.openxmlformats.org/officeDocument/2006/relationships" xmlns:p="http://schemas.openxmlformats.org/presentationml/2006/main">
-  <p:cSld>
-    <p:spTree>
-      <p:nvGrpSpPr>
-        <p:cNvPr id="1" name=""/>
-        <p:cNvGrpSpPr/>
-        <p:nvPr/>
-      </p:nvGrpSpPr>
-      <p:grpSpPr>
-        <a:xfrm>
-          <a:off x="0" y="0"/>
-          <a:ext cx="0" cy="0"/>
-          <a:chOff x="0" y="0"/>
-          <a:chExt cx="0" cy="0"/>
-        </a:xfrm>
-      </p:grpSpPr>
-      <p:sp>
-        <p:nvSpPr>
-          <p:cNvPr id="2" name="Titre 1">
-            <a:extLst>
-              <a:ext uri="{FF2B5EF4-FFF2-40B4-BE49-F238E27FC236}">
-                <a16:creationId xmlns:a16="http://schemas.microsoft.com/office/drawing/2014/main" id="{5C9D7F57-BB6B-47B6-9F61-CC67E6CC5B5B}"/>
-              </a:ext>
-            </a:extLst>
-          </p:cNvPr>
-          <p:cNvSpPr>
-            <a:spLocks noGrp="1"/>
-          </p:cNvSpPr>
-          <p:nvPr>
-            <p:ph type="title"/>
-          </p:nvPr>
-        </p:nvSpPr>
-        <p:spPr>
-          <a:xfrm>
-            <a:off x="2895600" y="271529"/>
-            <a:ext cx="8610600" cy="1430187"/>
-          </a:xfrm>
-        </p:spPr>
-        <p:txBody>
-          <a:bodyPr/>
-          <a:lstStyle/>
-          <a:p>
-            <a:r>
-              <a:rPr lang="fr-FR" b="1" dirty="0"/>
-              <a:t>Plan de la présentation</a:t>
-            </a:r>
-          </a:p>
-        </p:txBody>
-      </p:sp>
-      <p:sp>
-        <p:nvSpPr>
-          <p:cNvPr id="3" name="Espace réservé du contenu 2">
-            <a:extLst>
-              <a:ext uri="{FF2B5EF4-FFF2-40B4-BE49-F238E27FC236}">
-                <a16:creationId xmlns:a16="http://schemas.microsoft.com/office/drawing/2014/main" id="{65C25AD1-BD09-42CD-AAA1-A13586FB9A0B}"/>
-              </a:ext>
-            </a:extLst>
-          </p:cNvPr>
-          <p:cNvSpPr>
-            <a:spLocks noGrp="1"/>
-          </p:cNvSpPr>
-          <p:nvPr>
-            <p:ph idx="1"/>
-          </p:nvPr>
-        </p:nvSpPr>
-        <p:spPr>
-          <a:xfrm>
-            <a:off x="304800" y="1936673"/>
-            <a:ext cx="11887200" cy="4896051"/>
-          </a:xfrm>
-        </p:spPr>
-        <p:txBody>
-          <a:bodyPr>
-            <a:normAutofit/>
-          </a:bodyPr>
-          <a:lstStyle/>
-          <a:p>
-            <a:pPr marL="0" indent="0">
-              <a:buNone/>
-            </a:pPr>
-            <a:r>
-              <a:rPr lang="fr-FR" sz="2400" b="1" cap="small" dirty="0"/>
-              <a:t>Partie 1 </a:t>
-            </a:r>
-            <a:r>
-              <a:rPr lang="fr-FR" sz="2400" cap="small" dirty="0"/>
-              <a:t>(5 min) – </a:t>
-            </a:r>
-            <a:r>
-              <a:rPr lang="fr-FR" sz="2400" dirty="0"/>
-              <a:t>Problématique, interprétation et pistes de recherche</a:t>
-            </a:r>
-          </a:p>
-          <a:p>
-            <a:pPr marL="0" indent="0">
-              <a:buNone/>
-            </a:pPr>
-            <a:endParaRPr lang="fr-FR" sz="2400" dirty="0"/>
-          </a:p>
-          <a:p>
-            <a:pPr marL="0" indent="0">
-              <a:buNone/>
-            </a:pPr>
-            <a:r>
-              <a:rPr lang="fr-FR" sz="2400" b="1" cap="small" dirty="0"/>
-              <a:t>Partie 2 </a:t>
-            </a:r>
-            <a:r>
-              <a:rPr lang="fr-FR" sz="2400" cap="small" dirty="0"/>
-              <a:t>(5 min) – N</a:t>
-            </a:r>
-            <a:r>
-              <a:rPr lang="fr-FR" sz="2400" dirty="0"/>
-              <a:t>ettoyage et exploration (notebook)</a:t>
-            </a:r>
-          </a:p>
-          <a:p>
-            <a:pPr marL="0" indent="0">
-              <a:buNone/>
-            </a:pPr>
-            <a:endParaRPr lang="fr-FR" sz="2400" dirty="0"/>
-          </a:p>
-          <a:p>
-            <a:pPr marL="0" indent="0">
-              <a:buNone/>
-            </a:pPr>
-            <a:r>
-              <a:rPr lang="fr-FR" sz="2400" b="1" cap="small" dirty="0"/>
-              <a:t>Partie 3 </a:t>
-            </a:r>
-            <a:r>
-              <a:rPr lang="fr-FR" sz="2400" cap="small" dirty="0"/>
-              <a:t>(10 min) – P</a:t>
-            </a:r>
-            <a:r>
-              <a:rPr lang="fr-FR" sz="2400" dirty="0"/>
-              <a:t>istes de modélisation effectuées (code)</a:t>
-            </a:r>
-          </a:p>
-          <a:p>
-            <a:pPr marL="0" indent="0">
-              <a:buNone/>
-            </a:pPr>
-            <a:endParaRPr lang="fr-FR" sz="2400" dirty="0"/>
-          </a:p>
-          <a:p>
-            <a:pPr marL="0" indent="0">
-              <a:buNone/>
-            </a:pPr>
-            <a:r>
-              <a:rPr lang="fr-FR" sz="2400" b="1" cap="small" dirty="0"/>
-              <a:t>Partie 4 </a:t>
-            </a:r>
-            <a:r>
-              <a:rPr lang="fr-FR" sz="2400" cap="small" dirty="0"/>
-              <a:t>(5 min) – M</a:t>
-            </a:r>
-            <a:r>
-              <a:rPr lang="fr-FR" sz="2400" dirty="0"/>
-              <a:t>odèle final sélectionné et améliorations (code)</a:t>
-            </a:r>
-          </a:p>
-          <a:p>
-            <a:pPr marL="0" indent="0">
-              <a:buNone/>
-            </a:pPr>
-            <a:endParaRPr lang="fr-FR" sz="2400" b="1" cap="small" dirty="0"/>
-          </a:p>
-          <a:p>
-            <a:pPr marL="0" indent="0">
-              <a:buNone/>
-            </a:pPr>
-            <a:r>
-              <a:rPr lang="fr-FR" sz="2400" b="1" cap="small" dirty="0"/>
-              <a:t>Partie 5 </a:t>
-            </a:r>
-            <a:r>
-              <a:rPr lang="fr-FR" sz="2400" cap="small" dirty="0"/>
-              <a:t>(5 à 10 min) – </a:t>
-            </a:r>
-            <a:r>
-              <a:rPr lang="fr-FR" sz="2400" dirty="0"/>
-              <a:t>Questions-réponses</a:t>
-            </a:r>
-          </a:p>
-        </p:txBody>
-      </p:sp>
-      <p:sp>
-        <p:nvSpPr>
-          <p:cNvPr id="6" name="Espace réservé du numéro de diapositive 2">
-            <a:extLst>
-              <a:ext uri="{FF2B5EF4-FFF2-40B4-BE49-F238E27FC236}">
-                <a16:creationId xmlns:a16="http://schemas.microsoft.com/office/drawing/2014/main" id="{1DB8435F-3D5B-46B0-8734-A0D3FB2E8B19}"/>
-              </a:ext>
-            </a:extLst>
-          </p:cNvPr>
-          <p:cNvSpPr>
-            <a:spLocks noGrp="1"/>
-          </p:cNvSpPr>
-          <p:nvPr>
-            <p:ph type="sldNum" sz="quarter" idx="12"/>
-          </p:nvPr>
-        </p:nvSpPr>
-        <p:spPr>
-          <a:xfrm>
-            <a:off x="11368479" y="384060"/>
-            <a:ext cx="643748" cy="365125"/>
-          </a:xfrm>
-        </p:spPr>
-        <p:txBody>
-          <a:bodyPr/>
-          <a:lstStyle/>
-          <a:p>
-            <a:fld id="{22EBEF4F-4056-4A7E-9612-F3E8B502E28B}" type="slidenum">
-              <a:rPr lang="fr-FR" sz="1600" b="1" smtClean="0"/>
-              <a:t>4</a:t>
-            </a:fld>
-            <a:endParaRPr lang="fr-FR" sz="1600" b="1" dirty="0"/>
-          </a:p>
-        </p:txBody>
-      </p:sp>
-      <p:pic>
-        <p:nvPicPr>
-          <p:cNvPr id="7" name="Picture 2" descr="Logo seattle">
-            <a:hlinkClick r:id="rId2"/>
-            <a:extLst>
-              <a:ext uri="{FF2B5EF4-FFF2-40B4-BE49-F238E27FC236}">
-                <a16:creationId xmlns:a16="http://schemas.microsoft.com/office/drawing/2014/main" id="{DC2215AB-7FE3-4E7F-BB64-2E8576B9D696}"/>
-              </a:ext>
-            </a:extLst>
-          </p:cNvPr>
-          <p:cNvPicPr>
-            <a:picLocks noChangeAspect="1" noChangeArrowheads="1"/>
-          </p:cNvPicPr>
-          <p:nvPr/>
-        </p:nvPicPr>
-        <p:blipFill>
-          <a:blip r:embed="rId3">
-            <a:extLst>
-              <a:ext uri="{28A0092B-C50C-407E-A947-70E740481C1C}">
-                <a14:useLocalDpi xmlns:a14="http://schemas.microsoft.com/office/drawing/2010/main" val="0"/>
-              </a:ext>
-            </a:extLst>
-          </a:blip>
-          <a:srcRect/>
-          <a:stretch>
-            <a:fillRect/>
-          </a:stretch>
-        </p:blipFill>
-        <p:spPr bwMode="auto">
-          <a:xfrm>
-            <a:off x="7429500" y="4676775"/>
-            <a:ext cx="4762500" cy="2181225"/>
-          </a:xfrm>
-          <a:prstGeom prst="rect">
-            <a:avLst/>
-          </a:prstGeom>
-          <a:noFill/>
-          <a:extLst>
-            <a:ext uri="{909E8E84-426E-40DD-AFC4-6F175D3DCCD1}">
-              <a14:hiddenFill xmlns:a14="http://schemas.microsoft.com/office/drawing/2010/main">
-                <a:solidFill>
-                  <a:srgbClr val="FFFFFF"/>
-                </a:solidFill>
-              </a14:hiddenFill>
-            </a:ext>
-          </a:extLst>
-        </p:spPr>
-      </p:pic>
-    </p:spTree>
-    <p:extLst>
-      <p:ext uri="{BB962C8B-B14F-4D97-AF65-F5344CB8AC3E}">
-        <p14:creationId xmlns:p14="http://schemas.microsoft.com/office/powerpoint/2010/main" val="3271512906"/>
-      </p:ext>
-    </p:extLst>
-  </p:cSld>
-  <p:clrMapOvr>
-    <a:masterClrMapping/>
-  </p:clrMapOvr>
-</p:sld>
-</file>
-
-<file path=ppt/slides/slide5.xml><?xml version="1.0" encoding="utf-8"?>
-<p:sld xmlns:a="http://schemas.openxmlformats.org/drawingml/2006/main" xmlns:r="http://schemas.openxmlformats.org/officeDocument/2006/relationships" xmlns:p="http://schemas.openxmlformats.org/presentationml/2006/main">
-  <p:cSld>
-    <p:spTree>
-      <p:nvGrpSpPr>
-        <p:cNvPr id="1" name=""/>
-        <p:cNvGrpSpPr/>
-        <p:nvPr/>
-      </p:nvGrpSpPr>
-      <p:grpSpPr>
-        <a:xfrm>
-          <a:off x="0" y="0"/>
-          <a:ext cx="0" cy="0"/>
-          <a:chOff x="0" y="0"/>
-          <a:chExt cx="0" cy="0"/>
-        </a:xfrm>
-      </p:grpSpPr>
-      <p:sp>
-        <p:nvSpPr>
-          <p:cNvPr id="2" name="Titre 1">
-            <a:extLst>
-              <a:ext uri="{FF2B5EF4-FFF2-40B4-BE49-F238E27FC236}">
-                <a16:creationId xmlns:a16="http://schemas.microsoft.com/office/drawing/2014/main" id="{96885828-B058-4F14-80D3-515FB1B2EA26}"/>
-              </a:ext>
-            </a:extLst>
-          </p:cNvPr>
-          <p:cNvSpPr>
-            <a:spLocks noGrp="1"/>
-          </p:cNvSpPr>
-          <p:nvPr>
-            <p:ph type="title"/>
-          </p:nvPr>
-        </p:nvSpPr>
-        <p:spPr/>
-        <p:txBody>
-          <a:bodyPr/>
-          <a:lstStyle/>
-          <a:p>
-            <a:r>
-              <a:rPr lang="fr-FR" b="1" dirty="0"/>
-              <a:t>Partie 1 :</a:t>
-            </a:r>
-            <a:br>
-              <a:rPr lang="fr-FR" b="1" dirty="0"/>
-            </a:br>
             <a:r>
               <a:rPr lang="fr-FR" dirty="0"/>
-              <a:t>Présentation de </a:t>
-            </a:r>
-            <a:br>
-              <a:rPr lang="fr-FR" dirty="0"/>
-            </a:br>
-            <a:r>
-              <a:rPr lang="fr-FR" dirty="0"/>
-              <a:t>la problématique</a:t>
-            </a:r>
-          </a:p>
-        </p:txBody>
-      </p:sp>
-      <p:sp>
-        <p:nvSpPr>
-          <p:cNvPr id="3" name="Espace réservé du texte 2">
-            <a:extLst>
-              <a:ext uri="{FF2B5EF4-FFF2-40B4-BE49-F238E27FC236}">
-                <a16:creationId xmlns:a16="http://schemas.microsoft.com/office/drawing/2014/main" id="{C1CD7A5C-6044-4F77-841E-E28AF461363D}"/>
-              </a:ext>
-            </a:extLst>
-          </p:cNvPr>
-          <p:cNvSpPr>
-            <a:spLocks noGrp="1"/>
-          </p:cNvSpPr>
-          <p:nvPr>
-            <p:ph type="body" idx="1"/>
-          </p:nvPr>
-        </p:nvSpPr>
-        <p:spPr/>
-        <p:txBody>
-          <a:bodyPr/>
-          <a:lstStyle/>
-          <a:p>
-            <a:br>
-              <a:rPr lang="fr-FR" dirty="0"/>
-            </a:br>
-            <a:endParaRPr lang="fr-FR" dirty="0"/>
-          </a:p>
-        </p:txBody>
-      </p:sp>
-      <p:sp>
-        <p:nvSpPr>
-          <p:cNvPr id="6" name="Espace réservé du numéro de diapositive 2">
-            <a:extLst>
-              <a:ext uri="{FF2B5EF4-FFF2-40B4-BE49-F238E27FC236}">
-                <a16:creationId xmlns:a16="http://schemas.microsoft.com/office/drawing/2014/main" id="{2F10977A-4C16-4D01-AC77-DA41EC3976E0}"/>
-              </a:ext>
-            </a:extLst>
-          </p:cNvPr>
-          <p:cNvSpPr>
-            <a:spLocks noGrp="1"/>
-          </p:cNvSpPr>
-          <p:nvPr>
-            <p:ph type="sldNum" sz="quarter" idx="12"/>
-          </p:nvPr>
-        </p:nvSpPr>
-        <p:spPr>
-          <a:xfrm>
-            <a:off x="11412867" y="165878"/>
-            <a:ext cx="643748" cy="365125"/>
-          </a:xfrm>
-        </p:spPr>
-        <p:txBody>
-          <a:bodyPr/>
-          <a:lstStyle/>
-          <a:p>
-            <a:fld id="{22EBEF4F-4056-4A7E-9612-F3E8B502E28B}" type="slidenum">
-              <a:rPr lang="fr-FR" sz="1600" b="1" smtClean="0"/>
-              <a:t>5</a:t>
-            </a:fld>
-            <a:endParaRPr lang="fr-FR" sz="1600" b="1" dirty="0"/>
-          </a:p>
-        </p:txBody>
-      </p:sp>
-      <p:pic>
-        <p:nvPicPr>
-          <p:cNvPr id="7" name="Picture 2" descr="Logo seattle">
-            <a:hlinkClick r:id="rId2"/>
-            <a:extLst>
-              <a:ext uri="{FF2B5EF4-FFF2-40B4-BE49-F238E27FC236}">
-                <a16:creationId xmlns:a16="http://schemas.microsoft.com/office/drawing/2014/main" id="{88833645-172C-45B3-92ED-AA6913C51AD9}"/>
-              </a:ext>
-            </a:extLst>
-          </p:cNvPr>
-          <p:cNvPicPr>
-            <a:picLocks noChangeAspect="1" noChangeArrowheads="1"/>
-          </p:cNvPicPr>
-          <p:nvPr/>
-        </p:nvPicPr>
-        <p:blipFill>
-          <a:blip r:embed="rId3">
-            <a:extLst>
-              <a:ext uri="{28A0092B-C50C-407E-A947-70E740481C1C}">
-                <a14:useLocalDpi xmlns:a14="http://schemas.microsoft.com/office/drawing/2010/main" val="0"/>
-              </a:ext>
-            </a:extLst>
-          </a:blip>
-          <a:srcRect/>
-          <a:stretch>
-            <a:fillRect/>
-          </a:stretch>
-        </p:blipFill>
-        <p:spPr bwMode="auto">
-          <a:xfrm>
-            <a:off x="0" y="0"/>
-            <a:ext cx="4762500" cy="2181225"/>
-          </a:xfrm>
-          <a:prstGeom prst="rect">
-            <a:avLst/>
-          </a:prstGeom>
-          <a:noFill/>
-          <a:extLst>
-            <a:ext uri="{909E8E84-426E-40DD-AFC4-6F175D3DCCD1}">
-              <a14:hiddenFill xmlns:a14="http://schemas.microsoft.com/office/drawing/2010/main">
-                <a:solidFill>
-                  <a:srgbClr val="FFFFFF"/>
-                </a:solidFill>
-              </a14:hiddenFill>
-            </a:ext>
-          </a:extLst>
-        </p:spPr>
-      </p:pic>
-    </p:spTree>
-    <p:extLst>
-      <p:ext uri="{BB962C8B-B14F-4D97-AF65-F5344CB8AC3E}">
-        <p14:creationId xmlns:p14="http://schemas.microsoft.com/office/powerpoint/2010/main" val="1510174254"/>
-      </p:ext>
-    </p:extLst>
-  </p:cSld>
-  <p:clrMapOvr>
-    <a:masterClrMapping/>
-  </p:clrMapOvr>
-</p:sld>
-</file>
-
-<file path=ppt/slides/slide6.xml><?xml version="1.0" encoding="utf-8"?>
-<p:sld xmlns:a="http://schemas.openxmlformats.org/drawingml/2006/main" xmlns:r="http://schemas.openxmlformats.org/officeDocument/2006/relationships" xmlns:p="http://schemas.openxmlformats.org/presentationml/2006/main">
-  <p:cSld>
-    <p:spTree>
-      <p:nvGrpSpPr>
-        <p:cNvPr id="1" name=""/>
-        <p:cNvGrpSpPr/>
-        <p:nvPr/>
-      </p:nvGrpSpPr>
-      <p:grpSpPr>
-        <a:xfrm>
-          <a:off x="0" y="0"/>
-          <a:ext cx="0" cy="0"/>
-          <a:chOff x="0" y="0"/>
-          <a:chExt cx="0" cy="0"/>
-        </a:xfrm>
-      </p:grpSpPr>
-      <p:sp>
-        <p:nvSpPr>
-          <p:cNvPr id="2" name="Title 1">
-            <a:extLst>
-              <a:ext uri="{FF2B5EF4-FFF2-40B4-BE49-F238E27FC236}">
-                <a16:creationId xmlns:a16="http://schemas.microsoft.com/office/drawing/2014/main" id="{5C9A419A-49B0-418E-80CB-42594B300BD2}"/>
-              </a:ext>
-            </a:extLst>
-          </p:cNvPr>
-          <p:cNvSpPr>
-            <a:spLocks noGrp="1"/>
-          </p:cNvSpPr>
-          <p:nvPr>
-            <p:ph type="title"/>
-          </p:nvPr>
-        </p:nvSpPr>
-        <p:spPr>
-          <a:xfrm>
-            <a:off x="685800" y="753533"/>
-            <a:ext cx="10820399" cy="722341"/>
-          </a:xfrm>
-        </p:spPr>
-        <p:txBody>
-          <a:bodyPr/>
-          <a:lstStyle/>
-          <a:p>
-            <a:r>
-              <a:rPr lang="fr-FR" b="1" dirty="0"/>
-              <a:t>LES DONNÉES</a:t>
-            </a:r>
-            <a:endParaRPr lang="en-GB" b="1" dirty="0"/>
-          </a:p>
-        </p:txBody>
-      </p:sp>
-      <p:sp>
-        <p:nvSpPr>
-          <p:cNvPr id="3" name="Text Placeholder 2">
-            <a:extLst>
-              <a:ext uri="{FF2B5EF4-FFF2-40B4-BE49-F238E27FC236}">
-                <a16:creationId xmlns:a16="http://schemas.microsoft.com/office/drawing/2014/main" id="{9392442C-B3A0-4638-B622-291C64F6FED7}"/>
-              </a:ext>
-            </a:extLst>
-          </p:cNvPr>
-          <p:cNvSpPr>
-            <a:spLocks noGrp="1"/>
-          </p:cNvSpPr>
-          <p:nvPr>
-            <p:ph type="body" idx="1"/>
-          </p:nvPr>
-        </p:nvSpPr>
-        <p:spPr>
-          <a:xfrm>
-            <a:off x="2030274" y="1970843"/>
-            <a:ext cx="10490200" cy="3841243"/>
-          </a:xfrm>
-        </p:spPr>
-        <p:txBody>
-          <a:bodyPr>
-            <a:normAutofit/>
-          </a:bodyPr>
-          <a:lstStyle/>
-          <a:p>
-            <a:pPr algn="l"/>
-            <a:r>
-              <a:rPr lang="fr-FR" sz="2800" b="1" dirty="0">
-                <a:solidFill>
-                  <a:schemeClr val="tx1"/>
-                </a:solidFill>
-              </a:rPr>
-              <a:t>Données accessibles sur </a:t>
-            </a:r>
-            <a:r>
-              <a:rPr lang="fr-FR" sz="2800" b="1" dirty="0">
-                <a:solidFill>
-                  <a:schemeClr val="tx1"/>
-                </a:solidFill>
-                <a:hlinkClick r:id="rId2"/>
-              </a:rPr>
-              <a:t>kaggle.com</a:t>
-            </a:r>
-            <a:endParaRPr lang="fr-FR" sz="2800" b="1" dirty="0">
-              <a:solidFill>
-                <a:schemeClr val="tx1"/>
-              </a:solidFill>
-            </a:endParaRPr>
-          </a:p>
-          <a:p>
-            <a:pPr algn="l"/>
-            <a:endParaRPr lang="fr-FR" dirty="0">
-              <a:solidFill>
-                <a:schemeClr val="tx1"/>
-              </a:solidFill>
-            </a:endParaRPr>
-          </a:p>
-          <a:p>
-            <a:pPr marL="342900" indent="-342900" algn="l">
-              <a:buFont typeface="Arial" panose="020B0604020202020204" pitchFamily="34" charset="0"/>
-              <a:buChar char="•"/>
-            </a:pPr>
-            <a:r>
-              <a:rPr lang="fr-FR" dirty="0">
-                <a:solidFill>
-                  <a:schemeClr val="tx1"/>
-                </a:solidFill>
-              </a:rPr>
-              <a:t>Données de la ville de </a:t>
-            </a:r>
-            <a:r>
-              <a:rPr lang="fr-FR" b="1" dirty="0">
-                <a:solidFill>
-                  <a:schemeClr val="tx1"/>
-                </a:solidFill>
-              </a:rPr>
-              <a:t>Seattle</a:t>
-            </a:r>
-          </a:p>
-          <a:p>
-            <a:pPr marL="342900" indent="-342900" algn="l">
-              <a:buFont typeface="Arial" panose="020B0604020202020204" pitchFamily="34" charset="0"/>
-              <a:buChar char="•"/>
-            </a:pPr>
-            <a:r>
-              <a:rPr lang="fr-FR" dirty="0">
-                <a:solidFill>
-                  <a:schemeClr val="tx1"/>
-                </a:solidFill>
-              </a:rPr>
-              <a:t>Deux tables : pour les années </a:t>
-            </a:r>
-            <a:r>
-              <a:rPr lang="fr-FR" b="1" dirty="0">
-                <a:solidFill>
-                  <a:schemeClr val="tx1"/>
-                </a:solidFill>
-              </a:rPr>
-              <a:t>2015</a:t>
-            </a:r>
-            <a:r>
-              <a:rPr lang="fr-FR" dirty="0">
-                <a:solidFill>
-                  <a:schemeClr val="tx1"/>
-                </a:solidFill>
-              </a:rPr>
-              <a:t> et </a:t>
-            </a:r>
-            <a:r>
-              <a:rPr lang="fr-FR" b="1" dirty="0">
-                <a:solidFill>
-                  <a:schemeClr val="tx1"/>
-                </a:solidFill>
-              </a:rPr>
-              <a:t>2016</a:t>
-            </a:r>
-          </a:p>
-          <a:p>
-            <a:pPr marL="342900" indent="-342900" algn="l">
-              <a:buFont typeface="Arial" panose="020B0604020202020204" pitchFamily="34" charset="0"/>
-              <a:buChar char="•"/>
-            </a:pPr>
-            <a:r>
-              <a:rPr lang="fr-FR" dirty="0">
-                <a:solidFill>
-                  <a:schemeClr val="tx1"/>
-                </a:solidFill>
-              </a:rPr>
-              <a:t>Environ </a:t>
-            </a:r>
-            <a:r>
-              <a:rPr lang="fr-FR" b="1" dirty="0">
-                <a:solidFill>
-                  <a:schemeClr val="tx1"/>
-                </a:solidFill>
-              </a:rPr>
-              <a:t>3’400 bâtiments </a:t>
-            </a:r>
-            <a:r>
-              <a:rPr lang="fr-FR" dirty="0">
-                <a:solidFill>
-                  <a:schemeClr val="tx1"/>
-                </a:solidFill>
-              </a:rPr>
-              <a:t>dans chaque table, et </a:t>
-            </a:r>
-            <a:r>
-              <a:rPr lang="fr-FR" b="1" dirty="0">
-                <a:solidFill>
-                  <a:schemeClr val="tx1"/>
-                </a:solidFill>
-              </a:rPr>
-              <a:t>46 caractéristiques</a:t>
-            </a:r>
-          </a:p>
-          <a:p>
-            <a:pPr marL="342900" indent="-342900" algn="l">
-              <a:buFont typeface="Arial" panose="020B0604020202020204" pitchFamily="34" charset="0"/>
-              <a:buChar char="•"/>
-            </a:pPr>
-            <a:r>
-              <a:rPr lang="fr-FR" dirty="0">
-                <a:solidFill>
-                  <a:schemeClr val="tx1"/>
-                </a:solidFill>
-              </a:rPr>
-              <a:t>Les fichiers .csv pèsent </a:t>
-            </a:r>
-            <a:r>
-              <a:rPr lang="fr-FR" b="1" dirty="0">
-                <a:solidFill>
-                  <a:schemeClr val="tx1"/>
-                </a:solidFill>
-              </a:rPr>
-              <a:t>1,5 Mo + 1,2 Mo</a:t>
-            </a:r>
-          </a:p>
-        </p:txBody>
-      </p:sp>
-      <p:sp>
-        <p:nvSpPr>
-          <p:cNvPr id="6" name="Espace réservé du numéro de diapositive 2">
-            <a:extLst>
-              <a:ext uri="{FF2B5EF4-FFF2-40B4-BE49-F238E27FC236}">
-                <a16:creationId xmlns:a16="http://schemas.microsoft.com/office/drawing/2014/main" id="{5E00C3BC-F857-4F8A-B344-42D30B295FAB}"/>
-              </a:ext>
-            </a:extLst>
-          </p:cNvPr>
-          <p:cNvSpPr>
-            <a:spLocks noGrp="1"/>
-          </p:cNvSpPr>
-          <p:nvPr>
-            <p:ph type="sldNum" sz="quarter" idx="12"/>
-          </p:nvPr>
-        </p:nvSpPr>
-        <p:spPr>
-          <a:xfrm>
-            <a:off x="11412867" y="165878"/>
-            <a:ext cx="643748" cy="365125"/>
-          </a:xfrm>
-        </p:spPr>
-        <p:txBody>
-          <a:bodyPr/>
-          <a:lstStyle/>
-          <a:p>
-            <a:fld id="{22EBEF4F-4056-4A7E-9612-F3E8B502E28B}" type="slidenum">
-              <a:rPr lang="fr-FR" sz="1600" b="1" smtClean="0"/>
-              <a:t>6</a:t>
-            </a:fld>
-            <a:endParaRPr lang="fr-FR" sz="1600" b="1" dirty="0"/>
-          </a:p>
-        </p:txBody>
-      </p:sp>
-      <p:pic>
-        <p:nvPicPr>
-          <p:cNvPr id="7" name="Picture 2" descr="Logo seattle">
-            <a:hlinkClick r:id="rId3"/>
-            <a:extLst>
-              <a:ext uri="{FF2B5EF4-FFF2-40B4-BE49-F238E27FC236}">
-                <a16:creationId xmlns:a16="http://schemas.microsoft.com/office/drawing/2014/main" id="{3C113C34-27E5-444F-8695-D5F390C7C770}"/>
-              </a:ext>
-            </a:extLst>
-          </p:cNvPr>
-          <p:cNvPicPr>
-            <a:picLocks noChangeAspect="1" noChangeArrowheads="1"/>
-          </p:cNvPicPr>
-          <p:nvPr/>
-        </p:nvPicPr>
-        <p:blipFill>
-          <a:blip r:embed="rId4">
-            <a:extLst>
-              <a:ext uri="{28A0092B-C50C-407E-A947-70E740481C1C}">
-                <a14:useLocalDpi xmlns:a14="http://schemas.microsoft.com/office/drawing/2010/main" val="0"/>
-              </a:ext>
-            </a:extLst>
-          </a:blip>
-          <a:srcRect/>
-          <a:stretch>
-            <a:fillRect/>
-          </a:stretch>
-        </p:blipFill>
-        <p:spPr bwMode="auto">
-          <a:xfrm>
-            <a:off x="0" y="0"/>
-            <a:ext cx="4762500" cy="2181225"/>
-          </a:xfrm>
-          <a:prstGeom prst="rect">
-            <a:avLst/>
-          </a:prstGeom>
-          <a:noFill/>
-          <a:extLst>
-            <a:ext uri="{909E8E84-426E-40DD-AFC4-6F175D3DCCD1}">
-              <a14:hiddenFill xmlns:a14="http://schemas.microsoft.com/office/drawing/2010/main">
-                <a:solidFill>
-                  <a:srgbClr val="FFFFFF"/>
-                </a:solidFill>
-              </a14:hiddenFill>
-            </a:ext>
-          </a:extLst>
-        </p:spPr>
-      </p:pic>
-      <p:pic>
-        <p:nvPicPr>
-          <p:cNvPr id="8" name="Image 7">
-            <a:extLst>
-              <a:ext uri="{FF2B5EF4-FFF2-40B4-BE49-F238E27FC236}">
-                <a16:creationId xmlns:a16="http://schemas.microsoft.com/office/drawing/2014/main" id="{9668152F-709E-480D-A804-1469650945F3}"/>
-              </a:ext>
-            </a:extLst>
-          </p:cNvPr>
-          <p:cNvPicPr>
-            <a:picLocks noChangeAspect="1"/>
-          </p:cNvPicPr>
-          <p:nvPr/>
-        </p:nvPicPr>
-        <p:blipFill>
-          <a:blip r:embed="rId5">
-            <a:extLst>
-              <a:ext uri="{28A0092B-C50C-407E-A947-70E740481C1C}">
-                <a14:useLocalDpi xmlns:a14="http://schemas.microsoft.com/office/drawing/2010/main" val="0"/>
-              </a:ext>
-            </a:extLst>
-          </a:blip>
-          <a:stretch>
-            <a:fillRect/>
-          </a:stretch>
-        </p:blipFill>
-        <p:spPr>
-          <a:xfrm>
-            <a:off x="9317367" y="1475874"/>
-            <a:ext cx="2095500" cy="952500"/>
-          </a:xfrm>
-          <a:prstGeom prst="rect">
-            <a:avLst/>
-          </a:prstGeom>
-        </p:spPr>
-      </p:pic>
-    </p:spTree>
-    <p:extLst>
-      <p:ext uri="{BB962C8B-B14F-4D97-AF65-F5344CB8AC3E}">
-        <p14:creationId xmlns:p14="http://schemas.microsoft.com/office/powerpoint/2010/main" val="1478984346"/>
-      </p:ext>
-    </p:extLst>
-  </p:cSld>
-  <p:clrMapOvr>
-    <a:masterClrMapping/>
-  </p:clrMapOvr>
-</p:sld>
-</file>
-
-<file path=ppt/slides/slide7.xml><?xml version="1.0" encoding="utf-8"?>
-<p:sld xmlns:a="http://schemas.openxmlformats.org/drawingml/2006/main" xmlns:r="http://schemas.openxmlformats.org/officeDocument/2006/relationships" xmlns:p="http://schemas.openxmlformats.org/presentationml/2006/main">
-  <p:cSld>
-    <p:spTree>
-      <p:nvGrpSpPr>
-        <p:cNvPr id="1" name=""/>
-        <p:cNvGrpSpPr/>
-        <p:nvPr/>
-      </p:nvGrpSpPr>
-      <p:grpSpPr>
-        <a:xfrm>
-          <a:off x="0" y="0"/>
-          <a:ext cx="0" cy="0"/>
-          <a:chOff x="0" y="0"/>
-          <a:chExt cx="0" cy="0"/>
-        </a:xfrm>
-      </p:grpSpPr>
-      <p:sp>
-        <p:nvSpPr>
-          <p:cNvPr id="2" name="Titre 1">
-            <a:extLst>
-              <a:ext uri="{FF2B5EF4-FFF2-40B4-BE49-F238E27FC236}">
-                <a16:creationId xmlns:a16="http://schemas.microsoft.com/office/drawing/2014/main" id="{7850C025-007E-4FA0-BD5D-262373463563}"/>
-              </a:ext>
-            </a:extLst>
-          </p:cNvPr>
-          <p:cNvSpPr>
-            <a:spLocks noGrp="1"/>
-          </p:cNvSpPr>
-          <p:nvPr>
-            <p:ph type="title"/>
-          </p:nvPr>
-        </p:nvSpPr>
-        <p:spPr>
-          <a:xfrm>
-            <a:off x="2895600" y="0"/>
-            <a:ext cx="8610600" cy="1293028"/>
-          </a:xfrm>
-        </p:spPr>
-        <p:txBody>
-          <a:bodyPr/>
-          <a:lstStyle/>
-          <a:p>
-            <a:r>
-              <a:rPr lang="fr-FR" b="1" dirty="0"/>
-              <a:t>Problématique</a:t>
-            </a:r>
-          </a:p>
-        </p:txBody>
-      </p:sp>
-      <p:sp>
-        <p:nvSpPr>
-          <p:cNvPr id="3" name="Espace réservé du contenu 2">
-            <a:extLst>
-              <a:ext uri="{FF2B5EF4-FFF2-40B4-BE49-F238E27FC236}">
-                <a16:creationId xmlns:a16="http://schemas.microsoft.com/office/drawing/2014/main" id="{46474F09-B1B9-454A-9F56-5CA66AE284CF}"/>
-              </a:ext>
-            </a:extLst>
-          </p:cNvPr>
-          <p:cNvSpPr>
-            <a:spLocks noGrp="1"/>
-          </p:cNvSpPr>
-          <p:nvPr>
-            <p:ph idx="1"/>
-          </p:nvPr>
-        </p:nvSpPr>
-        <p:spPr>
-          <a:xfrm>
-            <a:off x="1078520" y="1589350"/>
-            <a:ext cx="10105806" cy="4873840"/>
-          </a:xfrm>
-        </p:spPr>
-        <p:txBody>
-          <a:bodyPr>
-            <a:normAutofit/>
-          </a:bodyPr>
-          <a:lstStyle/>
-          <a:p>
-            <a:pPr marL="457200" indent="-457200">
-              <a:buFont typeface="+mj-lt"/>
-              <a:buAutoNum type="arabicParenR"/>
-            </a:pPr>
-            <a:r>
-              <a:rPr lang="fr-FR" dirty="0"/>
-              <a:t>L’</a:t>
-            </a:r>
-            <a:r>
-              <a:rPr lang="fr-FR" b="1" dirty="0"/>
-              <a:t>apprentissage statistique </a:t>
-            </a:r>
-            <a:r>
-              <a:rPr lang="fr-FR" dirty="0"/>
-              <a:t>peut-il aider à résoudre notre problème ?</a:t>
-            </a:r>
-          </a:p>
-          <a:p>
-            <a:pPr marL="0" indent="0">
-              <a:buNone/>
-            </a:pPr>
-            <a:endParaRPr lang="fr-FR" sz="900" dirty="0"/>
-          </a:p>
-          <a:p>
-            <a:pPr lvl="1">
-              <a:buFont typeface="Symbol" panose="05050102010706020507" pitchFamily="18" charset="2"/>
-              <a:buChar char="Þ"/>
-            </a:pPr>
-            <a:r>
-              <a:rPr lang="fr-FR" dirty="0"/>
-              <a:t> sélectionner le </a:t>
-            </a:r>
-            <a:r>
-              <a:rPr lang="fr-FR" b="1" dirty="0"/>
-              <a:t>meilleur modèle</a:t>
-            </a:r>
-            <a:r>
-              <a:rPr lang="fr-FR" dirty="0"/>
-              <a:t> d’apprentissage statistique</a:t>
-            </a:r>
-          </a:p>
-          <a:p>
-            <a:pPr lvl="1">
-              <a:buFont typeface="Symbol" panose="05050102010706020507" pitchFamily="18" charset="2"/>
-              <a:buChar char="Þ"/>
-            </a:pPr>
-            <a:r>
-              <a:rPr lang="fr-FR" dirty="0"/>
-              <a:t> sélectionner les meilleurs </a:t>
-            </a:r>
-            <a:r>
-              <a:rPr lang="fr-FR" b="1" dirty="0"/>
-              <a:t>hyperparamètres</a:t>
-            </a:r>
-            <a:r>
-              <a:rPr lang="fr-FR" dirty="0"/>
-              <a:t> par recherche sur grille</a:t>
-            </a:r>
-          </a:p>
-          <a:p>
-            <a:pPr lvl="1">
-              <a:buFont typeface="Symbol" panose="05050102010706020507" pitchFamily="18" charset="2"/>
-              <a:buChar char="Þ"/>
-            </a:pPr>
-            <a:r>
-              <a:rPr lang="fr-FR" dirty="0"/>
-              <a:t> évaluer la </a:t>
-            </a:r>
-            <a:r>
-              <a:rPr lang="fr-FR" b="1" dirty="0"/>
-              <a:t>performance</a:t>
-            </a:r>
-            <a:r>
-              <a:rPr lang="fr-FR" dirty="0"/>
-              <a:t> du modèle obtenu</a:t>
-            </a:r>
-          </a:p>
-          <a:p>
-            <a:pPr marL="457200" lvl="1" indent="0">
-              <a:buNone/>
-            </a:pPr>
-            <a:endParaRPr lang="fr-FR" dirty="0"/>
-          </a:p>
-          <a:p>
-            <a:pPr marL="457200" indent="-457200">
-              <a:buFont typeface="+mj-lt"/>
-              <a:buAutoNum type="arabicParenR" startAt="2"/>
-            </a:pPr>
-            <a:r>
-              <a:rPr lang="fr-FR" dirty="0"/>
-              <a:t>Quelles sont les </a:t>
-            </a:r>
-            <a:r>
-              <a:rPr lang="fr-FR" b="1" dirty="0"/>
-              <a:t>caractéristiques</a:t>
-            </a:r>
-            <a:r>
-              <a:rPr lang="fr-FR" dirty="0"/>
-              <a:t> les plus importantes ?</a:t>
-            </a:r>
-          </a:p>
-          <a:p>
-            <a:pPr marL="0" indent="0">
-              <a:buNone/>
-            </a:pPr>
-            <a:endParaRPr lang="fr-FR" sz="900" dirty="0"/>
-          </a:p>
-          <a:p>
-            <a:pPr lvl="1">
-              <a:buFont typeface="Symbol" panose="05050102010706020507" pitchFamily="18" charset="2"/>
-              <a:buChar char="Þ"/>
-            </a:pPr>
-            <a:r>
-              <a:rPr lang="fr-FR" dirty="0"/>
-              <a:t> étudier la pertinence de la variable « </a:t>
-            </a:r>
-            <a:r>
-              <a:rPr lang="fr-FR" b="1" dirty="0"/>
-              <a:t>ENERGY STAR Score</a:t>
-            </a:r>
-            <a:r>
-              <a:rPr lang="fr-FR" dirty="0"/>
-              <a:t> »</a:t>
-            </a:r>
-          </a:p>
-          <a:p>
-            <a:pPr lvl="1">
-              <a:buFont typeface="Symbol" panose="05050102010706020507" pitchFamily="18" charset="2"/>
-              <a:buChar char="Þ"/>
-            </a:pPr>
-            <a:endParaRPr lang="fr-FR" dirty="0"/>
-          </a:p>
-          <a:p>
-            <a:pPr marL="457200" indent="-457200">
-              <a:buFont typeface="+mj-lt"/>
-              <a:buAutoNum type="arabicParenR" startAt="3"/>
-            </a:pPr>
-            <a:r>
-              <a:rPr lang="fr-FR" dirty="0"/>
-              <a:t>Quelles sont les </a:t>
-            </a:r>
-            <a:r>
-              <a:rPr lang="fr-FR" b="1" dirty="0"/>
-              <a:t>améliorations</a:t>
-            </a:r>
-            <a:r>
-              <a:rPr lang="fr-FR" dirty="0"/>
-              <a:t> possibles ?</a:t>
-            </a:r>
-          </a:p>
-          <a:p>
-            <a:pPr marL="0" indent="0">
-              <a:buNone/>
-            </a:pPr>
-            <a:endParaRPr lang="fr-FR" sz="900" dirty="0"/>
-          </a:p>
-          <a:p>
-            <a:pPr lvl="1">
-              <a:buFont typeface="Symbol" panose="05050102010706020507" pitchFamily="18" charset="2"/>
-              <a:buChar char="Þ"/>
-            </a:pPr>
-            <a:r>
-              <a:rPr lang="fr-FR" dirty="0"/>
-              <a:t> effets de la taille du jeu de données d’entraînement</a:t>
-            </a:r>
-          </a:p>
-          <a:p>
-            <a:pPr lvl="1">
-              <a:buFont typeface="Symbol" panose="05050102010706020507" pitchFamily="18" charset="2"/>
-              <a:buChar char="Þ"/>
-            </a:pPr>
-            <a:r>
-              <a:rPr lang="fr-FR" dirty="0"/>
-              <a:t> impact des observations (bâtiments) « hors-normes »</a:t>
-            </a:r>
-          </a:p>
-          <a:p>
-            <a:pPr lvl="1">
-              <a:buFont typeface="Symbol" panose="05050102010706020507" pitchFamily="18" charset="2"/>
-              <a:buChar char="Þ"/>
-            </a:pPr>
-            <a:endParaRPr lang="fr-FR" dirty="0"/>
-          </a:p>
-          <a:p>
-            <a:pPr marL="0" indent="0">
-              <a:buNone/>
-            </a:pPr>
-            <a:endParaRPr lang="fr-FR" dirty="0"/>
-          </a:p>
-          <a:p>
-            <a:pPr marL="0" indent="0">
-              <a:buNone/>
-            </a:pPr>
-            <a:endParaRPr lang="fr-FR" dirty="0"/>
-          </a:p>
-          <a:p>
-            <a:pPr marL="0" indent="0">
-              <a:buNone/>
-            </a:pPr>
-            <a:endParaRPr lang="fr-FR" dirty="0"/>
+              <a:t>QUESTIONS-RÉPONSES</a:t>
+            </a:r>
           </a:p>
         </p:txBody>
       </p:sp>
@@ -14994,7 +14912,7 @@
           <p:cNvPr id="5" name="Espace réservé du numéro de diapositive 2">
             <a:extLst>
               <a:ext uri="{FF2B5EF4-FFF2-40B4-BE49-F238E27FC236}">
-                <a16:creationId xmlns:a16="http://schemas.microsoft.com/office/drawing/2014/main" id="{5FD0754F-2D60-4FA5-A704-EFCE0FF46133}"/>
+                <a16:creationId xmlns:a16="http://schemas.microsoft.com/office/drawing/2014/main" id="{75B687DA-E829-4436-98F8-FF693735BCC6}"/>
               </a:ext>
             </a:extLst>
           </p:cNvPr>
@@ -15005,7 +14923,7 @@
         </p:nvSpPr>
         <p:spPr>
           <a:xfrm>
-            <a:off x="11184326" y="394810"/>
+            <a:off x="11412867" y="165878"/>
             <a:ext cx="643748" cy="365125"/>
           </a:xfrm>
           <a:prstGeom prst="rect">
@@ -15115,7 +15033,7 @@
             <a:fld id="{22EBEF4F-4056-4A7E-9612-F3E8B502E28B}" type="slidenum">
               <a:rPr lang="fr-FR" sz="1600" b="1" smtClean="0"/>
               <a:pPr/>
-              <a:t>7</a:t>
+              <a:t>15</a:t>
             </a:fld>
             <a:endParaRPr lang="fr-FR" sz="1600" b="1" dirty="0"/>
           </a:p>
@@ -15127,7 +15045,7 @@
             <a:hlinkClick r:id="rId2"/>
             <a:extLst>
               <a:ext uri="{FF2B5EF4-FFF2-40B4-BE49-F238E27FC236}">
-                <a16:creationId xmlns:a16="http://schemas.microsoft.com/office/drawing/2014/main" id="{689E9768-C673-4714-A022-EABB64687512}"/>
+                <a16:creationId xmlns:a16="http://schemas.microsoft.com/office/drawing/2014/main" id="{5BB76AC3-C0C4-471F-A850-5358456796F0}"/>
               </a:ext>
             </a:extLst>
           </p:cNvPr>
@@ -15152,7 +15070,7 @@
         <p:spPr bwMode="auto">
           <a:xfrm>
             <a:off x="0" y="0"/>
-            <a:ext cx="2895600" cy="1326185"/>
+            <a:ext cx="4762500" cy="2181225"/>
           </a:xfrm>
           <a:prstGeom prst="rect">
             <a:avLst/>
@@ -15172,7 +15090,7 @@
     </p:spTree>
     <p:extLst>
       <p:ext uri="{BB962C8B-B14F-4D97-AF65-F5344CB8AC3E}">
-        <p14:creationId xmlns:p14="http://schemas.microsoft.com/office/powerpoint/2010/main" val="4229974391"/>
+        <p14:creationId xmlns:p14="http://schemas.microsoft.com/office/powerpoint/2010/main" val="3375476623"/>
       </p:ext>
     </p:extLst>
   </p:cSld>
@@ -15182,7 +15100,7 @@
 </p:sld>
 </file>
 
-<file path=ppt/slides/slide8.xml><?xml version="1.0" encoding="utf-8"?>
+<file path=ppt/slides/slide16.xml><?xml version="1.0" encoding="utf-8"?>
 <p:sld xmlns:a="http://schemas.openxmlformats.org/drawingml/2006/main" xmlns:r="http://schemas.openxmlformats.org/officeDocument/2006/relationships" xmlns:p="http://schemas.openxmlformats.org/presentationml/2006/main">
   <p:cSld>
     <p:spTree>
@@ -15201,10 +15119,10 @@
       </p:grpSpPr>
       <p:sp>
         <p:nvSpPr>
-          <p:cNvPr id="2" name="Titre 1">
+          <p:cNvPr id="2" name="Title 1">
             <a:extLst>
               <a:ext uri="{FF2B5EF4-FFF2-40B4-BE49-F238E27FC236}">
-                <a16:creationId xmlns:a16="http://schemas.microsoft.com/office/drawing/2014/main" id="{96885828-B058-4F14-80D3-515FB1B2EA26}"/>
+                <a16:creationId xmlns:a16="http://schemas.microsoft.com/office/drawing/2014/main" id="{FA44BE58-2168-473C-B291-2AD6719F7F65}"/>
               </a:ext>
             </a:extLst>
           </p:cNvPr>
@@ -15215,275 +15133,18 @@
             <p:ph type="title"/>
           </p:nvPr>
         </p:nvSpPr>
-        <p:spPr>
-          <a:xfrm>
-            <a:off x="694268" y="1317627"/>
-            <a:ext cx="10820399" cy="2801935"/>
-          </a:xfrm>
-        </p:spPr>
-        <p:txBody>
-          <a:bodyPr>
-            <a:normAutofit/>
-          </a:bodyPr>
-          <a:lstStyle/>
-          <a:p>
-            <a:r>
-              <a:rPr lang="fr-FR" sz="2400" b="1" dirty="0"/>
-              <a:t>Partie 2 : </a:t>
-            </a:r>
-            <a:r>
-              <a:rPr lang="fr-FR" sz="2400" cap="small" dirty="0"/>
-              <a:t>N</a:t>
-            </a:r>
-            <a:r>
-              <a:rPr lang="fr-FR" sz="2400" dirty="0"/>
-              <a:t>ettoyage et exploration </a:t>
-            </a:r>
-            <a:br>
-              <a:rPr lang="fr-FR" sz="2400" dirty="0"/>
-            </a:br>
-            <a:br>
-              <a:rPr lang="fr-FR" sz="2400" dirty="0"/>
-            </a:br>
-            <a:r>
-              <a:rPr lang="fr-FR" sz="2400" b="1" dirty="0"/>
-              <a:t>Partie 3 : </a:t>
-            </a:r>
-            <a:r>
-              <a:rPr lang="fr-FR" sz="2400" cap="small" dirty="0"/>
-              <a:t>P</a:t>
-            </a:r>
-            <a:r>
-              <a:rPr lang="fr-FR" sz="2400" dirty="0"/>
-              <a:t>istes de modélisation effectuées </a:t>
-            </a:r>
-            <a:br>
-              <a:rPr lang="fr-FR" sz="2400" dirty="0"/>
-            </a:br>
-            <a:br>
-              <a:rPr lang="fr-FR" sz="2400" dirty="0"/>
-            </a:br>
-            <a:r>
-              <a:rPr lang="fr-FR" sz="2400" b="1" dirty="0"/>
-              <a:t>Partie 4 : </a:t>
-            </a:r>
-            <a:r>
-              <a:rPr lang="fr-FR" sz="2400" cap="small" dirty="0"/>
-              <a:t>M</a:t>
-            </a:r>
-            <a:r>
-              <a:rPr lang="fr-FR" sz="2400" dirty="0"/>
-              <a:t>odèle final sélectionné et améliorations</a:t>
-            </a:r>
-          </a:p>
-        </p:txBody>
-      </p:sp>
-      <p:sp>
-        <p:nvSpPr>
-          <p:cNvPr id="3" name="Espace réservé du texte 2">
-            <a:extLst>
-              <a:ext uri="{FF2B5EF4-FFF2-40B4-BE49-F238E27FC236}">
-                <a16:creationId xmlns:a16="http://schemas.microsoft.com/office/drawing/2014/main" id="{C1CD7A5C-6044-4F77-841E-E28AF461363D}"/>
-              </a:ext>
-            </a:extLst>
-          </p:cNvPr>
-          <p:cNvSpPr>
-            <a:spLocks noGrp="1"/>
-          </p:cNvSpPr>
-          <p:nvPr>
-            <p:ph type="body" idx="1"/>
-          </p:nvPr>
-        </p:nvSpPr>
         <p:spPr/>
         <p:txBody>
           <a:bodyPr/>
           <a:lstStyle/>
           <a:p>
-            <a:br>
-              <a:rPr lang="fr-FR" dirty="0"/>
-            </a:br>
-            <a:endParaRPr lang="fr-FR" dirty="0"/>
-          </a:p>
-        </p:txBody>
-      </p:sp>
-      <p:pic>
-        <p:nvPicPr>
-          <p:cNvPr id="6" name="Picture 5">
-            <a:extLst>
-              <a:ext uri="{FF2B5EF4-FFF2-40B4-BE49-F238E27FC236}">
-                <a16:creationId xmlns:a16="http://schemas.microsoft.com/office/drawing/2014/main" id="{1153AC97-1F0F-4DCC-9CF8-A5C9BD953179}"/>
-              </a:ext>
-            </a:extLst>
-          </p:cNvPr>
-          <p:cNvPicPr>
-            <a:picLocks noChangeAspect="1"/>
-          </p:cNvPicPr>
-          <p:nvPr/>
-        </p:nvPicPr>
-        <p:blipFill>
-          <a:blip r:embed="rId2"/>
-          <a:stretch>
-            <a:fillRect/>
-          </a:stretch>
-        </p:blipFill>
-        <p:spPr>
-          <a:xfrm>
-            <a:off x="7829032" y="58289"/>
-            <a:ext cx="4362968" cy="1639229"/>
-          </a:xfrm>
-          <a:prstGeom prst="rect">
-            <a:avLst/>
-          </a:prstGeom>
-        </p:spPr>
-      </p:pic>
-      <p:sp>
-        <p:nvSpPr>
-          <p:cNvPr id="7" name="Espace réservé du numéro de diapositive 2">
-            <a:extLst>
-              <a:ext uri="{FF2B5EF4-FFF2-40B4-BE49-F238E27FC236}">
-                <a16:creationId xmlns:a16="http://schemas.microsoft.com/office/drawing/2014/main" id="{8606EA2F-E9B4-4C87-83C3-46F31FE9182D}"/>
-              </a:ext>
-            </a:extLst>
-          </p:cNvPr>
-          <p:cNvSpPr>
-            <a:spLocks noGrp="1"/>
-          </p:cNvSpPr>
-          <p:nvPr>
-            <p:ph type="sldNum" sz="quarter" idx="12"/>
-          </p:nvPr>
-        </p:nvSpPr>
-        <p:spPr>
-          <a:xfrm>
-            <a:off x="11412867" y="165878"/>
-            <a:ext cx="643748" cy="365125"/>
-          </a:xfrm>
-        </p:spPr>
-        <p:txBody>
-          <a:bodyPr/>
-          <a:lstStyle/>
-          <a:p>
-            <a:fld id="{22EBEF4F-4056-4A7E-9612-F3E8B502E28B}" type="slidenum">
-              <a:rPr lang="fr-FR" sz="1600" b="1" smtClean="0"/>
-              <a:t>8</a:t>
-            </a:fld>
-            <a:endParaRPr lang="fr-FR" sz="1600" b="1" dirty="0"/>
-          </a:p>
-        </p:txBody>
-      </p:sp>
-      <p:pic>
-        <p:nvPicPr>
-          <p:cNvPr id="8" name="Picture 2" descr="Logo seattle">
-            <a:hlinkClick r:id="rId3"/>
-            <a:extLst>
-              <a:ext uri="{FF2B5EF4-FFF2-40B4-BE49-F238E27FC236}">
-                <a16:creationId xmlns:a16="http://schemas.microsoft.com/office/drawing/2014/main" id="{8DF89ACA-1E99-4CBA-86BB-C51FE92C94B0}"/>
-              </a:ext>
-            </a:extLst>
-          </p:cNvPr>
-          <p:cNvPicPr>
-            <a:picLocks noChangeAspect="1" noChangeArrowheads="1"/>
-          </p:cNvPicPr>
-          <p:nvPr/>
-        </p:nvPicPr>
-        <p:blipFill>
-          <a:blip r:embed="rId4">
-            <a:extLst>
-              <a:ext uri="{28A0092B-C50C-407E-A947-70E740481C1C}">
-                <a14:useLocalDpi xmlns:a14="http://schemas.microsoft.com/office/drawing/2010/main" val="0"/>
-              </a:ext>
-            </a:extLst>
-          </a:blip>
-          <a:srcRect/>
-          <a:stretch>
-            <a:fillRect/>
-          </a:stretch>
-        </p:blipFill>
-        <p:spPr bwMode="auto">
-          <a:xfrm>
-            <a:off x="0" y="0"/>
-            <a:ext cx="4762500" cy="2181225"/>
-          </a:xfrm>
-          <a:prstGeom prst="rect">
-            <a:avLst/>
-          </a:prstGeom>
-          <a:noFill/>
-          <a:extLst>
-            <a:ext uri="{909E8E84-426E-40DD-AFC4-6F175D3DCCD1}">
-              <a14:hiddenFill xmlns:a14="http://schemas.microsoft.com/office/drawing/2010/main">
-                <a:solidFill>
-                  <a:srgbClr val="FFFFFF"/>
-                </a:solidFill>
-              </a14:hiddenFill>
-            </a:ext>
-          </a:extLst>
-        </p:spPr>
-      </p:pic>
-    </p:spTree>
-    <p:extLst>
-      <p:ext uri="{BB962C8B-B14F-4D97-AF65-F5344CB8AC3E}">
-        <p14:creationId xmlns:p14="http://schemas.microsoft.com/office/powerpoint/2010/main" val="3031979299"/>
-      </p:ext>
-    </p:extLst>
-  </p:cSld>
-  <p:clrMapOvr>
-    <a:masterClrMapping/>
-  </p:clrMapOvr>
-</p:sld>
-</file>
-
-<file path=ppt/slides/slide9.xml><?xml version="1.0" encoding="utf-8"?>
-<p:sld xmlns:a="http://schemas.openxmlformats.org/drawingml/2006/main" xmlns:r="http://schemas.openxmlformats.org/officeDocument/2006/relationships" xmlns:p="http://schemas.openxmlformats.org/presentationml/2006/main">
-  <p:cSld>
-    <p:spTree>
-      <p:nvGrpSpPr>
-        <p:cNvPr id="1" name=""/>
-        <p:cNvGrpSpPr/>
-        <p:nvPr/>
-      </p:nvGrpSpPr>
-      <p:grpSpPr>
-        <a:xfrm>
-          <a:off x="0" y="0"/>
-          <a:ext cx="0" cy="0"/>
-          <a:chOff x="0" y="0"/>
-          <a:chExt cx="0" cy="0"/>
-        </a:xfrm>
-      </p:grpSpPr>
-      <p:sp>
-        <p:nvSpPr>
-          <p:cNvPr id="2" name="Titre 1">
-            <a:extLst>
-              <a:ext uri="{FF2B5EF4-FFF2-40B4-BE49-F238E27FC236}">
-                <a16:creationId xmlns:a16="http://schemas.microsoft.com/office/drawing/2014/main" id="{964011A4-8F80-4EB8-891E-8BB51852960E}"/>
-              </a:ext>
-            </a:extLst>
-          </p:cNvPr>
-          <p:cNvSpPr>
-            <a:spLocks noGrp="1"/>
-          </p:cNvSpPr>
-          <p:nvPr>
-            <p:ph type="title"/>
-          </p:nvPr>
-        </p:nvSpPr>
-        <p:spPr>
-          <a:xfrm>
-            <a:off x="685800" y="1636295"/>
-            <a:ext cx="10820399" cy="1325615"/>
-          </a:xfrm>
-        </p:spPr>
-        <p:txBody>
-          <a:bodyPr/>
-          <a:lstStyle/>
-          <a:p>
-            <a:r>
-              <a:rPr lang="fr-FR" b="1" dirty="0"/>
-              <a:t>Partie 5 :</a:t>
-            </a:r>
-            <a:br>
-              <a:rPr lang="fr-FR" dirty="0"/>
-            </a:br>
-            <a:r>
-              <a:rPr lang="fr-FR" dirty="0"/>
-              <a:t>QUESTIONS-RÉPONSES</a:t>
+            <a:r>
+              <a:rPr lang="en-GB" b="1" dirty="0"/>
+              <a:t>MERCI</a:t>
+            </a:r>
+            <a:r>
+              <a:rPr lang="en-GB" dirty="0"/>
+              <a:t> DE VOTRE ATTENTION</a:t>
             </a:r>
           </a:p>
         </p:txBody>
@@ -15493,7 +15154,7 @@
           <p:cNvPr id="5" name="Espace réservé du numéro de diapositive 2">
             <a:extLst>
               <a:ext uri="{FF2B5EF4-FFF2-40B4-BE49-F238E27FC236}">
-                <a16:creationId xmlns:a16="http://schemas.microsoft.com/office/drawing/2014/main" id="{75B687DA-E829-4436-98F8-FF693735BCC6}"/>
+                <a16:creationId xmlns:a16="http://schemas.microsoft.com/office/drawing/2014/main" id="{3D1D1AB8-7851-4721-BE32-CE6F1CBEFB5E}"/>
               </a:ext>
             </a:extLst>
           </p:cNvPr>
@@ -15614,7 +15275,7 @@
             <a:fld id="{22EBEF4F-4056-4A7E-9612-F3E8B502E28B}" type="slidenum">
               <a:rPr lang="fr-FR" sz="1600" b="1" smtClean="0"/>
               <a:pPr/>
-              <a:t>9</a:t>
+              <a:t>16</a:t>
             </a:fld>
             <a:endParaRPr lang="fr-FR" sz="1600" b="1" dirty="0"/>
           </a:p>
@@ -15622,11 +15283,11 @@
       </p:sp>
       <p:pic>
         <p:nvPicPr>
-          <p:cNvPr id="6" name="Picture 2" descr="Logo seattle">
+          <p:cNvPr id="7" name="Picture 2" descr="Logo seattle">
             <a:hlinkClick r:id="rId2"/>
             <a:extLst>
               <a:ext uri="{FF2B5EF4-FFF2-40B4-BE49-F238E27FC236}">
-                <a16:creationId xmlns:a16="http://schemas.microsoft.com/office/drawing/2014/main" id="{5BB76AC3-C0C4-471F-A850-5358456796F0}"/>
+                <a16:creationId xmlns:a16="http://schemas.microsoft.com/office/drawing/2014/main" id="{66AA73F2-622F-4C68-9B49-D36B2110457B}"/>
               </a:ext>
             </a:extLst>
           </p:cNvPr>
@@ -15671,7 +15332,2073 @@
     </p:spTree>
     <p:extLst>
       <p:ext uri="{BB962C8B-B14F-4D97-AF65-F5344CB8AC3E}">
-        <p14:creationId xmlns:p14="http://schemas.microsoft.com/office/powerpoint/2010/main" val="3375476623"/>
+        <p14:creationId xmlns:p14="http://schemas.microsoft.com/office/powerpoint/2010/main" val="3559895393"/>
+      </p:ext>
+    </p:extLst>
+  </p:cSld>
+  <p:clrMapOvr>
+    <a:masterClrMapping/>
+  </p:clrMapOvr>
+</p:sld>
+</file>
+
+<file path=ppt/slides/slide2.xml><?xml version="1.0" encoding="utf-8"?>
+<p:sld xmlns:a="http://schemas.openxmlformats.org/drawingml/2006/main" xmlns:r="http://schemas.openxmlformats.org/officeDocument/2006/relationships" xmlns:p="http://schemas.openxmlformats.org/presentationml/2006/main">
+  <p:cSld>
+    <p:spTree>
+      <p:nvGrpSpPr>
+        <p:cNvPr id="1" name=""/>
+        <p:cNvGrpSpPr/>
+        <p:nvPr/>
+      </p:nvGrpSpPr>
+      <p:grpSpPr>
+        <a:xfrm>
+          <a:off x="0" y="0"/>
+          <a:ext cx="0" cy="0"/>
+          <a:chOff x="0" y="0"/>
+          <a:chExt cx="0" cy="0"/>
+        </a:xfrm>
+      </p:grpSpPr>
+      <p:sp>
+        <p:nvSpPr>
+          <p:cNvPr id="2" name="Titre 1">
+            <a:extLst>
+              <a:ext uri="{FF2B5EF4-FFF2-40B4-BE49-F238E27FC236}">
+                <a16:creationId xmlns:a16="http://schemas.microsoft.com/office/drawing/2014/main" id="{5C9D7F57-BB6B-47B6-9F61-CC67E6CC5B5B}"/>
+              </a:ext>
+            </a:extLst>
+          </p:cNvPr>
+          <p:cNvSpPr>
+            <a:spLocks noGrp="1"/>
+          </p:cNvSpPr>
+          <p:nvPr>
+            <p:ph type="title"/>
+          </p:nvPr>
+        </p:nvSpPr>
+        <p:spPr>
+          <a:xfrm>
+            <a:off x="2895600" y="271529"/>
+            <a:ext cx="8610600" cy="1430187"/>
+          </a:xfrm>
+        </p:spPr>
+        <p:txBody>
+          <a:bodyPr/>
+          <a:lstStyle/>
+          <a:p>
+            <a:r>
+              <a:rPr lang="fr-FR" b="1" dirty="0"/>
+              <a:t>Plan de la présentation</a:t>
+            </a:r>
+          </a:p>
+        </p:txBody>
+      </p:sp>
+      <p:sp>
+        <p:nvSpPr>
+          <p:cNvPr id="3" name="Espace réservé du contenu 2">
+            <a:extLst>
+              <a:ext uri="{FF2B5EF4-FFF2-40B4-BE49-F238E27FC236}">
+                <a16:creationId xmlns:a16="http://schemas.microsoft.com/office/drawing/2014/main" id="{65C25AD1-BD09-42CD-AAA1-A13586FB9A0B}"/>
+              </a:ext>
+            </a:extLst>
+          </p:cNvPr>
+          <p:cNvSpPr>
+            <a:spLocks noGrp="1"/>
+          </p:cNvSpPr>
+          <p:nvPr>
+            <p:ph idx="1"/>
+          </p:nvPr>
+        </p:nvSpPr>
+        <p:spPr>
+          <a:xfrm>
+            <a:off x="304800" y="1936673"/>
+            <a:ext cx="11887200" cy="4896051"/>
+          </a:xfrm>
+        </p:spPr>
+        <p:txBody>
+          <a:bodyPr>
+            <a:normAutofit/>
+          </a:bodyPr>
+          <a:lstStyle/>
+          <a:p>
+            <a:pPr marL="0" indent="0">
+              <a:buNone/>
+            </a:pPr>
+            <a:r>
+              <a:rPr lang="fr-FR" sz="2400" b="1" cap="small" dirty="0"/>
+              <a:t>Partie 1 </a:t>
+            </a:r>
+            <a:r>
+              <a:rPr lang="fr-FR" sz="2400" cap="small" dirty="0"/>
+              <a:t>(5 min) – </a:t>
+            </a:r>
+            <a:r>
+              <a:rPr lang="fr-FR" sz="2400" dirty="0"/>
+              <a:t>Problématique, interprétation et pistes de recherche</a:t>
+            </a:r>
+          </a:p>
+          <a:p>
+            <a:pPr marL="0" indent="0">
+              <a:buNone/>
+            </a:pPr>
+            <a:endParaRPr lang="fr-FR" sz="2400" dirty="0"/>
+          </a:p>
+          <a:p>
+            <a:pPr marL="0" indent="0">
+              <a:buNone/>
+            </a:pPr>
+            <a:r>
+              <a:rPr lang="fr-FR" sz="2400" b="1" cap="small" dirty="0"/>
+              <a:t>Partie 2 </a:t>
+            </a:r>
+            <a:r>
+              <a:rPr lang="fr-FR" sz="2400" cap="small" dirty="0"/>
+              <a:t>(5 min) – N</a:t>
+            </a:r>
+            <a:r>
+              <a:rPr lang="fr-FR" sz="2400" dirty="0"/>
+              <a:t>ettoyage et exploration (notebook)</a:t>
+            </a:r>
+          </a:p>
+          <a:p>
+            <a:pPr marL="0" indent="0">
+              <a:buNone/>
+            </a:pPr>
+            <a:endParaRPr lang="fr-FR" sz="2400" dirty="0"/>
+          </a:p>
+          <a:p>
+            <a:pPr marL="0" indent="0">
+              <a:buNone/>
+            </a:pPr>
+            <a:r>
+              <a:rPr lang="fr-FR" sz="2400" b="1" cap="small" dirty="0"/>
+              <a:t>Partie 3 </a:t>
+            </a:r>
+            <a:r>
+              <a:rPr lang="fr-FR" sz="2400" cap="small" dirty="0"/>
+              <a:t>(10 min) – P</a:t>
+            </a:r>
+            <a:r>
+              <a:rPr lang="fr-FR" sz="2400" dirty="0"/>
+              <a:t>istes de modélisation effectuées (code)</a:t>
+            </a:r>
+          </a:p>
+          <a:p>
+            <a:pPr marL="0" indent="0">
+              <a:buNone/>
+            </a:pPr>
+            <a:endParaRPr lang="fr-FR" sz="2400" dirty="0"/>
+          </a:p>
+          <a:p>
+            <a:pPr marL="0" indent="0">
+              <a:buNone/>
+            </a:pPr>
+            <a:r>
+              <a:rPr lang="fr-FR" sz="2400" b="1" cap="small" dirty="0"/>
+              <a:t>Partie 4 </a:t>
+            </a:r>
+            <a:r>
+              <a:rPr lang="fr-FR" sz="2400" cap="small" dirty="0"/>
+              <a:t>(5 min) – M</a:t>
+            </a:r>
+            <a:r>
+              <a:rPr lang="fr-FR" sz="2400" dirty="0"/>
+              <a:t>odèle final sélectionné et améliorations (code)</a:t>
+            </a:r>
+          </a:p>
+          <a:p>
+            <a:pPr marL="0" indent="0">
+              <a:buNone/>
+            </a:pPr>
+            <a:endParaRPr lang="fr-FR" sz="2400" b="1" cap="small" dirty="0"/>
+          </a:p>
+          <a:p>
+            <a:pPr marL="0" indent="0">
+              <a:buNone/>
+            </a:pPr>
+            <a:r>
+              <a:rPr lang="fr-FR" sz="2400" b="1" cap="small" dirty="0"/>
+              <a:t>Partie 5 </a:t>
+            </a:r>
+            <a:r>
+              <a:rPr lang="fr-FR" sz="2400" cap="small" dirty="0"/>
+              <a:t>(5 à 10 min) – </a:t>
+            </a:r>
+            <a:r>
+              <a:rPr lang="fr-FR" sz="2400" dirty="0"/>
+              <a:t>Questions-réponses</a:t>
+            </a:r>
+          </a:p>
+        </p:txBody>
+      </p:sp>
+      <p:sp>
+        <p:nvSpPr>
+          <p:cNvPr id="6" name="Espace réservé du numéro de diapositive 2">
+            <a:extLst>
+              <a:ext uri="{FF2B5EF4-FFF2-40B4-BE49-F238E27FC236}">
+                <a16:creationId xmlns:a16="http://schemas.microsoft.com/office/drawing/2014/main" id="{1DB8435F-3D5B-46B0-8734-A0D3FB2E8B19}"/>
+              </a:ext>
+            </a:extLst>
+          </p:cNvPr>
+          <p:cNvSpPr>
+            <a:spLocks noGrp="1"/>
+          </p:cNvSpPr>
+          <p:nvPr>
+            <p:ph type="sldNum" sz="quarter" idx="12"/>
+          </p:nvPr>
+        </p:nvSpPr>
+        <p:spPr>
+          <a:xfrm>
+            <a:off x="11368479" y="384060"/>
+            <a:ext cx="643748" cy="365125"/>
+          </a:xfrm>
+        </p:spPr>
+        <p:txBody>
+          <a:bodyPr/>
+          <a:lstStyle/>
+          <a:p>
+            <a:fld id="{22EBEF4F-4056-4A7E-9612-F3E8B502E28B}" type="slidenum">
+              <a:rPr lang="fr-FR" sz="1600" b="1" smtClean="0"/>
+              <a:t>2</a:t>
+            </a:fld>
+            <a:endParaRPr lang="fr-FR" sz="1600" b="1" dirty="0"/>
+          </a:p>
+        </p:txBody>
+      </p:sp>
+    </p:spTree>
+    <p:extLst>
+      <p:ext uri="{BB962C8B-B14F-4D97-AF65-F5344CB8AC3E}">
+        <p14:creationId xmlns:p14="http://schemas.microsoft.com/office/powerpoint/2010/main" val="3271512906"/>
+      </p:ext>
+    </p:extLst>
+  </p:cSld>
+  <p:clrMapOvr>
+    <a:masterClrMapping/>
+  </p:clrMapOvr>
+</p:sld>
+</file>
+
+<file path=ppt/slides/slide3.xml><?xml version="1.0" encoding="utf-8"?>
+<p:sld xmlns:a="http://schemas.openxmlformats.org/drawingml/2006/main" xmlns:r="http://schemas.openxmlformats.org/officeDocument/2006/relationships" xmlns:p="http://schemas.openxmlformats.org/presentationml/2006/main">
+  <p:cSld>
+    <p:spTree>
+      <p:nvGrpSpPr>
+        <p:cNvPr id="1" name=""/>
+        <p:cNvGrpSpPr/>
+        <p:nvPr/>
+      </p:nvGrpSpPr>
+      <p:grpSpPr>
+        <a:xfrm>
+          <a:off x="0" y="0"/>
+          <a:ext cx="0" cy="0"/>
+          <a:chOff x="0" y="0"/>
+          <a:chExt cx="0" cy="0"/>
+        </a:xfrm>
+      </p:grpSpPr>
+      <p:sp>
+        <p:nvSpPr>
+          <p:cNvPr id="2" name="Titre 1">
+            <a:extLst>
+              <a:ext uri="{FF2B5EF4-FFF2-40B4-BE49-F238E27FC236}">
+                <a16:creationId xmlns:a16="http://schemas.microsoft.com/office/drawing/2014/main" id="{96885828-B058-4F14-80D3-515FB1B2EA26}"/>
+              </a:ext>
+            </a:extLst>
+          </p:cNvPr>
+          <p:cNvSpPr>
+            <a:spLocks noGrp="1"/>
+          </p:cNvSpPr>
+          <p:nvPr>
+            <p:ph type="title"/>
+          </p:nvPr>
+        </p:nvSpPr>
+        <p:spPr/>
+        <p:txBody>
+          <a:bodyPr/>
+          <a:lstStyle/>
+          <a:p>
+            <a:r>
+              <a:rPr lang="fr-FR" b="1" dirty="0"/>
+              <a:t>Partie 1 :</a:t>
+            </a:r>
+            <a:br>
+              <a:rPr lang="fr-FR" b="1" dirty="0"/>
+            </a:br>
+            <a:r>
+              <a:rPr lang="fr-FR" dirty="0"/>
+              <a:t>Présentation de </a:t>
+            </a:r>
+            <a:br>
+              <a:rPr lang="fr-FR" dirty="0"/>
+            </a:br>
+            <a:r>
+              <a:rPr lang="fr-FR" dirty="0"/>
+              <a:t>la problématique</a:t>
+            </a:r>
+          </a:p>
+        </p:txBody>
+      </p:sp>
+      <p:sp>
+        <p:nvSpPr>
+          <p:cNvPr id="3" name="Espace réservé du texte 2">
+            <a:extLst>
+              <a:ext uri="{FF2B5EF4-FFF2-40B4-BE49-F238E27FC236}">
+                <a16:creationId xmlns:a16="http://schemas.microsoft.com/office/drawing/2014/main" id="{C1CD7A5C-6044-4F77-841E-E28AF461363D}"/>
+              </a:ext>
+            </a:extLst>
+          </p:cNvPr>
+          <p:cNvSpPr>
+            <a:spLocks noGrp="1"/>
+          </p:cNvSpPr>
+          <p:nvPr>
+            <p:ph type="body" idx="1"/>
+          </p:nvPr>
+        </p:nvSpPr>
+        <p:spPr/>
+        <p:txBody>
+          <a:bodyPr/>
+          <a:lstStyle/>
+          <a:p>
+            <a:br>
+              <a:rPr lang="fr-FR" dirty="0"/>
+            </a:br>
+            <a:endParaRPr lang="fr-FR" dirty="0"/>
+          </a:p>
+        </p:txBody>
+      </p:sp>
+      <p:sp>
+        <p:nvSpPr>
+          <p:cNvPr id="6" name="Espace réservé du numéro de diapositive 2">
+            <a:extLst>
+              <a:ext uri="{FF2B5EF4-FFF2-40B4-BE49-F238E27FC236}">
+                <a16:creationId xmlns:a16="http://schemas.microsoft.com/office/drawing/2014/main" id="{2F10977A-4C16-4D01-AC77-DA41EC3976E0}"/>
+              </a:ext>
+            </a:extLst>
+          </p:cNvPr>
+          <p:cNvSpPr>
+            <a:spLocks noGrp="1"/>
+          </p:cNvSpPr>
+          <p:nvPr>
+            <p:ph type="sldNum" sz="quarter" idx="12"/>
+          </p:nvPr>
+        </p:nvSpPr>
+        <p:spPr>
+          <a:xfrm>
+            <a:off x="11412867" y="165878"/>
+            <a:ext cx="643748" cy="365125"/>
+          </a:xfrm>
+        </p:spPr>
+        <p:txBody>
+          <a:bodyPr/>
+          <a:lstStyle/>
+          <a:p>
+            <a:fld id="{22EBEF4F-4056-4A7E-9612-F3E8B502E28B}" type="slidenum">
+              <a:rPr lang="fr-FR" sz="1600" b="1" smtClean="0"/>
+              <a:t>3</a:t>
+            </a:fld>
+            <a:endParaRPr lang="fr-FR" sz="1600" b="1" dirty="0"/>
+          </a:p>
+        </p:txBody>
+      </p:sp>
+      <p:pic>
+        <p:nvPicPr>
+          <p:cNvPr id="5" name="Picture 2" descr="Logo seattle">
+            <a:hlinkClick r:id="rId2"/>
+            <a:extLst>
+              <a:ext uri="{FF2B5EF4-FFF2-40B4-BE49-F238E27FC236}">
+                <a16:creationId xmlns:a16="http://schemas.microsoft.com/office/drawing/2014/main" id="{9E945D29-504D-457D-9555-F93A102F68AA}"/>
+              </a:ext>
+            </a:extLst>
+          </p:cNvPr>
+          <p:cNvPicPr>
+            <a:picLocks noChangeAspect="1" noChangeArrowheads="1"/>
+          </p:cNvPicPr>
+          <p:nvPr/>
+        </p:nvPicPr>
+        <p:blipFill>
+          <a:blip r:embed="rId3">
+            <a:extLst>
+              <a:ext uri="{28A0092B-C50C-407E-A947-70E740481C1C}">
+                <a14:useLocalDpi xmlns:a14="http://schemas.microsoft.com/office/drawing/2010/main" val="0"/>
+              </a:ext>
+            </a:extLst>
+          </a:blip>
+          <a:srcRect/>
+          <a:stretch>
+            <a:fillRect/>
+          </a:stretch>
+        </p:blipFill>
+        <p:spPr bwMode="auto">
+          <a:xfrm>
+            <a:off x="0" y="0"/>
+            <a:ext cx="4762500" cy="2181225"/>
+          </a:xfrm>
+          <a:prstGeom prst="rect">
+            <a:avLst/>
+          </a:prstGeom>
+          <a:noFill/>
+          <a:extLst>
+            <a:ext uri="{909E8E84-426E-40DD-AFC4-6F175D3DCCD1}">
+              <a14:hiddenFill xmlns:a14="http://schemas.microsoft.com/office/drawing/2010/main">
+                <a:solidFill>
+                  <a:srgbClr val="FFFFFF"/>
+                </a:solidFill>
+              </a14:hiddenFill>
+            </a:ext>
+          </a:extLst>
+        </p:spPr>
+      </p:pic>
+    </p:spTree>
+    <p:extLst>
+      <p:ext uri="{BB962C8B-B14F-4D97-AF65-F5344CB8AC3E}">
+        <p14:creationId xmlns:p14="http://schemas.microsoft.com/office/powerpoint/2010/main" val="1510174254"/>
+      </p:ext>
+    </p:extLst>
+  </p:cSld>
+  <p:clrMapOvr>
+    <a:masterClrMapping/>
+  </p:clrMapOvr>
+</p:sld>
+</file>
+
+<file path=ppt/slides/slide4.xml><?xml version="1.0" encoding="utf-8"?>
+<p:sld xmlns:a="http://schemas.openxmlformats.org/drawingml/2006/main" xmlns:r="http://schemas.openxmlformats.org/officeDocument/2006/relationships" xmlns:p="http://schemas.openxmlformats.org/presentationml/2006/main">
+  <p:cSld>
+    <p:spTree>
+      <p:nvGrpSpPr>
+        <p:cNvPr id="1" name=""/>
+        <p:cNvGrpSpPr/>
+        <p:nvPr/>
+      </p:nvGrpSpPr>
+      <p:grpSpPr>
+        <a:xfrm>
+          <a:off x="0" y="0"/>
+          <a:ext cx="0" cy="0"/>
+          <a:chOff x="0" y="0"/>
+          <a:chExt cx="0" cy="0"/>
+        </a:xfrm>
+      </p:grpSpPr>
+      <p:sp>
+        <p:nvSpPr>
+          <p:cNvPr id="2" name="Title 1">
+            <a:extLst>
+              <a:ext uri="{FF2B5EF4-FFF2-40B4-BE49-F238E27FC236}">
+                <a16:creationId xmlns:a16="http://schemas.microsoft.com/office/drawing/2014/main" id="{5C9A419A-49B0-418E-80CB-42594B300BD2}"/>
+              </a:ext>
+            </a:extLst>
+          </p:cNvPr>
+          <p:cNvSpPr>
+            <a:spLocks noGrp="1"/>
+          </p:cNvSpPr>
+          <p:nvPr>
+            <p:ph type="title"/>
+          </p:nvPr>
+        </p:nvSpPr>
+        <p:spPr>
+          <a:xfrm>
+            <a:off x="685800" y="753533"/>
+            <a:ext cx="10820399" cy="722341"/>
+          </a:xfrm>
+        </p:spPr>
+        <p:txBody>
+          <a:bodyPr/>
+          <a:lstStyle/>
+          <a:p>
+            <a:r>
+              <a:rPr lang="fr-FR" b="1" dirty="0"/>
+              <a:t>Le contexte</a:t>
+            </a:r>
+            <a:endParaRPr lang="en-GB" b="1" dirty="0"/>
+          </a:p>
+        </p:txBody>
+      </p:sp>
+      <p:sp>
+        <p:nvSpPr>
+          <p:cNvPr id="3" name="Text Placeholder 2">
+            <a:extLst>
+              <a:ext uri="{FF2B5EF4-FFF2-40B4-BE49-F238E27FC236}">
+                <a16:creationId xmlns:a16="http://schemas.microsoft.com/office/drawing/2014/main" id="{9392442C-B3A0-4638-B622-291C64F6FED7}"/>
+              </a:ext>
+            </a:extLst>
+          </p:cNvPr>
+          <p:cNvSpPr>
+            <a:spLocks noGrp="1"/>
+          </p:cNvSpPr>
+          <p:nvPr>
+            <p:ph type="body" idx="1"/>
+          </p:nvPr>
+        </p:nvSpPr>
+        <p:spPr>
+          <a:xfrm>
+            <a:off x="407502" y="1546895"/>
+            <a:ext cx="11327239" cy="3415722"/>
+          </a:xfrm>
+        </p:spPr>
+        <p:txBody>
+          <a:bodyPr>
+            <a:normAutofit/>
+          </a:bodyPr>
+          <a:lstStyle/>
+          <a:p>
+            <a:r>
+              <a:rPr lang="fr-FR" sz="2800" dirty="0">
+                <a:solidFill>
+                  <a:schemeClr val="tx1"/>
+                </a:solidFill>
+              </a:rPr>
+              <a:t>Pour atteindre son objectif de ville neutre en émissions de carbone en 2050, la </a:t>
+            </a:r>
+            <a:r>
+              <a:rPr lang="fr-FR" sz="2800" b="1" dirty="0">
+                <a:solidFill>
+                  <a:schemeClr val="tx1"/>
+                </a:solidFill>
+              </a:rPr>
+              <a:t>ville de Seattle </a:t>
+            </a:r>
+            <a:r>
+              <a:rPr lang="fr-FR" sz="2800" dirty="0">
+                <a:solidFill>
+                  <a:schemeClr val="tx1"/>
+                </a:solidFill>
+              </a:rPr>
+              <a:t>s’intéresse de près aux émissions des bâtiments non destinés à l’habitation.</a:t>
+            </a:r>
+          </a:p>
+          <a:p>
+            <a:endParaRPr lang="fr-FR" sz="700" dirty="0">
+              <a:solidFill>
+                <a:schemeClr val="tx1"/>
+              </a:solidFill>
+            </a:endParaRPr>
+          </a:p>
+          <a:p>
+            <a:r>
+              <a:rPr lang="fr-FR" sz="2800" dirty="0">
+                <a:solidFill>
+                  <a:schemeClr val="tx1"/>
+                </a:solidFill>
+              </a:rPr>
+              <a:t> Les relevés sont coûteux à obtenir, et à partir de ceux déjà réalisés, vous voulez tenter de </a:t>
+            </a:r>
+            <a:r>
+              <a:rPr lang="fr-FR" sz="2800" b="1" dirty="0">
+                <a:solidFill>
+                  <a:schemeClr val="tx1"/>
+                </a:solidFill>
+              </a:rPr>
+              <a:t>prédire les émissions de CO2 et la consommation totale d’énergie</a:t>
+            </a:r>
+            <a:r>
+              <a:rPr lang="fr-FR" sz="2800" dirty="0">
+                <a:solidFill>
+                  <a:schemeClr val="tx1"/>
+                </a:solidFill>
+              </a:rPr>
+              <a:t> de bâtiments pour lesquels elles n’ont pas encore été mesurées.</a:t>
+            </a:r>
+            <a:endParaRPr lang="en-GB" sz="2800" dirty="0">
+              <a:solidFill>
+                <a:schemeClr val="tx1"/>
+              </a:solidFill>
+            </a:endParaRPr>
+          </a:p>
+        </p:txBody>
+      </p:sp>
+      <p:sp>
+        <p:nvSpPr>
+          <p:cNvPr id="6" name="Espace réservé du numéro de diapositive 2">
+            <a:extLst>
+              <a:ext uri="{FF2B5EF4-FFF2-40B4-BE49-F238E27FC236}">
+                <a16:creationId xmlns:a16="http://schemas.microsoft.com/office/drawing/2014/main" id="{76442820-B957-4E3F-837C-4D0E995BC418}"/>
+              </a:ext>
+            </a:extLst>
+          </p:cNvPr>
+          <p:cNvSpPr>
+            <a:spLocks noGrp="1"/>
+          </p:cNvSpPr>
+          <p:nvPr>
+            <p:ph type="sldNum" sz="quarter" idx="12"/>
+          </p:nvPr>
+        </p:nvSpPr>
+        <p:spPr>
+          <a:xfrm>
+            <a:off x="11412867" y="165878"/>
+            <a:ext cx="643748" cy="365125"/>
+          </a:xfrm>
+        </p:spPr>
+        <p:txBody>
+          <a:bodyPr/>
+          <a:lstStyle/>
+          <a:p>
+            <a:fld id="{22EBEF4F-4056-4A7E-9612-F3E8B502E28B}" type="slidenum">
+              <a:rPr lang="fr-FR" sz="1600" b="1" smtClean="0"/>
+              <a:t>4</a:t>
+            </a:fld>
+            <a:endParaRPr lang="fr-FR" sz="1600" b="1" dirty="0"/>
+          </a:p>
+        </p:txBody>
+      </p:sp>
+      <p:pic>
+        <p:nvPicPr>
+          <p:cNvPr id="1026" name="Picture 2" descr="Logo seattle">
+            <a:hlinkClick r:id="rId3"/>
+            <a:extLst>
+              <a:ext uri="{FF2B5EF4-FFF2-40B4-BE49-F238E27FC236}">
+                <a16:creationId xmlns:a16="http://schemas.microsoft.com/office/drawing/2014/main" id="{47BD1711-2520-4CCC-85F1-48F4FB4CE765}"/>
+              </a:ext>
+            </a:extLst>
+          </p:cNvPr>
+          <p:cNvPicPr>
+            <a:picLocks noChangeAspect="1" noChangeArrowheads="1"/>
+          </p:cNvPicPr>
+          <p:nvPr/>
+        </p:nvPicPr>
+        <p:blipFill>
+          <a:blip r:embed="rId4">
+            <a:extLst>
+              <a:ext uri="{28A0092B-C50C-407E-A947-70E740481C1C}">
+                <a14:useLocalDpi xmlns:a14="http://schemas.microsoft.com/office/drawing/2010/main" val="0"/>
+              </a:ext>
+            </a:extLst>
+          </a:blip>
+          <a:srcRect/>
+          <a:stretch>
+            <a:fillRect/>
+          </a:stretch>
+        </p:blipFill>
+        <p:spPr bwMode="auto">
+          <a:xfrm>
+            <a:off x="0" y="0"/>
+            <a:ext cx="4762500" cy="2181225"/>
+          </a:xfrm>
+          <a:prstGeom prst="rect">
+            <a:avLst/>
+          </a:prstGeom>
+          <a:noFill/>
+          <a:extLst>
+            <a:ext uri="{909E8E84-426E-40DD-AFC4-6F175D3DCCD1}">
+              <a14:hiddenFill xmlns:a14="http://schemas.microsoft.com/office/drawing/2010/main">
+                <a:solidFill>
+                  <a:srgbClr val="FFFFFF"/>
+                </a:solidFill>
+              </a14:hiddenFill>
+            </a:ext>
+          </a:extLst>
+        </p:spPr>
+      </p:pic>
+    </p:spTree>
+    <p:extLst>
+      <p:ext uri="{BB962C8B-B14F-4D97-AF65-F5344CB8AC3E}">
+        <p14:creationId xmlns:p14="http://schemas.microsoft.com/office/powerpoint/2010/main" val="3576308320"/>
+      </p:ext>
+    </p:extLst>
+  </p:cSld>
+  <p:clrMapOvr>
+    <a:masterClrMapping/>
+  </p:clrMapOvr>
+</p:sld>
+</file>
+
+<file path=ppt/slides/slide5.xml><?xml version="1.0" encoding="utf-8"?>
+<p:sld xmlns:a="http://schemas.openxmlformats.org/drawingml/2006/main" xmlns:r="http://schemas.openxmlformats.org/officeDocument/2006/relationships" xmlns:p="http://schemas.openxmlformats.org/presentationml/2006/main">
+  <p:cSld>
+    <p:spTree>
+      <p:nvGrpSpPr>
+        <p:cNvPr id="1" name=""/>
+        <p:cNvGrpSpPr/>
+        <p:nvPr/>
+      </p:nvGrpSpPr>
+      <p:grpSpPr>
+        <a:xfrm>
+          <a:off x="0" y="0"/>
+          <a:ext cx="0" cy="0"/>
+          <a:chOff x="0" y="0"/>
+          <a:chExt cx="0" cy="0"/>
+        </a:xfrm>
+      </p:grpSpPr>
+      <p:sp>
+        <p:nvSpPr>
+          <p:cNvPr id="2" name="Title 1">
+            <a:extLst>
+              <a:ext uri="{FF2B5EF4-FFF2-40B4-BE49-F238E27FC236}">
+                <a16:creationId xmlns:a16="http://schemas.microsoft.com/office/drawing/2014/main" id="{5C9A419A-49B0-418E-80CB-42594B300BD2}"/>
+              </a:ext>
+            </a:extLst>
+          </p:cNvPr>
+          <p:cNvSpPr>
+            <a:spLocks noGrp="1"/>
+          </p:cNvSpPr>
+          <p:nvPr>
+            <p:ph type="title"/>
+          </p:nvPr>
+        </p:nvSpPr>
+        <p:spPr>
+          <a:xfrm>
+            <a:off x="685800" y="753533"/>
+            <a:ext cx="10820399" cy="722341"/>
+          </a:xfrm>
+        </p:spPr>
+        <p:txBody>
+          <a:bodyPr/>
+          <a:lstStyle/>
+          <a:p>
+            <a:r>
+              <a:rPr lang="fr-FR" b="1" dirty="0"/>
+              <a:t>LES DONNÉES</a:t>
+            </a:r>
+            <a:endParaRPr lang="en-GB" b="1" dirty="0"/>
+          </a:p>
+        </p:txBody>
+      </p:sp>
+      <p:sp>
+        <p:nvSpPr>
+          <p:cNvPr id="3" name="Text Placeholder 2">
+            <a:extLst>
+              <a:ext uri="{FF2B5EF4-FFF2-40B4-BE49-F238E27FC236}">
+                <a16:creationId xmlns:a16="http://schemas.microsoft.com/office/drawing/2014/main" id="{9392442C-B3A0-4638-B622-291C64F6FED7}"/>
+              </a:ext>
+            </a:extLst>
+          </p:cNvPr>
+          <p:cNvSpPr>
+            <a:spLocks noGrp="1"/>
+          </p:cNvSpPr>
+          <p:nvPr>
+            <p:ph type="body" idx="1"/>
+          </p:nvPr>
+        </p:nvSpPr>
+        <p:spPr>
+          <a:xfrm>
+            <a:off x="2030274" y="1970843"/>
+            <a:ext cx="10490200" cy="3841243"/>
+          </a:xfrm>
+        </p:spPr>
+        <p:txBody>
+          <a:bodyPr>
+            <a:normAutofit/>
+          </a:bodyPr>
+          <a:lstStyle/>
+          <a:p>
+            <a:pPr algn="l"/>
+            <a:r>
+              <a:rPr lang="fr-FR" sz="2800" b="1" dirty="0">
+                <a:solidFill>
+                  <a:schemeClr val="tx1"/>
+                </a:solidFill>
+              </a:rPr>
+              <a:t>Données accessibles sur </a:t>
+            </a:r>
+            <a:r>
+              <a:rPr lang="fr-FR" sz="2800" b="1" dirty="0">
+                <a:solidFill>
+                  <a:schemeClr val="tx1"/>
+                </a:solidFill>
+                <a:hlinkClick r:id="rId2"/>
+              </a:rPr>
+              <a:t>kaggle.com</a:t>
+            </a:r>
+            <a:endParaRPr lang="fr-FR" sz="2800" b="1" dirty="0">
+              <a:solidFill>
+                <a:schemeClr val="tx1"/>
+              </a:solidFill>
+            </a:endParaRPr>
+          </a:p>
+          <a:p>
+            <a:pPr algn="l"/>
+            <a:endParaRPr lang="fr-FR" dirty="0">
+              <a:solidFill>
+                <a:schemeClr val="tx1"/>
+              </a:solidFill>
+            </a:endParaRPr>
+          </a:p>
+          <a:p>
+            <a:pPr marL="342900" indent="-342900" algn="l">
+              <a:buFont typeface="Arial" panose="020B0604020202020204" pitchFamily="34" charset="0"/>
+              <a:buChar char="•"/>
+            </a:pPr>
+            <a:r>
+              <a:rPr lang="fr-FR" dirty="0">
+                <a:solidFill>
+                  <a:schemeClr val="tx1"/>
+                </a:solidFill>
+              </a:rPr>
+              <a:t>Données de la ville de </a:t>
+            </a:r>
+            <a:r>
+              <a:rPr lang="fr-FR" b="1" dirty="0">
+                <a:solidFill>
+                  <a:schemeClr val="tx1"/>
+                </a:solidFill>
+              </a:rPr>
+              <a:t>Seattle</a:t>
+            </a:r>
+          </a:p>
+          <a:p>
+            <a:pPr marL="342900" indent="-342900" algn="l">
+              <a:buFont typeface="Arial" panose="020B0604020202020204" pitchFamily="34" charset="0"/>
+              <a:buChar char="•"/>
+            </a:pPr>
+            <a:r>
+              <a:rPr lang="fr-FR" dirty="0">
+                <a:solidFill>
+                  <a:schemeClr val="tx1"/>
+                </a:solidFill>
+              </a:rPr>
+              <a:t>Deux tables : pour les années </a:t>
+            </a:r>
+            <a:r>
+              <a:rPr lang="fr-FR" b="1" dirty="0">
+                <a:solidFill>
+                  <a:schemeClr val="tx1"/>
+                </a:solidFill>
+              </a:rPr>
+              <a:t>2015</a:t>
+            </a:r>
+            <a:r>
+              <a:rPr lang="fr-FR" dirty="0">
+                <a:solidFill>
+                  <a:schemeClr val="tx1"/>
+                </a:solidFill>
+              </a:rPr>
+              <a:t> et </a:t>
+            </a:r>
+            <a:r>
+              <a:rPr lang="fr-FR" b="1" dirty="0">
+                <a:solidFill>
+                  <a:schemeClr val="tx1"/>
+                </a:solidFill>
+              </a:rPr>
+              <a:t>2016</a:t>
+            </a:r>
+          </a:p>
+          <a:p>
+            <a:pPr marL="342900" indent="-342900" algn="l">
+              <a:buFont typeface="Arial" panose="020B0604020202020204" pitchFamily="34" charset="0"/>
+              <a:buChar char="•"/>
+            </a:pPr>
+            <a:r>
+              <a:rPr lang="fr-FR" dirty="0">
+                <a:solidFill>
+                  <a:schemeClr val="tx1"/>
+                </a:solidFill>
+              </a:rPr>
+              <a:t>Environ </a:t>
+            </a:r>
+            <a:r>
+              <a:rPr lang="fr-FR" b="1" dirty="0">
+                <a:solidFill>
+                  <a:schemeClr val="tx1"/>
+                </a:solidFill>
+              </a:rPr>
+              <a:t>3’400 bâtiments </a:t>
+            </a:r>
+            <a:r>
+              <a:rPr lang="fr-FR" dirty="0">
+                <a:solidFill>
+                  <a:schemeClr val="tx1"/>
+                </a:solidFill>
+              </a:rPr>
+              <a:t>dans chaque table, et </a:t>
+            </a:r>
+            <a:r>
+              <a:rPr lang="fr-FR" b="1" dirty="0">
+                <a:solidFill>
+                  <a:schemeClr val="tx1"/>
+                </a:solidFill>
+              </a:rPr>
+              <a:t>46 caractéristiques</a:t>
+            </a:r>
+          </a:p>
+          <a:p>
+            <a:pPr marL="342900" indent="-342900" algn="l">
+              <a:buFont typeface="Arial" panose="020B0604020202020204" pitchFamily="34" charset="0"/>
+              <a:buChar char="•"/>
+            </a:pPr>
+            <a:r>
+              <a:rPr lang="fr-FR" dirty="0">
+                <a:solidFill>
+                  <a:schemeClr val="tx1"/>
+                </a:solidFill>
+              </a:rPr>
+              <a:t>Les fichiers .csv pèsent </a:t>
+            </a:r>
+            <a:r>
+              <a:rPr lang="fr-FR" b="1" dirty="0">
+                <a:solidFill>
+                  <a:schemeClr val="tx1"/>
+                </a:solidFill>
+              </a:rPr>
+              <a:t>1,5 Mo + 1,2 Mo</a:t>
+            </a:r>
+          </a:p>
+        </p:txBody>
+      </p:sp>
+      <p:sp>
+        <p:nvSpPr>
+          <p:cNvPr id="6" name="Espace réservé du numéro de diapositive 2">
+            <a:extLst>
+              <a:ext uri="{FF2B5EF4-FFF2-40B4-BE49-F238E27FC236}">
+                <a16:creationId xmlns:a16="http://schemas.microsoft.com/office/drawing/2014/main" id="{5E00C3BC-F857-4F8A-B344-42D30B295FAB}"/>
+              </a:ext>
+            </a:extLst>
+          </p:cNvPr>
+          <p:cNvSpPr>
+            <a:spLocks noGrp="1"/>
+          </p:cNvSpPr>
+          <p:nvPr>
+            <p:ph type="sldNum" sz="quarter" idx="12"/>
+          </p:nvPr>
+        </p:nvSpPr>
+        <p:spPr>
+          <a:xfrm>
+            <a:off x="11412867" y="165878"/>
+            <a:ext cx="643748" cy="365125"/>
+          </a:xfrm>
+        </p:spPr>
+        <p:txBody>
+          <a:bodyPr/>
+          <a:lstStyle/>
+          <a:p>
+            <a:fld id="{22EBEF4F-4056-4A7E-9612-F3E8B502E28B}" type="slidenum">
+              <a:rPr lang="fr-FR" sz="1600" b="1" smtClean="0"/>
+              <a:t>5</a:t>
+            </a:fld>
+            <a:endParaRPr lang="fr-FR" sz="1600" b="1" dirty="0"/>
+          </a:p>
+        </p:txBody>
+      </p:sp>
+      <p:pic>
+        <p:nvPicPr>
+          <p:cNvPr id="7" name="Picture 2" descr="Logo seattle">
+            <a:hlinkClick r:id="rId3"/>
+            <a:extLst>
+              <a:ext uri="{FF2B5EF4-FFF2-40B4-BE49-F238E27FC236}">
+                <a16:creationId xmlns:a16="http://schemas.microsoft.com/office/drawing/2014/main" id="{3C113C34-27E5-444F-8695-D5F390C7C770}"/>
+              </a:ext>
+            </a:extLst>
+          </p:cNvPr>
+          <p:cNvPicPr>
+            <a:picLocks noChangeAspect="1" noChangeArrowheads="1"/>
+          </p:cNvPicPr>
+          <p:nvPr/>
+        </p:nvPicPr>
+        <p:blipFill>
+          <a:blip r:embed="rId4">
+            <a:extLst>
+              <a:ext uri="{28A0092B-C50C-407E-A947-70E740481C1C}">
+                <a14:useLocalDpi xmlns:a14="http://schemas.microsoft.com/office/drawing/2010/main" val="0"/>
+              </a:ext>
+            </a:extLst>
+          </a:blip>
+          <a:srcRect/>
+          <a:stretch>
+            <a:fillRect/>
+          </a:stretch>
+        </p:blipFill>
+        <p:spPr bwMode="auto">
+          <a:xfrm>
+            <a:off x="0" y="0"/>
+            <a:ext cx="4762500" cy="2181225"/>
+          </a:xfrm>
+          <a:prstGeom prst="rect">
+            <a:avLst/>
+          </a:prstGeom>
+          <a:noFill/>
+          <a:extLst>
+            <a:ext uri="{909E8E84-426E-40DD-AFC4-6F175D3DCCD1}">
+              <a14:hiddenFill xmlns:a14="http://schemas.microsoft.com/office/drawing/2010/main">
+                <a:solidFill>
+                  <a:srgbClr val="FFFFFF"/>
+                </a:solidFill>
+              </a14:hiddenFill>
+            </a:ext>
+          </a:extLst>
+        </p:spPr>
+      </p:pic>
+      <p:pic>
+        <p:nvPicPr>
+          <p:cNvPr id="8" name="Image 7">
+            <a:extLst>
+              <a:ext uri="{FF2B5EF4-FFF2-40B4-BE49-F238E27FC236}">
+                <a16:creationId xmlns:a16="http://schemas.microsoft.com/office/drawing/2014/main" id="{9668152F-709E-480D-A804-1469650945F3}"/>
+              </a:ext>
+            </a:extLst>
+          </p:cNvPr>
+          <p:cNvPicPr>
+            <a:picLocks noChangeAspect="1"/>
+          </p:cNvPicPr>
+          <p:nvPr/>
+        </p:nvPicPr>
+        <p:blipFill>
+          <a:blip r:embed="rId5">
+            <a:extLst>
+              <a:ext uri="{28A0092B-C50C-407E-A947-70E740481C1C}">
+                <a14:useLocalDpi xmlns:a14="http://schemas.microsoft.com/office/drawing/2010/main" val="0"/>
+              </a:ext>
+            </a:extLst>
+          </a:blip>
+          <a:stretch>
+            <a:fillRect/>
+          </a:stretch>
+        </p:blipFill>
+        <p:spPr>
+          <a:xfrm>
+            <a:off x="9317367" y="1475874"/>
+            <a:ext cx="2095500" cy="952500"/>
+          </a:xfrm>
+          <a:prstGeom prst="rect">
+            <a:avLst/>
+          </a:prstGeom>
+        </p:spPr>
+      </p:pic>
+    </p:spTree>
+    <p:extLst>
+      <p:ext uri="{BB962C8B-B14F-4D97-AF65-F5344CB8AC3E}">
+        <p14:creationId xmlns:p14="http://schemas.microsoft.com/office/powerpoint/2010/main" val="1478984346"/>
+      </p:ext>
+    </p:extLst>
+  </p:cSld>
+  <p:clrMapOvr>
+    <a:masterClrMapping/>
+  </p:clrMapOvr>
+</p:sld>
+</file>
+
+<file path=ppt/slides/slide6.xml><?xml version="1.0" encoding="utf-8"?>
+<p:sld xmlns:a="http://schemas.openxmlformats.org/drawingml/2006/main" xmlns:r="http://schemas.openxmlformats.org/officeDocument/2006/relationships" xmlns:p="http://schemas.openxmlformats.org/presentationml/2006/main">
+  <p:cSld>
+    <p:spTree>
+      <p:nvGrpSpPr>
+        <p:cNvPr id="1" name=""/>
+        <p:cNvGrpSpPr/>
+        <p:nvPr/>
+      </p:nvGrpSpPr>
+      <p:grpSpPr>
+        <a:xfrm>
+          <a:off x="0" y="0"/>
+          <a:ext cx="0" cy="0"/>
+          <a:chOff x="0" y="0"/>
+          <a:chExt cx="0" cy="0"/>
+        </a:xfrm>
+      </p:grpSpPr>
+      <p:sp>
+        <p:nvSpPr>
+          <p:cNvPr id="2" name="Titre 1">
+            <a:extLst>
+              <a:ext uri="{FF2B5EF4-FFF2-40B4-BE49-F238E27FC236}">
+                <a16:creationId xmlns:a16="http://schemas.microsoft.com/office/drawing/2014/main" id="{7850C025-007E-4FA0-BD5D-262373463563}"/>
+              </a:ext>
+            </a:extLst>
+          </p:cNvPr>
+          <p:cNvSpPr>
+            <a:spLocks noGrp="1"/>
+          </p:cNvSpPr>
+          <p:nvPr>
+            <p:ph type="title"/>
+          </p:nvPr>
+        </p:nvSpPr>
+        <p:spPr>
+          <a:xfrm>
+            <a:off x="2895600" y="0"/>
+            <a:ext cx="8610600" cy="1293028"/>
+          </a:xfrm>
+        </p:spPr>
+        <p:txBody>
+          <a:bodyPr/>
+          <a:lstStyle/>
+          <a:p>
+            <a:r>
+              <a:rPr lang="fr-FR" b="1" dirty="0"/>
+              <a:t>Problématique</a:t>
+            </a:r>
+          </a:p>
+        </p:txBody>
+      </p:sp>
+      <p:sp>
+        <p:nvSpPr>
+          <p:cNvPr id="3" name="Espace réservé du contenu 2">
+            <a:extLst>
+              <a:ext uri="{FF2B5EF4-FFF2-40B4-BE49-F238E27FC236}">
+                <a16:creationId xmlns:a16="http://schemas.microsoft.com/office/drawing/2014/main" id="{46474F09-B1B9-454A-9F56-5CA66AE284CF}"/>
+              </a:ext>
+            </a:extLst>
+          </p:cNvPr>
+          <p:cNvSpPr>
+            <a:spLocks noGrp="1"/>
+          </p:cNvSpPr>
+          <p:nvPr>
+            <p:ph idx="1"/>
+          </p:nvPr>
+        </p:nvSpPr>
+        <p:spPr>
+          <a:xfrm>
+            <a:off x="1078520" y="1589350"/>
+            <a:ext cx="10105806" cy="4873840"/>
+          </a:xfrm>
+        </p:spPr>
+        <p:txBody>
+          <a:bodyPr>
+            <a:normAutofit lnSpcReduction="10000"/>
+          </a:bodyPr>
+          <a:lstStyle/>
+          <a:p>
+            <a:pPr marL="457200" indent="-457200">
+              <a:buFont typeface="+mj-lt"/>
+              <a:buAutoNum type="arabicParenR"/>
+            </a:pPr>
+            <a:r>
+              <a:rPr lang="fr-FR" dirty="0"/>
+              <a:t>L’</a:t>
+            </a:r>
+            <a:r>
+              <a:rPr lang="fr-FR" b="1" dirty="0"/>
+              <a:t>apprentissage statistique </a:t>
+            </a:r>
+            <a:r>
+              <a:rPr lang="fr-FR" dirty="0"/>
+              <a:t>peut-il aider à résoudre notre problème ?</a:t>
+            </a:r>
+          </a:p>
+          <a:p>
+            <a:pPr marL="0" indent="0">
+              <a:buNone/>
+            </a:pPr>
+            <a:endParaRPr lang="fr-FR" sz="900" dirty="0"/>
+          </a:p>
+          <a:p>
+            <a:pPr lvl="1">
+              <a:buFont typeface="Symbol" panose="05050102010706020507" pitchFamily="18" charset="2"/>
+              <a:buChar char="Þ"/>
+            </a:pPr>
+            <a:r>
+              <a:rPr lang="fr-FR" dirty="0"/>
+              <a:t> sélectionner le </a:t>
+            </a:r>
+            <a:r>
+              <a:rPr lang="fr-FR" b="1" dirty="0"/>
+              <a:t>meilleur modèle</a:t>
+            </a:r>
+            <a:r>
+              <a:rPr lang="fr-FR" dirty="0"/>
+              <a:t> d’apprentissage statistique</a:t>
+            </a:r>
+          </a:p>
+          <a:p>
+            <a:pPr lvl="1">
+              <a:buFont typeface="Symbol" panose="05050102010706020507" pitchFamily="18" charset="2"/>
+              <a:buChar char="Þ"/>
+            </a:pPr>
+            <a:r>
+              <a:rPr lang="fr-FR" dirty="0"/>
+              <a:t> sélectionner les meilleurs </a:t>
+            </a:r>
+            <a:r>
+              <a:rPr lang="fr-FR" b="1" dirty="0"/>
+              <a:t>hyperparamètres</a:t>
+            </a:r>
+          </a:p>
+          <a:p>
+            <a:pPr lvl="1">
+              <a:buFont typeface="Symbol" panose="05050102010706020507" pitchFamily="18" charset="2"/>
+              <a:buChar char="Þ"/>
+            </a:pPr>
+            <a:r>
+              <a:rPr lang="fr-FR" b="1" dirty="0"/>
+              <a:t> </a:t>
+            </a:r>
+            <a:r>
+              <a:rPr lang="fr-FR" dirty="0"/>
+              <a:t>évaluer la </a:t>
+            </a:r>
+            <a:r>
+              <a:rPr lang="fr-FR" b="1" dirty="0"/>
+              <a:t>performance</a:t>
+            </a:r>
+            <a:r>
+              <a:rPr lang="fr-FR" dirty="0"/>
+              <a:t> du modèle obtenu</a:t>
+            </a:r>
+          </a:p>
+          <a:p>
+            <a:pPr marL="457200" lvl="1" indent="0">
+              <a:buNone/>
+            </a:pPr>
+            <a:endParaRPr lang="fr-FR" dirty="0"/>
+          </a:p>
+          <a:p>
+            <a:pPr marL="457200" indent="-457200">
+              <a:buFont typeface="+mj-lt"/>
+              <a:buAutoNum type="arabicParenR" startAt="2"/>
+            </a:pPr>
+            <a:r>
+              <a:rPr lang="fr-FR" dirty="0"/>
+              <a:t>Quelles sont les </a:t>
+            </a:r>
+            <a:r>
+              <a:rPr lang="fr-FR" b="1" dirty="0"/>
+              <a:t>caractéristiques</a:t>
+            </a:r>
+            <a:r>
+              <a:rPr lang="fr-FR" dirty="0"/>
+              <a:t> les plus importantes ?</a:t>
+            </a:r>
+          </a:p>
+          <a:p>
+            <a:pPr marL="0" indent="0">
+              <a:buNone/>
+            </a:pPr>
+            <a:endParaRPr lang="fr-FR" sz="900" dirty="0"/>
+          </a:p>
+          <a:p>
+            <a:pPr lvl="1">
+              <a:buFont typeface="Symbol" panose="05050102010706020507" pitchFamily="18" charset="2"/>
+              <a:buChar char="Þ"/>
+            </a:pPr>
+            <a:r>
+              <a:rPr lang="fr-FR" dirty="0"/>
+              <a:t> étudier la pertinence de la variable « </a:t>
+            </a:r>
+            <a:r>
+              <a:rPr lang="fr-FR" b="1" dirty="0"/>
+              <a:t>ENERGY STAR Score</a:t>
+            </a:r>
+            <a:r>
+              <a:rPr lang="fr-FR" dirty="0"/>
+              <a:t> »</a:t>
+            </a:r>
+          </a:p>
+          <a:p>
+            <a:pPr lvl="1">
+              <a:buFont typeface="Symbol" panose="05050102010706020507" pitchFamily="18" charset="2"/>
+              <a:buChar char="Þ"/>
+            </a:pPr>
+            <a:endParaRPr lang="fr-FR" dirty="0"/>
+          </a:p>
+          <a:p>
+            <a:pPr marL="457200" indent="-457200">
+              <a:buFont typeface="+mj-lt"/>
+              <a:buAutoNum type="arabicParenR" startAt="3"/>
+            </a:pPr>
+            <a:r>
+              <a:rPr lang="fr-FR" dirty="0"/>
+              <a:t>Quelles sont les </a:t>
+            </a:r>
+            <a:r>
+              <a:rPr lang="fr-FR" b="1" dirty="0"/>
+              <a:t>améliorations</a:t>
+            </a:r>
+            <a:r>
+              <a:rPr lang="fr-FR" dirty="0"/>
+              <a:t> possibles ?</a:t>
+            </a:r>
+          </a:p>
+          <a:p>
+            <a:pPr marL="0" indent="0">
+              <a:buNone/>
+            </a:pPr>
+            <a:endParaRPr lang="fr-FR" sz="900" dirty="0"/>
+          </a:p>
+          <a:p>
+            <a:pPr lvl="1">
+              <a:buFont typeface="Symbol" panose="05050102010706020507" pitchFamily="18" charset="2"/>
+              <a:buChar char="Þ"/>
+            </a:pPr>
+            <a:r>
+              <a:rPr lang="fr-FR" dirty="0"/>
+              <a:t> effets de la taille du jeu de données d’entraînement</a:t>
+            </a:r>
+          </a:p>
+          <a:p>
+            <a:pPr lvl="1">
+              <a:buFont typeface="Symbol" panose="05050102010706020507" pitchFamily="18" charset="2"/>
+              <a:buChar char="Þ"/>
+            </a:pPr>
+            <a:r>
+              <a:rPr lang="fr-FR" dirty="0"/>
+              <a:t> impact des observations (bâtiments) « hors-normes »</a:t>
+            </a:r>
+          </a:p>
+          <a:p>
+            <a:pPr lvl="1">
+              <a:buFont typeface="Symbol" panose="05050102010706020507" pitchFamily="18" charset="2"/>
+              <a:buChar char="Þ"/>
+            </a:pPr>
+            <a:r>
+              <a:rPr lang="fr-FR" dirty="0"/>
+              <a:t> …</a:t>
+            </a:r>
+          </a:p>
+          <a:p>
+            <a:pPr lvl="1">
+              <a:buFont typeface="Symbol" panose="05050102010706020507" pitchFamily="18" charset="2"/>
+              <a:buChar char="Þ"/>
+            </a:pPr>
+            <a:endParaRPr lang="fr-FR" dirty="0"/>
+          </a:p>
+          <a:p>
+            <a:pPr marL="0" indent="0">
+              <a:buNone/>
+            </a:pPr>
+            <a:endParaRPr lang="fr-FR" dirty="0"/>
+          </a:p>
+          <a:p>
+            <a:pPr marL="0" indent="0">
+              <a:buNone/>
+            </a:pPr>
+            <a:endParaRPr lang="fr-FR" dirty="0"/>
+          </a:p>
+          <a:p>
+            <a:pPr marL="0" indent="0">
+              <a:buNone/>
+            </a:pPr>
+            <a:endParaRPr lang="fr-FR" dirty="0"/>
+          </a:p>
+        </p:txBody>
+      </p:sp>
+      <p:sp>
+        <p:nvSpPr>
+          <p:cNvPr id="5" name="Espace réservé du numéro de diapositive 2">
+            <a:extLst>
+              <a:ext uri="{FF2B5EF4-FFF2-40B4-BE49-F238E27FC236}">
+                <a16:creationId xmlns:a16="http://schemas.microsoft.com/office/drawing/2014/main" id="{5FD0754F-2D60-4FA5-A704-EFCE0FF46133}"/>
+              </a:ext>
+            </a:extLst>
+          </p:cNvPr>
+          <p:cNvSpPr txBox="1">
+            <a:spLocks/>
+          </p:cNvSpPr>
+          <p:nvPr/>
+        </p:nvSpPr>
+        <p:spPr>
+          <a:xfrm>
+            <a:off x="11184326" y="394810"/>
+            <a:ext cx="643748" cy="365125"/>
+          </a:xfrm>
+          <a:prstGeom prst="rect">
+            <a:avLst/>
+          </a:prstGeom>
+        </p:spPr>
+        <p:txBody>
+          <a:bodyPr vert="horz" lIns="91440" tIns="45720" rIns="91440" bIns="45720" rtlCol="0" anchor="ctr"/>
+          <a:lstStyle>
+            <a:defPPr>
+              <a:defRPr lang="en-US"/>
+            </a:defPPr>
+            <a:lvl1pPr marL="0" algn="r" defTabSz="457200" rtl="0" eaLnBrk="1" latinLnBrk="0" hangingPunct="1">
+              <a:defRPr sz="1050" kern="1200">
+                <a:solidFill>
+                  <a:schemeClr val="tx1">
+                    <a:tint val="75000"/>
+                  </a:schemeClr>
+                </a:solidFill>
+                <a:latin typeface="+mn-lt"/>
+                <a:ea typeface="+mn-ea"/>
+                <a:cs typeface="+mn-cs"/>
+              </a:defRPr>
+            </a:lvl1pPr>
+            <a:lvl2pPr marL="457200" algn="l" defTabSz="457200" rtl="0" eaLnBrk="1" latinLnBrk="0" hangingPunct="1">
+              <a:defRPr sz="1800" kern="1200">
+                <a:solidFill>
+                  <a:schemeClr val="tx1"/>
+                </a:solidFill>
+                <a:latin typeface="+mn-lt"/>
+                <a:ea typeface="+mn-ea"/>
+                <a:cs typeface="+mn-cs"/>
+              </a:defRPr>
+            </a:lvl2pPr>
+            <a:lvl3pPr marL="914400" algn="l" defTabSz="457200" rtl="0" eaLnBrk="1" latinLnBrk="0" hangingPunct="1">
+              <a:defRPr sz="1800" kern="1200">
+                <a:solidFill>
+                  <a:schemeClr val="tx1"/>
+                </a:solidFill>
+                <a:latin typeface="+mn-lt"/>
+                <a:ea typeface="+mn-ea"/>
+                <a:cs typeface="+mn-cs"/>
+              </a:defRPr>
+            </a:lvl3pPr>
+            <a:lvl4pPr marL="1371600" algn="l" defTabSz="457200" rtl="0" eaLnBrk="1" latinLnBrk="0" hangingPunct="1">
+              <a:defRPr sz="1800" kern="1200">
+                <a:solidFill>
+                  <a:schemeClr val="tx1"/>
+                </a:solidFill>
+                <a:latin typeface="+mn-lt"/>
+                <a:ea typeface="+mn-ea"/>
+                <a:cs typeface="+mn-cs"/>
+              </a:defRPr>
+            </a:lvl4pPr>
+            <a:lvl5pPr marL="1828800" algn="l" defTabSz="457200" rtl="0" eaLnBrk="1" latinLnBrk="0" hangingPunct="1">
+              <a:defRPr sz="1800" kern="1200">
+                <a:solidFill>
+                  <a:schemeClr val="tx1"/>
+                </a:solidFill>
+                <a:latin typeface="+mn-lt"/>
+                <a:ea typeface="+mn-ea"/>
+                <a:cs typeface="+mn-cs"/>
+              </a:defRPr>
+            </a:lvl5pPr>
+            <a:lvl6pPr marL="2286000" algn="l" defTabSz="457200" rtl="0" eaLnBrk="1" latinLnBrk="0" hangingPunct="1">
+              <a:defRPr sz="1800" kern="1200">
+                <a:solidFill>
+                  <a:schemeClr val="tx1"/>
+                </a:solidFill>
+                <a:latin typeface="+mn-lt"/>
+                <a:ea typeface="+mn-ea"/>
+                <a:cs typeface="+mn-cs"/>
+              </a:defRPr>
+            </a:lvl6pPr>
+            <a:lvl7pPr marL="2743200" algn="l" defTabSz="457200" rtl="0" eaLnBrk="1" latinLnBrk="0" hangingPunct="1">
+              <a:defRPr sz="1800" kern="1200">
+                <a:solidFill>
+                  <a:schemeClr val="tx1"/>
+                </a:solidFill>
+                <a:latin typeface="+mn-lt"/>
+                <a:ea typeface="+mn-ea"/>
+                <a:cs typeface="+mn-cs"/>
+              </a:defRPr>
+            </a:lvl7pPr>
+            <a:lvl8pPr marL="3200400" algn="l" defTabSz="457200" rtl="0" eaLnBrk="1" latinLnBrk="0" hangingPunct="1">
+              <a:defRPr sz="1800" kern="1200">
+                <a:solidFill>
+                  <a:schemeClr val="tx1"/>
+                </a:solidFill>
+                <a:latin typeface="+mn-lt"/>
+                <a:ea typeface="+mn-ea"/>
+                <a:cs typeface="+mn-cs"/>
+              </a:defRPr>
+            </a:lvl8pPr>
+            <a:lvl9pPr marL="3657600" algn="l" defTabSz="457200" rtl="0" eaLnBrk="1" latinLnBrk="0" hangingPunct="1">
+              <a:defRPr sz="1800" kern="1200">
+                <a:solidFill>
+                  <a:schemeClr val="tx1"/>
+                </a:solidFill>
+                <a:latin typeface="+mn-lt"/>
+                <a:ea typeface="+mn-ea"/>
+                <a:cs typeface="+mn-cs"/>
+              </a:defRPr>
+            </a:lvl9pPr>
+          </a:lstStyle>
+          <a:p>
+            <a:fld id="{22EBEF4F-4056-4A7E-9612-F3E8B502E28B}" type="slidenum">
+              <a:rPr lang="fr-FR" sz="1600" b="1" smtClean="0"/>
+              <a:pPr/>
+              <a:t>6</a:t>
+            </a:fld>
+            <a:endParaRPr lang="fr-FR" sz="1600" b="1" dirty="0"/>
+          </a:p>
+        </p:txBody>
+      </p:sp>
+      <p:pic>
+        <p:nvPicPr>
+          <p:cNvPr id="6" name="Picture 2" descr="Logo seattle">
+            <a:hlinkClick r:id="rId2"/>
+            <a:extLst>
+              <a:ext uri="{FF2B5EF4-FFF2-40B4-BE49-F238E27FC236}">
+                <a16:creationId xmlns:a16="http://schemas.microsoft.com/office/drawing/2014/main" id="{689E9768-C673-4714-A022-EABB64687512}"/>
+              </a:ext>
+            </a:extLst>
+          </p:cNvPr>
+          <p:cNvPicPr>
+            <a:picLocks noChangeAspect="1" noChangeArrowheads="1"/>
+          </p:cNvPicPr>
+          <p:nvPr/>
+        </p:nvPicPr>
+        <p:blipFill>
+          <a:blip r:embed="rId3">
+            <a:extLst>
+              <a:ext uri="{28A0092B-C50C-407E-A947-70E740481C1C}">
+                <a14:useLocalDpi xmlns:a14="http://schemas.microsoft.com/office/drawing/2010/main" val="0"/>
+              </a:ext>
+            </a:extLst>
+          </a:blip>
+          <a:srcRect/>
+          <a:stretch>
+            <a:fillRect/>
+          </a:stretch>
+        </p:blipFill>
+        <p:spPr bwMode="auto">
+          <a:xfrm>
+            <a:off x="0" y="0"/>
+            <a:ext cx="2895600" cy="1326185"/>
+          </a:xfrm>
+          <a:prstGeom prst="rect">
+            <a:avLst/>
+          </a:prstGeom>
+          <a:noFill/>
+          <a:extLst>
+            <a:ext uri="{909E8E84-426E-40DD-AFC4-6F175D3DCCD1}">
+              <a14:hiddenFill xmlns:a14="http://schemas.microsoft.com/office/drawing/2010/main">
+                <a:solidFill>
+                  <a:srgbClr val="FFFFFF"/>
+                </a:solidFill>
+              </a14:hiddenFill>
+            </a:ext>
+          </a:extLst>
+        </p:spPr>
+      </p:pic>
+    </p:spTree>
+    <p:extLst>
+      <p:ext uri="{BB962C8B-B14F-4D97-AF65-F5344CB8AC3E}">
+        <p14:creationId xmlns:p14="http://schemas.microsoft.com/office/powerpoint/2010/main" val="4229974391"/>
+      </p:ext>
+    </p:extLst>
+  </p:cSld>
+  <p:clrMapOvr>
+    <a:masterClrMapping/>
+  </p:clrMapOvr>
+</p:sld>
+</file>
+
+<file path=ppt/slides/slide7.xml><?xml version="1.0" encoding="utf-8"?>
+<p:sld xmlns:a="http://schemas.openxmlformats.org/drawingml/2006/main" xmlns:r="http://schemas.openxmlformats.org/officeDocument/2006/relationships" xmlns:p="http://schemas.openxmlformats.org/presentationml/2006/main">
+  <p:cSld>
+    <p:spTree>
+      <p:nvGrpSpPr>
+        <p:cNvPr id="1" name=""/>
+        <p:cNvGrpSpPr/>
+        <p:nvPr/>
+      </p:nvGrpSpPr>
+      <p:grpSpPr>
+        <a:xfrm>
+          <a:off x="0" y="0"/>
+          <a:ext cx="0" cy="0"/>
+          <a:chOff x="0" y="0"/>
+          <a:chExt cx="0" cy="0"/>
+        </a:xfrm>
+      </p:grpSpPr>
+      <p:sp>
+        <p:nvSpPr>
+          <p:cNvPr id="2" name="Titre 1">
+            <a:extLst>
+              <a:ext uri="{FF2B5EF4-FFF2-40B4-BE49-F238E27FC236}">
+                <a16:creationId xmlns:a16="http://schemas.microsoft.com/office/drawing/2014/main" id="{96885828-B058-4F14-80D3-515FB1B2EA26}"/>
+              </a:ext>
+            </a:extLst>
+          </p:cNvPr>
+          <p:cNvSpPr>
+            <a:spLocks noGrp="1"/>
+          </p:cNvSpPr>
+          <p:nvPr>
+            <p:ph type="title"/>
+          </p:nvPr>
+        </p:nvSpPr>
+        <p:spPr>
+          <a:xfrm>
+            <a:off x="694268" y="1317627"/>
+            <a:ext cx="10820399" cy="2801935"/>
+          </a:xfrm>
+        </p:spPr>
+        <p:txBody>
+          <a:bodyPr>
+            <a:normAutofit/>
+          </a:bodyPr>
+          <a:lstStyle/>
+          <a:p>
+            <a:r>
+              <a:rPr lang="fr-FR" sz="2400" b="1" dirty="0"/>
+              <a:t>Partie 2 : </a:t>
+            </a:r>
+            <a:r>
+              <a:rPr lang="fr-FR" sz="2400" cap="small" dirty="0"/>
+              <a:t>N</a:t>
+            </a:r>
+            <a:r>
+              <a:rPr lang="fr-FR" sz="2400" dirty="0"/>
+              <a:t>ettoyage et exploration </a:t>
+            </a:r>
+            <a:br>
+              <a:rPr lang="fr-FR" sz="2400" dirty="0"/>
+            </a:br>
+            <a:br>
+              <a:rPr lang="fr-FR" sz="2400" dirty="0"/>
+            </a:br>
+            <a:r>
+              <a:rPr lang="fr-FR" sz="2400" b="1" dirty="0"/>
+              <a:t>Partie 3 : </a:t>
+            </a:r>
+            <a:r>
+              <a:rPr lang="fr-FR" sz="2400" cap="small" dirty="0"/>
+              <a:t>P</a:t>
+            </a:r>
+            <a:r>
+              <a:rPr lang="fr-FR" sz="2400" dirty="0"/>
+              <a:t>istes de modélisation effectuées </a:t>
+            </a:r>
+            <a:br>
+              <a:rPr lang="fr-FR" sz="2400" dirty="0"/>
+            </a:br>
+            <a:br>
+              <a:rPr lang="fr-FR" sz="2400" dirty="0"/>
+            </a:br>
+            <a:r>
+              <a:rPr lang="fr-FR" sz="2400" b="1" dirty="0"/>
+              <a:t>Partie 4 : </a:t>
+            </a:r>
+            <a:r>
+              <a:rPr lang="fr-FR" sz="2400" cap="small" dirty="0"/>
+              <a:t>M</a:t>
+            </a:r>
+            <a:r>
+              <a:rPr lang="fr-FR" sz="2400" dirty="0"/>
+              <a:t>odèle final sélectionné et améliorations</a:t>
+            </a:r>
+          </a:p>
+        </p:txBody>
+      </p:sp>
+      <p:sp>
+        <p:nvSpPr>
+          <p:cNvPr id="3" name="Espace réservé du texte 2">
+            <a:extLst>
+              <a:ext uri="{FF2B5EF4-FFF2-40B4-BE49-F238E27FC236}">
+                <a16:creationId xmlns:a16="http://schemas.microsoft.com/office/drawing/2014/main" id="{C1CD7A5C-6044-4F77-841E-E28AF461363D}"/>
+              </a:ext>
+            </a:extLst>
+          </p:cNvPr>
+          <p:cNvSpPr>
+            <a:spLocks noGrp="1"/>
+          </p:cNvSpPr>
+          <p:nvPr>
+            <p:ph type="body" idx="1"/>
+          </p:nvPr>
+        </p:nvSpPr>
+        <p:spPr/>
+        <p:txBody>
+          <a:bodyPr/>
+          <a:lstStyle/>
+          <a:p>
+            <a:br>
+              <a:rPr lang="fr-FR" dirty="0"/>
+            </a:br>
+            <a:endParaRPr lang="fr-FR" dirty="0"/>
+          </a:p>
+        </p:txBody>
+      </p:sp>
+      <p:pic>
+        <p:nvPicPr>
+          <p:cNvPr id="6" name="Picture 5">
+            <a:extLst>
+              <a:ext uri="{FF2B5EF4-FFF2-40B4-BE49-F238E27FC236}">
+                <a16:creationId xmlns:a16="http://schemas.microsoft.com/office/drawing/2014/main" id="{1153AC97-1F0F-4DCC-9CF8-A5C9BD953179}"/>
+              </a:ext>
+            </a:extLst>
+          </p:cNvPr>
+          <p:cNvPicPr>
+            <a:picLocks noChangeAspect="1"/>
+          </p:cNvPicPr>
+          <p:nvPr/>
+        </p:nvPicPr>
+        <p:blipFill>
+          <a:blip r:embed="rId2"/>
+          <a:stretch>
+            <a:fillRect/>
+          </a:stretch>
+        </p:blipFill>
+        <p:spPr>
+          <a:xfrm>
+            <a:off x="7829032" y="58289"/>
+            <a:ext cx="4362968" cy="1639229"/>
+          </a:xfrm>
+          <a:prstGeom prst="rect">
+            <a:avLst/>
+          </a:prstGeom>
+        </p:spPr>
+      </p:pic>
+      <p:sp>
+        <p:nvSpPr>
+          <p:cNvPr id="7" name="Espace réservé du numéro de diapositive 2">
+            <a:extLst>
+              <a:ext uri="{FF2B5EF4-FFF2-40B4-BE49-F238E27FC236}">
+                <a16:creationId xmlns:a16="http://schemas.microsoft.com/office/drawing/2014/main" id="{8606EA2F-E9B4-4C87-83C3-46F31FE9182D}"/>
+              </a:ext>
+            </a:extLst>
+          </p:cNvPr>
+          <p:cNvSpPr>
+            <a:spLocks noGrp="1"/>
+          </p:cNvSpPr>
+          <p:nvPr>
+            <p:ph type="sldNum" sz="quarter" idx="12"/>
+          </p:nvPr>
+        </p:nvSpPr>
+        <p:spPr>
+          <a:xfrm>
+            <a:off x="11412867" y="165878"/>
+            <a:ext cx="643748" cy="365125"/>
+          </a:xfrm>
+        </p:spPr>
+        <p:txBody>
+          <a:bodyPr/>
+          <a:lstStyle/>
+          <a:p>
+            <a:fld id="{22EBEF4F-4056-4A7E-9612-F3E8B502E28B}" type="slidenum">
+              <a:rPr lang="fr-FR" sz="1600" b="1" smtClean="0"/>
+              <a:t>7</a:t>
+            </a:fld>
+            <a:endParaRPr lang="fr-FR" sz="1600" b="1" dirty="0"/>
+          </a:p>
+        </p:txBody>
+      </p:sp>
+      <p:pic>
+        <p:nvPicPr>
+          <p:cNvPr id="8" name="Picture 2" descr="Logo seattle">
+            <a:hlinkClick r:id="rId3"/>
+            <a:extLst>
+              <a:ext uri="{FF2B5EF4-FFF2-40B4-BE49-F238E27FC236}">
+                <a16:creationId xmlns:a16="http://schemas.microsoft.com/office/drawing/2014/main" id="{8DF89ACA-1E99-4CBA-86BB-C51FE92C94B0}"/>
+              </a:ext>
+            </a:extLst>
+          </p:cNvPr>
+          <p:cNvPicPr>
+            <a:picLocks noChangeAspect="1" noChangeArrowheads="1"/>
+          </p:cNvPicPr>
+          <p:nvPr/>
+        </p:nvPicPr>
+        <p:blipFill>
+          <a:blip r:embed="rId4">
+            <a:extLst>
+              <a:ext uri="{28A0092B-C50C-407E-A947-70E740481C1C}">
+                <a14:useLocalDpi xmlns:a14="http://schemas.microsoft.com/office/drawing/2010/main" val="0"/>
+              </a:ext>
+            </a:extLst>
+          </a:blip>
+          <a:srcRect/>
+          <a:stretch>
+            <a:fillRect/>
+          </a:stretch>
+        </p:blipFill>
+        <p:spPr bwMode="auto">
+          <a:xfrm>
+            <a:off x="0" y="0"/>
+            <a:ext cx="4762500" cy="2181225"/>
+          </a:xfrm>
+          <a:prstGeom prst="rect">
+            <a:avLst/>
+          </a:prstGeom>
+          <a:noFill/>
+          <a:extLst>
+            <a:ext uri="{909E8E84-426E-40DD-AFC4-6F175D3DCCD1}">
+              <a14:hiddenFill xmlns:a14="http://schemas.microsoft.com/office/drawing/2010/main">
+                <a:solidFill>
+                  <a:srgbClr val="FFFFFF"/>
+                </a:solidFill>
+              </a14:hiddenFill>
+            </a:ext>
+          </a:extLst>
+        </p:spPr>
+      </p:pic>
+    </p:spTree>
+    <p:extLst>
+      <p:ext uri="{BB962C8B-B14F-4D97-AF65-F5344CB8AC3E}">
+        <p14:creationId xmlns:p14="http://schemas.microsoft.com/office/powerpoint/2010/main" val="3031979299"/>
+      </p:ext>
+    </p:extLst>
+  </p:cSld>
+  <p:clrMapOvr>
+    <a:masterClrMapping/>
+  </p:clrMapOvr>
+</p:sld>
+</file>
+
+<file path=ppt/slides/slide8.xml><?xml version="1.0" encoding="utf-8"?>
+<p:sld xmlns:a="http://schemas.openxmlformats.org/drawingml/2006/main" xmlns:r="http://schemas.openxmlformats.org/officeDocument/2006/relationships" xmlns:p="http://schemas.openxmlformats.org/presentationml/2006/main">
+  <p:cSld>
+    <p:spTree>
+      <p:nvGrpSpPr>
+        <p:cNvPr id="1" name=""/>
+        <p:cNvGrpSpPr/>
+        <p:nvPr/>
+      </p:nvGrpSpPr>
+      <p:grpSpPr>
+        <a:xfrm>
+          <a:off x="0" y="0"/>
+          <a:ext cx="0" cy="0"/>
+          <a:chOff x="0" y="0"/>
+          <a:chExt cx="0" cy="0"/>
+        </a:xfrm>
+      </p:grpSpPr>
+      <p:sp>
+        <p:nvSpPr>
+          <p:cNvPr id="2" name="Titre 1">
+            <a:extLst>
+              <a:ext uri="{FF2B5EF4-FFF2-40B4-BE49-F238E27FC236}">
+                <a16:creationId xmlns:a16="http://schemas.microsoft.com/office/drawing/2014/main" id="{96885828-B058-4F14-80D3-515FB1B2EA26}"/>
+              </a:ext>
+            </a:extLst>
+          </p:cNvPr>
+          <p:cNvSpPr>
+            <a:spLocks noGrp="1"/>
+          </p:cNvSpPr>
+          <p:nvPr>
+            <p:ph type="title"/>
+          </p:nvPr>
+        </p:nvSpPr>
+        <p:spPr/>
+        <p:txBody>
+          <a:bodyPr/>
+          <a:lstStyle/>
+          <a:p>
+            <a:r>
+              <a:rPr lang="fr-FR" b="1" dirty="0"/>
+              <a:t>Partie 4 :</a:t>
+            </a:r>
+            <a:br>
+              <a:rPr lang="fr-FR" b="1" dirty="0"/>
+            </a:br>
+            <a:r>
+              <a:rPr lang="fr-FR" dirty="0"/>
+              <a:t>Modèle final &amp;</a:t>
+            </a:r>
+            <a:br>
+              <a:rPr lang="fr-FR" dirty="0"/>
+            </a:br>
+            <a:r>
+              <a:rPr lang="fr-FR" dirty="0"/>
+              <a:t>améliorations</a:t>
+            </a:r>
+          </a:p>
+        </p:txBody>
+      </p:sp>
+      <p:sp>
+        <p:nvSpPr>
+          <p:cNvPr id="3" name="Espace réservé du texte 2">
+            <a:extLst>
+              <a:ext uri="{FF2B5EF4-FFF2-40B4-BE49-F238E27FC236}">
+                <a16:creationId xmlns:a16="http://schemas.microsoft.com/office/drawing/2014/main" id="{C1CD7A5C-6044-4F77-841E-E28AF461363D}"/>
+              </a:ext>
+            </a:extLst>
+          </p:cNvPr>
+          <p:cNvSpPr>
+            <a:spLocks noGrp="1"/>
+          </p:cNvSpPr>
+          <p:nvPr>
+            <p:ph type="body" idx="1"/>
+          </p:nvPr>
+        </p:nvSpPr>
+        <p:spPr/>
+        <p:txBody>
+          <a:bodyPr/>
+          <a:lstStyle/>
+          <a:p>
+            <a:br>
+              <a:rPr lang="fr-FR" dirty="0"/>
+            </a:br>
+            <a:endParaRPr lang="fr-FR" dirty="0"/>
+          </a:p>
+        </p:txBody>
+      </p:sp>
+      <p:sp>
+        <p:nvSpPr>
+          <p:cNvPr id="6" name="Espace réservé du numéro de diapositive 2">
+            <a:extLst>
+              <a:ext uri="{FF2B5EF4-FFF2-40B4-BE49-F238E27FC236}">
+                <a16:creationId xmlns:a16="http://schemas.microsoft.com/office/drawing/2014/main" id="{2F10977A-4C16-4D01-AC77-DA41EC3976E0}"/>
+              </a:ext>
+            </a:extLst>
+          </p:cNvPr>
+          <p:cNvSpPr>
+            <a:spLocks noGrp="1"/>
+          </p:cNvSpPr>
+          <p:nvPr>
+            <p:ph type="sldNum" sz="quarter" idx="12"/>
+          </p:nvPr>
+        </p:nvSpPr>
+        <p:spPr>
+          <a:xfrm>
+            <a:off x="11412867" y="165878"/>
+            <a:ext cx="643748" cy="365125"/>
+          </a:xfrm>
+        </p:spPr>
+        <p:txBody>
+          <a:bodyPr/>
+          <a:lstStyle/>
+          <a:p>
+            <a:fld id="{22EBEF4F-4056-4A7E-9612-F3E8B502E28B}" type="slidenum">
+              <a:rPr lang="fr-FR" sz="1600" b="1" smtClean="0"/>
+              <a:t>8</a:t>
+            </a:fld>
+            <a:endParaRPr lang="fr-FR" sz="1600" b="1" dirty="0"/>
+          </a:p>
+        </p:txBody>
+      </p:sp>
+      <p:pic>
+        <p:nvPicPr>
+          <p:cNvPr id="7" name="Picture 2" descr="Logo seattle">
+            <a:hlinkClick r:id="rId2"/>
+            <a:extLst>
+              <a:ext uri="{FF2B5EF4-FFF2-40B4-BE49-F238E27FC236}">
+                <a16:creationId xmlns:a16="http://schemas.microsoft.com/office/drawing/2014/main" id="{34E1343D-322B-45B5-9FE7-CFBB5AE1FC81}"/>
+              </a:ext>
+            </a:extLst>
+          </p:cNvPr>
+          <p:cNvPicPr>
+            <a:picLocks noChangeAspect="1" noChangeArrowheads="1"/>
+          </p:cNvPicPr>
+          <p:nvPr/>
+        </p:nvPicPr>
+        <p:blipFill>
+          <a:blip r:embed="rId3">
+            <a:extLst>
+              <a:ext uri="{28A0092B-C50C-407E-A947-70E740481C1C}">
+                <a14:useLocalDpi xmlns:a14="http://schemas.microsoft.com/office/drawing/2010/main" val="0"/>
+              </a:ext>
+            </a:extLst>
+          </a:blip>
+          <a:srcRect/>
+          <a:stretch>
+            <a:fillRect/>
+          </a:stretch>
+        </p:blipFill>
+        <p:spPr bwMode="auto">
+          <a:xfrm>
+            <a:off x="0" y="0"/>
+            <a:ext cx="4762500" cy="2181225"/>
+          </a:xfrm>
+          <a:prstGeom prst="rect">
+            <a:avLst/>
+          </a:prstGeom>
+          <a:noFill/>
+          <a:extLst>
+            <a:ext uri="{909E8E84-426E-40DD-AFC4-6F175D3DCCD1}">
+              <a14:hiddenFill xmlns:a14="http://schemas.microsoft.com/office/drawing/2010/main">
+                <a:solidFill>
+                  <a:srgbClr val="FFFFFF"/>
+                </a:solidFill>
+              </a14:hiddenFill>
+            </a:ext>
+          </a:extLst>
+        </p:spPr>
+      </p:pic>
+    </p:spTree>
+    <p:extLst>
+      <p:ext uri="{BB962C8B-B14F-4D97-AF65-F5344CB8AC3E}">
+        <p14:creationId xmlns:p14="http://schemas.microsoft.com/office/powerpoint/2010/main" val="1706803578"/>
+      </p:ext>
+    </p:extLst>
+  </p:cSld>
+  <p:clrMapOvr>
+    <a:masterClrMapping/>
+  </p:clrMapOvr>
+</p:sld>
+</file>
+
+<file path=ppt/slides/slide9.xml><?xml version="1.0" encoding="utf-8"?>
+<p:sld xmlns:a="http://schemas.openxmlformats.org/drawingml/2006/main" xmlns:r="http://schemas.openxmlformats.org/officeDocument/2006/relationships" xmlns:p="http://schemas.openxmlformats.org/presentationml/2006/main">
+  <p:cSld>
+    <p:spTree>
+      <p:nvGrpSpPr>
+        <p:cNvPr id="1" name=""/>
+        <p:cNvGrpSpPr/>
+        <p:nvPr/>
+      </p:nvGrpSpPr>
+      <p:grpSpPr>
+        <a:xfrm>
+          <a:off x="0" y="0"/>
+          <a:ext cx="0" cy="0"/>
+          <a:chOff x="0" y="0"/>
+          <a:chExt cx="0" cy="0"/>
+        </a:xfrm>
+      </p:grpSpPr>
+      <p:sp>
+        <p:nvSpPr>
+          <p:cNvPr id="4" name="Espace réservé du numéro de diapositive 3">
+            <a:extLst>
+              <a:ext uri="{FF2B5EF4-FFF2-40B4-BE49-F238E27FC236}">
+                <a16:creationId xmlns:a16="http://schemas.microsoft.com/office/drawing/2014/main" id="{D7AFAC9E-13B7-4230-A464-A3B55700E222}"/>
+              </a:ext>
+            </a:extLst>
+          </p:cNvPr>
+          <p:cNvSpPr>
+            <a:spLocks noGrp="1"/>
+          </p:cNvSpPr>
+          <p:nvPr>
+            <p:ph type="sldNum" sz="quarter" idx="12"/>
+          </p:nvPr>
+        </p:nvSpPr>
+        <p:spPr/>
+        <p:txBody>
+          <a:bodyPr/>
+          <a:lstStyle/>
+          <a:p>
+            <a:fld id="{22EBEF4F-4056-4A7E-9612-F3E8B502E28B}" type="slidenum">
+              <a:rPr lang="fr-FR" smtClean="0"/>
+              <a:t>9</a:t>
+            </a:fld>
+            <a:endParaRPr lang="fr-FR"/>
+          </a:p>
+        </p:txBody>
+      </p:sp>
+      <p:pic>
+        <p:nvPicPr>
+          <p:cNvPr id="6" name="Image 5">
+            <a:extLst>
+              <a:ext uri="{FF2B5EF4-FFF2-40B4-BE49-F238E27FC236}">
+                <a16:creationId xmlns:a16="http://schemas.microsoft.com/office/drawing/2014/main" id="{9B9C1000-E47B-4458-A210-7502C97CCEEF}"/>
+              </a:ext>
+            </a:extLst>
+          </p:cNvPr>
+          <p:cNvPicPr>
+            <a:picLocks noChangeAspect="1"/>
+          </p:cNvPicPr>
+          <p:nvPr/>
+        </p:nvPicPr>
+        <p:blipFill>
+          <a:blip r:embed="rId2">
+            <a:extLst>
+              <a:ext uri="{28A0092B-C50C-407E-A947-70E740481C1C}">
+                <a14:useLocalDpi xmlns:a14="http://schemas.microsoft.com/office/drawing/2010/main" val="0"/>
+              </a:ext>
+            </a:extLst>
+          </a:blip>
+          <a:stretch>
+            <a:fillRect/>
+          </a:stretch>
+        </p:blipFill>
+        <p:spPr>
+          <a:xfrm>
+            <a:off x="6095999" y="1299280"/>
+            <a:ext cx="5472345" cy="3134228"/>
+          </a:xfrm>
+          <a:prstGeom prst="rect">
+            <a:avLst/>
+          </a:prstGeom>
+        </p:spPr>
+      </p:pic>
+      <p:pic>
+        <p:nvPicPr>
+          <p:cNvPr id="8" name="Image 7">
+            <a:extLst>
+              <a:ext uri="{FF2B5EF4-FFF2-40B4-BE49-F238E27FC236}">
+                <a16:creationId xmlns:a16="http://schemas.microsoft.com/office/drawing/2014/main" id="{81401696-A686-4EBB-99A0-E7FE1082675D}"/>
+              </a:ext>
+            </a:extLst>
+          </p:cNvPr>
+          <p:cNvPicPr>
+            <a:picLocks noChangeAspect="1"/>
+          </p:cNvPicPr>
+          <p:nvPr/>
+        </p:nvPicPr>
+        <p:blipFill>
+          <a:blip r:embed="rId3">
+            <a:extLst>
+              <a:ext uri="{28A0092B-C50C-407E-A947-70E740481C1C}">
+                <a14:useLocalDpi xmlns:a14="http://schemas.microsoft.com/office/drawing/2010/main" val="0"/>
+              </a:ext>
+            </a:extLst>
+          </a:blip>
+          <a:stretch>
+            <a:fillRect/>
+          </a:stretch>
+        </p:blipFill>
+        <p:spPr>
+          <a:xfrm>
+            <a:off x="0" y="1299280"/>
+            <a:ext cx="6095999" cy="3239082"/>
+          </a:xfrm>
+          <a:prstGeom prst="rect">
+            <a:avLst/>
+          </a:prstGeom>
+        </p:spPr>
+      </p:pic>
+    </p:spTree>
+    <p:extLst>
+      <p:ext uri="{BB962C8B-B14F-4D97-AF65-F5344CB8AC3E}">
+        <p14:creationId xmlns:p14="http://schemas.microsoft.com/office/powerpoint/2010/main" val="681622795"/>
       </p:ext>
     </p:extLst>
   </p:cSld>

--- a/projet4/projet4.pptx
+++ b/projet4/projet4.pptx
@@ -136,7 +136,7 @@
   <pc:docChgLst>
     <pc:chgData name="Christophe Lebrun" userId="303fc86cbab77272" providerId="LiveId" clId="{97259FEB-7F4F-4512-9CCD-9417EB025341}"/>
     <pc:docChg chg="modSld">
-      <pc:chgData name="Christophe Lebrun" userId="303fc86cbab77272" providerId="LiveId" clId="{97259FEB-7F4F-4512-9CCD-9417EB025341}" dt="2019-09-05T17:03:17.151" v="15" actId="14100"/>
+      <pc:chgData name="Christophe Lebrun" userId="303fc86cbab77272" providerId="LiveId" clId="{97259FEB-7F4F-4512-9CCD-9417EB025341}" dt="2019-09-12T14:25:59.314" v="17" actId="1035"/>
       <pc:docMkLst>
         <pc:docMk/>
       </pc:docMkLst>
@@ -154,6 +154,21 @@
             <ac:spMk id="6" creationId="{968DD6B4-A058-473F-99B6-FECCF66B654A}"/>
           </ac:spMkLst>
         </pc:spChg>
+      </pc:sldChg>
+      <pc:sldChg chg="modSp">
+        <pc:chgData name="Christophe Lebrun" userId="303fc86cbab77272" providerId="LiveId" clId="{97259FEB-7F4F-4512-9CCD-9417EB025341}" dt="2019-09-12T14:25:59.314" v="17" actId="1035"/>
+        <pc:sldMkLst>
+          <pc:docMk/>
+          <pc:sldMk cId="3559895393" sldId="278"/>
+        </pc:sldMkLst>
+        <pc:picChg chg="mod">
+          <ac:chgData name="Christophe Lebrun" userId="303fc86cbab77272" providerId="LiveId" clId="{97259FEB-7F4F-4512-9CCD-9417EB025341}" dt="2019-09-12T14:25:59.314" v="17" actId="1035"/>
+          <ac:picMkLst>
+            <pc:docMk/>
+            <pc:sldMk cId="3559895393" sldId="278"/>
+            <ac:picMk id="7" creationId="{66AA73F2-622F-4C68-9B49-D36B2110457B}"/>
+          </ac:picMkLst>
+        </pc:picChg>
       </pc:sldChg>
     </pc:docChg>
   </pc:docChgLst>
@@ -1649,7 +1664,7 @@
           <a:p>
             <a:fld id="{A6994B78-A156-4E76-BB28-39D7E36AE272}" type="datetimeFigureOut">
               <a:rPr lang="fr-FR" smtClean="0"/>
-              <a:t>10/09/2019</a:t>
+              <a:t>12/09/2019</a:t>
             </a:fld>
             <a:endParaRPr lang="fr-FR"/>
           </a:p>
@@ -1807,7 +1822,7 @@
           <a:p>
             <a:fld id="{5AA8A231-FDF8-4574-A969-AC3B90D90B32}" type="slidenum">
               <a:rPr lang="fr-FR" smtClean="0"/>
-              <a:t>‹N°›</a:t>
+              <a:t>‹#›</a:t>
             </a:fld>
             <a:endParaRPr lang="fr-FR"/>
           </a:p>
@@ -2170,7 +2185,7 @@
           <a:p>
             <a:fld id="{21493104-0DD6-4188-A408-37748D818DBE}" type="datetime1">
               <a:rPr lang="fr-FR" smtClean="0"/>
-              <a:t>10/09/2019</a:t>
+              <a:t>12/09/2019</a:t>
             </a:fld>
             <a:endParaRPr lang="fr-FR"/>
           </a:p>
@@ -2222,7 +2237,7 @@
           <a:p>
             <a:fld id="{22EBEF4F-4056-4A7E-9612-F3E8B502E28B}" type="slidenum">
               <a:rPr lang="fr-FR" smtClean="0"/>
-              <a:t>‹N°›</a:t>
+              <a:t>‹#›</a:t>
             </a:fld>
             <a:endParaRPr lang="fr-FR"/>
           </a:p>
@@ -2437,7 +2452,7 @@
           <a:p>
             <a:fld id="{33EC2012-1BFF-4C92-91DA-ED5E44E2DAE6}" type="datetime1">
               <a:rPr lang="fr-FR" smtClean="0"/>
-              <a:t>10/09/2019</a:t>
+              <a:t>12/09/2019</a:t>
             </a:fld>
             <a:endParaRPr lang="fr-FR"/>
           </a:p>
@@ -2479,7 +2494,7 @@
           <a:p>
             <a:fld id="{22EBEF4F-4056-4A7E-9612-F3E8B502E28B}" type="slidenum">
               <a:rPr lang="fr-FR" smtClean="0"/>
-              <a:t>‹N°›</a:t>
+              <a:t>‹#›</a:t>
             </a:fld>
             <a:endParaRPr lang="fr-FR"/>
           </a:p>
@@ -2668,7 +2683,7 @@
           <a:p>
             <a:fld id="{36D54C82-D4A8-4BCC-BBE6-5333B0B84731}" type="datetime1">
               <a:rPr lang="fr-FR" smtClean="0"/>
-              <a:t>10/09/2019</a:t>
+              <a:t>12/09/2019</a:t>
             </a:fld>
             <a:endParaRPr lang="fr-FR"/>
           </a:p>
@@ -2720,7 +2735,7 @@
           <a:p>
             <a:fld id="{22EBEF4F-4056-4A7E-9612-F3E8B502E28B}" type="slidenum">
               <a:rPr lang="fr-FR" smtClean="0"/>
-              <a:t>‹N°›</a:t>
+              <a:t>‹#›</a:t>
             </a:fld>
             <a:endParaRPr lang="fr-FR"/>
           </a:p>
@@ -2978,7 +2993,7 @@
           <a:p>
             <a:fld id="{DDD00B7C-7A69-493A-8A97-AE08389BB3D5}" type="datetime1">
               <a:rPr lang="fr-FR" smtClean="0"/>
-              <a:t>10/09/2019</a:t>
+              <a:t>12/09/2019</a:t>
             </a:fld>
             <a:endParaRPr lang="fr-FR"/>
           </a:p>
@@ -3030,7 +3045,7 @@
           <a:p>
             <a:fld id="{22EBEF4F-4056-4A7E-9612-F3E8B502E28B}" type="slidenum">
               <a:rPr lang="fr-FR" smtClean="0"/>
-              <a:t>‹N°›</a:t>
+              <a:t>‹#›</a:t>
             </a:fld>
             <a:endParaRPr lang="fr-FR"/>
           </a:p>
@@ -3451,7 +3466,7 @@
           <a:p>
             <a:fld id="{551B583F-2DDE-447D-8CBF-9525FA0FB806}" type="datetime1">
               <a:rPr lang="fr-FR" smtClean="0"/>
-              <a:t>10/09/2019</a:t>
+              <a:t>12/09/2019</a:t>
             </a:fld>
             <a:endParaRPr lang="fr-FR"/>
           </a:p>
@@ -3503,7 +3518,7 @@
           <a:p>
             <a:fld id="{22EBEF4F-4056-4A7E-9612-F3E8B502E28B}" type="slidenum">
               <a:rPr lang="fr-FR" smtClean="0"/>
-              <a:t>‹N°›</a:t>
+              <a:t>‹#›</a:t>
             </a:fld>
             <a:endParaRPr lang="fr-FR"/>
           </a:p>
@@ -3998,7 +4013,7 @@
           <a:p>
             <a:fld id="{F196D0C2-EC15-4914-BD1C-8DC6D93A7E06}" type="datetime1">
               <a:rPr lang="fr-FR" smtClean="0"/>
-              <a:t>10/09/2019</a:t>
+              <a:t>12/09/2019</a:t>
             </a:fld>
             <a:endParaRPr lang="fr-FR"/>
           </a:p>
@@ -4040,7 +4055,7 @@
           <a:p>
             <a:fld id="{22EBEF4F-4056-4A7E-9612-F3E8B502E28B}" type="slidenum">
               <a:rPr lang="fr-FR" smtClean="0"/>
-              <a:t>‹N°›</a:t>
+              <a:t>‹#›</a:t>
             </a:fld>
             <a:endParaRPr lang="fr-FR"/>
           </a:p>
@@ -4772,7 +4787,7 @@
           <a:p>
             <a:fld id="{B0F0F71C-CB2D-46DF-BBF5-45A6CF07943D}" type="datetime1">
               <a:rPr lang="fr-FR" smtClean="0"/>
-              <a:t>10/09/2019</a:t>
+              <a:t>12/09/2019</a:t>
             </a:fld>
             <a:endParaRPr lang="fr-FR"/>
           </a:p>
@@ -4814,7 +4829,7 @@
           <a:p>
             <a:fld id="{22EBEF4F-4056-4A7E-9612-F3E8B502E28B}" type="slidenum">
               <a:rPr lang="fr-FR" smtClean="0"/>
-              <a:t>‹N°›</a:t>
+              <a:t>‹#›</a:t>
             </a:fld>
             <a:endParaRPr lang="fr-FR"/>
           </a:p>
@@ -4947,7 +4962,7 @@
           <a:p>
             <a:fld id="{D8EE97A0-E3EB-454D-B57B-09208F6C2349}" type="datetime1">
               <a:rPr lang="fr-FR" smtClean="0"/>
-              <a:t>10/09/2019</a:t>
+              <a:t>12/09/2019</a:t>
             </a:fld>
             <a:endParaRPr lang="fr-FR"/>
           </a:p>
@@ -4989,7 +5004,7 @@
           <a:p>
             <a:fld id="{22EBEF4F-4056-4A7E-9612-F3E8B502E28B}" type="slidenum">
               <a:rPr lang="fr-FR" smtClean="0"/>
-              <a:t>‹N°›</a:t>
+              <a:t>‹#›</a:t>
             </a:fld>
             <a:endParaRPr lang="fr-FR"/>
           </a:p>
@@ -5170,7 +5185,7 @@
           <a:p>
             <a:fld id="{0C6102B9-41E8-4E57-8EA6-AB67D80E10AB}" type="datetime1">
               <a:rPr lang="fr-FR" smtClean="0"/>
-              <a:t>10/09/2019</a:t>
+              <a:t>12/09/2019</a:t>
             </a:fld>
             <a:endParaRPr lang="fr-FR"/>
           </a:p>
@@ -5222,7 +5237,7 @@
           <a:p>
             <a:fld id="{22EBEF4F-4056-4A7E-9612-F3E8B502E28B}" type="slidenum">
               <a:rPr lang="fr-FR" smtClean="0"/>
-              <a:t>‹N°›</a:t>
+              <a:t>‹#›</a:t>
             </a:fld>
             <a:endParaRPr lang="fr-FR"/>
           </a:p>
@@ -5411,7 +5426,7 @@
           <a:p>
             <a:fld id="{4A2428F8-4951-4546-B4FA-7B0FACC74B80}" type="datetime1">
               <a:rPr lang="fr-FR" smtClean="0"/>
-              <a:t>10/09/2019</a:t>
+              <a:t>12/09/2019</a:t>
             </a:fld>
             <a:endParaRPr lang="fr-FR"/>
           </a:p>
@@ -5463,7 +5478,7 @@
           <a:p>
             <a:fld id="{22EBEF4F-4056-4A7E-9612-F3E8B502E28B}" type="slidenum">
               <a:rPr lang="fr-FR" smtClean="0"/>
-              <a:t>‹N°›</a:t>
+              <a:t>‹#›</a:t>
             </a:fld>
             <a:endParaRPr lang="fr-FR"/>
           </a:p>
@@ -5591,7 +5606,7 @@
           <a:p>
             <a:fld id="{2468CB63-00AE-4756-B792-32C885852036}" type="datetime1">
               <a:rPr lang="fr-FR" smtClean="0"/>
-              <a:t>10/09/2019</a:t>
+              <a:t>12/09/2019</a:t>
             </a:fld>
             <a:endParaRPr lang="fr-FR"/>
           </a:p>
@@ -5638,7 +5653,7 @@
           <a:p>
             <a:fld id="{22EBEF4F-4056-4A7E-9612-F3E8B502E28B}" type="slidenum">
               <a:rPr lang="fr-FR" smtClean="0"/>
-              <a:t>‹N°›</a:t>
+              <a:t>‹#›</a:t>
             </a:fld>
             <a:endParaRPr lang="fr-FR"/>
           </a:p>
@@ -5766,7 +5781,7 @@
           <a:p>
             <a:fld id="{824ACC8D-CADA-4745-885B-C009075ACE07}" type="datetime1">
               <a:rPr lang="fr-FR" smtClean="0"/>
-              <a:t>10/09/2019</a:t>
+              <a:t>12/09/2019</a:t>
             </a:fld>
             <a:endParaRPr lang="fr-FR"/>
           </a:p>
@@ -5808,7 +5823,7 @@
           <a:p>
             <a:fld id="{22EBEF4F-4056-4A7E-9612-F3E8B502E28B}" type="slidenum">
               <a:rPr lang="fr-FR" smtClean="0"/>
-              <a:t>‹N°›</a:t>
+              <a:t>‹#›</a:t>
             </a:fld>
             <a:endParaRPr lang="fr-FR"/>
           </a:p>
@@ -6055,7 +6070,7 @@
           <a:p>
             <a:fld id="{10EA4304-F7B0-45DA-9970-108CC9362744}" type="datetime1">
               <a:rPr lang="fr-FR" smtClean="0"/>
-              <a:t>10/09/2019</a:t>
+              <a:t>12/09/2019</a:t>
             </a:fld>
             <a:endParaRPr lang="fr-FR"/>
           </a:p>
@@ -6107,7 +6122,7 @@
           <a:p>
             <a:fld id="{22EBEF4F-4056-4A7E-9612-F3E8B502E28B}" type="slidenum">
               <a:rPr lang="fr-FR" smtClean="0"/>
-              <a:t>‹N°›</a:t>
+              <a:t>‹#›</a:t>
             </a:fld>
             <a:endParaRPr lang="fr-FR"/>
           </a:p>
@@ -6297,7 +6312,7 @@
           <a:p>
             <a:fld id="{5EF8BD1A-0AB3-42BB-87D7-511BD450E973}" type="datetime1">
               <a:rPr lang="fr-FR" smtClean="0"/>
-              <a:t>10/09/2019</a:t>
+              <a:t>12/09/2019</a:t>
             </a:fld>
             <a:endParaRPr lang="fr-FR"/>
           </a:p>
@@ -6339,7 +6354,7 @@
           <a:p>
             <a:fld id="{22EBEF4F-4056-4A7E-9612-F3E8B502E28B}" type="slidenum">
               <a:rPr lang="fr-FR" smtClean="0"/>
-              <a:t>‹N°›</a:t>
+              <a:t>‹#›</a:t>
             </a:fld>
             <a:endParaRPr lang="fr-FR"/>
           </a:p>
@@ -6676,7 +6691,7 @@
           <a:p>
             <a:fld id="{F0ED20F9-E137-45C5-9CDB-EB23F7F61742}" type="datetime1">
               <a:rPr lang="fr-FR" smtClean="0"/>
-              <a:t>10/09/2019</a:t>
+              <a:t>12/09/2019</a:t>
             </a:fld>
             <a:endParaRPr lang="fr-FR"/>
           </a:p>
@@ -6718,7 +6733,7 @@
           <a:p>
             <a:fld id="{22EBEF4F-4056-4A7E-9612-F3E8B502E28B}" type="slidenum">
               <a:rPr lang="fr-FR" smtClean="0"/>
-              <a:t>‹N°›</a:t>
+              <a:t>‹#›</a:t>
             </a:fld>
             <a:endParaRPr lang="fr-FR"/>
           </a:p>
@@ -6794,7 +6809,7 @@
           <a:p>
             <a:fld id="{7F549FA9-5419-4577-ACA1-5FA8B1F430E1}" type="datetime1">
               <a:rPr lang="fr-FR" smtClean="0"/>
-              <a:t>10/09/2019</a:t>
+              <a:t>12/09/2019</a:t>
             </a:fld>
             <a:endParaRPr lang="fr-FR"/>
           </a:p>
@@ -6836,7 +6851,7 @@
           <a:p>
             <a:fld id="{22EBEF4F-4056-4A7E-9612-F3E8B502E28B}" type="slidenum">
               <a:rPr lang="fr-FR" smtClean="0"/>
-              <a:t>‹N°›</a:t>
+              <a:t>‹#›</a:t>
             </a:fld>
             <a:endParaRPr lang="fr-FR"/>
           </a:p>
@@ -6889,7 +6904,7 @@
           <a:p>
             <a:fld id="{B732A3B4-D77F-4011-84A4-1CE2C85060AA}" type="datetime1">
               <a:rPr lang="fr-FR" smtClean="0"/>
-              <a:t>10/09/2019</a:t>
+              <a:t>12/09/2019</a:t>
             </a:fld>
             <a:endParaRPr lang="fr-FR"/>
           </a:p>
@@ -6931,7 +6946,7 @@
           <a:p>
             <a:fld id="{22EBEF4F-4056-4A7E-9612-F3E8B502E28B}" type="slidenum">
               <a:rPr lang="fr-FR" smtClean="0"/>
-              <a:t>‹N°›</a:t>
+              <a:t>‹#›</a:t>
             </a:fld>
             <a:endParaRPr lang="fr-FR"/>
           </a:p>
@@ -7138,7 +7153,7 @@
           <a:p>
             <a:fld id="{AFD5C01D-38A9-4545-9F6C-D14ECEB1FB25}" type="datetime1">
               <a:rPr lang="fr-FR" smtClean="0"/>
-              <a:t>10/09/2019</a:t>
+              <a:t>12/09/2019</a:t>
             </a:fld>
             <a:endParaRPr lang="fr-FR"/>
           </a:p>
@@ -7180,7 +7195,7 @@
           <a:p>
             <a:fld id="{22EBEF4F-4056-4A7E-9612-F3E8B502E28B}" type="slidenum">
               <a:rPr lang="fr-FR" smtClean="0"/>
-              <a:t>‹N°›</a:t>
+              <a:t>‹#›</a:t>
             </a:fld>
             <a:endParaRPr lang="fr-FR"/>
           </a:p>
@@ -7395,7 +7410,7 @@
           <a:p>
             <a:fld id="{AD9F5F43-A7C8-4BE7-8EDD-3B94DD5ED3AC}" type="datetime1">
               <a:rPr lang="fr-FR" smtClean="0"/>
-              <a:t>10/09/2019</a:t>
+              <a:t>12/09/2019</a:t>
             </a:fld>
             <a:endParaRPr lang="fr-FR"/>
           </a:p>
@@ -7437,7 +7452,7 @@
           <a:p>
             <a:fld id="{22EBEF4F-4056-4A7E-9612-F3E8B502E28B}" type="slidenum">
               <a:rPr lang="fr-FR" smtClean="0"/>
-              <a:t>‹N°›</a:t>
+              <a:t>‹#›</a:t>
             </a:fld>
             <a:endParaRPr lang="fr-FR"/>
           </a:p>
@@ -7652,7 +7667,7 @@
           <a:p>
             <a:fld id="{ACB6019D-FF65-4B6D-88E7-E32520CD55FC}" type="datetime1">
               <a:rPr lang="fr-FR" smtClean="0"/>
-              <a:t>10/09/2019</a:t>
+              <a:t>12/09/2019</a:t>
             </a:fld>
             <a:endParaRPr lang="fr-FR"/>
           </a:p>
@@ -7694,7 +7709,7 @@
           <a:p>
             <a:fld id="{22EBEF4F-4056-4A7E-9612-F3E8B502E28B}" type="slidenum">
               <a:rPr lang="fr-FR" smtClean="0"/>
-              <a:t>‹N°›</a:t>
+              <a:t>‹#›</a:t>
             </a:fld>
             <a:endParaRPr lang="fr-FR"/>
           </a:p>
@@ -7883,7 +7898,7 @@
           <a:p>
             <a:fld id="{F801886C-9464-46E7-BC75-B4C59B337121}" type="datetime1">
               <a:rPr lang="fr-FR" smtClean="0"/>
-              <a:t>10/09/2019</a:t>
+              <a:t>12/09/2019</a:t>
             </a:fld>
             <a:endParaRPr lang="fr-FR"/>
           </a:p>
@@ -7935,7 +7950,7 @@
           <a:p>
             <a:fld id="{22EBEF4F-4056-4A7E-9612-F3E8B502E28B}" type="slidenum">
               <a:rPr lang="fr-FR" smtClean="0"/>
-              <a:t>‹N°›</a:t>
+              <a:t>‹#›</a:t>
             </a:fld>
             <a:endParaRPr lang="fr-FR"/>
           </a:p>
@@ -8193,7 +8208,7 @@
           <a:p>
             <a:fld id="{AB2972D2-6F14-4C24-9E0C-4FF7F34B2768}" type="datetime1">
               <a:rPr lang="fr-FR" smtClean="0"/>
-              <a:t>10/09/2019</a:t>
+              <a:t>12/09/2019</a:t>
             </a:fld>
             <a:endParaRPr lang="fr-FR"/>
           </a:p>
@@ -8245,7 +8260,7 @@
           <a:p>
             <a:fld id="{22EBEF4F-4056-4A7E-9612-F3E8B502E28B}" type="slidenum">
               <a:rPr lang="fr-FR" smtClean="0"/>
-              <a:t>‹N°›</a:t>
+              <a:t>‹#›</a:t>
             </a:fld>
             <a:endParaRPr lang="fr-FR"/>
           </a:p>
@@ -8724,7 +8739,7 @@
           <a:p>
             <a:fld id="{F898AE11-0657-4D23-A8AC-E411F594EC7D}" type="datetime1">
               <a:rPr lang="fr-FR" smtClean="0"/>
-              <a:t>10/09/2019</a:t>
+              <a:t>12/09/2019</a:t>
             </a:fld>
             <a:endParaRPr lang="fr-FR"/>
           </a:p>
@@ -8776,7 +8791,7 @@
           <a:p>
             <a:fld id="{22EBEF4F-4056-4A7E-9612-F3E8B502E28B}" type="slidenum">
               <a:rPr lang="fr-FR" smtClean="0"/>
-              <a:t>‹N°›</a:t>
+              <a:t>‹#›</a:t>
             </a:fld>
             <a:endParaRPr lang="fr-FR"/>
           </a:p>
@@ -8965,7 +8980,7 @@
           <a:p>
             <a:fld id="{150DD647-851C-4A6E-99E4-412E2060441D}" type="datetime1">
               <a:rPr lang="fr-FR" smtClean="0"/>
-              <a:t>10/09/2019</a:t>
+              <a:t>12/09/2019</a:t>
             </a:fld>
             <a:endParaRPr lang="fr-FR"/>
           </a:p>
@@ -9017,7 +9032,7 @@
           <a:p>
             <a:fld id="{22EBEF4F-4056-4A7E-9612-F3E8B502E28B}" type="slidenum">
               <a:rPr lang="fr-FR" smtClean="0"/>
-              <a:t>‹N°›</a:t>
+              <a:t>‹#›</a:t>
             </a:fld>
             <a:endParaRPr lang="fr-FR"/>
           </a:p>
@@ -9512,7 +9527,7 @@
           <a:p>
             <a:fld id="{33781566-4F69-403C-9080-3BFEE2B37491}" type="datetime1">
               <a:rPr lang="fr-FR" smtClean="0"/>
-              <a:t>10/09/2019</a:t>
+              <a:t>12/09/2019</a:t>
             </a:fld>
             <a:endParaRPr lang="fr-FR"/>
           </a:p>
@@ -9554,7 +9569,7 @@
           <a:p>
             <a:fld id="{22EBEF4F-4056-4A7E-9612-F3E8B502E28B}" type="slidenum">
               <a:rPr lang="fr-FR" smtClean="0"/>
-              <a:t>‹N°›</a:t>
+              <a:t>‹#›</a:t>
             </a:fld>
             <a:endParaRPr lang="fr-FR"/>
           </a:p>
@@ -10286,7 +10301,7 @@
           <a:p>
             <a:fld id="{14D47B0C-B5AB-42EB-BB2D-F19425E95921}" type="datetime1">
               <a:rPr lang="fr-FR" smtClean="0"/>
-              <a:t>10/09/2019</a:t>
+              <a:t>12/09/2019</a:t>
             </a:fld>
             <a:endParaRPr lang="fr-FR"/>
           </a:p>
@@ -10328,7 +10343,7 @@
           <a:p>
             <a:fld id="{22EBEF4F-4056-4A7E-9612-F3E8B502E28B}" type="slidenum">
               <a:rPr lang="fr-FR" smtClean="0"/>
-              <a:t>‹N°›</a:t>
+              <a:t>‹#›</a:t>
             </a:fld>
             <a:endParaRPr lang="fr-FR"/>
           </a:p>
@@ -10461,7 +10476,7 @@
           <a:p>
             <a:fld id="{C573A1F9-098E-4818-B4BA-05597FCE7433}" type="datetime1">
               <a:rPr lang="fr-FR" smtClean="0"/>
-              <a:t>10/09/2019</a:t>
+              <a:t>12/09/2019</a:t>
             </a:fld>
             <a:endParaRPr lang="fr-FR"/>
           </a:p>
@@ -10503,7 +10518,7 @@
           <a:p>
             <a:fld id="{22EBEF4F-4056-4A7E-9612-F3E8B502E28B}" type="slidenum">
               <a:rPr lang="fr-FR" smtClean="0"/>
-              <a:t>‹N°›</a:t>
+              <a:t>‹#›</a:t>
             </a:fld>
             <a:endParaRPr lang="fr-FR"/>
           </a:p>
@@ -10684,7 +10699,7 @@
           <a:p>
             <a:fld id="{9B85617F-11C8-46B4-82FC-6C143D8E927D}" type="datetime1">
               <a:rPr lang="fr-FR" smtClean="0"/>
-              <a:t>10/09/2019</a:t>
+              <a:t>12/09/2019</a:t>
             </a:fld>
             <a:endParaRPr lang="fr-FR"/>
           </a:p>
@@ -10736,7 +10751,7 @@
           <a:p>
             <a:fld id="{22EBEF4F-4056-4A7E-9612-F3E8B502E28B}" type="slidenum">
               <a:rPr lang="fr-FR" smtClean="0"/>
-              <a:t>‹N°›</a:t>
+              <a:t>‹#›</a:t>
             </a:fld>
             <a:endParaRPr lang="fr-FR"/>
           </a:p>
@@ -10926,7 +10941,7 @@
           <a:p>
             <a:fld id="{5F7B142A-F148-4ADB-A468-FE587DAD07D9}" type="datetime1">
               <a:rPr lang="fr-FR" smtClean="0"/>
-              <a:t>10/09/2019</a:t>
+              <a:t>12/09/2019</a:t>
             </a:fld>
             <a:endParaRPr lang="fr-FR"/>
           </a:p>
@@ -10968,7 +10983,7 @@
           <a:p>
             <a:fld id="{22EBEF4F-4056-4A7E-9612-F3E8B502E28B}" type="slidenum">
               <a:rPr lang="fr-FR" smtClean="0"/>
-              <a:t>‹N°›</a:t>
+              <a:t>‹#›</a:t>
             </a:fld>
             <a:endParaRPr lang="fr-FR"/>
           </a:p>
@@ -11305,7 +11320,7 @@
           <a:p>
             <a:fld id="{DF19706F-1691-421A-B634-B96F386F7B76}" type="datetime1">
               <a:rPr lang="fr-FR" smtClean="0"/>
-              <a:t>10/09/2019</a:t>
+              <a:t>12/09/2019</a:t>
             </a:fld>
             <a:endParaRPr lang="fr-FR"/>
           </a:p>
@@ -11347,7 +11362,7 @@
           <a:p>
             <a:fld id="{22EBEF4F-4056-4A7E-9612-F3E8B502E28B}" type="slidenum">
               <a:rPr lang="fr-FR" smtClean="0"/>
-              <a:t>‹N°›</a:t>
+              <a:t>‹#›</a:t>
             </a:fld>
             <a:endParaRPr lang="fr-FR"/>
           </a:p>
@@ -11423,7 +11438,7 @@
           <a:p>
             <a:fld id="{82E02EEA-4114-443B-89FA-6E832FF354CE}" type="datetime1">
               <a:rPr lang="fr-FR" smtClean="0"/>
-              <a:t>10/09/2019</a:t>
+              <a:t>12/09/2019</a:t>
             </a:fld>
             <a:endParaRPr lang="fr-FR"/>
           </a:p>
@@ -11465,7 +11480,7 @@
           <a:p>
             <a:fld id="{22EBEF4F-4056-4A7E-9612-F3E8B502E28B}" type="slidenum">
               <a:rPr lang="fr-FR" smtClean="0"/>
-              <a:t>‹N°›</a:t>
+              <a:t>‹#›</a:t>
             </a:fld>
             <a:endParaRPr lang="fr-FR"/>
           </a:p>
@@ -11518,7 +11533,7 @@
           <a:p>
             <a:fld id="{5BF41AA7-3BDA-4782-B3C5-401728461EBA}" type="datetime1">
               <a:rPr lang="fr-FR" smtClean="0"/>
-              <a:t>10/09/2019</a:t>
+              <a:t>12/09/2019</a:t>
             </a:fld>
             <a:endParaRPr lang="fr-FR"/>
           </a:p>
@@ -11560,7 +11575,7 @@
           <a:p>
             <a:fld id="{22EBEF4F-4056-4A7E-9612-F3E8B502E28B}" type="slidenum">
               <a:rPr lang="fr-FR" smtClean="0"/>
-              <a:t>‹N°›</a:t>
+              <a:t>‹#›</a:t>
             </a:fld>
             <a:endParaRPr lang="fr-FR"/>
           </a:p>
@@ -11767,7 +11782,7 @@
           <a:p>
             <a:fld id="{790D4B45-0ED5-401D-87BF-F27E5AD4E8F6}" type="datetime1">
               <a:rPr lang="fr-FR" smtClean="0"/>
-              <a:t>10/09/2019</a:t>
+              <a:t>12/09/2019</a:t>
             </a:fld>
             <a:endParaRPr lang="fr-FR"/>
           </a:p>
@@ -11809,7 +11824,7 @@
           <a:p>
             <a:fld id="{22EBEF4F-4056-4A7E-9612-F3E8B502E28B}" type="slidenum">
               <a:rPr lang="fr-FR" smtClean="0"/>
-              <a:t>‹N°›</a:t>
+              <a:t>‹#›</a:t>
             </a:fld>
             <a:endParaRPr lang="fr-FR"/>
           </a:p>
@@ -12024,7 +12039,7 @@
           <a:p>
             <a:fld id="{C4BA227D-3211-4923-B058-2465568DA97C}" type="datetime1">
               <a:rPr lang="fr-FR" smtClean="0"/>
-              <a:t>10/09/2019</a:t>
+              <a:t>12/09/2019</a:t>
             </a:fld>
             <a:endParaRPr lang="fr-FR"/>
           </a:p>
@@ -12066,7 +12081,7 @@
           <a:p>
             <a:fld id="{22EBEF4F-4056-4A7E-9612-F3E8B502E28B}" type="slidenum">
               <a:rPr lang="fr-FR" smtClean="0"/>
-              <a:t>‹N°›</a:t>
+              <a:t>‹#›</a:t>
             </a:fld>
             <a:endParaRPr lang="fr-FR"/>
           </a:p>
@@ -12267,7 +12282,7 @@
           <a:p>
             <a:fld id="{C0D22650-866C-43F7-8C91-C810959EF2B7}" type="datetime1">
               <a:rPr lang="fr-FR" smtClean="0"/>
-              <a:t>10/09/2019</a:t>
+              <a:t>12/09/2019</a:t>
             </a:fld>
             <a:endParaRPr lang="fr-FR"/>
           </a:p>
@@ -12345,7 +12360,7 @@
           <a:p>
             <a:fld id="{22EBEF4F-4056-4A7E-9612-F3E8B502E28B}" type="slidenum">
               <a:rPr lang="fr-FR" smtClean="0"/>
-              <a:t>‹N°›</a:t>
+              <a:t>‹#›</a:t>
             </a:fld>
             <a:endParaRPr lang="fr-FR"/>
           </a:p>
@@ -12844,7 +12859,7 @@
           <a:p>
             <a:fld id="{5B5C616A-C141-4933-A34B-F1CCCBC47195}" type="datetime1">
               <a:rPr lang="fr-FR" smtClean="0"/>
-              <a:t>10/09/2019</a:t>
+              <a:t>12/09/2019</a:t>
             </a:fld>
             <a:endParaRPr lang="fr-FR"/>
           </a:p>
@@ -12922,7 +12937,7 @@
           <a:p>
             <a:fld id="{22EBEF4F-4056-4A7E-9612-F3E8B502E28B}" type="slidenum">
               <a:rPr lang="fr-FR" smtClean="0"/>
-              <a:t>‹N°›</a:t>
+              <a:t>‹#›</a:t>
             </a:fld>
             <a:endParaRPr lang="fr-FR"/>
           </a:p>
@@ -15311,7 +15326,7 @@
         </p:blipFill>
         <p:spPr bwMode="auto">
           <a:xfrm>
-            <a:off x="0" y="0"/>
+            <a:off x="0" y="-16934"/>
             <a:ext cx="4762500" cy="2181225"/>
           </a:xfrm>
           <a:prstGeom prst="rect">
